--- a/RollBall/roll_ball.pptx
+++ b/RollBall/roll_ball.pptx
@@ -265,7 +265,7 @@
           <a:p>
             <a:fld id="{55484BE3-27E7-49EA-9085-01EC175E6EED}" type="datetimeFigureOut">
               <a:rPr lang="ko-KR" altLang="en-US" smtClean="0"/>
-              <a:t>2021-07-23</a:t>
+              <a:t>2021-07-24</a:t>
             </a:fld>
             <a:endParaRPr lang="ko-KR" altLang="en-US"/>
           </a:p>
@@ -463,7 +463,7 @@
           <a:p>
             <a:fld id="{55484BE3-27E7-49EA-9085-01EC175E6EED}" type="datetimeFigureOut">
               <a:rPr lang="ko-KR" altLang="en-US" smtClean="0"/>
-              <a:t>2021-07-23</a:t>
+              <a:t>2021-07-24</a:t>
             </a:fld>
             <a:endParaRPr lang="ko-KR" altLang="en-US"/>
           </a:p>
@@ -671,7 +671,7 @@
           <a:p>
             <a:fld id="{55484BE3-27E7-49EA-9085-01EC175E6EED}" type="datetimeFigureOut">
               <a:rPr lang="ko-KR" altLang="en-US" smtClean="0"/>
-              <a:t>2021-07-23</a:t>
+              <a:t>2021-07-24</a:t>
             </a:fld>
             <a:endParaRPr lang="ko-KR" altLang="en-US"/>
           </a:p>
@@ -869,7 +869,7 @@
           <a:p>
             <a:fld id="{55484BE3-27E7-49EA-9085-01EC175E6EED}" type="datetimeFigureOut">
               <a:rPr lang="ko-KR" altLang="en-US" smtClean="0"/>
-              <a:t>2021-07-23</a:t>
+              <a:t>2021-07-24</a:t>
             </a:fld>
             <a:endParaRPr lang="ko-KR" altLang="en-US"/>
           </a:p>
@@ -1144,7 +1144,7 @@
           <a:p>
             <a:fld id="{55484BE3-27E7-49EA-9085-01EC175E6EED}" type="datetimeFigureOut">
               <a:rPr lang="ko-KR" altLang="en-US" smtClean="0"/>
-              <a:t>2021-07-23</a:t>
+              <a:t>2021-07-24</a:t>
             </a:fld>
             <a:endParaRPr lang="ko-KR" altLang="en-US"/>
           </a:p>
@@ -1409,7 +1409,7 @@
           <a:p>
             <a:fld id="{55484BE3-27E7-49EA-9085-01EC175E6EED}" type="datetimeFigureOut">
               <a:rPr lang="ko-KR" altLang="en-US" smtClean="0"/>
-              <a:t>2021-07-23</a:t>
+              <a:t>2021-07-24</a:t>
             </a:fld>
             <a:endParaRPr lang="ko-KR" altLang="en-US"/>
           </a:p>
@@ -1821,7 +1821,7 @@
           <a:p>
             <a:fld id="{55484BE3-27E7-49EA-9085-01EC175E6EED}" type="datetimeFigureOut">
               <a:rPr lang="ko-KR" altLang="en-US" smtClean="0"/>
-              <a:t>2021-07-23</a:t>
+              <a:t>2021-07-24</a:t>
             </a:fld>
             <a:endParaRPr lang="ko-KR" altLang="en-US"/>
           </a:p>
@@ -1962,7 +1962,7 @@
           <a:p>
             <a:fld id="{55484BE3-27E7-49EA-9085-01EC175E6EED}" type="datetimeFigureOut">
               <a:rPr lang="ko-KR" altLang="en-US" smtClean="0"/>
-              <a:t>2021-07-23</a:t>
+              <a:t>2021-07-24</a:t>
             </a:fld>
             <a:endParaRPr lang="ko-KR" altLang="en-US"/>
           </a:p>
@@ -2075,7 +2075,7 @@
           <a:p>
             <a:fld id="{55484BE3-27E7-49EA-9085-01EC175E6EED}" type="datetimeFigureOut">
               <a:rPr lang="ko-KR" altLang="en-US" smtClean="0"/>
-              <a:t>2021-07-23</a:t>
+              <a:t>2021-07-24</a:t>
             </a:fld>
             <a:endParaRPr lang="ko-KR" altLang="en-US"/>
           </a:p>
@@ -2386,7 +2386,7 @@
           <a:p>
             <a:fld id="{55484BE3-27E7-49EA-9085-01EC175E6EED}" type="datetimeFigureOut">
               <a:rPr lang="ko-KR" altLang="en-US" smtClean="0"/>
-              <a:t>2021-07-23</a:t>
+              <a:t>2021-07-24</a:t>
             </a:fld>
             <a:endParaRPr lang="ko-KR" altLang="en-US"/>
           </a:p>
@@ -2674,7 +2674,7 @@
           <a:p>
             <a:fld id="{55484BE3-27E7-49EA-9085-01EC175E6EED}" type="datetimeFigureOut">
               <a:rPr lang="ko-KR" altLang="en-US" smtClean="0"/>
-              <a:t>2021-07-23</a:t>
+              <a:t>2021-07-24</a:t>
             </a:fld>
             <a:endParaRPr lang="ko-KR" altLang="en-US"/>
           </a:p>
@@ -2915,7 +2915,7 @@
           <a:p>
             <a:fld id="{55484BE3-27E7-49EA-9085-01EC175E6EED}" type="datetimeFigureOut">
               <a:rPr lang="ko-KR" altLang="en-US" smtClean="0"/>
-              <a:t>2021-07-23</a:t>
+              <a:t>2021-07-24</a:t>
             </a:fld>
             <a:endParaRPr lang="ko-KR" altLang="en-US"/>
           </a:p>
@@ -3625,6 +3625,53 @@
           </a:p>
         </p:txBody>
       </p:sp>
+      <p:pic>
+        <p:nvPicPr>
+          <p:cNvPr id="1026" name="Picture 2" descr="Free Java Rolling with Katamari Software Download">
+            <a:extLst>
+              <a:ext uri="{FF2B5EF4-FFF2-40B4-BE49-F238E27FC236}">
+                <a16:creationId xmlns:a16="http://schemas.microsoft.com/office/drawing/2014/main" id="{2B781868-2F39-4EDF-89DC-FC1BCEEB2A3E}"/>
+              </a:ext>
+            </a:extLst>
+          </p:cNvPr>
+          <p:cNvPicPr>
+            <a:picLocks noChangeAspect="1" noChangeArrowheads="1"/>
+          </p:cNvPicPr>
+          <p:nvPr/>
+        </p:nvPicPr>
+        <p:blipFill>
+          <a:blip r:embed="rId2">
+            <a:extLst>
+              <a:ext uri="{28A0092B-C50C-407E-A947-70E740481C1C}">
+                <a14:useLocalDpi xmlns:a14="http://schemas.microsoft.com/office/drawing/2010/main" val="0"/>
+              </a:ext>
+            </a:extLst>
+          </a:blip>
+          <a:srcRect/>
+          <a:stretch>
+            <a:fillRect/>
+          </a:stretch>
+        </p:blipFill>
+        <p:spPr bwMode="auto">
+          <a:xfrm>
+            <a:off x="8241631" y="953294"/>
+            <a:ext cx="2286000" cy="3048000"/>
+          </a:xfrm>
+          <a:prstGeom prst="rect">
+            <a:avLst/>
+          </a:prstGeom>
+          <a:noFill/>
+          <a:extLst>
+            <a:ext uri="{909E8E84-426E-40DD-AFC4-6F175D3DCCD1}">
+              <a14:hiddenFill xmlns:a14="http://schemas.microsoft.com/office/drawing/2010/main">
+                <a:solidFill>
+                  <a:srgbClr val="FFFFFF"/>
+                </a:solidFill>
+              </a14:hiddenFill>
+            </a:ext>
+          </a:extLst>
+        </p:spPr>
+      </p:pic>
     </p:spTree>
     <p:extLst>
       <p:ext uri="{BB962C8B-B14F-4D97-AF65-F5344CB8AC3E}">

--- a/RollBall/roll_ball.pptx
+++ b/RollBall/roll_ball.pptx
@@ -2,24 +2,33 @@
 <file path=ppt/presentation.xml><?xml version="1.0" encoding="utf-8"?>
 <p:presentation xmlns:a="http://schemas.openxmlformats.org/drawingml/2006/main" xmlns:r="http://schemas.openxmlformats.org/officeDocument/2006/relationships" xmlns:p="http://schemas.openxmlformats.org/presentationml/2006/main" saveSubsetFonts="1">
   <p:sldMasterIdLst>
-    <p:sldMasterId id="2147483648" r:id="rId1"/>
+    <p:sldMasterId id="2147483696" r:id="rId1"/>
   </p:sldMasterIdLst>
   <p:sldIdLst>
     <p:sldId id="256" r:id="rId2"/>
     <p:sldId id="257" r:id="rId3"/>
-    <p:sldId id="258" r:id="rId4"/>
-    <p:sldId id="259" r:id="rId5"/>
-    <p:sldId id="260" r:id="rId6"/>
-    <p:sldId id="261" r:id="rId7"/>
-    <p:sldId id="262" r:id="rId8"/>
+    <p:sldId id="263" r:id="rId4"/>
+    <p:sldId id="264" r:id="rId5"/>
+    <p:sldId id="265" r:id="rId6"/>
+    <p:sldId id="266" r:id="rId7"/>
+    <p:sldId id="267" r:id="rId8"/>
+    <p:sldId id="271" r:id="rId9"/>
+    <p:sldId id="272" r:id="rId10"/>
+    <p:sldId id="273" r:id="rId11"/>
+    <p:sldId id="274" r:id="rId12"/>
+    <p:sldId id="260" r:id="rId13"/>
+    <p:sldId id="269" r:id="rId14"/>
+    <p:sldId id="261" r:id="rId15"/>
+    <p:sldId id="270" r:id="rId16"/>
+    <p:sldId id="275" r:id="rId17"/>
   </p:sldIdLst>
   <p:sldSz cx="12192000" cy="6858000"/>
   <p:notesSz cx="6858000" cy="9144000"/>
   <p:defaultTextStyle>
     <a:defPPr>
-      <a:defRPr lang="ko-KR"/>
+      <a:defRPr lang="en-US"/>
     </a:defPPr>
-    <a:lvl1pPr marL="0" algn="l" defTabSz="914400" rtl="0" eaLnBrk="1" latinLnBrk="1" hangingPunct="1">
+    <a:lvl1pPr marL="0" algn="l" defTabSz="457200" rtl="0" eaLnBrk="1" latinLnBrk="0" hangingPunct="1">
       <a:defRPr sz="1800" kern="1200">
         <a:solidFill>
           <a:schemeClr val="tx1"/>
@@ -29,7 +38,7 @@
         <a:cs typeface="+mn-cs"/>
       </a:defRPr>
     </a:lvl1pPr>
-    <a:lvl2pPr marL="457200" algn="l" defTabSz="914400" rtl="0" eaLnBrk="1" latinLnBrk="1" hangingPunct="1">
+    <a:lvl2pPr marL="457200" algn="l" defTabSz="457200" rtl="0" eaLnBrk="1" latinLnBrk="0" hangingPunct="1">
       <a:defRPr sz="1800" kern="1200">
         <a:solidFill>
           <a:schemeClr val="tx1"/>
@@ -39,7 +48,7 @@
         <a:cs typeface="+mn-cs"/>
       </a:defRPr>
     </a:lvl2pPr>
-    <a:lvl3pPr marL="914400" algn="l" defTabSz="914400" rtl="0" eaLnBrk="1" latinLnBrk="1" hangingPunct="1">
+    <a:lvl3pPr marL="914400" algn="l" defTabSz="457200" rtl="0" eaLnBrk="1" latinLnBrk="0" hangingPunct="1">
       <a:defRPr sz="1800" kern="1200">
         <a:solidFill>
           <a:schemeClr val="tx1"/>
@@ -49,7 +58,7 @@
         <a:cs typeface="+mn-cs"/>
       </a:defRPr>
     </a:lvl3pPr>
-    <a:lvl4pPr marL="1371600" algn="l" defTabSz="914400" rtl="0" eaLnBrk="1" latinLnBrk="1" hangingPunct="1">
+    <a:lvl4pPr marL="1371600" algn="l" defTabSz="457200" rtl="0" eaLnBrk="1" latinLnBrk="0" hangingPunct="1">
       <a:defRPr sz="1800" kern="1200">
         <a:solidFill>
           <a:schemeClr val="tx1"/>
@@ -59,7 +68,7 @@
         <a:cs typeface="+mn-cs"/>
       </a:defRPr>
     </a:lvl4pPr>
-    <a:lvl5pPr marL="1828800" algn="l" defTabSz="914400" rtl="0" eaLnBrk="1" latinLnBrk="1" hangingPunct="1">
+    <a:lvl5pPr marL="1828800" algn="l" defTabSz="457200" rtl="0" eaLnBrk="1" latinLnBrk="0" hangingPunct="1">
       <a:defRPr sz="1800" kern="1200">
         <a:solidFill>
           <a:schemeClr val="tx1"/>
@@ -69,7 +78,7 @@
         <a:cs typeface="+mn-cs"/>
       </a:defRPr>
     </a:lvl5pPr>
-    <a:lvl6pPr marL="2286000" algn="l" defTabSz="914400" rtl="0" eaLnBrk="1" latinLnBrk="1" hangingPunct="1">
+    <a:lvl6pPr marL="2286000" algn="l" defTabSz="457200" rtl="0" eaLnBrk="1" latinLnBrk="0" hangingPunct="1">
       <a:defRPr sz="1800" kern="1200">
         <a:solidFill>
           <a:schemeClr val="tx1"/>
@@ -79,7 +88,7 @@
         <a:cs typeface="+mn-cs"/>
       </a:defRPr>
     </a:lvl6pPr>
-    <a:lvl7pPr marL="2743200" algn="l" defTabSz="914400" rtl="0" eaLnBrk="1" latinLnBrk="1" hangingPunct="1">
+    <a:lvl7pPr marL="2743200" algn="l" defTabSz="457200" rtl="0" eaLnBrk="1" latinLnBrk="0" hangingPunct="1">
       <a:defRPr sz="1800" kern="1200">
         <a:solidFill>
           <a:schemeClr val="tx1"/>
@@ -89,7 +98,7 @@
         <a:cs typeface="+mn-cs"/>
       </a:defRPr>
     </a:lvl7pPr>
-    <a:lvl8pPr marL="3200400" algn="l" defTabSz="914400" rtl="0" eaLnBrk="1" latinLnBrk="1" hangingPunct="1">
+    <a:lvl8pPr marL="3200400" algn="l" defTabSz="457200" rtl="0" eaLnBrk="1" latinLnBrk="0" hangingPunct="1">
       <a:defRPr sz="1800" kern="1200">
         <a:solidFill>
           <a:schemeClr val="tx1"/>
@@ -99,7 +108,7 @@
         <a:cs typeface="+mn-cs"/>
       </a:defRPr>
     </a:lvl8pPr>
-    <a:lvl9pPr marL="3657600" algn="l" defTabSz="914400" rtl="0" eaLnBrk="1" latinLnBrk="1" hangingPunct="1">
+    <a:lvl9pPr marL="3657600" algn="l" defTabSz="457200" rtl="0" eaLnBrk="1" latinLnBrk="0" hangingPunct="1">
       <a:defRPr sz="1800" kern="1200">
         <a:solidFill>
           <a:schemeClr val="tx1"/>
@@ -121,6 +130,14 @@
 <file path=ppt/slideLayouts/slideLayout1.xml><?xml version="1.0" encoding="utf-8"?>
 <p:sldLayout xmlns:a="http://schemas.openxmlformats.org/drawingml/2006/main" xmlns:r="http://schemas.openxmlformats.org/officeDocument/2006/relationships" xmlns:p="http://schemas.openxmlformats.org/presentationml/2006/main" type="title" preserve="1">
   <p:cSld name="제목 슬라이드">
+    <p:bg>
+      <p:bgPr>
+        <a:solidFill>
+          <a:schemeClr val="accent1"/>
+        </a:solidFill>
+        <a:effectLst/>
+      </p:bgPr>
+    </p:bg>
     <p:spTree>
       <p:nvGrpSpPr>
         <p:cNvPr id="1" name=""/>
@@ -137,31 +154,69 @@
       </p:grpSpPr>
       <p:sp>
         <p:nvSpPr>
-          <p:cNvPr id="2" name="제목 1">
-            <a:extLst>
-              <a:ext uri="{FF2B5EF4-FFF2-40B4-BE49-F238E27FC236}">
-                <a16:creationId xmlns:a16="http://schemas.microsoft.com/office/drawing/2014/main" id="{8CC94EDF-5DB9-44DB-8078-B1290C062DC0}"/>
-              </a:ext>
-            </a:extLst>
-          </p:cNvPr>
-          <p:cNvSpPr>
-            <a:spLocks noGrp="1"/>
-          </p:cNvSpPr>
-          <p:nvPr>
-            <p:ph type="ctrTitle"/>
-          </p:nvPr>
+          <p:cNvPr id="4" name="Rectangle 3"/>
+          <p:cNvSpPr/>
+          <p:nvPr/>
         </p:nvSpPr>
         <p:spPr>
           <a:xfrm>
-            <a:off x="1524000" y="1122363"/>
-            <a:ext cx="9144000" cy="2387600"/>
+            <a:off x="0" y="0"/>
+            <a:ext cx="12192000" cy="6858000"/>
+          </a:xfrm>
+          <a:prstGeom prst="rect">
+            <a:avLst/>
+          </a:prstGeom>
+          <a:ln>
+            <a:noFill/>
+          </a:ln>
+        </p:spPr>
+        <p:style>
+          <a:lnRef idx="2">
+            <a:schemeClr val="accent1">
+              <a:shade val="50000"/>
+            </a:schemeClr>
+          </a:lnRef>
+          <a:fillRef idx="1">
+            <a:schemeClr val="accent1"/>
+          </a:fillRef>
+          <a:effectRef idx="0">
+            <a:schemeClr val="accent1"/>
+          </a:effectRef>
+          <a:fontRef idx="minor">
+            <a:schemeClr val="lt1"/>
+          </a:fontRef>
+        </p:style>
+      </p:sp>
+      <p:sp>
+        <p:nvSpPr>
+          <p:cNvPr id="2" name="Title 1"/>
+          <p:cNvSpPr>
+            <a:spLocks noGrp="1"/>
+          </p:cNvSpPr>
+          <p:nvPr>
+            <p:ph type="ctrTitle"/>
+          </p:nvPr>
+        </p:nvSpPr>
+        <p:spPr>
+          <a:xfrm>
+            <a:off x="603504" y="770467"/>
+            <a:ext cx="10782300" cy="3352800"/>
           </a:xfrm>
         </p:spPr>
         <p:txBody>
-          <a:bodyPr anchor="b"/>
+          <a:bodyPr anchor="b">
+            <a:noAutofit/>
+          </a:bodyPr>
           <a:lstStyle>
-            <a:lvl1pPr algn="ctr">
-              <a:defRPr sz="6000"/>
+            <a:lvl1pPr algn="l">
+              <a:lnSpc>
+                <a:spcPct val="80000"/>
+              </a:lnSpc>
+              <a:defRPr sz="8800" spc="-120" baseline="0">
+                <a:solidFill>
+                  <a:srgbClr val="FFFFFF"/>
+                </a:solidFill>
+              </a:defRPr>
             </a:lvl1pPr>
           </a:lstStyle>
           <a:p>
@@ -169,18 +224,13 @@
               <a:rPr lang="ko-KR" altLang="en-US"/>
               <a:t>마스터 제목 스타일 편집</a:t>
             </a:r>
-          </a:p>
-        </p:txBody>
-      </p:sp>
-      <p:sp>
-        <p:nvSpPr>
-          <p:cNvPr id="3" name="부제목 2">
-            <a:extLst>
-              <a:ext uri="{FF2B5EF4-FFF2-40B4-BE49-F238E27FC236}">
-                <a16:creationId xmlns:a16="http://schemas.microsoft.com/office/drawing/2014/main" id="{659D4BBE-883A-4CE5-BF21-DAC43AD12075}"/>
-              </a:ext>
-            </a:extLst>
-          </p:cNvPr>
+            <a:endParaRPr lang="en-US" dirty="0"/>
+          </a:p>
+        </p:txBody>
+      </p:sp>
+      <p:sp>
+        <p:nvSpPr>
+          <p:cNvPr id="3" name="Subtitle 2"/>
           <p:cNvSpPr>
             <a:spLocks noGrp="1"/>
           </p:cNvSpPr>
@@ -190,82 +240,94 @@
         </p:nvSpPr>
         <p:spPr>
           <a:xfrm>
-            <a:off x="1524000" y="3602038"/>
-            <a:ext cx="9144000" cy="1655762"/>
+            <a:off x="667512" y="4206876"/>
+            <a:ext cx="9228201" cy="1645920"/>
           </a:xfrm>
         </p:spPr>
         <p:txBody>
+          <a:bodyPr>
+            <a:normAutofit/>
+          </a:bodyPr>
+          <a:lstStyle>
+            <a:lvl1pPr marL="0" indent="0" algn="l">
+              <a:buNone/>
+              <a:defRPr sz="3200">
+                <a:solidFill>
+                  <a:schemeClr val="bg1"/>
+                </a:solidFill>
+                <a:latin typeface="+mj-lt"/>
+              </a:defRPr>
+            </a:lvl1pPr>
+            <a:lvl2pPr marL="457200" indent="0" algn="ctr">
+              <a:buNone/>
+              <a:defRPr sz="2800"/>
+            </a:lvl2pPr>
+            <a:lvl3pPr marL="914400" indent="0" algn="ctr">
+              <a:buNone/>
+              <a:defRPr sz="2400"/>
+            </a:lvl3pPr>
+            <a:lvl4pPr marL="1371600" indent="0" algn="ctr">
+              <a:buNone/>
+              <a:defRPr sz="2000"/>
+            </a:lvl4pPr>
+            <a:lvl5pPr marL="1828800" indent="0" algn="ctr">
+              <a:buNone/>
+              <a:defRPr sz="2000"/>
+            </a:lvl5pPr>
+            <a:lvl6pPr marL="2286000" indent="0" algn="ctr">
+              <a:buNone/>
+              <a:defRPr sz="2000"/>
+            </a:lvl6pPr>
+            <a:lvl7pPr marL="2743200" indent="0" algn="ctr">
+              <a:buNone/>
+              <a:defRPr sz="2000"/>
+            </a:lvl7pPr>
+            <a:lvl8pPr marL="3200400" indent="0" algn="ctr">
+              <a:buNone/>
+              <a:defRPr sz="2000"/>
+            </a:lvl8pPr>
+            <a:lvl9pPr marL="3657600" indent="0" algn="ctr">
+              <a:buNone/>
+              <a:defRPr sz="2000"/>
+            </a:lvl9pPr>
+          </a:lstStyle>
+          <a:p>
+            <a:r>
+              <a:rPr lang="ko-KR" altLang="en-US"/>
+              <a:t>클릭하여 마스터 부제목 스타일 편집</a:t>
+            </a:r>
+            <a:endParaRPr lang="en-US" dirty="0"/>
+          </a:p>
+        </p:txBody>
+      </p:sp>
+      <p:sp>
+        <p:nvSpPr>
+          <p:cNvPr id="7" name="Date Placeholder 6"/>
+          <p:cNvSpPr>
+            <a:spLocks noGrp="1"/>
+          </p:cNvSpPr>
+          <p:nvPr>
+            <p:ph type="dt" sz="half" idx="10"/>
+          </p:nvPr>
+        </p:nvSpPr>
+        <p:spPr/>
+        <p:txBody>
           <a:bodyPr/>
           <a:lstStyle>
-            <a:lvl1pPr marL="0" indent="0" algn="ctr">
-              <a:buNone/>
-              <a:defRPr sz="2400"/>
+            <a:lvl1pPr>
+              <a:defRPr>
+                <a:solidFill>
+                  <a:srgbClr val="FFFFFF">
+                    <a:alpha val="80000"/>
+                  </a:srgbClr>
+                </a:solidFill>
+              </a:defRPr>
             </a:lvl1pPr>
-            <a:lvl2pPr marL="457200" indent="0" algn="ctr">
-              <a:buNone/>
-              <a:defRPr sz="2000"/>
-            </a:lvl2pPr>
-            <a:lvl3pPr marL="914400" indent="0" algn="ctr">
-              <a:buNone/>
-              <a:defRPr sz="1800"/>
-            </a:lvl3pPr>
-            <a:lvl4pPr marL="1371600" indent="0" algn="ctr">
-              <a:buNone/>
-              <a:defRPr sz="1600"/>
-            </a:lvl4pPr>
-            <a:lvl5pPr marL="1828800" indent="0" algn="ctr">
-              <a:buNone/>
-              <a:defRPr sz="1600"/>
-            </a:lvl5pPr>
-            <a:lvl6pPr marL="2286000" indent="0" algn="ctr">
-              <a:buNone/>
-              <a:defRPr sz="1600"/>
-            </a:lvl6pPr>
-            <a:lvl7pPr marL="2743200" indent="0" algn="ctr">
-              <a:buNone/>
-              <a:defRPr sz="1600"/>
-            </a:lvl7pPr>
-            <a:lvl8pPr marL="3200400" indent="0" algn="ctr">
-              <a:buNone/>
-              <a:defRPr sz="1600"/>
-            </a:lvl8pPr>
-            <a:lvl9pPr marL="3657600" indent="0" algn="ctr">
-              <a:buNone/>
-              <a:defRPr sz="1600"/>
-            </a:lvl9pPr>
           </a:lstStyle>
-          <a:p>
-            <a:r>
-              <a:rPr lang="ko-KR" altLang="en-US"/>
-              <a:t>클릭하여 마스터 부제목 스타일 편집</a:t>
-            </a:r>
-          </a:p>
-        </p:txBody>
-      </p:sp>
-      <p:sp>
-        <p:nvSpPr>
-          <p:cNvPr id="4" name="날짜 개체 틀 3">
-            <a:extLst>
-              <a:ext uri="{FF2B5EF4-FFF2-40B4-BE49-F238E27FC236}">
-                <a16:creationId xmlns:a16="http://schemas.microsoft.com/office/drawing/2014/main" id="{C451D5C7-15DD-43CE-957F-C5E07BF82F05}"/>
-              </a:ext>
-            </a:extLst>
-          </p:cNvPr>
-          <p:cNvSpPr>
-            <a:spLocks noGrp="1"/>
-          </p:cNvSpPr>
-          <p:nvPr>
-            <p:ph type="dt" sz="half" idx="10"/>
-          </p:nvPr>
-        </p:nvSpPr>
-        <p:spPr/>
-        <p:txBody>
-          <a:bodyPr/>
-          <a:lstStyle/>
           <a:p>
             <a:fld id="{55484BE3-27E7-49EA-9085-01EC175E6EED}" type="datetimeFigureOut">
               <a:rPr lang="ko-KR" altLang="en-US" smtClean="0"/>
-              <a:t>2021-07-24</a:t>
+              <a:t>2021-07-26</a:t>
             </a:fld>
             <a:endParaRPr lang="ko-KR" altLang="en-US"/>
           </a:p>
@@ -273,13 +335,7 @@
       </p:sp>
       <p:sp>
         <p:nvSpPr>
-          <p:cNvPr id="5" name="바닥글 개체 틀 4">
-            <a:extLst>
-              <a:ext uri="{FF2B5EF4-FFF2-40B4-BE49-F238E27FC236}">
-                <a16:creationId xmlns:a16="http://schemas.microsoft.com/office/drawing/2014/main" id="{82100B46-A8ED-4CC3-843E-F7D9D638DEE4}"/>
-              </a:ext>
-            </a:extLst>
-          </p:cNvPr>
+          <p:cNvPr id="8" name="Footer Placeholder 7"/>
           <p:cNvSpPr>
             <a:spLocks noGrp="1"/>
           </p:cNvSpPr>
@@ -290,7 +346,17 @@
         <p:spPr/>
         <p:txBody>
           <a:bodyPr/>
-          <a:lstStyle/>
+          <a:lstStyle>
+            <a:lvl1pPr>
+              <a:defRPr>
+                <a:solidFill>
+                  <a:srgbClr val="FFFFFF">
+                    <a:alpha val="80000"/>
+                  </a:srgbClr>
+                </a:solidFill>
+              </a:defRPr>
+            </a:lvl1pPr>
+          </a:lstStyle>
           <a:p>
             <a:endParaRPr lang="ko-KR" altLang="en-US"/>
           </a:p>
@@ -298,13 +364,7 @@
       </p:sp>
       <p:sp>
         <p:nvSpPr>
-          <p:cNvPr id="6" name="슬라이드 번호 개체 틀 5">
-            <a:extLst>
-              <a:ext uri="{FF2B5EF4-FFF2-40B4-BE49-F238E27FC236}">
-                <a16:creationId xmlns:a16="http://schemas.microsoft.com/office/drawing/2014/main" id="{C5667DA7-D72E-4D76-AFC2-B4D3BFA020E5}"/>
-              </a:ext>
-            </a:extLst>
-          </p:cNvPr>
+          <p:cNvPr id="9" name="Slide Number Placeholder 8"/>
           <p:cNvSpPr>
             <a:spLocks noGrp="1"/>
           </p:cNvSpPr>
@@ -315,7 +375,17 @@
         <p:spPr/>
         <p:txBody>
           <a:bodyPr/>
-          <a:lstStyle/>
+          <a:lstStyle>
+            <a:lvl1pPr>
+              <a:defRPr>
+                <a:solidFill>
+                  <a:srgbClr val="FFFFFF">
+                    <a:alpha val="25000"/>
+                  </a:srgbClr>
+                </a:solidFill>
+              </a:defRPr>
+            </a:lvl1pPr>
+          </a:lstStyle>
           <a:p>
             <a:fld id="{9E53214D-296E-49A2-8453-16B60F47E5FF}" type="slidenum">
               <a:rPr lang="ko-KR" altLang="en-US" smtClean="0"/>
@@ -328,7 +398,7 @@
     </p:spTree>
     <p:extLst>
       <p:ext uri="{BB962C8B-B14F-4D97-AF65-F5344CB8AC3E}">
-        <p14:creationId xmlns:p14="http://schemas.microsoft.com/office/powerpoint/2010/main" val="3154837775"/>
+        <p14:creationId xmlns:p14="http://schemas.microsoft.com/office/powerpoint/2010/main" val="3106099130"/>
       </p:ext>
     </p:extLst>
   </p:cSld>
@@ -357,13 +427,7 @@
       </p:grpSpPr>
       <p:sp>
         <p:nvSpPr>
-          <p:cNvPr id="2" name="제목 1">
-            <a:extLst>
-              <a:ext uri="{FF2B5EF4-FFF2-40B4-BE49-F238E27FC236}">
-                <a16:creationId xmlns:a16="http://schemas.microsoft.com/office/drawing/2014/main" id="{FBE26BD2-0B10-45A0-8BAF-636B258EBFA8}"/>
-              </a:ext>
-            </a:extLst>
-          </p:cNvPr>
+          <p:cNvPr id="2" name="Title 1"/>
           <p:cNvSpPr>
             <a:spLocks noGrp="1"/>
           </p:cNvSpPr>
@@ -380,18 +444,13 @@
               <a:rPr lang="ko-KR" altLang="en-US"/>
               <a:t>마스터 제목 스타일 편집</a:t>
             </a:r>
-          </a:p>
-        </p:txBody>
-      </p:sp>
-      <p:sp>
-        <p:nvSpPr>
-          <p:cNvPr id="3" name="세로 텍스트 개체 틀 2">
-            <a:extLst>
-              <a:ext uri="{FF2B5EF4-FFF2-40B4-BE49-F238E27FC236}">
-                <a16:creationId xmlns:a16="http://schemas.microsoft.com/office/drawing/2014/main" id="{EE02B6C4-E343-406F-8430-3EB0A4743A13}"/>
-              </a:ext>
-            </a:extLst>
-          </p:cNvPr>
+            <a:endParaRPr lang="en-US" dirty="0"/>
+          </a:p>
+        </p:txBody>
+      </p:sp>
+      <p:sp>
+        <p:nvSpPr>
+          <p:cNvPr id="3" name="Vertical Text Placeholder 2"/>
           <p:cNvSpPr>
             <a:spLocks noGrp="1"/>
           </p:cNvSpPr>
@@ -437,18 +496,13 @@
               <a:rPr lang="ko-KR" altLang="en-US"/>
               <a:t>다섯 번째 수준</a:t>
             </a:r>
-          </a:p>
-        </p:txBody>
-      </p:sp>
-      <p:sp>
-        <p:nvSpPr>
-          <p:cNvPr id="4" name="날짜 개체 틀 3">
-            <a:extLst>
-              <a:ext uri="{FF2B5EF4-FFF2-40B4-BE49-F238E27FC236}">
-                <a16:creationId xmlns:a16="http://schemas.microsoft.com/office/drawing/2014/main" id="{76F61397-EEC8-485C-81C2-3DFA2E2A31D0}"/>
-              </a:ext>
-            </a:extLst>
-          </p:cNvPr>
+            <a:endParaRPr lang="en-US" dirty="0"/>
+          </a:p>
+        </p:txBody>
+      </p:sp>
+      <p:sp>
+        <p:nvSpPr>
+          <p:cNvPr id="4" name="Date Placeholder 3"/>
           <p:cNvSpPr>
             <a:spLocks noGrp="1"/>
           </p:cNvSpPr>
@@ -463,7 +517,7 @@
           <a:p>
             <a:fld id="{55484BE3-27E7-49EA-9085-01EC175E6EED}" type="datetimeFigureOut">
               <a:rPr lang="ko-KR" altLang="en-US" smtClean="0"/>
-              <a:t>2021-07-24</a:t>
+              <a:t>2021-07-26</a:t>
             </a:fld>
             <a:endParaRPr lang="ko-KR" altLang="en-US"/>
           </a:p>
@@ -471,13 +525,7 @@
       </p:sp>
       <p:sp>
         <p:nvSpPr>
-          <p:cNvPr id="5" name="바닥글 개체 틀 4">
-            <a:extLst>
-              <a:ext uri="{FF2B5EF4-FFF2-40B4-BE49-F238E27FC236}">
-                <a16:creationId xmlns:a16="http://schemas.microsoft.com/office/drawing/2014/main" id="{8AD67FF1-D45E-4E4C-A3DC-4789547BD8FC}"/>
-              </a:ext>
-            </a:extLst>
-          </p:cNvPr>
+          <p:cNvPr id="5" name="Footer Placeholder 4"/>
           <p:cNvSpPr>
             <a:spLocks noGrp="1"/>
           </p:cNvSpPr>
@@ -496,13 +544,7 @@
       </p:sp>
       <p:sp>
         <p:nvSpPr>
-          <p:cNvPr id="6" name="슬라이드 번호 개체 틀 5">
-            <a:extLst>
-              <a:ext uri="{FF2B5EF4-FFF2-40B4-BE49-F238E27FC236}">
-                <a16:creationId xmlns:a16="http://schemas.microsoft.com/office/drawing/2014/main" id="{DCE632D3-9D1A-4DF1-8704-FBD633895E71}"/>
-              </a:ext>
-            </a:extLst>
-          </p:cNvPr>
+          <p:cNvPr id="6" name="Slide Number Placeholder 5"/>
           <p:cNvSpPr>
             <a:spLocks noGrp="1"/>
           </p:cNvSpPr>
@@ -526,7 +568,7 @@
     </p:spTree>
     <p:extLst>
       <p:ext uri="{BB962C8B-B14F-4D97-AF65-F5344CB8AC3E}">
-        <p14:creationId xmlns:p14="http://schemas.microsoft.com/office/powerpoint/2010/main" val="1276943786"/>
+        <p14:creationId xmlns:p14="http://schemas.microsoft.com/office/powerpoint/2010/main" val="1072894700"/>
       </p:ext>
     </p:extLst>
   </p:cSld>
@@ -555,13 +597,7 @@
       </p:grpSpPr>
       <p:sp>
         <p:nvSpPr>
-          <p:cNvPr id="2" name="세로 제목 1">
-            <a:extLst>
-              <a:ext uri="{FF2B5EF4-FFF2-40B4-BE49-F238E27FC236}">
-                <a16:creationId xmlns:a16="http://schemas.microsoft.com/office/drawing/2014/main" id="{25B2D335-9C06-40E6-8130-49A78B0AE967}"/>
-              </a:ext>
-            </a:extLst>
-          </p:cNvPr>
+          <p:cNvPr id="2" name="Vertical Title 1"/>
           <p:cNvSpPr>
             <a:spLocks noGrp="1"/>
           </p:cNvSpPr>
@@ -571,8 +607,8 @@
         </p:nvSpPr>
         <p:spPr>
           <a:xfrm>
-            <a:off x="8724900" y="365125"/>
-            <a:ext cx="2628900" cy="5811838"/>
+            <a:off x="8743950" y="695325"/>
+            <a:ext cx="2628900" cy="4800600"/>
           </a:xfrm>
         </p:spPr>
         <p:txBody>
@@ -583,18 +619,13 @@
               <a:rPr lang="ko-KR" altLang="en-US"/>
               <a:t>마스터 제목 스타일 편집</a:t>
             </a:r>
-          </a:p>
-        </p:txBody>
-      </p:sp>
-      <p:sp>
-        <p:nvSpPr>
-          <p:cNvPr id="3" name="세로 텍스트 개체 틀 2">
-            <a:extLst>
-              <a:ext uri="{FF2B5EF4-FFF2-40B4-BE49-F238E27FC236}">
-                <a16:creationId xmlns:a16="http://schemas.microsoft.com/office/drawing/2014/main" id="{6361323D-F936-449D-B57E-C62DBED4C754}"/>
-              </a:ext>
-            </a:extLst>
-          </p:cNvPr>
+            <a:endParaRPr lang="en-US" dirty="0"/>
+          </a:p>
+        </p:txBody>
+      </p:sp>
+      <p:sp>
+        <p:nvSpPr>
+          <p:cNvPr id="3" name="Vertical Text Placeholder 2"/>
           <p:cNvSpPr>
             <a:spLocks noGrp="1"/>
           </p:cNvSpPr>
@@ -604,8 +635,8 @@
         </p:nvSpPr>
         <p:spPr>
           <a:xfrm>
-            <a:off x="838200" y="365125"/>
-            <a:ext cx="7734300" cy="5811838"/>
+            <a:off x="771525" y="714375"/>
+            <a:ext cx="7734300" cy="5400675"/>
           </a:xfrm>
         </p:spPr>
         <p:txBody>
@@ -645,18 +676,13 @@
               <a:rPr lang="ko-KR" altLang="en-US"/>
               <a:t>다섯 번째 수준</a:t>
             </a:r>
-          </a:p>
-        </p:txBody>
-      </p:sp>
-      <p:sp>
-        <p:nvSpPr>
-          <p:cNvPr id="4" name="날짜 개체 틀 3">
-            <a:extLst>
-              <a:ext uri="{FF2B5EF4-FFF2-40B4-BE49-F238E27FC236}">
-                <a16:creationId xmlns:a16="http://schemas.microsoft.com/office/drawing/2014/main" id="{13FC022F-FFA7-4F23-9ED5-A51489E542A5}"/>
-              </a:ext>
-            </a:extLst>
-          </p:cNvPr>
+            <a:endParaRPr lang="en-US" dirty="0"/>
+          </a:p>
+        </p:txBody>
+      </p:sp>
+      <p:sp>
+        <p:nvSpPr>
+          <p:cNvPr id="4" name="Date Placeholder 3"/>
           <p:cNvSpPr>
             <a:spLocks noGrp="1"/>
           </p:cNvSpPr>
@@ -671,7 +697,7 @@
           <a:p>
             <a:fld id="{55484BE3-27E7-49EA-9085-01EC175E6EED}" type="datetimeFigureOut">
               <a:rPr lang="ko-KR" altLang="en-US" smtClean="0"/>
-              <a:t>2021-07-24</a:t>
+              <a:t>2021-07-26</a:t>
             </a:fld>
             <a:endParaRPr lang="ko-KR" altLang="en-US"/>
           </a:p>
@@ -679,13 +705,7 @@
       </p:sp>
       <p:sp>
         <p:nvSpPr>
-          <p:cNvPr id="5" name="바닥글 개체 틀 4">
-            <a:extLst>
-              <a:ext uri="{FF2B5EF4-FFF2-40B4-BE49-F238E27FC236}">
-                <a16:creationId xmlns:a16="http://schemas.microsoft.com/office/drawing/2014/main" id="{70D6C26D-75B4-4F2E-B5D0-A882C4E1DCAE}"/>
-              </a:ext>
-            </a:extLst>
-          </p:cNvPr>
+          <p:cNvPr id="5" name="Footer Placeholder 4"/>
           <p:cNvSpPr>
             <a:spLocks noGrp="1"/>
           </p:cNvSpPr>
@@ -704,13 +724,7 @@
       </p:sp>
       <p:sp>
         <p:nvSpPr>
-          <p:cNvPr id="6" name="슬라이드 번호 개체 틀 5">
-            <a:extLst>
-              <a:ext uri="{FF2B5EF4-FFF2-40B4-BE49-F238E27FC236}">
-                <a16:creationId xmlns:a16="http://schemas.microsoft.com/office/drawing/2014/main" id="{4E64B1CA-6A31-41AD-BB87-2EEF121ABC95}"/>
-              </a:ext>
-            </a:extLst>
-          </p:cNvPr>
+          <p:cNvPr id="6" name="Slide Number Placeholder 5"/>
           <p:cNvSpPr>
             <a:spLocks noGrp="1"/>
           </p:cNvSpPr>
@@ -734,7 +748,7 @@
     </p:spTree>
     <p:extLst>
       <p:ext uri="{BB962C8B-B14F-4D97-AF65-F5344CB8AC3E}">
-        <p14:creationId xmlns:p14="http://schemas.microsoft.com/office/powerpoint/2010/main" val="2454389280"/>
+        <p14:creationId xmlns:p14="http://schemas.microsoft.com/office/powerpoint/2010/main" val="2809961951"/>
       </p:ext>
     </p:extLst>
   </p:cSld>
@@ -763,13 +777,7 @@
       </p:grpSpPr>
       <p:sp>
         <p:nvSpPr>
-          <p:cNvPr id="2" name="제목 1">
-            <a:extLst>
-              <a:ext uri="{FF2B5EF4-FFF2-40B4-BE49-F238E27FC236}">
-                <a16:creationId xmlns:a16="http://schemas.microsoft.com/office/drawing/2014/main" id="{5311BCA1-75DD-4E64-B54F-1E3C4E4781E4}"/>
-              </a:ext>
-            </a:extLst>
-          </p:cNvPr>
+          <p:cNvPr id="2" name="Title 1"/>
           <p:cNvSpPr>
             <a:spLocks noGrp="1"/>
           </p:cNvSpPr>
@@ -786,18 +794,13 @@
               <a:rPr lang="ko-KR" altLang="en-US"/>
               <a:t>마스터 제목 스타일 편집</a:t>
             </a:r>
-          </a:p>
-        </p:txBody>
-      </p:sp>
-      <p:sp>
-        <p:nvSpPr>
-          <p:cNvPr id="3" name="내용 개체 틀 2">
-            <a:extLst>
-              <a:ext uri="{FF2B5EF4-FFF2-40B4-BE49-F238E27FC236}">
-                <a16:creationId xmlns:a16="http://schemas.microsoft.com/office/drawing/2014/main" id="{951D65BD-9D6E-4AE3-BB84-6DE3DC995913}"/>
-              </a:ext>
-            </a:extLst>
-          </p:cNvPr>
+            <a:endParaRPr lang="en-US" dirty="0"/>
+          </a:p>
+        </p:txBody>
+      </p:sp>
+      <p:sp>
+        <p:nvSpPr>
+          <p:cNvPr id="3" name="Content Placeholder 2"/>
           <p:cNvSpPr>
             <a:spLocks noGrp="1"/>
           </p:cNvSpPr>
@@ -843,18 +846,13 @@
               <a:rPr lang="ko-KR" altLang="en-US"/>
               <a:t>다섯 번째 수준</a:t>
             </a:r>
-          </a:p>
-        </p:txBody>
-      </p:sp>
-      <p:sp>
-        <p:nvSpPr>
-          <p:cNvPr id="4" name="날짜 개체 틀 3">
-            <a:extLst>
-              <a:ext uri="{FF2B5EF4-FFF2-40B4-BE49-F238E27FC236}">
-                <a16:creationId xmlns:a16="http://schemas.microsoft.com/office/drawing/2014/main" id="{F133AE1F-C4AE-427F-B20C-29254686C58C}"/>
-              </a:ext>
-            </a:extLst>
-          </p:cNvPr>
+            <a:endParaRPr lang="en-US" dirty="0"/>
+          </a:p>
+        </p:txBody>
+      </p:sp>
+      <p:sp>
+        <p:nvSpPr>
+          <p:cNvPr id="4" name="Date Placeholder 3"/>
           <p:cNvSpPr>
             <a:spLocks noGrp="1"/>
           </p:cNvSpPr>
@@ -869,7 +867,7 @@
           <a:p>
             <a:fld id="{55484BE3-27E7-49EA-9085-01EC175E6EED}" type="datetimeFigureOut">
               <a:rPr lang="ko-KR" altLang="en-US" smtClean="0"/>
-              <a:t>2021-07-24</a:t>
+              <a:t>2021-07-26</a:t>
             </a:fld>
             <a:endParaRPr lang="ko-KR" altLang="en-US"/>
           </a:p>
@@ -877,13 +875,7 @@
       </p:sp>
       <p:sp>
         <p:nvSpPr>
-          <p:cNvPr id="5" name="바닥글 개체 틀 4">
-            <a:extLst>
-              <a:ext uri="{FF2B5EF4-FFF2-40B4-BE49-F238E27FC236}">
-                <a16:creationId xmlns:a16="http://schemas.microsoft.com/office/drawing/2014/main" id="{8FE15735-3980-4D62-B9A4-92A89D9FE10B}"/>
-              </a:ext>
-            </a:extLst>
-          </p:cNvPr>
+          <p:cNvPr id="5" name="Footer Placeholder 4"/>
           <p:cNvSpPr>
             <a:spLocks noGrp="1"/>
           </p:cNvSpPr>
@@ -902,13 +894,7 @@
       </p:sp>
       <p:sp>
         <p:nvSpPr>
-          <p:cNvPr id="6" name="슬라이드 번호 개체 틀 5">
-            <a:extLst>
-              <a:ext uri="{FF2B5EF4-FFF2-40B4-BE49-F238E27FC236}">
-                <a16:creationId xmlns:a16="http://schemas.microsoft.com/office/drawing/2014/main" id="{EA3CCC93-41D9-4FE3-88C3-77B31BAD403D}"/>
-              </a:ext>
-            </a:extLst>
-          </p:cNvPr>
+          <p:cNvPr id="6" name="Slide Number Placeholder 5"/>
           <p:cNvSpPr>
             <a:spLocks noGrp="1"/>
           </p:cNvSpPr>
@@ -932,7 +918,7 @@
     </p:spTree>
     <p:extLst>
       <p:ext uri="{BB962C8B-B14F-4D97-AF65-F5344CB8AC3E}">
-        <p14:creationId xmlns:p14="http://schemas.microsoft.com/office/powerpoint/2010/main" val="435840546"/>
+        <p14:creationId xmlns:p14="http://schemas.microsoft.com/office/powerpoint/2010/main" val="797742167"/>
       </p:ext>
     </p:extLst>
   </p:cSld>
@@ -961,13 +947,7 @@
       </p:grpSpPr>
       <p:sp>
         <p:nvSpPr>
-          <p:cNvPr id="2" name="제목 1">
-            <a:extLst>
-              <a:ext uri="{FF2B5EF4-FFF2-40B4-BE49-F238E27FC236}">
-                <a16:creationId xmlns:a16="http://schemas.microsoft.com/office/drawing/2014/main" id="{61A33C34-1E7D-4402-8F5D-7B6F1AAEA946}"/>
-              </a:ext>
-            </a:extLst>
-          </p:cNvPr>
+          <p:cNvPr id="2" name="Title 1"/>
           <p:cNvSpPr>
             <a:spLocks noGrp="1"/>
           </p:cNvSpPr>
@@ -977,63 +957,68 @@
         </p:nvSpPr>
         <p:spPr>
           <a:xfrm>
-            <a:off x="831850" y="1709738"/>
-            <a:ext cx="10515600" cy="2852737"/>
+            <a:off x="603504" y="767419"/>
+            <a:ext cx="10780776" cy="3355848"/>
           </a:xfrm>
         </p:spPr>
         <p:txBody>
-          <a:bodyPr anchor="b"/>
+          <a:bodyPr anchor="b">
+            <a:normAutofit/>
+          </a:bodyPr>
           <a:lstStyle>
             <a:lvl1pPr>
-              <a:defRPr sz="6000"/>
-            </a:lvl1pPr>
-          </a:lstStyle>
-          <a:p>
-            <a:r>
-              <a:rPr lang="ko-KR" altLang="en-US"/>
-              <a:t>마스터 제목 스타일 편집</a:t>
-            </a:r>
-          </a:p>
-        </p:txBody>
-      </p:sp>
-      <p:sp>
-        <p:nvSpPr>
-          <p:cNvPr id="3" name="텍스트 개체 틀 2">
-            <a:extLst>
-              <a:ext uri="{FF2B5EF4-FFF2-40B4-BE49-F238E27FC236}">
-                <a16:creationId xmlns:a16="http://schemas.microsoft.com/office/drawing/2014/main" id="{E8E7194E-75FB-4B0B-B4D8-20618DCFACF5}"/>
-              </a:ext>
-            </a:extLst>
-          </p:cNvPr>
-          <p:cNvSpPr>
-            <a:spLocks noGrp="1"/>
-          </p:cNvSpPr>
-          <p:nvPr>
-            <p:ph type="body" idx="1"/>
-          </p:nvPr>
-        </p:nvSpPr>
-        <p:spPr>
-          <a:xfrm>
-            <a:off x="831850" y="4589463"/>
-            <a:ext cx="10515600" cy="1500187"/>
-          </a:xfrm>
-        </p:spPr>
-        <p:txBody>
-          <a:bodyPr/>
-          <a:lstStyle>
-            <a:lvl1pPr marL="0" indent="0">
-              <a:buNone/>
-              <a:defRPr sz="2400">
+              <a:lnSpc>
+                <a:spcPct val="80000"/>
+              </a:lnSpc>
+              <a:defRPr sz="8800" b="0" baseline="0">
                 <a:solidFill>
-                  <a:schemeClr val="tx1">
-                    <a:tint val="75000"/>
-                  </a:schemeClr>
+                  <a:schemeClr val="accent1"/>
                 </a:solidFill>
               </a:defRPr>
             </a:lvl1pPr>
+          </a:lstStyle>
+          <a:p>
+            <a:r>
+              <a:rPr lang="ko-KR" altLang="en-US"/>
+              <a:t>마스터 제목 스타일 편집</a:t>
+            </a:r>
+            <a:endParaRPr lang="en-US" dirty="0"/>
+          </a:p>
+        </p:txBody>
+      </p:sp>
+      <p:sp>
+        <p:nvSpPr>
+          <p:cNvPr id="3" name="Text Placeholder 2"/>
+          <p:cNvSpPr>
+            <a:spLocks noGrp="1"/>
+          </p:cNvSpPr>
+          <p:nvPr>
+            <p:ph type="body" idx="1"/>
+          </p:nvPr>
+        </p:nvSpPr>
+        <p:spPr>
+          <a:xfrm>
+            <a:off x="667512" y="4204209"/>
+            <a:ext cx="9226296" cy="1645920"/>
+          </a:xfrm>
+        </p:spPr>
+        <p:txBody>
+          <a:bodyPr anchor="t">
+            <a:normAutofit/>
+          </a:bodyPr>
+          <a:lstStyle>
+            <a:lvl1pPr marL="0" indent="0">
+              <a:buNone/>
+              <a:defRPr sz="3200">
+                <a:solidFill>
+                  <a:schemeClr val="tx1"/>
+                </a:solidFill>
+                <a:latin typeface="+mj-lt"/>
+              </a:defRPr>
+            </a:lvl1pPr>
             <a:lvl2pPr marL="457200" indent="0">
               <a:buNone/>
-              <a:defRPr sz="2000">
+              <a:defRPr sz="1800">
                 <a:solidFill>
                   <a:schemeClr val="tx1">
                     <a:tint val="75000"/>
@@ -1043,7 +1028,7 @@
             </a:lvl2pPr>
             <a:lvl3pPr marL="914400" indent="0">
               <a:buNone/>
-              <a:defRPr sz="1800">
+              <a:defRPr sz="1600">
                 <a:solidFill>
                   <a:schemeClr val="tx1">
                     <a:tint val="75000"/>
@@ -1053,7 +1038,7 @@
             </a:lvl3pPr>
             <a:lvl4pPr marL="1371600" indent="0">
               <a:buNone/>
-              <a:defRPr sz="1600">
+              <a:defRPr sz="1400">
                 <a:solidFill>
                   <a:schemeClr val="tx1">
                     <a:tint val="75000"/>
@@ -1063,7 +1048,7 @@
             </a:lvl4pPr>
             <a:lvl5pPr marL="1828800" indent="0">
               <a:buNone/>
-              <a:defRPr sz="1600">
+              <a:defRPr sz="1400">
                 <a:solidFill>
                   <a:schemeClr val="tx1">
                     <a:tint val="75000"/>
@@ -1073,7 +1058,7 @@
             </a:lvl5pPr>
             <a:lvl6pPr marL="2286000" indent="0">
               <a:buNone/>
-              <a:defRPr sz="1600">
+              <a:defRPr sz="1400">
                 <a:solidFill>
                   <a:schemeClr val="tx1">
                     <a:tint val="75000"/>
@@ -1083,7 +1068,7 @@
             </a:lvl6pPr>
             <a:lvl7pPr marL="2743200" indent="0">
               <a:buNone/>
-              <a:defRPr sz="1600">
+              <a:defRPr sz="1400">
                 <a:solidFill>
                   <a:schemeClr val="tx1">
                     <a:tint val="75000"/>
@@ -1093,7 +1078,7 @@
             </a:lvl7pPr>
             <a:lvl8pPr marL="3200400" indent="0">
               <a:buNone/>
-              <a:defRPr sz="1600">
+              <a:defRPr sz="1400">
                 <a:solidFill>
                   <a:schemeClr val="tx1">
                     <a:tint val="75000"/>
@@ -1103,7 +1088,7 @@
             </a:lvl8pPr>
             <a:lvl9pPr marL="3657600" indent="0">
               <a:buNone/>
-              <a:defRPr sz="1600">
+              <a:defRPr sz="1400">
                 <a:solidFill>
                   <a:schemeClr val="tx1">
                     <a:tint val="75000"/>
@@ -1123,13 +1108,7 @@
       </p:sp>
       <p:sp>
         <p:nvSpPr>
-          <p:cNvPr id="4" name="날짜 개체 틀 3">
-            <a:extLst>
-              <a:ext uri="{FF2B5EF4-FFF2-40B4-BE49-F238E27FC236}">
-                <a16:creationId xmlns:a16="http://schemas.microsoft.com/office/drawing/2014/main" id="{DADE7757-5A38-4965-9CAA-C64FC062E2B7}"/>
-              </a:ext>
-            </a:extLst>
-          </p:cNvPr>
+          <p:cNvPr id="4" name="Date Placeholder 3"/>
           <p:cNvSpPr>
             <a:spLocks noGrp="1"/>
           </p:cNvSpPr>
@@ -1144,7 +1123,7 @@
           <a:p>
             <a:fld id="{55484BE3-27E7-49EA-9085-01EC175E6EED}" type="datetimeFigureOut">
               <a:rPr lang="ko-KR" altLang="en-US" smtClean="0"/>
-              <a:t>2021-07-24</a:t>
+              <a:t>2021-07-26</a:t>
             </a:fld>
             <a:endParaRPr lang="ko-KR" altLang="en-US"/>
           </a:p>
@@ -1152,13 +1131,7 @@
       </p:sp>
       <p:sp>
         <p:nvSpPr>
-          <p:cNvPr id="5" name="바닥글 개체 틀 4">
-            <a:extLst>
-              <a:ext uri="{FF2B5EF4-FFF2-40B4-BE49-F238E27FC236}">
-                <a16:creationId xmlns:a16="http://schemas.microsoft.com/office/drawing/2014/main" id="{CC746F2C-8A46-44A3-89B7-4927D5C86DF3}"/>
-              </a:ext>
-            </a:extLst>
-          </p:cNvPr>
+          <p:cNvPr id="5" name="Footer Placeholder 4"/>
           <p:cNvSpPr>
             <a:spLocks noGrp="1"/>
           </p:cNvSpPr>
@@ -1177,13 +1150,7 @@
       </p:sp>
       <p:sp>
         <p:nvSpPr>
-          <p:cNvPr id="6" name="슬라이드 번호 개체 틀 5">
-            <a:extLst>
-              <a:ext uri="{FF2B5EF4-FFF2-40B4-BE49-F238E27FC236}">
-                <a16:creationId xmlns:a16="http://schemas.microsoft.com/office/drawing/2014/main" id="{13187AA0-26FD-4576-9A24-352C5A77C03E}"/>
-              </a:ext>
-            </a:extLst>
-          </p:cNvPr>
+          <p:cNvPr id="6" name="Slide Number Placeholder 5"/>
           <p:cNvSpPr>
             <a:spLocks noGrp="1"/>
           </p:cNvSpPr>
@@ -1207,7 +1174,7 @@
     </p:spTree>
     <p:extLst>
       <p:ext uri="{BB962C8B-B14F-4D97-AF65-F5344CB8AC3E}">
-        <p14:creationId xmlns:p14="http://schemas.microsoft.com/office/powerpoint/2010/main" val="4250519091"/>
+        <p14:creationId xmlns:p14="http://schemas.microsoft.com/office/powerpoint/2010/main" val="1388455155"/>
       </p:ext>
     </p:extLst>
   </p:cSld>
@@ -1236,13 +1203,7 @@
       </p:grpSpPr>
       <p:sp>
         <p:nvSpPr>
-          <p:cNvPr id="2" name="제목 1">
-            <a:extLst>
-              <a:ext uri="{FF2B5EF4-FFF2-40B4-BE49-F238E27FC236}">
-                <a16:creationId xmlns:a16="http://schemas.microsoft.com/office/drawing/2014/main" id="{D0F0939E-D7F3-484F-A6D2-C5933B766D8B}"/>
-              </a:ext>
-            </a:extLst>
-          </p:cNvPr>
+          <p:cNvPr id="2" name="Title 1"/>
           <p:cNvSpPr>
             <a:spLocks noGrp="1"/>
           </p:cNvSpPr>
@@ -1259,18 +1220,13 @@
               <a:rPr lang="ko-KR" altLang="en-US"/>
               <a:t>마스터 제목 스타일 편집</a:t>
             </a:r>
-          </a:p>
-        </p:txBody>
-      </p:sp>
-      <p:sp>
-        <p:nvSpPr>
-          <p:cNvPr id="3" name="내용 개체 틀 2">
-            <a:extLst>
-              <a:ext uri="{FF2B5EF4-FFF2-40B4-BE49-F238E27FC236}">
-                <a16:creationId xmlns:a16="http://schemas.microsoft.com/office/drawing/2014/main" id="{C46C9ECC-CEF9-4B1D-9EA4-9EF34455DB15}"/>
-              </a:ext>
-            </a:extLst>
-          </p:cNvPr>
+            <a:endParaRPr lang="en-US" dirty="0"/>
+          </a:p>
+        </p:txBody>
+      </p:sp>
+      <p:sp>
+        <p:nvSpPr>
+          <p:cNvPr id="3" name="Content Placeholder 2"/>
           <p:cNvSpPr>
             <a:spLocks noGrp="1"/>
           </p:cNvSpPr>
@@ -1280,13 +1236,41 @@
         </p:nvSpPr>
         <p:spPr>
           <a:xfrm>
-            <a:off x="838200" y="1825625"/>
-            <a:ext cx="5181600" cy="4351338"/>
+            <a:off x="676656" y="1998134"/>
+            <a:ext cx="4663440" cy="3767328"/>
           </a:xfrm>
         </p:spPr>
         <p:txBody>
           <a:bodyPr/>
-          <a:lstStyle/>
+          <a:lstStyle>
+            <a:lvl1pPr>
+              <a:defRPr sz="2400"/>
+            </a:lvl1pPr>
+            <a:lvl2pPr>
+              <a:defRPr sz="2000"/>
+            </a:lvl2pPr>
+            <a:lvl3pPr>
+              <a:defRPr sz="1800"/>
+            </a:lvl3pPr>
+            <a:lvl4pPr>
+              <a:defRPr sz="1600"/>
+            </a:lvl4pPr>
+            <a:lvl5pPr>
+              <a:defRPr sz="1600"/>
+            </a:lvl5pPr>
+            <a:lvl6pPr>
+              <a:defRPr sz="1600"/>
+            </a:lvl6pPr>
+            <a:lvl7pPr>
+              <a:defRPr sz="1600"/>
+            </a:lvl7pPr>
+            <a:lvl8pPr>
+              <a:defRPr sz="1600"/>
+            </a:lvl8pPr>
+            <a:lvl9pPr>
+              <a:defRPr sz="1600"/>
+            </a:lvl9pPr>
+          </a:lstStyle>
           <a:p>
             <a:pPr lvl="0"/>
             <a:r>
@@ -1321,18 +1305,13 @@
               <a:rPr lang="ko-KR" altLang="en-US"/>
               <a:t>다섯 번째 수준</a:t>
             </a:r>
-          </a:p>
-        </p:txBody>
-      </p:sp>
-      <p:sp>
-        <p:nvSpPr>
-          <p:cNvPr id="4" name="내용 개체 틀 3">
-            <a:extLst>
-              <a:ext uri="{FF2B5EF4-FFF2-40B4-BE49-F238E27FC236}">
-                <a16:creationId xmlns:a16="http://schemas.microsoft.com/office/drawing/2014/main" id="{DE00FAD2-9BD5-4AC1-A6BF-0C8E39A0B99E}"/>
-              </a:ext>
-            </a:extLst>
-          </p:cNvPr>
+            <a:endParaRPr lang="en-US" dirty="0"/>
+          </a:p>
+        </p:txBody>
+      </p:sp>
+      <p:sp>
+        <p:nvSpPr>
+          <p:cNvPr id="4" name="Content Placeholder 3"/>
           <p:cNvSpPr>
             <a:spLocks noGrp="1"/>
           </p:cNvSpPr>
@@ -1342,13 +1321,41 @@
         </p:nvSpPr>
         <p:spPr>
           <a:xfrm>
-            <a:off x="6172200" y="1825625"/>
-            <a:ext cx="5181600" cy="4351338"/>
+            <a:off x="6011330" y="1998134"/>
+            <a:ext cx="4663440" cy="3767328"/>
           </a:xfrm>
         </p:spPr>
         <p:txBody>
           <a:bodyPr/>
-          <a:lstStyle/>
+          <a:lstStyle>
+            <a:lvl1pPr>
+              <a:defRPr sz="2400"/>
+            </a:lvl1pPr>
+            <a:lvl2pPr>
+              <a:defRPr sz="2000"/>
+            </a:lvl2pPr>
+            <a:lvl3pPr>
+              <a:defRPr sz="1800"/>
+            </a:lvl3pPr>
+            <a:lvl4pPr>
+              <a:defRPr sz="1600"/>
+            </a:lvl4pPr>
+            <a:lvl5pPr>
+              <a:defRPr sz="1600"/>
+            </a:lvl5pPr>
+            <a:lvl6pPr>
+              <a:defRPr sz="1600"/>
+            </a:lvl6pPr>
+            <a:lvl7pPr>
+              <a:defRPr sz="1600"/>
+            </a:lvl7pPr>
+            <a:lvl8pPr>
+              <a:defRPr sz="1600"/>
+            </a:lvl8pPr>
+            <a:lvl9pPr>
+              <a:defRPr sz="1600"/>
+            </a:lvl9pPr>
+          </a:lstStyle>
           <a:p>
             <a:pPr lvl="0"/>
             <a:r>
@@ -1383,18 +1390,13 @@
               <a:rPr lang="ko-KR" altLang="en-US"/>
               <a:t>다섯 번째 수준</a:t>
             </a:r>
-          </a:p>
-        </p:txBody>
-      </p:sp>
-      <p:sp>
-        <p:nvSpPr>
-          <p:cNvPr id="5" name="날짜 개체 틀 4">
-            <a:extLst>
-              <a:ext uri="{FF2B5EF4-FFF2-40B4-BE49-F238E27FC236}">
-                <a16:creationId xmlns:a16="http://schemas.microsoft.com/office/drawing/2014/main" id="{BA899736-49DE-459B-AA65-E374ED68B33A}"/>
-              </a:ext>
-            </a:extLst>
-          </p:cNvPr>
+            <a:endParaRPr lang="en-US" dirty="0"/>
+          </a:p>
+        </p:txBody>
+      </p:sp>
+      <p:sp>
+        <p:nvSpPr>
+          <p:cNvPr id="5" name="Date Placeholder 4"/>
           <p:cNvSpPr>
             <a:spLocks noGrp="1"/>
           </p:cNvSpPr>
@@ -1409,7 +1411,7 @@
           <a:p>
             <a:fld id="{55484BE3-27E7-49EA-9085-01EC175E6EED}" type="datetimeFigureOut">
               <a:rPr lang="ko-KR" altLang="en-US" smtClean="0"/>
-              <a:t>2021-07-24</a:t>
+              <a:t>2021-07-26</a:t>
             </a:fld>
             <a:endParaRPr lang="ko-KR" altLang="en-US"/>
           </a:p>
@@ -1417,13 +1419,7 @@
       </p:sp>
       <p:sp>
         <p:nvSpPr>
-          <p:cNvPr id="6" name="바닥글 개체 틀 5">
-            <a:extLst>
-              <a:ext uri="{FF2B5EF4-FFF2-40B4-BE49-F238E27FC236}">
-                <a16:creationId xmlns:a16="http://schemas.microsoft.com/office/drawing/2014/main" id="{4EF7F4DD-029B-49F0-9CC7-D2746527479A}"/>
-              </a:ext>
-            </a:extLst>
-          </p:cNvPr>
+          <p:cNvPr id="6" name="Footer Placeholder 5"/>
           <p:cNvSpPr>
             <a:spLocks noGrp="1"/>
           </p:cNvSpPr>
@@ -1442,13 +1438,7 @@
       </p:sp>
       <p:sp>
         <p:nvSpPr>
-          <p:cNvPr id="7" name="슬라이드 번호 개체 틀 6">
-            <a:extLst>
-              <a:ext uri="{FF2B5EF4-FFF2-40B4-BE49-F238E27FC236}">
-                <a16:creationId xmlns:a16="http://schemas.microsoft.com/office/drawing/2014/main" id="{19FA89D5-0D06-4765-BE85-19F7454B03E5}"/>
-              </a:ext>
-            </a:extLst>
-          </p:cNvPr>
+          <p:cNvPr id="7" name="Slide Number Placeholder 6"/>
           <p:cNvSpPr>
             <a:spLocks noGrp="1"/>
           </p:cNvSpPr>
@@ -1472,7 +1462,7 @@
     </p:spTree>
     <p:extLst>
       <p:ext uri="{BB962C8B-B14F-4D97-AF65-F5344CB8AC3E}">
-        <p14:creationId xmlns:p14="http://schemas.microsoft.com/office/powerpoint/2010/main" val="837827520"/>
+        <p14:creationId xmlns:p14="http://schemas.microsoft.com/office/powerpoint/2010/main" val="3897348155"/>
       </p:ext>
     </p:extLst>
   </p:cSld>
@@ -1501,65 +1491,59 @@
       </p:grpSpPr>
       <p:sp>
         <p:nvSpPr>
-          <p:cNvPr id="2" name="제목 1">
-            <a:extLst>
-              <a:ext uri="{FF2B5EF4-FFF2-40B4-BE49-F238E27FC236}">
-                <a16:creationId xmlns:a16="http://schemas.microsoft.com/office/drawing/2014/main" id="{4DE84F81-1C63-4AA9-A2C6-6B48168E7036}"/>
-              </a:ext>
-            </a:extLst>
-          </p:cNvPr>
+          <p:cNvPr id="10" name="Title 9"/>
           <p:cNvSpPr>
             <a:spLocks noGrp="1"/>
           </p:cNvSpPr>
           <p:nvPr>
             <p:ph type="title"/>
+          </p:nvPr>
+        </p:nvSpPr>
+        <p:spPr/>
+        <p:txBody>
+          <a:bodyPr/>
+          <a:lstStyle/>
+          <a:p>
+            <a:r>
+              <a:rPr lang="ko-KR" altLang="en-US"/>
+              <a:t>마스터 제목 스타일 편집</a:t>
+            </a:r>
+            <a:endParaRPr lang="en-US" dirty="0"/>
+          </a:p>
+        </p:txBody>
+      </p:sp>
+      <p:sp>
+        <p:nvSpPr>
+          <p:cNvPr id="3" name="Text Placeholder 2"/>
+          <p:cNvSpPr>
+            <a:spLocks noGrp="1"/>
+          </p:cNvSpPr>
+          <p:nvPr>
+            <p:ph type="body" idx="1"/>
           </p:nvPr>
         </p:nvSpPr>
         <p:spPr>
           <a:xfrm>
-            <a:off x="839788" y="365125"/>
-            <a:ext cx="10515600" cy="1325563"/>
+            <a:off x="676656" y="2040467"/>
+            <a:ext cx="4663440" cy="723400"/>
           </a:xfrm>
         </p:spPr>
         <p:txBody>
-          <a:bodyPr/>
-          <a:lstStyle/>
-          <a:p>
-            <a:r>
-              <a:rPr lang="ko-KR" altLang="en-US"/>
-              <a:t>마스터 제목 스타일 편집</a:t>
-            </a:r>
-          </a:p>
-        </p:txBody>
-      </p:sp>
-      <p:sp>
-        <p:nvSpPr>
-          <p:cNvPr id="3" name="텍스트 개체 틀 2">
-            <a:extLst>
-              <a:ext uri="{FF2B5EF4-FFF2-40B4-BE49-F238E27FC236}">
-                <a16:creationId xmlns:a16="http://schemas.microsoft.com/office/drawing/2014/main" id="{EC9393B7-AF64-4D57-8F29-31DC30AC40F4}"/>
-              </a:ext>
-            </a:extLst>
-          </p:cNvPr>
-          <p:cNvSpPr>
-            <a:spLocks noGrp="1"/>
-          </p:cNvSpPr>
-          <p:nvPr>
-            <p:ph type="body" idx="1"/>
-          </p:nvPr>
-        </p:nvSpPr>
-        <p:spPr>
-          <a:xfrm>
-            <a:off x="839788" y="1681163"/>
-            <a:ext cx="5157787" cy="823912"/>
-          </a:xfrm>
-        </p:spPr>
-        <p:txBody>
-          <a:bodyPr anchor="b"/>
+          <a:bodyPr anchor="ctr">
+            <a:normAutofit/>
+          </a:bodyPr>
           <a:lstStyle>
             <a:lvl1pPr marL="0" indent="0">
               <a:buNone/>
-              <a:defRPr sz="2400" b="1"/>
+              <a:defRPr sz="2200" b="0" cap="all" baseline="0">
+                <a:solidFill>
+                  <a:schemeClr val="tx1">
+                    <a:lumMod val="85000"/>
+                    <a:lumOff val="15000"/>
+                  </a:schemeClr>
+                </a:solidFill>
+                <a:latin typeface="+mj-lt"/>
+              </a:defRPr>
             </a:lvl1pPr>
             <a:lvl2pPr marL="457200" indent="0">
               <a:buNone/>
@@ -1605,13 +1589,7 @@
       </p:sp>
       <p:sp>
         <p:nvSpPr>
-          <p:cNvPr id="4" name="내용 개체 틀 3">
-            <a:extLst>
-              <a:ext uri="{FF2B5EF4-FFF2-40B4-BE49-F238E27FC236}">
-                <a16:creationId xmlns:a16="http://schemas.microsoft.com/office/drawing/2014/main" id="{C8B69DF2-6310-4D4B-B3D5-2C2CCB2B1A4D}"/>
-              </a:ext>
-            </a:extLst>
-          </p:cNvPr>
+          <p:cNvPr id="4" name="Content Placeholder 3"/>
           <p:cNvSpPr>
             <a:spLocks noGrp="1"/>
           </p:cNvSpPr>
@@ -1621,13 +1599,41 @@
         </p:nvSpPr>
         <p:spPr>
           <a:xfrm>
-            <a:off x="839788" y="2505075"/>
-            <a:ext cx="5157787" cy="3684588"/>
+            <a:off x="676656" y="2753084"/>
+            <a:ext cx="4663440" cy="3200400"/>
           </a:xfrm>
         </p:spPr>
         <p:txBody>
           <a:bodyPr/>
-          <a:lstStyle/>
+          <a:lstStyle>
+            <a:lvl1pPr>
+              <a:defRPr sz="2400"/>
+            </a:lvl1pPr>
+            <a:lvl2pPr>
+              <a:defRPr sz="2000"/>
+            </a:lvl2pPr>
+            <a:lvl3pPr>
+              <a:defRPr sz="1800"/>
+            </a:lvl3pPr>
+            <a:lvl4pPr>
+              <a:defRPr sz="1600"/>
+            </a:lvl4pPr>
+            <a:lvl5pPr>
+              <a:defRPr sz="1600"/>
+            </a:lvl5pPr>
+            <a:lvl6pPr>
+              <a:defRPr sz="1600"/>
+            </a:lvl6pPr>
+            <a:lvl7pPr>
+              <a:defRPr sz="1600"/>
+            </a:lvl7pPr>
+            <a:lvl8pPr>
+              <a:defRPr sz="1600"/>
+            </a:lvl8pPr>
+            <a:lvl9pPr>
+              <a:defRPr sz="1600"/>
+            </a:lvl9pPr>
+          </a:lstStyle>
           <a:p>
             <a:pPr lvl="0"/>
             <a:r>
@@ -1662,18 +1668,13 @@
               <a:rPr lang="ko-KR" altLang="en-US"/>
               <a:t>다섯 번째 수준</a:t>
             </a:r>
-          </a:p>
-        </p:txBody>
-      </p:sp>
-      <p:sp>
-        <p:nvSpPr>
-          <p:cNvPr id="5" name="텍스트 개체 틀 4">
-            <a:extLst>
-              <a:ext uri="{FF2B5EF4-FFF2-40B4-BE49-F238E27FC236}">
-                <a16:creationId xmlns:a16="http://schemas.microsoft.com/office/drawing/2014/main" id="{AD75E047-126B-49D4-B1B0-AB30709A3833}"/>
-              </a:ext>
-            </a:extLst>
-          </p:cNvPr>
+            <a:endParaRPr lang="en-US" dirty="0"/>
+          </a:p>
+        </p:txBody>
+      </p:sp>
+      <p:sp>
+        <p:nvSpPr>
+          <p:cNvPr id="5" name="Text Placeholder 4"/>
           <p:cNvSpPr>
             <a:spLocks noGrp="1"/>
           </p:cNvSpPr>
@@ -1683,16 +1684,26 @@
         </p:nvSpPr>
         <p:spPr>
           <a:xfrm>
-            <a:off x="6172200" y="1681163"/>
-            <a:ext cx="5183188" cy="823912"/>
+            <a:off x="6007608" y="2038435"/>
+            <a:ext cx="4663440" cy="722376"/>
           </a:xfrm>
         </p:spPr>
         <p:txBody>
-          <a:bodyPr anchor="b"/>
+          <a:bodyPr anchor="ctr">
+            <a:normAutofit/>
+          </a:bodyPr>
           <a:lstStyle>
             <a:lvl1pPr marL="0" indent="0">
               <a:buNone/>
-              <a:defRPr sz="2400" b="1"/>
+              <a:defRPr sz="2200" b="0" cap="all" baseline="0">
+                <a:solidFill>
+                  <a:schemeClr val="tx1">
+                    <a:lumMod val="85000"/>
+                    <a:lumOff val="15000"/>
+                  </a:schemeClr>
+                </a:solidFill>
+                <a:latin typeface="+mj-lt"/>
+              </a:defRPr>
             </a:lvl1pPr>
             <a:lvl2pPr marL="457200" indent="0">
               <a:buNone/>
@@ -1738,13 +1749,7 @@
       </p:sp>
       <p:sp>
         <p:nvSpPr>
-          <p:cNvPr id="6" name="내용 개체 틀 5">
-            <a:extLst>
-              <a:ext uri="{FF2B5EF4-FFF2-40B4-BE49-F238E27FC236}">
-                <a16:creationId xmlns:a16="http://schemas.microsoft.com/office/drawing/2014/main" id="{234E9A68-3E7F-4F2D-B0F0-46C79F9DE73E}"/>
-              </a:ext>
-            </a:extLst>
-          </p:cNvPr>
+          <p:cNvPr id="6" name="Content Placeholder 5"/>
           <p:cNvSpPr>
             <a:spLocks noGrp="1"/>
           </p:cNvSpPr>
@@ -1754,13 +1759,41 @@
         </p:nvSpPr>
         <p:spPr>
           <a:xfrm>
-            <a:off x="6172200" y="2505075"/>
-            <a:ext cx="5183188" cy="3684588"/>
+            <a:off x="6007608" y="2750990"/>
+            <a:ext cx="4663440" cy="3200400"/>
           </a:xfrm>
         </p:spPr>
         <p:txBody>
           <a:bodyPr/>
-          <a:lstStyle/>
+          <a:lstStyle>
+            <a:lvl1pPr>
+              <a:defRPr sz="2400"/>
+            </a:lvl1pPr>
+            <a:lvl2pPr>
+              <a:defRPr sz="2000"/>
+            </a:lvl2pPr>
+            <a:lvl3pPr>
+              <a:defRPr sz="1800"/>
+            </a:lvl3pPr>
+            <a:lvl4pPr>
+              <a:defRPr sz="1600"/>
+            </a:lvl4pPr>
+            <a:lvl5pPr>
+              <a:defRPr sz="1600"/>
+            </a:lvl5pPr>
+            <a:lvl6pPr>
+              <a:defRPr sz="1600"/>
+            </a:lvl6pPr>
+            <a:lvl7pPr>
+              <a:defRPr sz="1600"/>
+            </a:lvl7pPr>
+            <a:lvl8pPr>
+              <a:defRPr sz="1600"/>
+            </a:lvl8pPr>
+            <a:lvl9pPr>
+              <a:defRPr sz="1600"/>
+            </a:lvl9pPr>
+          </a:lstStyle>
           <a:p>
             <a:pPr lvl="0"/>
             <a:r>
@@ -1795,18 +1828,13 @@
               <a:rPr lang="ko-KR" altLang="en-US"/>
               <a:t>다섯 번째 수준</a:t>
             </a:r>
-          </a:p>
-        </p:txBody>
-      </p:sp>
-      <p:sp>
-        <p:nvSpPr>
-          <p:cNvPr id="7" name="날짜 개체 틀 6">
-            <a:extLst>
-              <a:ext uri="{FF2B5EF4-FFF2-40B4-BE49-F238E27FC236}">
-                <a16:creationId xmlns:a16="http://schemas.microsoft.com/office/drawing/2014/main" id="{016B7367-BD24-4130-B12A-D999EAE2A0B3}"/>
-              </a:ext>
-            </a:extLst>
-          </p:cNvPr>
+            <a:endParaRPr lang="en-US" dirty="0"/>
+          </a:p>
+        </p:txBody>
+      </p:sp>
+      <p:sp>
+        <p:nvSpPr>
+          <p:cNvPr id="7" name="Date Placeholder 6"/>
           <p:cNvSpPr>
             <a:spLocks noGrp="1"/>
           </p:cNvSpPr>
@@ -1821,7 +1849,7 @@
           <a:p>
             <a:fld id="{55484BE3-27E7-49EA-9085-01EC175E6EED}" type="datetimeFigureOut">
               <a:rPr lang="ko-KR" altLang="en-US" smtClean="0"/>
-              <a:t>2021-07-24</a:t>
+              <a:t>2021-07-26</a:t>
             </a:fld>
             <a:endParaRPr lang="ko-KR" altLang="en-US"/>
           </a:p>
@@ -1829,13 +1857,7 @@
       </p:sp>
       <p:sp>
         <p:nvSpPr>
-          <p:cNvPr id="8" name="바닥글 개체 틀 7">
-            <a:extLst>
-              <a:ext uri="{FF2B5EF4-FFF2-40B4-BE49-F238E27FC236}">
-                <a16:creationId xmlns:a16="http://schemas.microsoft.com/office/drawing/2014/main" id="{224D7546-B25B-4CCB-8658-C84FD7E486A2}"/>
-              </a:ext>
-            </a:extLst>
-          </p:cNvPr>
+          <p:cNvPr id="8" name="Footer Placeholder 7"/>
           <p:cNvSpPr>
             <a:spLocks noGrp="1"/>
           </p:cNvSpPr>
@@ -1854,13 +1876,7 @@
       </p:sp>
       <p:sp>
         <p:nvSpPr>
-          <p:cNvPr id="9" name="슬라이드 번호 개체 틀 8">
-            <a:extLst>
-              <a:ext uri="{FF2B5EF4-FFF2-40B4-BE49-F238E27FC236}">
-                <a16:creationId xmlns:a16="http://schemas.microsoft.com/office/drawing/2014/main" id="{3B296186-7534-410B-AE8E-37D9294DDC8E}"/>
-              </a:ext>
-            </a:extLst>
-          </p:cNvPr>
+          <p:cNvPr id="9" name="Slide Number Placeholder 8"/>
           <p:cNvSpPr>
             <a:spLocks noGrp="1"/>
           </p:cNvSpPr>
@@ -1884,7 +1900,7 @@
     </p:spTree>
     <p:extLst>
       <p:ext uri="{BB962C8B-B14F-4D97-AF65-F5344CB8AC3E}">
-        <p14:creationId xmlns:p14="http://schemas.microsoft.com/office/powerpoint/2010/main" val="599621793"/>
+        <p14:creationId xmlns:p14="http://schemas.microsoft.com/office/powerpoint/2010/main" val="3547074268"/>
       </p:ext>
     </p:extLst>
   </p:cSld>
@@ -1913,13 +1929,7 @@
       </p:grpSpPr>
       <p:sp>
         <p:nvSpPr>
-          <p:cNvPr id="2" name="제목 1">
-            <a:extLst>
-              <a:ext uri="{FF2B5EF4-FFF2-40B4-BE49-F238E27FC236}">
-                <a16:creationId xmlns:a16="http://schemas.microsoft.com/office/drawing/2014/main" id="{B4AB977D-D859-4BB4-B889-63022E2039C3}"/>
-              </a:ext>
-            </a:extLst>
-          </p:cNvPr>
+          <p:cNvPr id="6" name="Title 5"/>
           <p:cNvSpPr>
             <a:spLocks noGrp="1"/>
           </p:cNvSpPr>
@@ -1936,18 +1946,13 @@
               <a:rPr lang="ko-KR" altLang="en-US"/>
               <a:t>마스터 제목 스타일 편집</a:t>
             </a:r>
-          </a:p>
-        </p:txBody>
-      </p:sp>
-      <p:sp>
-        <p:nvSpPr>
-          <p:cNvPr id="3" name="날짜 개체 틀 2">
-            <a:extLst>
-              <a:ext uri="{FF2B5EF4-FFF2-40B4-BE49-F238E27FC236}">
-                <a16:creationId xmlns:a16="http://schemas.microsoft.com/office/drawing/2014/main" id="{EDBFB474-6786-4373-B44F-5B192BAC7921}"/>
-              </a:ext>
-            </a:extLst>
-          </p:cNvPr>
+            <a:endParaRPr lang="en-US" dirty="0"/>
+          </a:p>
+        </p:txBody>
+      </p:sp>
+      <p:sp>
+        <p:nvSpPr>
+          <p:cNvPr id="3" name="Date Placeholder 2"/>
           <p:cNvSpPr>
             <a:spLocks noGrp="1"/>
           </p:cNvSpPr>
@@ -1962,7 +1967,7 @@
           <a:p>
             <a:fld id="{55484BE3-27E7-49EA-9085-01EC175E6EED}" type="datetimeFigureOut">
               <a:rPr lang="ko-KR" altLang="en-US" smtClean="0"/>
-              <a:t>2021-07-24</a:t>
+              <a:t>2021-07-26</a:t>
             </a:fld>
             <a:endParaRPr lang="ko-KR" altLang="en-US"/>
           </a:p>
@@ -1970,13 +1975,7 @@
       </p:sp>
       <p:sp>
         <p:nvSpPr>
-          <p:cNvPr id="4" name="바닥글 개체 틀 3">
-            <a:extLst>
-              <a:ext uri="{FF2B5EF4-FFF2-40B4-BE49-F238E27FC236}">
-                <a16:creationId xmlns:a16="http://schemas.microsoft.com/office/drawing/2014/main" id="{D7465E3D-F529-41C8-82F0-AD302B1D9708}"/>
-              </a:ext>
-            </a:extLst>
-          </p:cNvPr>
+          <p:cNvPr id="4" name="Footer Placeholder 3"/>
           <p:cNvSpPr>
             <a:spLocks noGrp="1"/>
           </p:cNvSpPr>
@@ -1995,13 +1994,7 @@
       </p:sp>
       <p:sp>
         <p:nvSpPr>
-          <p:cNvPr id="5" name="슬라이드 번호 개체 틀 4">
-            <a:extLst>
-              <a:ext uri="{FF2B5EF4-FFF2-40B4-BE49-F238E27FC236}">
-                <a16:creationId xmlns:a16="http://schemas.microsoft.com/office/drawing/2014/main" id="{882D6338-9E46-4B8D-BA36-0FB04337534D}"/>
-              </a:ext>
-            </a:extLst>
-          </p:cNvPr>
+          <p:cNvPr id="5" name="Slide Number Placeholder 4"/>
           <p:cNvSpPr>
             <a:spLocks noGrp="1"/>
           </p:cNvSpPr>
@@ -2025,7 +2018,7 @@
     </p:spTree>
     <p:extLst>
       <p:ext uri="{BB962C8B-B14F-4D97-AF65-F5344CB8AC3E}">
-        <p14:creationId xmlns:p14="http://schemas.microsoft.com/office/powerpoint/2010/main" val="805958554"/>
+        <p14:creationId xmlns:p14="http://schemas.microsoft.com/office/powerpoint/2010/main" val="582757694"/>
       </p:ext>
     </p:extLst>
   </p:cSld>
@@ -2054,13 +2047,7 @@
       </p:grpSpPr>
       <p:sp>
         <p:nvSpPr>
-          <p:cNvPr id="2" name="날짜 개체 틀 1">
-            <a:extLst>
-              <a:ext uri="{FF2B5EF4-FFF2-40B4-BE49-F238E27FC236}">
-                <a16:creationId xmlns:a16="http://schemas.microsoft.com/office/drawing/2014/main" id="{2B13E691-BE94-4B0E-9F0C-F37C35B82A3F}"/>
-              </a:ext>
-            </a:extLst>
-          </p:cNvPr>
+          <p:cNvPr id="2" name="Date Placeholder 1"/>
           <p:cNvSpPr>
             <a:spLocks noGrp="1"/>
           </p:cNvSpPr>
@@ -2075,7 +2062,7 @@
           <a:p>
             <a:fld id="{55484BE3-27E7-49EA-9085-01EC175E6EED}" type="datetimeFigureOut">
               <a:rPr lang="ko-KR" altLang="en-US" smtClean="0"/>
-              <a:t>2021-07-24</a:t>
+              <a:t>2021-07-26</a:t>
             </a:fld>
             <a:endParaRPr lang="ko-KR" altLang="en-US"/>
           </a:p>
@@ -2083,13 +2070,7 @@
       </p:sp>
       <p:sp>
         <p:nvSpPr>
-          <p:cNvPr id="3" name="바닥글 개체 틀 2">
-            <a:extLst>
-              <a:ext uri="{FF2B5EF4-FFF2-40B4-BE49-F238E27FC236}">
-                <a16:creationId xmlns:a16="http://schemas.microsoft.com/office/drawing/2014/main" id="{69CCE473-6CEA-4852-9534-E59094F455DE}"/>
-              </a:ext>
-            </a:extLst>
-          </p:cNvPr>
+          <p:cNvPr id="3" name="Footer Placeholder 2"/>
           <p:cNvSpPr>
             <a:spLocks noGrp="1"/>
           </p:cNvSpPr>
@@ -2108,13 +2089,7 @@
       </p:sp>
       <p:sp>
         <p:nvSpPr>
-          <p:cNvPr id="4" name="슬라이드 번호 개체 틀 3">
-            <a:extLst>
-              <a:ext uri="{FF2B5EF4-FFF2-40B4-BE49-F238E27FC236}">
-                <a16:creationId xmlns:a16="http://schemas.microsoft.com/office/drawing/2014/main" id="{B573E681-5795-4B19-B981-88877410D175}"/>
-              </a:ext>
-            </a:extLst>
-          </p:cNvPr>
+          <p:cNvPr id="4" name="Slide Number Placeholder 3"/>
           <p:cNvSpPr>
             <a:spLocks noGrp="1"/>
           </p:cNvSpPr>
@@ -2138,7 +2113,7 @@
     </p:spTree>
     <p:extLst>
       <p:ext uri="{BB962C8B-B14F-4D97-AF65-F5344CB8AC3E}">
-        <p14:creationId xmlns:p14="http://schemas.microsoft.com/office/powerpoint/2010/main" val="2893704581"/>
+        <p14:creationId xmlns:p14="http://schemas.microsoft.com/office/powerpoint/2010/main" val="526487"/>
       </p:ext>
     </p:extLst>
   </p:cSld>
@@ -2167,31 +2142,69 @@
       </p:grpSpPr>
       <p:sp>
         <p:nvSpPr>
-          <p:cNvPr id="2" name="제목 1">
-            <a:extLst>
-              <a:ext uri="{FF2B5EF4-FFF2-40B4-BE49-F238E27FC236}">
-                <a16:creationId xmlns:a16="http://schemas.microsoft.com/office/drawing/2014/main" id="{785B9E67-BAAF-44FF-820C-52874AEF126A}"/>
-              </a:ext>
-            </a:extLst>
-          </p:cNvPr>
-          <p:cNvSpPr>
-            <a:spLocks noGrp="1"/>
-          </p:cNvSpPr>
-          <p:nvPr>
-            <p:ph type="title"/>
-          </p:nvPr>
+          <p:cNvPr id="2" name="Rectangle 1"/>
+          <p:cNvSpPr/>
+          <p:nvPr/>
         </p:nvSpPr>
         <p:spPr>
           <a:xfrm>
-            <a:off x="839788" y="457200"/>
-            <a:ext cx="3932237" cy="1600200"/>
+            <a:off x="7620000" y="0"/>
+            <a:ext cx="4572000" cy="6858000"/>
+          </a:xfrm>
+          <a:prstGeom prst="rect">
+            <a:avLst/>
+          </a:prstGeom>
+          <a:ln>
+            <a:noFill/>
+          </a:ln>
+        </p:spPr>
+        <p:style>
+          <a:lnRef idx="2">
+            <a:schemeClr val="accent1">
+              <a:shade val="50000"/>
+            </a:schemeClr>
+          </a:lnRef>
+          <a:fillRef idx="1">
+            <a:schemeClr val="accent1"/>
+          </a:fillRef>
+          <a:effectRef idx="0">
+            <a:schemeClr val="accent1"/>
+          </a:effectRef>
+          <a:fontRef idx="minor">
+            <a:schemeClr val="lt1"/>
+          </a:fontRef>
+        </p:style>
+      </p:sp>
+      <p:sp>
+        <p:nvSpPr>
+          <p:cNvPr id="9" name="Title 8"/>
+          <p:cNvSpPr>
+            <a:spLocks noGrp="1"/>
+          </p:cNvSpPr>
+          <p:nvPr>
+            <p:ph type="title"/>
+          </p:nvPr>
+        </p:nvSpPr>
+        <p:spPr>
+          <a:xfrm>
+            <a:off x="8261404" y="542282"/>
+            <a:ext cx="3383280" cy="1920240"/>
           </a:xfrm>
         </p:spPr>
         <p:txBody>
-          <a:bodyPr anchor="b"/>
+          <a:bodyPr anchor="b">
+            <a:noAutofit/>
+          </a:bodyPr>
           <a:lstStyle>
             <a:lvl1pPr>
-              <a:defRPr sz="3200"/>
+              <a:lnSpc>
+                <a:spcPct val="85000"/>
+              </a:lnSpc>
+              <a:defRPr sz="4000">
+                <a:solidFill>
+                  <a:srgbClr val="FFFFFF"/>
+                </a:solidFill>
+              </a:defRPr>
             </a:lvl1pPr>
           </a:lstStyle>
           <a:p>
@@ -2199,18 +2212,13 @@
               <a:rPr lang="ko-KR" altLang="en-US"/>
               <a:t>마스터 제목 스타일 편집</a:t>
             </a:r>
-          </a:p>
-        </p:txBody>
-      </p:sp>
-      <p:sp>
-        <p:nvSpPr>
-          <p:cNvPr id="3" name="내용 개체 틀 2">
-            <a:extLst>
-              <a:ext uri="{FF2B5EF4-FFF2-40B4-BE49-F238E27FC236}">
-                <a16:creationId xmlns:a16="http://schemas.microsoft.com/office/drawing/2014/main" id="{22DC326D-EAAB-4366-BBB8-2273863C036F}"/>
-              </a:ext>
-            </a:extLst>
-          </p:cNvPr>
+            <a:endParaRPr lang="en-US" dirty="0"/>
+          </a:p>
+        </p:txBody>
+      </p:sp>
+      <p:sp>
+        <p:nvSpPr>
+          <p:cNvPr id="3" name="Content Placeholder 2"/>
           <p:cNvSpPr>
             <a:spLocks noGrp="1"/>
           </p:cNvSpPr>
@@ -2220,8 +2228,8 @@
         </p:nvSpPr>
         <p:spPr>
           <a:xfrm>
-            <a:off x="5183188" y="987425"/>
-            <a:ext cx="6172200" cy="4873625"/>
+            <a:off x="762000" y="762000"/>
+            <a:ext cx="6096000" cy="4572000"/>
           </a:xfrm>
         </p:spPr>
         <p:txBody>
@@ -2289,18 +2297,13 @@
               <a:rPr lang="ko-KR" altLang="en-US"/>
               <a:t>다섯 번째 수준</a:t>
             </a:r>
-          </a:p>
-        </p:txBody>
-      </p:sp>
-      <p:sp>
-        <p:nvSpPr>
-          <p:cNvPr id="4" name="텍스트 개체 틀 3">
-            <a:extLst>
-              <a:ext uri="{FF2B5EF4-FFF2-40B4-BE49-F238E27FC236}">
-                <a16:creationId xmlns:a16="http://schemas.microsoft.com/office/drawing/2014/main" id="{EF97E444-2976-4E3E-AEB5-BD093FC95450}"/>
-              </a:ext>
-            </a:extLst>
-          </p:cNvPr>
+            <a:endParaRPr lang="en-US" dirty="0"/>
+          </a:p>
+        </p:txBody>
+      </p:sp>
+      <p:sp>
+        <p:nvSpPr>
+          <p:cNvPr id="4" name="Text Placeholder 3"/>
           <p:cNvSpPr>
             <a:spLocks noGrp="1"/>
           </p:cNvSpPr>
@@ -2310,133 +2313,160 @@
         </p:nvSpPr>
         <p:spPr>
           <a:xfrm>
-            <a:off x="839788" y="2057400"/>
-            <a:ext cx="3932237" cy="3811588"/>
+            <a:off x="8275982" y="2511813"/>
+            <a:ext cx="3398520" cy="3126987"/>
           </a:xfrm>
         </p:spPr>
         <p:txBody>
+          <a:bodyPr>
+            <a:normAutofit/>
+          </a:bodyPr>
+          <a:lstStyle>
+            <a:lvl1pPr marL="0" marR="0" indent="0" algn="l" defTabSz="914400" rtl="0" eaLnBrk="1" fontAlgn="auto" latinLnBrk="0" hangingPunct="1">
+              <a:lnSpc>
+                <a:spcPct val="100000"/>
+              </a:lnSpc>
+              <a:spcBef>
+                <a:spcPts val="1200"/>
+              </a:spcBef>
+              <a:spcAft>
+                <a:spcPts val="0"/>
+              </a:spcAft>
+              <a:buClrTx/>
+              <a:buSzTx/>
+              <a:buFontTx/>
+              <a:buNone/>
+              <a:tabLst/>
+              <a:defRPr sz="1800">
+                <a:solidFill>
+                  <a:srgbClr val="262626"/>
+                </a:solidFill>
+              </a:defRPr>
+            </a:lvl1pPr>
+            <a:lvl2pPr marL="457200" indent="0">
+              <a:buNone/>
+              <a:defRPr sz="1200"/>
+            </a:lvl2pPr>
+            <a:lvl3pPr marL="914400" indent="0">
+              <a:buNone/>
+              <a:defRPr sz="1000"/>
+            </a:lvl3pPr>
+            <a:lvl4pPr marL="1371600" indent="0">
+              <a:buNone/>
+              <a:defRPr sz="900"/>
+            </a:lvl4pPr>
+            <a:lvl5pPr marL="1828800" indent="0">
+              <a:buNone/>
+              <a:defRPr sz="900"/>
+            </a:lvl5pPr>
+            <a:lvl6pPr marL="2286000" indent="0">
+              <a:buNone/>
+              <a:defRPr sz="900"/>
+            </a:lvl6pPr>
+            <a:lvl7pPr marL="2743200" indent="0">
+              <a:buNone/>
+              <a:defRPr sz="900"/>
+            </a:lvl7pPr>
+            <a:lvl8pPr marL="3200400" indent="0">
+              <a:buNone/>
+              <a:defRPr sz="900"/>
+            </a:lvl8pPr>
+            <a:lvl9pPr marL="3657600" indent="0">
+              <a:buNone/>
+              <a:defRPr sz="900"/>
+            </a:lvl9pPr>
+          </a:lstStyle>
+          <a:p>
+            <a:pPr marL="0" marR="0" lvl="0" indent="0" algn="l" defTabSz="914400" rtl="0" eaLnBrk="1" fontAlgn="auto" latinLnBrk="0" hangingPunct="1">
+              <a:lnSpc>
+                <a:spcPct val="100000"/>
+              </a:lnSpc>
+              <a:spcBef>
+                <a:spcPts val="1400"/>
+              </a:spcBef>
+              <a:spcAft>
+                <a:spcPts val="0"/>
+              </a:spcAft>
+              <a:buClrTx/>
+              <a:buSzTx/>
+              <a:buFontTx/>
+              <a:buNone/>
+              <a:tabLst/>
+              <a:defRPr/>
+            </a:pPr>
+            <a:r>
+              <a:rPr lang="ko-KR" altLang="en-US"/>
+              <a:t>마스터 텍스트 스타일을 편집하려면 클릭</a:t>
+            </a:r>
+          </a:p>
+        </p:txBody>
+      </p:sp>
+      <p:sp>
+        <p:nvSpPr>
+          <p:cNvPr id="5" name="Date Placeholder 4"/>
+          <p:cNvSpPr>
+            <a:spLocks noGrp="1"/>
+          </p:cNvSpPr>
+          <p:nvPr>
+            <p:ph type="dt" sz="half" idx="10"/>
+          </p:nvPr>
+        </p:nvSpPr>
+        <p:spPr/>
+        <p:txBody>
+          <a:bodyPr/>
+          <a:lstStyle/>
+          <a:p>
+            <a:fld id="{55484BE3-27E7-49EA-9085-01EC175E6EED}" type="datetimeFigureOut">
+              <a:rPr lang="ko-KR" altLang="en-US" smtClean="0"/>
+              <a:t>2021-07-26</a:t>
+            </a:fld>
+            <a:endParaRPr lang="ko-KR" altLang="en-US"/>
+          </a:p>
+        </p:txBody>
+      </p:sp>
+      <p:sp>
+        <p:nvSpPr>
+          <p:cNvPr id="6" name="Footer Placeholder 5"/>
+          <p:cNvSpPr>
+            <a:spLocks noGrp="1"/>
+          </p:cNvSpPr>
+          <p:nvPr>
+            <p:ph type="ftr" sz="quarter" idx="11"/>
+          </p:nvPr>
+        </p:nvSpPr>
+        <p:spPr/>
+        <p:txBody>
+          <a:bodyPr/>
+          <a:lstStyle/>
+          <a:p>
+            <a:endParaRPr lang="ko-KR" altLang="en-US"/>
+          </a:p>
+        </p:txBody>
+      </p:sp>
+      <p:sp>
+        <p:nvSpPr>
+          <p:cNvPr id="7" name="Slide Number Placeholder 6"/>
+          <p:cNvSpPr>
+            <a:spLocks noGrp="1"/>
+          </p:cNvSpPr>
+          <p:nvPr>
+            <p:ph type="sldNum" sz="quarter" idx="12"/>
+          </p:nvPr>
+        </p:nvSpPr>
+        <p:spPr/>
+        <p:txBody>
           <a:bodyPr/>
           <a:lstStyle>
-            <a:lvl1pPr marL="0" indent="0">
-              <a:buNone/>
-              <a:defRPr sz="1600"/>
+            <a:lvl1pPr>
+              <a:defRPr>
+                <a:solidFill>
+                  <a:srgbClr val="FFFFFF">
+                    <a:alpha val="20000"/>
+                  </a:srgbClr>
+                </a:solidFill>
+              </a:defRPr>
             </a:lvl1pPr>
-            <a:lvl2pPr marL="457200" indent="0">
-              <a:buNone/>
-              <a:defRPr sz="1400"/>
-            </a:lvl2pPr>
-            <a:lvl3pPr marL="914400" indent="0">
-              <a:buNone/>
-              <a:defRPr sz="1200"/>
-            </a:lvl3pPr>
-            <a:lvl4pPr marL="1371600" indent="0">
-              <a:buNone/>
-              <a:defRPr sz="1000"/>
-            </a:lvl4pPr>
-            <a:lvl5pPr marL="1828800" indent="0">
-              <a:buNone/>
-              <a:defRPr sz="1000"/>
-            </a:lvl5pPr>
-            <a:lvl6pPr marL="2286000" indent="0">
-              <a:buNone/>
-              <a:defRPr sz="1000"/>
-            </a:lvl6pPr>
-            <a:lvl7pPr marL="2743200" indent="0">
-              <a:buNone/>
-              <a:defRPr sz="1000"/>
-            </a:lvl7pPr>
-            <a:lvl8pPr marL="3200400" indent="0">
-              <a:buNone/>
-              <a:defRPr sz="1000"/>
-            </a:lvl8pPr>
-            <a:lvl9pPr marL="3657600" indent="0">
-              <a:buNone/>
-              <a:defRPr sz="1000"/>
-            </a:lvl9pPr>
           </a:lstStyle>
-          <a:p>
-            <a:pPr lvl="0"/>
-            <a:r>
-              <a:rPr lang="ko-KR" altLang="en-US"/>
-              <a:t>마스터 텍스트 스타일을 편집하려면 클릭</a:t>
-            </a:r>
-          </a:p>
-        </p:txBody>
-      </p:sp>
-      <p:sp>
-        <p:nvSpPr>
-          <p:cNvPr id="5" name="날짜 개체 틀 4">
-            <a:extLst>
-              <a:ext uri="{FF2B5EF4-FFF2-40B4-BE49-F238E27FC236}">
-                <a16:creationId xmlns:a16="http://schemas.microsoft.com/office/drawing/2014/main" id="{778002AC-69F6-48E4-88F5-AB6213B4408E}"/>
-              </a:ext>
-            </a:extLst>
-          </p:cNvPr>
-          <p:cNvSpPr>
-            <a:spLocks noGrp="1"/>
-          </p:cNvSpPr>
-          <p:nvPr>
-            <p:ph type="dt" sz="half" idx="10"/>
-          </p:nvPr>
-        </p:nvSpPr>
-        <p:spPr/>
-        <p:txBody>
-          <a:bodyPr/>
-          <a:lstStyle/>
-          <a:p>
-            <a:fld id="{55484BE3-27E7-49EA-9085-01EC175E6EED}" type="datetimeFigureOut">
-              <a:rPr lang="ko-KR" altLang="en-US" smtClean="0"/>
-              <a:t>2021-07-24</a:t>
-            </a:fld>
-            <a:endParaRPr lang="ko-KR" altLang="en-US"/>
-          </a:p>
-        </p:txBody>
-      </p:sp>
-      <p:sp>
-        <p:nvSpPr>
-          <p:cNvPr id="6" name="바닥글 개체 틀 5">
-            <a:extLst>
-              <a:ext uri="{FF2B5EF4-FFF2-40B4-BE49-F238E27FC236}">
-                <a16:creationId xmlns:a16="http://schemas.microsoft.com/office/drawing/2014/main" id="{98C853BC-CC03-4E0C-B8A5-DF2557D064D3}"/>
-              </a:ext>
-            </a:extLst>
-          </p:cNvPr>
-          <p:cNvSpPr>
-            <a:spLocks noGrp="1"/>
-          </p:cNvSpPr>
-          <p:nvPr>
-            <p:ph type="ftr" sz="quarter" idx="11"/>
-          </p:nvPr>
-        </p:nvSpPr>
-        <p:spPr/>
-        <p:txBody>
-          <a:bodyPr/>
-          <a:lstStyle/>
-          <a:p>
-            <a:endParaRPr lang="ko-KR" altLang="en-US"/>
-          </a:p>
-        </p:txBody>
-      </p:sp>
-      <p:sp>
-        <p:nvSpPr>
-          <p:cNvPr id="7" name="슬라이드 번호 개체 틀 6">
-            <a:extLst>
-              <a:ext uri="{FF2B5EF4-FFF2-40B4-BE49-F238E27FC236}">
-                <a16:creationId xmlns:a16="http://schemas.microsoft.com/office/drawing/2014/main" id="{73D2672D-C8A9-43A0-83DD-2BA747B0DC22}"/>
-              </a:ext>
-            </a:extLst>
-          </p:cNvPr>
-          <p:cNvSpPr>
-            <a:spLocks noGrp="1"/>
-          </p:cNvSpPr>
-          <p:nvPr>
-            <p:ph type="sldNum" sz="quarter" idx="12"/>
-          </p:nvPr>
-        </p:nvSpPr>
-        <p:spPr/>
-        <p:txBody>
-          <a:bodyPr/>
-          <a:lstStyle/>
           <a:p>
             <a:fld id="{9E53214D-296E-49A2-8453-16B60F47E5FF}" type="slidenum">
               <a:rPr lang="ko-KR" altLang="en-US" smtClean="0"/>
@@ -2449,7 +2479,7 @@
     </p:spTree>
     <p:extLst>
       <p:ext uri="{BB962C8B-B14F-4D97-AF65-F5344CB8AC3E}">
-        <p14:creationId xmlns:p14="http://schemas.microsoft.com/office/powerpoint/2010/main" val="169239487"/>
+        <p14:creationId xmlns:p14="http://schemas.microsoft.com/office/powerpoint/2010/main" val="850593267"/>
       </p:ext>
     </p:extLst>
   </p:cSld>
@@ -2462,6 +2492,14 @@
 <file path=ppt/slideLayouts/slideLayout9.xml><?xml version="1.0" encoding="utf-8"?>
 <p:sldLayout xmlns:a="http://schemas.openxmlformats.org/drawingml/2006/main" xmlns:r="http://schemas.openxmlformats.org/officeDocument/2006/relationships" xmlns:p="http://schemas.openxmlformats.org/presentationml/2006/main" type="picTx" preserve="1">
   <p:cSld name="캡션 있는 그림">
+    <p:bg>
+      <p:bgPr>
+        <a:solidFill>
+          <a:schemeClr val="accent1"/>
+        </a:solidFill>
+        <a:effectLst/>
+      </p:bgPr>
+    </p:bg>
     <p:spTree>
       <p:nvGrpSpPr>
         <p:cNvPr id="1" name=""/>
@@ -2478,13 +2516,7 @@
       </p:grpSpPr>
       <p:sp>
         <p:nvSpPr>
-          <p:cNvPr id="2" name="제목 1">
-            <a:extLst>
-              <a:ext uri="{FF2B5EF4-FFF2-40B4-BE49-F238E27FC236}">
-                <a16:creationId xmlns:a16="http://schemas.microsoft.com/office/drawing/2014/main" id="{BA1F6B30-178B-437D-A091-3AA97E79DF6A}"/>
-              </a:ext>
-            </a:extLst>
-          </p:cNvPr>
+          <p:cNvPr id="2" name="Title 1"/>
           <p:cNvSpPr>
             <a:spLocks noGrp="1"/>
           </p:cNvSpPr>
@@ -2494,15 +2526,21 @@
         </p:nvSpPr>
         <p:spPr>
           <a:xfrm>
-            <a:off x="839788" y="457200"/>
-            <a:ext cx="3932237" cy="1600200"/>
+            <a:off x="649224" y="5418667"/>
+            <a:ext cx="10780776" cy="613283"/>
           </a:xfrm>
         </p:spPr>
         <p:txBody>
-          <a:bodyPr anchor="b"/>
+          <a:bodyPr anchor="b">
+            <a:normAutofit/>
+          </a:bodyPr>
           <a:lstStyle>
             <a:lvl1pPr>
-              <a:defRPr sz="3200"/>
+              <a:defRPr sz="3200" b="0">
+                <a:solidFill>
+                  <a:srgbClr val="FFFFFF"/>
+                </a:solidFill>
+              </a:defRPr>
             </a:lvl1pPr>
           </a:lstStyle>
           <a:p>
@@ -2510,20 +2548,15 @@
               <a:rPr lang="ko-KR" altLang="en-US"/>
               <a:t>마스터 제목 스타일 편집</a:t>
             </a:r>
-          </a:p>
-        </p:txBody>
-      </p:sp>
-      <p:sp>
-        <p:nvSpPr>
-          <p:cNvPr id="3" name="그림 개체 틀 2">
-            <a:extLst>
-              <a:ext uri="{FF2B5EF4-FFF2-40B4-BE49-F238E27FC236}">
-                <a16:creationId xmlns:a16="http://schemas.microsoft.com/office/drawing/2014/main" id="{8AC3C928-48FF-4A0A-9E53-A0075F7D2D9E}"/>
-              </a:ext>
-            </a:extLst>
-          </p:cNvPr>
-          <p:cNvSpPr>
-            <a:spLocks noGrp="1"/>
+            <a:endParaRPr lang="en-US" dirty="0"/>
+          </a:p>
+        </p:txBody>
+      </p:sp>
+      <p:sp>
+        <p:nvSpPr>
+          <p:cNvPr id="3" name="Picture Placeholder 2"/>
+          <p:cNvSpPr>
+            <a:spLocks noGrp="1" noChangeAspect="1"/>
           </p:cNvSpPr>
           <p:nvPr>
             <p:ph type="pic" idx="1"/>
@@ -2531,16 +2564,32 @@
         </p:nvSpPr>
         <p:spPr>
           <a:xfrm>
-            <a:off x="5183188" y="987425"/>
-            <a:ext cx="6172200" cy="4873625"/>
+            <a:off x="0" y="0"/>
+            <a:ext cx="12192000" cy="5330952"/>
           </a:xfrm>
+          <a:solidFill>
+            <a:schemeClr val="accent1">
+              <a:lumMod val="40000"/>
+              <a:lumOff val="60000"/>
+            </a:schemeClr>
+          </a:solidFill>
         </p:spPr>
         <p:txBody>
-          <a:bodyPr/>
+          <a:bodyPr anchor="t"/>
           <a:lstStyle>
-            <a:lvl1pPr marL="0" indent="0">
-              <a:buNone/>
-              <a:defRPr sz="3200"/>
+            <a:lvl1pPr marL="0" indent="0" algn="ctr">
+              <a:spcBef>
+                <a:spcPts val="800"/>
+              </a:spcBef>
+              <a:buNone/>
+              <a:defRPr sz="3200">
+                <a:solidFill>
+                  <a:schemeClr val="tx1">
+                    <a:lumMod val="75000"/>
+                    <a:lumOff val="25000"/>
+                  </a:schemeClr>
+                </a:solidFill>
+              </a:defRPr>
             </a:lvl1pPr>
             <a:lvl2pPr marL="457200" indent="0">
               <a:buNone/>
@@ -2576,19 +2625,17 @@
             </a:lvl9pPr>
           </a:lstStyle>
           <a:p>
-            <a:endParaRPr lang="ko-KR" altLang="en-US"/>
-          </a:p>
-        </p:txBody>
-      </p:sp>
-      <p:sp>
-        <p:nvSpPr>
-          <p:cNvPr id="4" name="텍스트 개체 틀 3">
-            <a:extLst>
-              <a:ext uri="{FF2B5EF4-FFF2-40B4-BE49-F238E27FC236}">
-                <a16:creationId xmlns:a16="http://schemas.microsoft.com/office/drawing/2014/main" id="{4542B7E7-437C-4ACB-BF81-925ACCDA0272}"/>
-              </a:ext>
-            </a:extLst>
-          </p:cNvPr>
+            <a:r>
+              <a:rPr lang="ko-KR" altLang="en-US"/>
+              <a:t>그림을 추가하려면 아이콘을 클릭하십시오</a:t>
+            </a:r>
+            <a:endParaRPr lang="en-US" dirty="0"/>
+          </a:p>
+        </p:txBody>
+      </p:sp>
+      <p:sp>
+        <p:nvSpPr>
+          <p:cNvPr id="4" name="Text Placeholder 3"/>
           <p:cNvSpPr>
             <a:spLocks noGrp="1"/>
           </p:cNvSpPr>
@@ -2598,83 +2645,96 @@
         </p:nvSpPr>
         <p:spPr>
           <a:xfrm>
-            <a:off x="839788" y="2057400"/>
-            <a:ext cx="3932237" cy="3811588"/>
+            <a:off x="676656" y="5909735"/>
+            <a:ext cx="9229344" cy="533400"/>
           </a:xfrm>
         </p:spPr>
         <p:txBody>
+          <a:bodyPr>
+            <a:normAutofit/>
+          </a:bodyPr>
+          <a:lstStyle>
+            <a:lvl1pPr marL="0" indent="0">
+              <a:lnSpc>
+                <a:spcPct val="90000"/>
+              </a:lnSpc>
+              <a:buNone/>
+              <a:defRPr sz="1400">
+                <a:solidFill>
+                  <a:srgbClr val="262626"/>
+                </a:solidFill>
+              </a:defRPr>
+            </a:lvl1pPr>
+            <a:lvl2pPr marL="457200" indent="0">
+              <a:buNone/>
+              <a:defRPr sz="1200"/>
+            </a:lvl2pPr>
+            <a:lvl3pPr marL="914400" indent="0">
+              <a:buNone/>
+              <a:defRPr sz="1000"/>
+            </a:lvl3pPr>
+            <a:lvl4pPr marL="1371600" indent="0">
+              <a:buNone/>
+              <a:defRPr sz="900"/>
+            </a:lvl4pPr>
+            <a:lvl5pPr marL="1828800" indent="0">
+              <a:buNone/>
+              <a:defRPr sz="900"/>
+            </a:lvl5pPr>
+            <a:lvl6pPr marL="2286000" indent="0">
+              <a:buNone/>
+              <a:defRPr sz="900"/>
+            </a:lvl6pPr>
+            <a:lvl7pPr marL="2743200" indent="0">
+              <a:buNone/>
+              <a:defRPr sz="900"/>
+            </a:lvl7pPr>
+            <a:lvl8pPr marL="3200400" indent="0">
+              <a:buNone/>
+              <a:defRPr sz="900"/>
+            </a:lvl8pPr>
+            <a:lvl9pPr marL="3657600" indent="0">
+              <a:buNone/>
+              <a:defRPr sz="900"/>
+            </a:lvl9pPr>
+          </a:lstStyle>
+          <a:p>
+            <a:pPr lvl="0"/>
+            <a:r>
+              <a:rPr lang="ko-KR" altLang="en-US"/>
+              <a:t>마스터 텍스트 스타일을 편집하려면 클릭</a:t>
+            </a:r>
+          </a:p>
+        </p:txBody>
+      </p:sp>
+      <p:sp>
+        <p:nvSpPr>
+          <p:cNvPr id="12" name="Date Placeholder 11"/>
+          <p:cNvSpPr>
+            <a:spLocks noGrp="1"/>
+          </p:cNvSpPr>
+          <p:nvPr>
+            <p:ph type="dt" sz="half" idx="10"/>
+          </p:nvPr>
+        </p:nvSpPr>
+        <p:spPr/>
+        <p:txBody>
           <a:bodyPr/>
           <a:lstStyle>
-            <a:lvl1pPr marL="0" indent="0">
-              <a:buNone/>
-              <a:defRPr sz="1600"/>
+            <a:lvl1pPr>
+              <a:defRPr>
+                <a:solidFill>
+                  <a:srgbClr val="FFFFFF">
+                    <a:alpha val="80000"/>
+                  </a:srgbClr>
+                </a:solidFill>
+              </a:defRPr>
             </a:lvl1pPr>
-            <a:lvl2pPr marL="457200" indent="0">
-              <a:buNone/>
-              <a:defRPr sz="1400"/>
-            </a:lvl2pPr>
-            <a:lvl3pPr marL="914400" indent="0">
-              <a:buNone/>
-              <a:defRPr sz="1200"/>
-            </a:lvl3pPr>
-            <a:lvl4pPr marL="1371600" indent="0">
-              <a:buNone/>
-              <a:defRPr sz="1000"/>
-            </a:lvl4pPr>
-            <a:lvl5pPr marL="1828800" indent="0">
-              <a:buNone/>
-              <a:defRPr sz="1000"/>
-            </a:lvl5pPr>
-            <a:lvl6pPr marL="2286000" indent="0">
-              <a:buNone/>
-              <a:defRPr sz="1000"/>
-            </a:lvl6pPr>
-            <a:lvl7pPr marL="2743200" indent="0">
-              <a:buNone/>
-              <a:defRPr sz="1000"/>
-            </a:lvl7pPr>
-            <a:lvl8pPr marL="3200400" indent="0">
-              <a:buNone/>
-              <a:defRPr sz="1000"/>
-            </a:lvl8pPr>
-            <a:lvl9pPr marL="3657600" indent="0">
-              <a:buNone/>
-              <a:defRPr sz="1000"/>
-            </a:lvl9pPr>
           </a:lstStyle>
-          <a:p>
-            <a:pPr lvl="0"/>
-            <a:r>
-              <a:rPr lang="ko-KR" altLang="en-US"/>
-              <a:t>마스터 텍스트 스타일을 편집하려면 클릭</a:t>
-            </a:r>
-          </a:p>
-        </p:txBody>
-      </p:sp>
-      <p:sp>
-        <p:nvSpPr>
-          <p:cNvPr id="5" name="날짜 개체 틀 4">
-            <a:extLst>
-              <a:ext uri="{FF2B5EF4-FFF2-40B4-BE49-F238E27FC236}">
-                <a16:creationId xmlns:a16="http://schemas.microsoft.com/office/drawing/2014/main" id="{73226D64-6E14-47B4-8DE5-AC25A06A1337}"/>
-              </a:ext>
-            </a:extLst>
-          </p:cNvPr>
-          <p:cNvSpPr>
-            <a:spLocks noGrp="1"/>
-          </p:cNvSpPr>
-          <p:nvPr>
-            <p:ph type="dt" sz="half" idx="10"/>
-          </p:nvPr>
-        </p:nvSpPr>
-        <p:spPr/>
-        <p:txBody>
-          <a:bodyPr/>
-          <a:lstStyle/>
           <a:p>
             <a:fld id="{55484BE3-27E7-49EA-9085-01EC175E6EED}" type="datetimeFigureOut">
               <a:rPr lang="ko-KR" altLang="en-US" smtClean="0"/>
-              <a:t>2021-07-24</a:t>
+              <a:t>2021-07-26</a:t>
             </a:fld>
             <a:endParaRPr lang="ko-KR" altLang="en-US"/>
           </a:p>
@@ -2682,13 +2742,7 @@
       </p:sp>
       <p:sp>
         <p:nvSpPr>
-          <p:cNvPr id="6" name="바닥글 개체 틀 5">
-            <a:extLst>
-              <a:ext uri="{FF2B5EF4-FFF2-40B4-BE49-F238E27FC236}">
-                <a16:creationId xmlns:a16="http://schemas.microsoft.com/office/drawing/2014/main" id="{A7AC791F-4D08-4579-BFA8-816F3BCF70FC}"/>
-              </a:ext>
-            </a:extLst>
-          </p:cNvPr>
+          <p:cNvPr id="13" name="Footer Placeholder 12"/>
           <p:cNvSpPr>
             <a:spLocks noGrp="1"/>
           </p:cNvSpPr>
@@ -2699,7 +2753,17 @@
         <p:spPr/>
         <p:txBody>
           <a:bodyPr/>
-          <a:lstStyle/>
+          <a:lstStyle>
+            <a:lvl1pPr>
+              <a:defRPr>
+                <a:solidFill>
+                  <a:srgbClr val="FFFFFF">
+                    <a:alpha val="80000"/>
+                  </a:srgbClr>
+                </a:solidFill>
+              </a:defRPr>
+            </a:lvl1pPr>
+          </a:lstStyle>
           <a:p>
             <a:endParaRPr lang="ko-KR" altLang="en-US"/>
           </a:p>
@@ -2707,13 +2771,7 @@
       </p:sp>
       <p:sp>
         <p:nvSpPr>
-          <p:cNvPr id="7" name="슬라이드 번호 개체 틀 6">
-            <a:extLst>
-              <a:ext uri="{FF2B5EF4-FFF2-40B4-BE49-F238E27FC236}">
-                <a16:creationId xmlns:a16="http://schemas.microsoft.com/office/drawing/2014/main" id="{95C2A7DC-ED3B-4658-8C94-1362E2A591B2}"/>
-              </a:ext>
-            </a:extLst>
-          </p:cNvPr>
+          <p:cNvPr id="14" name="Slide Number Placeholder 13"/>
           <p:cNvSpPr>
             <a:spLocks noGrp="1"/>
           </p:cNvSpPr>
@@ -2724,7 +2782,17 @@
         <p:spPr/>
         <p:txBody>
           <a:bodyPr/>
-          <a:lstStyle/>
+          <a:lstStyle>
+            <a:lvl1pPr>
+              <a:defRPr>
+                <a:solidFill>
+                  <a:srgbClr val="FFFFFF">
+                    <a:alpha val="25000"/>
+                  </a:srgbClr>
+                </a:solidFill>
+              </a:defRPr>
+            </a:lvl1pPr>
+          </a:lstStyle>
           <a:p>
             <a:fld id="{9E53214D-296E-49A2-8453-16B60F47E5FF}" type="slidenum">
               <a:rPr lang="ko-KR" altLang="en-US" smtClean="0"/>
@@ -2737,12 +2805,12 @@
     </p:spTree>
     <p:extLst>
       <p:ext uri="{BB962C8B-B14F-4D97-AF65-F5344CB8AC3E}">
-        <p14:creationId xmlns:p14="http://schemas.microsoft.com/office/powerpoint/2010/main" val="3157869755"/>
+        <p14:creationId xmlns:p14="http://schemas.microsoft.com/office/powerpoint/2010/main" val="1179188035"/>
       </p:ext>
     </p:extLst>
   </p:cSld>
   <p:clrMapOvr>
-    <a:masterClrMapping/>
+    <a:overrideClrMapping bg1="lt1" tx1="dk1" bg2="lt2" tx2="dk2" accent1="accent1" accent2="accent2" accent3="accent3" accent4="accent4" accent5="accent5" accent6="accent6" hlink="hlink" folHlink="folHlink"/>
   </p:clrMapOvr>
 </p:sldLayout>
 </file>
@@ -2771,13 +2839,7 @@
       </p:grpSpPr>
       <p:sp>
         <p:nvSpPr>
-          <p:cNvPr id="2" name="제목 개체 틀 1">
-            <a:extLst>
-              <a:ext uri="{FF2B5EF4-FFF2-40B4-BE49-F238E27FC236}">
-                <a16:creationId xmlns:a16="http://schemas.microsoft.com/office/drawing/2014/main" id="{0409AE8C-A39B-4597-B781-511BEFEC1DE6}"/>
-              </a:ext>
-            </a:extLst>
-          </p:cNvPr>
+          <p:cNvPr id="2" name="Title Placeholder 1"/>
           <p:cNvSpPr>
             <a:spLocks noGrp="1"/>
           </p:cNvSpPr>
@@ -2787,8 +2849,8 @@
         </p:nvSpPr>
         <p:spPr>
           <a:xfrm>
-            <a:off x="838200" y="365125"/>
-            <a:ext cx="10515600" cy="1325563"/>
+            <a:off x="657224" y="499533"/>
+            <a:ext cx="10772775" cy="1658198"/>
           </a:xfrm>
           <a:prstGeom prst="rect">
             <a:avLst/>
@@ -2804,18 +2866,13 @@
               <a:rPr lang="ko-KR" altLang="en-US"/>
               <a:t>마스터 제목 스타일 편집</a:t>
             </a:r>
-          </a:p>
-        </p:txBody>
-      </p:sp>
-      <p:sp>
-        <p:nvSpPr>
-          <p:cNvPr id="3" name="텍스트 개체 틀 2">
-            <a:extLst>
-              <a:ext uri="{FF2B5EF4-FFF2-40B4-BE49-F238E27FC236}">
-                <a16:creationId xmlns:a16="http://schemas.microsoft.com/office/drawing/2014/main" id="{D4E2B1CE-2719-4DAE-9029-96745BE40C01}"/>
-              </a:ext>
-            </a:extLst>
-          </p:cNvPr>
+            <a:endParaRPr lang="en-US" dirty="0"/>
+          </a:p>
+        </p:txBody>
+      </p:sp>
+      <p:sp>
+        <p:nvSpPr>
+          <p:cNvPr id="3" name="Text Placeholder 2"/>
           <p:cNvSpPr>
             <a:spLocks noGrp="1"/>
           </p:cNvSpPr>
@@ -2825,8 +2882,8 @@
         </p:nvSpPr>
         <p:spPr>
           <a:xfrm>
-            <a:off x="838200" y="1825625"/>
-            <a:ext cx="10515600" cy="4351338"/>
+            <a:off x="676656" y="2011680"/>
+            <a:ext cx="10753725" cy="3766185"/>
           </a:xfrm>
           <a:prstGeom prst="rect">
             <a:avLst/>
@@ -2871,18 +2928,13 @@
               <a:rPr lang="ko-KR" altLang="en-US"/>
               <a:t>다섯 번째 수준</a:t>
             </a:r>
-          </a:p>
-        </p:txBody>
-      </p:sp>
-      <p:sp>
-        <p:nvSpPr>
-          <p:cNvPr id="4" name="날짜 개체 틀 3">
-            <a:extLst>
-              <a:ext uri="{FF2B5EF4-FFF2-40B4-BE49-F238E27FC236}">
-                <a16:creationId xmlns:a16="http://schemas.microsoft.com/office/drawing/2014/main" id="{BE5D64A8-DEBB-4E79-A4C3-F402E028F02E}"/>
-              </a:ext>
-            </a:extLst>
-          </p:cNvPr>
+            <a:endParaRPr lang="en-US" dirty="0"/>
+          </a:p>
+        </p:txBody>
+      </p:sp>
+      <p:sp>
+        <p:nvSpPr>
+          <p:cNvPr id="4" name="Date Placeholder 3"/>
           <p:cNvSpPr>
             <a:spLocks noGrp="1"/>
           </p:cNvSpPr>
@@ -2892,8 +2944,8 @@
         </p:nvSpPr>
         <p:spPr>
           <a:xfrm>
-            <a:off x="838200" y="6356350"/>
-            <a:ext cx="2743200" cy="365125"/>
+            <a:off x="685800" y="6412447"/>
+            <a:ext cx="4114800" cy="228600"/>
           </a:xfrm>
           <a:prstGeom prst="rect">
             <a:avLst/>
@@ -2903,10 +2955,10 @@
           <a:bodyPr vert="horz" lIns="91440" tIns="45720" rIns="91440" bIns="45720" rtlCol="0" anchor="ctr"/>
           <a:lstStyle>
             <a:lvl1pPr algn="l">
-              <a:defRPr sz="1200">
+              <a:defRPr sz="950">
                 <a:solidFill>
                   <a:schemeClr val="tx1">
-                    <a:tint val="75000"/>
+                    <a:alpha val="80000"/>
                   </a:schemeClr>
                 </a:solidFill>
               </a:defRPr>
@@ -2915,7 +2967,7 @@
           <a:p>
             <a:fld id="{55484BE3-27E7-49EA-9085-01EC175E6EED}" type="datetimeFigureOut">
               <a:rPr lang="ko-KR" altLang="en-US" smtClean="0"/>
-              <a:t>2021-07-24</a:t>
+              <a:t>2021-07-26</a:t>
             </a:fld>
             <a:endParaRPr lang="ko-KR" altLang="en-US"/>
           </a:p>
@@ -2923,13 +2975,7 @@
       </p:sp>
       <p:sp>
         <p:nvSpPr>
-          <p:cNvPr id="5" name="바닥글 개체 틀 4">
-            <a:extLst>
-              <a:ext uri="{FF2B5EF4-FFF2-40B4-BE49-F238E27FC236}">
-                <a16:creationId xmlns:a16="http://schemas.microsoft.com/office/drawing/2014/main" id="{199C06CA-73D8-44C8-BA68-F51B4DCDABB9}"/>
-              </a:ext>
-            </a:extLst>
-          </p:cNvPr>
+          <p:cNvPr id="5" name="Footer Placeholder 4"/>
           <p:cNvSpPr>
             <a:spLocks noGrp="1"/>
           </p:cNvSpPr>
@@ -2939,8 +2985,8 @@
         </p:nvSpPr>
         <p:spPr>
           <a:xfrm>
-            <a:off x="4038600" y="6356350"/>
-            <a:ext cx="4114800" cy="365125"/>
+            <a:off x="685800" y="6554697"/>
+            <a:ext cx="5029200" cy="228600"/>
           </a:xfrm>
           <a:prstGeom prst="rect">
             <a:avLst/>
@@ -2949,11 +2995,11 @@
         <p:txBody>
           <a:bodyPr vert="horz" lIns="91440" tIns="45720" rIns="91440" bIns="45720" rtlCol="0" anchor="ctr"/>
           <a:lstStyle>
-            <a:lvl1pPr algn="ctr">
-              <a:defRPr sz="1200">
+            <a:lvl1pPr algn="l">
+              <a:defRPr sz="950" cap="all" baseline="0">
                 <a:solidFill>
                   <a:schemeClr val="tx1">
-                    <a:tint val="75000"/>
+                    <a:alpha val="80000"/>
                   </a:schemeClr>
                 </a:solidFill>
               </a:defRPr>
@@ -2966,13 +3012,7 @@
       </p:sp>
       <p:sp>
         <p:nvSpPr>
-          <p:cNvPr id="6" name="슬라이드 번호 개체 틀 5">
-            <a:extLst>
-              <a:ext uri="{FF2B5EF4-FFF2-40B4-BE49-F238E27FC236}">
-                <a16:creationId xmlns:a16="http://schemas.microsoft.com/office/drawing/2014/main" id="{B5CBAC50-72B1-49AC-B522-3271896FF06F}"/>
-              </a:ext>
-            </a:extLst>
-          </p:cNvPr>
+          <p:cNvPr id="6" name="Slide Number Placeholder 5"/>
           <p:cNvSpPr>
             <a:spLocks noGrp="1"/>
           </p:cNvSpPr>
@@ -2982,23 +3022,27 @@
         </p:nvSpPr>
         <p:spPr>
           <a:xfrm>
-            <a:off x="8610600" y="6356350"/>
-            <a:ext cx="2743200" cy="365125"/>
+            <a:off x="8763926" y="5876412"/>
+            <a:ext cx="2926080" cy="1397039"/>
           </a:xfrm>
           <a:prstGeom prst="rect">
             <a:avLst/>
           </a:prstGeom>
         </p:spPr>
         <p:txBody>
-          <a:bodyPr vert="horz" lIns="91440" tIns="45720" rIns="91440" bIns="45720" rtlCol="0" anchor="ctr"/>
+          <a:bodyPr vert="horz" lIns="91440" tIns="45720" rIns="91440" bIns="45720" rtlCol="0" anchor="b"/>
           <a:lstStyle>
             <a:lvl1pPr algn="r">
-              <a:defRPr sz="1200">
+              <a:defRPr sz="10300" b="0">
+                <a:ln>
+                  <a:noFill/>
+                </a:ln>
                 <a:solidFill>
-                  <a:schemeClr val="tx1">
-                    <a:tint val="75000"/>
+                  <a:schemeClr val="accent1">
+                    <a:alpha val="25000"/>
                   </a:schemeClr>
                 </a:solidFill>
+                <a:latin typeface="+mj-lt"/>
               </a:defRPr>
             </a:lvl1pPr>
           </a:lstStyle>
@@ -3014,37 +3058,37 @@
     </p:spTree>
     <p:extLst>
       <p:ext uri="{BB962C8B-B14F-4D97-AF65-F5344CB8AC3E}">
-        <p14:creationId xmlns:p14="http://schemas.microsoft.com/office/powerpoint/2010/main" val="4048991499"/>
+        <p14:creationId xmlns:p14="http://schemas.microsoft.com/office/powerpoint/2010/main" val="4086218750"/>
       </p:ext>
     </p:extLst>
   </p:cSld>
   <p:clrMap bg1="lt1" tx1="dk1" bg2="lt2" tx2="dk2" accent1="accent1" accent2="accent2" accent3="accent3" accent4="accent4" accent5="accent5" accent6="accent6" hlink="hlink" folHlink="folHlink"/>
   <p:sldLayoutIdLst>
-    <p:sldLayoutId id="2147483649" r:id="rId1"/>
-    <p:sldLayoutId id="2147483650" r:id="rId2"/>
-    <p:sldLayoutId id="2147483651" r:id="rId3"/>
-    <p:sldLayoutId id="2147483652" r:id="rId4"/>
-    <p:sldLayoutId id="2147483653" r:id="rId5"/>
-    <p:sldLayoutId id="2147483654" r:id="rId6"/>
-    <p:sldLayoutId id="2147483655" r:id="rId7"/>
-    <p:sldLayoutId id="2147483656" r:id="rId8"/>
-    <p:sldLayoutId id="2147483657" r:id="rId9"/>
-    <p:sldLayoutId id="2147483658" r:id="rId10"/>
-    <p:sldLayoutId id="2147483659" r:id="rId11"/>
+    <p:sldLayoutId id="2147483697" r:id="rId1"/>
+    <p:sldLayoutId id="2147483698" r:id="rId2"/>
+    <p:sldLayoutId id="2147483699" r:id="rId3"/>
+    <p:sldLayoutId id="2147483700" r:id="rId4"/>
+    <p:sldLayoutId id="2147483701" r:id="rId5"/>
+    <p:sldLayoutId id="2147483702" r:id="rId6"/>
+    <p:sldLayoutId id="2147483703" r:id="rId7"/>
+    <p:sldLayoutId id="2147483704" r:id="rId8"/>
+    <p:sldLayoutId id="2147483705" r:id="rId9"/>
+    <p:sldLayoutId id="2147483706" r:id="rId10"/>
+    <p:sldLayoutId id="2147483707" r:id="rId11"/>
   </p:sldLayoutIdLst>
   <p:txStyles>
     <p:titleStyle>
       <a:lvl1pPr algn="l" defTabSz="914400" rtl="0" eaLnBrk="1" latinLnBrk="1" hangingPunct="1">
         <a:lnSpc>
-          <a:spcPct val="90000"/>
+          <a:spcPct val="85000"/>
         </a:lnSpc>
         <a:spcBef>
           <a:spcPct val="0"/>
         </a:spcBef>
         <a:buNone/>
-        <a:defRPr sz="4400" kern="1200">
+        <a:defRPr sz="5400" kern="1200" spc="-120" baseline="0">
           <a:solidFill>
-            <a:schemeClr val="tx1"/>
+            <a:schemeClr val="accent1"/>
           </a:solidFill>
           <a:latin typeface="+mj-lt"/>
           <a:ea typeface="+mj-ea"/>
@@ -3053,162 +3097,189 @@
       </a:lvl1pPr>
     </p:titleStyle>
     <p:bodyStyle>
-      <a:lvl1pPr marL="228600" indent="-228600" algn="l" defTabSz="914400" rtl="0" eaLnBrk="1" latinLnBrk="1" hangingPunct="1">
+      <a:lvl1pPr marL="91440" indent="-91440" algn="l" defTabSz="914400" rtl="0" eaLnBrk="1" latinLnBrk="1" hangingPunct="1">
         <a:lnSpc>
-          <a:spcPct val="90000"/>
+          <a:spcPct val="85000"/>
         </a:lnSpc>
         <a:spcBef>
-          <a:spcPts val="1000"/>
+          <a:spcPts val="1300"/>
         </a:spcBef>
-        <a:buFont typeface="Arial" panose="020B0604020202020204" pitchFamily="34" charset="0"/>
-        <a:buChar char="•"/>
-        <a:defRPr sz="2800" kern="1200">
+        <a:buFont typeface="Arial" pitchFamily="34" charset="0"/>
+        <a:buChar char=" "/>
+        <a:defRPr sz="2400" kern="1200">
           <a:solidFill>
-            <a:schemeClr val="tx1"/>
+            <a:schemeClr val="tx1">
+              <a:lumMod val="85000"/>
+              <a:lumOff val="15000"/>
+            </a:schemeClr>
           </a:solidFill>
           <a:latin typeface="+mn-lt"/>
           <a:ea typeface="+mn-ea"/>
           <a:cs typeface="+mn-cs"/>
         </a:defRPr>
       </a:lvl1pPr>
-      <a:lvl2pPr marL="685800" indent="-228600" algn="l" defTabSz="914400" rtl="0" eaLnBrk="1" latinLnBrk="1" hangingPunct="1">
+      <a:lvl2pPr marL="347472" indent="-342900" algn="l" defTabSz="914400" rtl="0" eaLnBrk="1" latinLnBrk="1" hangingPunct="1">
         <a:lnSpc>
-          <a:spcPct val="90000"/>
+          <a:spcPct val="85000"/>
         </a:lnSpc>
         <a:spcBef>
-          <a:spcPts val="500"/>
+          <a:spcPts val="600"/>
         </a:spcBef>
-        <a:buFont typeface="Arial" panose="020B0604020202020204" pitchFamily="34" charset="0"/>
-        <a:buChar char="•"/>
+        <a:buFont typeface="Arial" pitchFamily="34" charset="0"/>
+        <a:buChar char=" "/>
         <a:defRPr sz="2400" kern="1200">
           <a:solidFill>
-            <a:schemeClr val="tx1"/>
+            <a:schemeClr val="tx1">
+              <a:lumMod val="85000"/>
+              <a:lumOff val="15000"/>
+            </a:schemeClr>
           </a:solidFill>
           <a:latin typeface="+mn-lt"/>
           <a:ea typeface="+mn-ea"/>
           <a:cs typeface="+mn-cs"/>
         </a:defRPr>
       </a:lvl2pPr>
-      <a:lvl3pPr marL="1143000" indent="-228600" algn="l" defTabSz="914400" rtl="0" eaLnBrk="1" latinLnBrk="1" hangingPunct="1">
+      <a:lvl3pPr marL="548640" indent="-548640" algn="l" defTabSz="914400" rtl="0" eaLnBrk="1" latinLnBrk="1" hangingPunct="1">
         <a:lnSpc>
-          <a:spcPct val="90000"/>
+          <a:spcPct val="85000"/>
         </a:lnSpc>
         <a:spcBef>
-          <a:spcPts val="500"/>
+          <a:spcPts val="600"/>
         </a:spcBef>
-        <a:buFont typeface="Arial" panose="020B0604020202020204" pitchFamily="34" charset="0"/>
-        <a:buChar char="•"/>
-        <a:defRPr sz="2000" kern="1200">
+        <a:buFont typeface="Arial" pitchFamily="34" charset="0"/>
+        <a:buChar char=" "/>
+        <a:defRPr sz="2000" i="1" kern="1200">
           <a:solidFill>
-            <a:schemeClr val="tx1"/>
+            <a:schemeClr val="tx1">
+              <a:lumMod val="85000"/>
+              <a:lumOff val="15000"/>
+            </a:schemeClr>
           </a:solidFill>
           <a:latin typeface="+mn-lt"/>
           <a:ea typeface="+mn-ea"/>
           <a:cs typeface="+mn-cs"/>
         </a:defRPr>
       </a:lvl3pPr>
-      <a:lvl4pPr marL="1600200" indent="-228600" algn="l" defTabSz="914400" rtl="0" eaLnBrk="1" latinLnBrk="1" hangingPunct="1">
+      <a:lvl4pPr marL="822960" indent="-822960" algn="l" defTabSz="914400" rtl="0" eaLnBrk="1" latinLnBrk="1" hangingPunct="1">
         <a:lnSpc>
-          <a:spcPct val="90000"/>
+          <a:spcPct val="85000"/>
         </a:lnSpc>
         <a:spcBef>
-          <a:spcPts val="500"/>
+          <a:spcPts val="600"/>
         </a:spcBef>
-        <a:buFont typeface="Arial" panose="020B0604020202020204" pitchFamily="34" charset="0"/>
-        <a:buChar char="•"/>
+        <a:buFont typeface="Arial" pitchFamily="34" charset="0"/>
+        <a:buChar char=" "/>
         <a:defRPr sz="1800" kern="1200">
           <a:solidFill>
-            <a:schemeClr val="tx1"/>
+            <a:schemeClr val="tx1">
+              <a:lumMod val="85000"/>
+              <a:lumOff val="15000"/>
+            </a:schemeClr>
           </a:solidFill>
           <a:latin typeface="+mn-lt"/>
           <a:ea typeface="+mn-ea"/>
           <a:cs typeface="+mn-cs"/>
         </a:defRPr>
       </a:lvl4pPr>
-      <a:lvl5pPr marL="2057400" indent="-228600" algn="l" defTabSz="914400" rtl="0" eaLnBrk="1" latinLnBrk="1" hangingPunct="1">
+      <a:lvl5pPr marL="1097280" indent="-1097280" algn="l" defTabSz="914400" rtl="0" eaLnBrk="1" latinLnBrk="1" hangingPunct="1">
         <a:lnSpc>
-          <a:spcPct val="90000"/>
+          <a:spcPct val="85000"/>
         </a:lnSpc>
         <a:spcBef>
-          <a:spcPts val="500"/>
+          <a:spcPts val="600"/>
         </a:spcBef>
-        <a:buFont typeface="Arial" panose="020B0604020202020204" pitchFamily="34" charset="0"/>
-        <a:buChar char="•"/>
+        <a:buFont typeface="Arial" pitchFamily="34" charset="0"/>
+        <a:buChar char=" "/>
         <a:defRPr sz="1800" kern="1200">
           <a:solidFill>
-            <a:schemeClr val="tx1"/>
+            <a:schemeClr val="tx1">
+              <a:lumMod val="85000"/>
+              <a:lumOff val="15000"/>
+            </a:schemeClr>
           </a:solidFill>
           <a:latin typeface="+mn-lt"/>
           <a:ea typeface="+mn-ea"/>
           <a:cs typeface="+mn-cs"/>
         </a:defRPr>
       </a:lvl5pPr>
-      <a:lvl6pPr marL="2514600" indent="-228600" algn="l" defTabSz="914400" rtl="0" eaLnBrk="1" latinLnBrk="1" hangingPunct="1">
+      <a:lvl6pPr marL="1200000" indent="-228600" algn="l" defTabSz="914400" rtl="0" eaLnBrk="1" latinLnBrk="1" hangingPunct="1">
         <a:lnSpc>
-          <a:spcPct val="90000"/>
+          <a:spcPct val="85000"/>
         </a:lnSpc>
         <a:spcBef>
-          <a:spcPts val="500"/>
+          <a:spcPts val="600"/>
         </a:spcBef>
-        <a:buFont typeface="Arial" panose="020B0604020202020204" pitchFamily="34" charset="0"/>
-        <a:buChar char="•"/>
+        <a:buFont typeface="Arial" pitchFamily="34" charset="0"/>
+        <a:buChar char=" "/>
         <a:defRPr sz="1800" kern="1200">
           <a:solidFill>
-            <a:schemeClr val="tx1"/>
+            <a:schemeClr val="tx1">
+              <a:lumMod val="85000"/>
+              <a:lumOff val="15000"/>
+            </a:schemeClr>
           </a:solidFill>
           <a:latin typeface="+mn-lt"/>
           <a:ea typeface="+mn-ea"/>
           <a:cs typeface="+mn-cs"/>
         </a:defRPr>
       </a:lvl6pPr>
-      <a:lvl7pPr marL="2971800" indent="-228600" algn="l" defTabSz="914400" rtl="0" eaLnBrk="1" latinLnBrk="1" hangingPunct="1">
+      <a:lvl7pPr marL="1400000" indent="-228600" algn="l" defTabSz="914400" rtl="0" eaLnBrk="1" latinLnBrk="1" hangingPunct="1">
         <a:lnSpc>
-          <a:spcPct val="90000"/>
+          <a:spcPct val="85000"/>
         </a:lnSpc>
         <a:spcBef>
-          <a:spcPts val="500"/>
+          <a:spcPts val="600"/>
         </a:spcBef>
-        <a:buFont typeface="Arial" panose="020B0604020202020204" pitchFamily="34" charset="0"/>
-        <a:buChar char="•"/>
+        <a:buFont typeface="Arial" pitchFamily="34" charset="0"/>
+        <a:buChar char=" "/>
         <a:defRPr sz="1800" kern="1200">
           <a:solidFill>
-            <a:schemeClr val="tx1"/>
+            <a:schemeClr val="tx1">
+              <a:lumMod val="85000"/>
+              <a:lumOff val="15000"/>
+            </a:schemeClr>
           </a:solidFill>
           <a:latin typeface="+mn-lt"/>
           <a:ea typeface="+mn-ea"/>
           <a:cs typeface="+mn-cs"/>
         </a:defRPr>
       </a:lvl7pPr>
-      <a:lvl8pPr marL="3429000" indent="-228600" algn="l" defTabSz="914400" rtl="0" eaLnBrk="1" latinLnBrk="1" hangingPunct="1">
+      <a:lvl8pPr marL="1600000" indent="-228600" algn="l" defTabSz="914400" rtl="0" eaLnBrk="1" latinLnBrk="1" hangingPunct="1">
         <a:lnSpc>
-          <a:spcPct val="90000"/>
+          <a:spcPct val="85000"/>
         </a:lnSpc>
         <a:spcBef>
-          <a:spcPts val="500"/>
+          <a:spcPts val="600"/>
         </a:spcBef>
-        <a:buFont typeface="Arial" panose="020B0604020202020204" pitchFamily="34" charset="0"/>
-        <a:buChar char="•"/>
+        <a:buFont typeface="Arial" pitchFamily="34" charset="0"/>
+        <a:buChar char=" "/>
         <a:defRPr sz="1800" kern="1200">
           <a:solidFill>
-            <a:schemeClr val="tx1"/>
+            <a:schemeClr val="tx1">
+              <a:lumMod val="85000"/>
+              <a:lumOff val="15000"/>
+            </a:schemeClr>
           </a:solidFill>
           <a:latin typeface="+mn-lt"/>
           <a:ea typeface="+mn-ea"/>
           <a:cs typeface="+mn-cs"/>
         </a:defRPr>
       </a:lvl8pPr>
-      <a:lvl9pPr marL="3886200" indent="-228600" algn="l" defTabSz="914400" rtl="0" eaLnBrk="1" latinLnBrk="1" hangingPunct="1">
+      <a:lvl9pPr marL="1800000" indent="-228600" algn="l" defTabSz="914400" rtl="0" eaLnBrk="1" latinLnBrk="1" hangingPunct="1">
         <a:lnSpc>
-          <a:spcPct val="90000"/>
+          <a:spcPct val="85000"/>
         </a:lnSpc>
         <a:spcBef>
-          <a:spcPts val="500"/>
+          <a:spcPts val="600"/>
         </a:spcBef>
-        <a:buFont typeface="Arial" panose="020B0604020202020204" pitchFamily="34" charset="0"/>
-        <a:buChar char="•"/>
+        <a:buFont typeface="Arial" pitchFamily="34" charset="0"/>
+        <a:buChar char=" "/>
         <a:defRPr sz="1800" kern="1200">
           <a:solidFill>
-            <a:schemeClr val="tx1"/>
+            <a:schemeClr val="tx1">
+              <a:lumMod val="85000"/>
+              <a:lumOff val="15000"/>
+            </a:schemeClr>
           </a:solidFill>
           <a:latin typeface="+mn-lt"/>
           <a:ea typeface="+mn-ea"/>
@@ -3218,7 +3289,7 @@
     </p:bodyStyle>
     <p:otherStyle>
       <a:defPPr>
-        <a:defRPr lang="ko-KR"/>
+        <a:defRPr lang="en-US"/>
       </a:defPPr>
       <a:lvl1pPr marL="0" algn="l" defTabSz="914400" rtl="0" eaLnBrk="1" latinLnBrk="1" hangingPunct="1">
         <a:defRPr sz="1800" kern="1200">
@@ -3398,6 +3469,3575 @@
 </p:sld>
 </file>
 
+<file path=ppt/slides/slide10.xml><?xml version="1.0" encoding="utf-8"?>
+<p:sld xmlns:a="http://schemas.openxmlformats.org/drawingml/2006/main" xmlns:r="http://schemas.openxmlformats.org/officeDocument/2006/relationships" xmlns:p="http://schemas.openxmlformats.org/presentationml/2006/main">
+  <p:cSld>
+    <p:spTree>
+      <p:nvGrpSpPr>
+        <p:cNvPr id="1" name=""/>
+        <p:cNvGrpSpPr/>
+        <p:nvPr/>
+      </p:nvGrpSpPr>
+      <p:grpSpPr>
+        <a:xfrm>
+          <a:off x="0" y="0"/>
+          <a:ext cx="0" cy="0"/>
+          <a:chOff x="0" y="0"/>
+          <a:chExt cx="0" cy="0"/>
+        </a:xfrm>
+      </p:grpSpPr>
+      <p:sp>
+        <p:nvSpPr>
+          <p:cNvPr id="2" name="제목 1">
+            <a:extLst>
+              <a:ext uri="{FF2B5EF4-FFF2-40B4-BE49-F238E27FC236}">
+                <a16:creationId xmlns:a16="http://schemas.microsoft.com/office/drawing/2014/main" id="{57CFC020-BFFA-44D8-9426-C4DF089F5398}"/>
+              </a:ext>
+            </a:extLst>
+          </p:cNvPr>
+          <p:cNvSpPr>
+            <a:spLocks noGrp="1"/>
+          </p:cNvSpPr>
+          <p:nvPr>
+            <p:ph type="title"/>
+          </p:nvPr>
+        </p:nvSpPr>
+        <p:spPr/>
+        <p:txBody>
+          <a:bodyPr>
+            <a:normAutofit/>
+          </a:bodyPr>
+          <a:lstStyle/>
+          <a:p>
+            <a:r>
+              <a:rPr lang="en-US" altLang="ko-KR" dirty="0"/>
+              <a:t>2. </a:t>
+            </a:r>
+            <a:r>
+              <a:rPr lang="ko-KR" altLang="en-US" dirty="0"/>
+              <a:t>세부사항</a:t>
+            </a:r>
+            <a:br>
+              <a:rPr lang="en-US" altLang="ko-KR" dirty="0"/>
+            </a:br>
+            <a:br>
+              <a:rPr lang="en-US" altLang="ko-KR" sz="2400" dirty="0"/>
+            </a:br>
+            <a:r>
+              <a:rPr lang="en-US" altLang="ko-KR" sz="2400" dirty="0"/>
+              <a:t>	</a:t>
+            </a:r>
+            <a:r>
+              <a:rPr lang="ko-KR" altLang="en-US" sz="2400" dirty="0"/>
+              <a:t>구현</a:t>
+            </a:r>
+            <a:endParaRPr lang="ko-KR" altLang="en-US" dirty="0"/>
+          </a:p>
+        </p:txBody>
+      </p:sp>
+      <p:sp>
+        <p:nvSpPr>
+          <p:cNvPr id="3" name="내용 개체 틀 2">
+            <a:extLst>
+              <a:ext uri="{FF2B5EF4-FFF2-40B4-BE49-F238E27FC236}">
+                <a16:creationId xmlns:a16="http://schemas.microsoft.com/office/drawing/2014/main" id="{6606DB7D-EC63-4CF8-9A1A-A563DC558111}"/>
+              </a:ext>
+            </a:extLst>
+          </p:cNvPr>
+          <p:cNvSpPr>
+            <a:spLocks noGrp="1"/>
+          </p:cNvSpPr>
+          <p:nvPr>
+            <p:ph idx="1"/>
+          </p:nvPr>
+        </p:nvSpPr>
+        <p:spPr>
+          <a:xfrm>
+            <a:off x="676274" y="2011680"/>
+            <a:ext cx="10753725" cy="3766185"/>
+          </a:xfrm>
+        </p:spPr>
+        <p:txBody>
+          <a:bodyPr>
+            <a:normAutofit lnSpcReduction="10000"/>
+          </a:bodyPr>
+          <a:lstStyle/>
+          <a:p>
+            <a:pPr>
+              <a:buFont typeface="Arial" panose="020B0604020202020204" pitchFamily="34" charset="0"/>
+              <a:buChar char="•"/>
+            </a:pPr>
+            <a:endParaRPr lang="en-US" altLang="ko-KR" dirty="0"/>
+          </a:p>
+          <a:p>
+            <a:pPr>
+              <a:buFont typeface="Arial" panose="020B0604020202020204" pitchFamily="34" charset="0"/>
+              <a:buChar char="•"/>
+            </a:pPr>
+            <a:r>
+              <a:rPr lang="ko-KR" altLang="en-US" dirty="0"/>
+              <a:t>기초 월드 시스템 설계</a:t>
+            </a:r>
+            <a:endParaRPr lang="en-US" altLang="ko-KR" dirty="0"/>
+          </a:p>
+          <a:p>
+            <a:pPr>
+              <a:buFont typeface="Arial" panose="020B0604020202020204" pitchFamily="34" charset="0"/>
+              <a:buChar char="•"/>
+            </a:pPr>
+            <a:r>
+              <a:rPr lang="ko-KR" altLang="en-US" dirty="0"/>
+              <a:t>플레이어 동작 구현</a:t>
+            </a:r>
+            <a:endParaRPr lang="en-US" altLang="ko-KR" dirty="0"/>
+          </a:p>
+          <a:p>
+            <a:pPr marL="4572" lvl="1" indent="0">
+              <a:buNone/>
+            </a:pPr>
+            <a:r>
+              <a:rPr lang="en-US" altLang="ko-KR" dirty="0"/>
+              <a:t>	</a:t>
+            </a:r>
+            <a:r>
+              <a:rPr lang="ko-KR" altLang="en-US" dirty="0"/>
+              <a:t>굴리기 </a:t>
+            </a:r>
+            <a:r>
+              <a:rPr lang="en-US" altLang="ko-KR" dirty="0"/>
+              <a:t>(</a:t>
+            </a:r>
+            <a:r>
+              <a:rPr lang="ko-KR" altLang="en-US" dirty="0"/>
+              <a:t>흡수 </a:t>
+            </a:r>
+            <a:r>
+              <a:rPr lang="en-US" altLang="ko-KR" dirty="0"/>
+              <a:t>or </a:t>
+            </a:r>
+            <a:r>
+              <a:rPr lang="ko-KR" altLang="en-US" dirty="0"/>
+              <a:t>충돌</a:t>
+            </a:r>
+            <a:r>
+              <a:rPr lang="en-US" altLang="ko-KR" dirty="0"/>
+              <a:t>)</a:t>
+            </a:r>
+          </a:p>
+          <a:p>
+            <a:pPr marL="4572" lvl="1" indent="0">
+              <a:buNone/>
+            </a:pPr>
+            <a:r>
+              <a:rPr lang="en-US" altLang="ko-KR" dirty="0"/>
+              <a:t>	</a:t>
+            </a:r>
+            <a:r>
+              <a:rPr lang="ko-KR" altLang="en-US" dirty="0"/>
+              <a:t>흡수</a:t>
+            </a:r>
+            <a:endParaRPr lang="en-US" altLang="ko-KR" dirty="0"/>
+          </a:p>
+          <a:p>
+            <a:pPr>
+              <a:buFont typeface="Arial" panose="020B0604020202020204" pitchFamily="34" charset="0"/>
+              <a:buChar char="•"/>
+            </a:pPr>
+            <a:r>
+              <a:rPr lang="ko-KR" altLang="en-US" dirty="0"/>
+              <a:t>스크롤</a:t>
+            </a:r>
+            <a:r>
+              <a:rPr lang="en-US" altLang="ko-KR" dirty="0"/>
+              <a:t>, </a:t>
+            </a:r>
+            <a:r>
+              <a:rPr lang="ko-KR" altLang="en-US" dirty="0" err="1"/>
+              <a:t>뷰포트</a:t>
+            </a:r>
+            <a:r>
+              <a:rPr lang="ko-KR" altLang="en-US" dirty="0"/>
+              <a:t> 구현</a:t>
+            </a:r>
+            <a:endParaRPr lang="en-US" altLang="ko-KR" dirty="0"/>
+          </a:p>
+          <a:p>
+            <a:pPr marL="4572" lvl="1" indent="0">
+              <a:buNone/>
+            </a:pPr>
+            <a:r>
+              <a:rPr lang="en-US" altLang="ko-KR" dirty="0"/>
+              <a:t>	</a:t>
+            </a:r>
+            <a:r>
+              <a:rPr lang="ko-KR" altLang="en-US" dirty="0"/>
+              <a:t>공의 크기 변화에 따른 시점 축소</a:t>
+            </a:r>
+            <a:r>
+              <a:rPr lang="en-US" altLang="ko-KR" dirty="0"/>
+              <a:t>, ( </a:t>
+            </a:r>
+            <a:r>
+              <a:rPr lang="ko-KR" altLang="en-US" dirty="0" err="1"/>
+              <a:t>텍스쳐의</a:t>
+            </a:r>
+            <a:r>
+              <a:rPr lang="ko-KR" altLang="en-US" dirty="0"/>
+              <a:t> </a:t>
+            </a:r>
+            <a:r>
+              <a:rPr lang="en-US" altLang="ko-KR" dirty="0"/>
+              <a:t>LOD</a:t>
+            </a:r>
+            <a:r>
+              <a:rPr lang="ko-KR" altLang="en-US" dirty="0"/>
+              <a:t> 적용</a:t>
+            </a:r>
+            <a:r>
+              <a:rPr lang="en-US" altLang="ko-KR" dirty="0"/>
+              <a:t>?)</a:t>
+            </a:r>
+          </a:p>
+          <a:p>
+            <a:pPr>
+              <a:buFont typeface="Arial" panose="020B0604020202020204" pitchFamily="34" charset="0"/>
+              <a:buChar char="•"/>
+            </a:pPr>
+            <a:r>
+              <a:rPr lang="en-US" altLang="ko-KR" dirty="0"/>
+              <a:t>?. </a:t>
+            </a:r>
+            <a:r>
+              <a:rPr lang="ko-KR" altLang="en-US" dirty="0"/>
+              <a:t>적 구현</a:t>
+            </a:r>
+            <a:endParaRPr lang="en-US" altLang="ko-KR" dirty="0"/>
+          </a:p>
+          <a:p>
+            <a:pPr marL="4572" lvl="1" indent="0">
+              <a:buNone/>
+            </a:pPr>
+            <a:r>
+              <a:rPr lang="en-US" altLang="ko-KR" dirty="0"/>
+              <a:t>	 </a:t>
+            </a:r>
+            <a:r>
+              <a:rPr lang="ko-KR" altLang="en-US" dirty="0"/>
+              <a:t>타겟 설정</a:t>
+            </a:r>
+            <a:r>
+              <a:rPr lang="en-US" altLang="ko-KR" dirty="0"/>
+              <a:t>,  </a:t>
+            </a:r>
+            <a:r>
+              <a:rPr lang="ko-KR" altLang="en-US" dirty="0"/>
+              <a:t>이동 경로 탐색</a:t>
+            </a:r>
+            <a:endParaRPr lang="en-US" altLang="ko-KR" dirty="0"/>
+          </a:p>
+          <a:p>
+            <a:pPr>
+              <a:buFont typeface="Arial" panose="020B0604020202020204" pitchFamily="34" charset="0"/>
+              <a:buChar char="•"/>
+            </a:pPr>
+            <a:endParaRPr lang="en-US" altLang="ko-KR" dirty="0"/>
+          </a:p>
+        </p:txBody>
+      </p:sp>
+    </p:spTree>
+    <p:extLst>
+      <p:ext uri="{BB962C8B-B14F-4D97-AF65-F5344CB8AC3E}">
+        <p14:creationId xmlns:p14="http://schemas.microsoft.com/office/powerpoint/2010/main" val="514675206"/>
+      </p:ext>
+    </p:extLst>
+  </p:cSld>
+  <p:clrMapOvr>
+    <a:masterClrMapping/>
+  </p:clrMapOvr>
+</p:sld>
+</file>
+
+<file path=ppt/slides/slide11.xml><?xml version="1.0" encoding="utf-8"?>
+<p:sld xmlns:a="http://schemas.openxmlformats.org/drawingml/2006/main" xmlns:r="http://schemas.openxmlformats.org/officeDocument/2006/relationships" xmlns:p="http://schemas.openxmlformats.org/presentationml/2006/main">
+  <p:cSld>
+    <p:spTree>
+      <p:nvGrpSpPr>
+        <p:cNvPr id="1" name=""/>
+        <p:cNvGrpSpPr/>
+        <p:nvPr/>
+      </p:nvGrpSpPr>
+      <p:grpSpPr>
+        <a:xfrm>
+          <a:off x="0" y="0"/>
+          <a:ext cx="0" cy="0"/>
+          <a:chOff x="0" y="0"/>
+          <a:chExt cx="0" cy="0"/>
+        </a:xfrm>
+      </p:grpSpPr>
+      <p:sp>
+        <p:nvSpPr>
+          <p:cNvPr id="2" name="제목 1">
+            <a:extLst>
+              <a:ext uri="{FF2B5EF4-FFF2-40B4-BE49-F238E27FC236}">
+                <a16:creationId xmlns:a16="http://schemas.microsoft.com/office/drawing/2014/main" id="{57CFC020-BFFA-44D8-9426-C4DF089F5398}"/>
+              </a:ext>
+            </a:extLst>
+          </p:cNvPr>
+          <p:cNvSpPr>
+            <a:spLocks noGrp="1"/>
+          </p:cNvSpPr>
+          <p:nvPr>
+            <p:ph type="title"/>
+          </p:nvPr>
+        </p:nvSpPr>
+        <p:spPr/>
+        <p:txBody>
+          <a:bodyPr>
+            <a:normAutofit/>
+          </a:bodyPr>
+          <a:lstStyle/>
+          <a:p>
+            <a:r>
+              <a:rPr lang="en-US" altLang="ko-KR" dirty="0"/>
+              <a:t>2. </a:t>
+            </a:r>
+            <a:r>
+              <a:rPr lang="ko-KR" altLang="en-US" dirty="0"/>
+              <a:t>세부사항</a:t>
+            </a:r>
+            <a:br>
+              <a:rPr lang="en-US" altLang="ko-KR" dirty="0"/>
+            </a:br>
+            <a:br>
+              <a:rPr lang="en-US" altLang="ko-KR" sz="2400" dirty="0"/>
+            </a:br>
+            <a:r>
+              <a:rPr lang="en-US" altLang="ko-KR" sz="2400" dirty="0"/>
+              <a:t>	</a:t>
+            </a:r>
+            <a:r>
+              <a:rPr lang="ko-KR" altLang="en-US" sz="2400" dirty="0"/>
+              <a:t>기능</a:t>
+            </a:r>
+            <a:endParaRPr lang="ko-KR" altLang="en-US" dirty="0"/>
+          </a:p>
+        </p:txBody>
+      </p:sp>
+      <p:sp>
+        <p:nvSpPr>
+          <p:cNvPr id="3" name="내용 개체 틀 2">
+            <a:extLst>
+              <a:ext uri="{FF2B5EF4-FFF2-40B4-BE49-F238E27FC236}">
+                <a16:creationId xmlns:a16="http://schemas.microsoft.com/office/drawing/2014/main" id="{6606DB7D-EC63-4CF8-9A1A-A563DC558111}"/>
+              </a:ext>
+            </a:extLst>
+          </p:cNvPr>
+          <p:cNvSpPr>
+            <a:spLocks noGrp="1"/>
+          </p:cNvSpPr>
+          <p:nvPr>
+            <p:ph idx="1"/>
+          </p:nvPr>
+        </p:nvSpPr>
+        <p:spPr>
+          <a:xfrm>
+            <a:off x="676274" y="2011680"/>
+            <a:ext cx="10753725" cy="3766185"/>
+          </a:xfrm>
+        </p:spPr>
+        <p:txBody>
+          <a:bodyPr>
+            <a:normAutofit fontScale="92500" lnSpcReduction="10000"/>
+          </a:bodyPr>
+          <a:lstStyle/>
+          <a:p>
+            <a:pPr marL="0" indent="0">
+              <a:buNone/>
+            </a:pPr>
+            <a:endParaRPr lang="en-US" altLang="ko-KR" dirty="0"/>
+          </a:p>
+          <a:p>
+            <a:pPr marL="0" indent="0">
+              <a:buNone/>
+            </a:pPr>
+            <a:r>
+              <a:rPr lang="ko-KR" altLang="en-US" dirty="0"/>
+              <a:t>동적 월드 로딩</a:t>
+            </a:r>
+            <a:r>
+              <a:rPr lang="en-US" altLang="ko-KR" dirty="0"/>
+              <a:t>, </a:t>
+            </a:r>
+            <a:r>
+              <a:rPr lang="ko-KR" altLang="en-US" dirty="0"/>
+              <a:t>동적 좌표</a:t>
+            </a:r>
+            <a:endParaRPr lang="en-US" altLang="ko-KR" dirty="0"/>
+          </a:p>
+          <a:p>
+            <a:pPr marL="0" indent="0">
+              <a:buNone/>
+            </a:pPr>
+            <a:r>
+              <a:rPr lang="en-US" altLang="ko-KR" dirty="0"/>
+              <a:t>	</a:t>
+            </a:r>
+            <a:r>
+              <a:rPr lang="ko-KR" altLang="en-US" dirty="0"/>
+              <a:t>오브젝트 탐색 효율화</a:t>
+            </a:r>
+            <a:endParaRPr lang="en-US" altLang="ko-KR" dirty="0"/>
+          </a:p>
+          <a:p>
+            <a:pPr marL="0" indent="0">
+              <a:buNone/>
+            </a:pPr>
+            <a:endParaRPr lang="en-US" altLang="ko-KR" dirty="0"/>
+          </a:p>
+          <a:p>
+            <a:pPr marL="0" indent="0">
+              <a:buNone/>
+            </a:pPr>
+            <a:r>
+              <a:rPr lang="ko-KR" altLang="en-US" dirty="0"/>
+              <a:t>프레임 개선을 통한 자원 확보</a:t>
+            </a:r>
+            <a:endParaRPr lang="en-US" altLang="ko-KR" dirty="0"/>
+          </a:p>
+          <a:p>
+            <a:pPr marL="0" indent="0">
+              <a:buNone/>
+            </a:pPr>
+            <a:endParaRPr lang="en-US" altLang="ko-KR" dirty="0"/>
+          </a:p>
+          <a:p>
+            <a:pPr marL="0" indent="0">
+              <a:buNone/>
+            </a:pPr>
+            <a:r>
+              <a:rPr lang="ko-KR" altLang="en-US" dirty="0"/>
+              <a:t>음악</a:t>
+            </a:r>
+            <a:r>
+              <a:rPr lang="en-US" altLang="ko-KR" dirty="0"/>
+              <a:t>, UI, </a:t>
+            </a:r>
+            <a:r>
+              <a:rPr lang="ko-KR" altLang="en-US" dirty="0"/>
+              <a:t>스프라이트의 생산성 확보</a:t>
+            </a:r>
+            <a:endParaRPr lang="en-US" altLang="ko-KR" dirty="0"/>
+          </a:p>
+          <a:p>
+            <a:pPr marL="0" indent="0">
+              <a:buNone/>
+            </a:pPr>
+            <a:endParaRPr lang="en-US" altLang="ko-KR" dirty="0"/>
+          </a:p>
+          <a:p>
+            <a:pPr marL="0" indent="0">
+              <a:buNone/>
+            </a:pPr>
+            <a:r>
+              <a:rPr lang="en-US" altLang="ko-KR" dirty="0"/>
+              <a:t>?. </a:t>
+            </a:r>
+            <a:r>
+              <a:rPr lang="ko-KR" altLang="en-US" dirty="0"/>
+              <a:t>멀티 플레이어</a:t>
+            </a:r>
+            <a:endParaRPr lang="en-US" altLang="ko-KR" dirty="0"/>
+          </a:p>
+        </p:txBody>
+      </p:sp>
+    </p:spTree>
+    <p:extLst>
+      <p:ext uri="{BB962C8B-B14F-4D97-AF65-F5344CB8AC3E}">
+        <p14:creationId xmlns:p14="http://schemas.microsoft.com/office/powerpoint/2010/main" val="828499577"/>
+      </p:ext>
+    </p:extLst>
+  </p:cSld>
+  <p:clrMapOvr>
+    <a:masterClrMapping/>
+  </p:clrMapOvr>
+</p:sld>
+</file>
+
+<file path=ppt/slides/slide12.xml><?xml version="1.0" encoding="utf-8"?>
+<p:sld xmlns:a="http://schemas.openxmlformats.org/drawingml/2006/main" xmlns:r="http://schemas.openxmlformats.org/officeDocument/2006/relationships" xmlns:p="http://schemas.openxmlformats.org/presentationml/2006/main">
+  <p:cSld>
+    <p:spTree>
+      <p:nvGrpSpPr>
+        <p:cNvPr id="1" name=""/>
+        <p:cNvGrpSpPr/>
+        <p:nvPr/>
+      </p:nvGrpSpPr>
+      <p:grpSpPr>
+        <a:xfrm>
+          <a:off x="0" y="0"/>
+          <a:ext cx="0" cy="0"/>
+          <a:chOff x="0" y="0"/>
+          <a:chExt cx="0" cy="0"/>
+        </a:xfrm>
+      </p:grpSpPr>
+      <p:sp>
+        <p:nvSpPr>
+          <p:cNvPr id="2" name="제목 1">
+            <a:extLst>
+              <a:ext uri="{FF2B5EF4-FFF2-40B4-BE49-F238E27FC236}">
+                <a16:creationId xmlns:a16="http://schemas.microsoft.com/office/drawing/2014/main" id="{C7D002C6-46B4-4DAC-9B2F-A5F9352A2914}"/>
+              </a:ext>
+            </a:extLst>
+          </p:cNvPr>
+          <p:cNvSpPr>
+            <a:spLocks noGrp="1"/>
+          </p:cNvSpPr>
+          <p:nvPr>
+            <p:ph type="title"/>
+          </p:nvPr>
+        </p:nvSpPr>
+        <p:spPr/>
+        <p:txBody>
+          <a:bodyPr/>
+          <a:lstStyle/>
+          <a:p>
+            <a:r>
+              <a:rPr lang="en-US" altLang="ko-KR" dirty="0"/>
+              <a:t>3. </a:t>
+            </a:r>
+            <a:r>
+              <a:rPr lang="ko-KR" altLang="en-US" dirty="0"/>
+              <a:t>일정</a:t>
+            </a:r>
+          </a:p>
+        </p:txBody>
+      </p:sp>
+      <p:sp>
+        <p:nvSpPr>
+          <p:cNvPr id="3" name="내용 개체 틀 2">
+            <a:extLst>
+              <a:ext uri="{FF2B5EF4-FFF2-40B4-BE49-F238E27FC236}">
+                <a16:creationId xmlns:a16="http://schemas.microsoft.com/office/drawing/2014/main" id="{DB721EF4-3F44-417D-9DE1-3F729F831EC8}"/>
+              </a:ext>
+            </a:extLst>
+          </p:cNvPr>
+          <p:cNvSpPr>
+            <a:spLocks noGrp="1"/>
+          </p:cNvSpPr>
+          <p:nvPr>
+            <p:ph idx="1"/>
+          </p:nvPr>
+        </p:nvSpPr>
+        <p:spPr/>
+        <p:txBody>
+          <a:bodyPr>
+            <a:normAutofit lnSpcReduction="10000"/>
+          </a:bodyPr>
+          <a:lstStyle/>
+          <a:p>
+            <a:pPr marL="0" indent="0">
+              <a:buNone/>
+            </a:pPr>
+            <a:r>
+              <a:rPr lang="en-US" altLang="ko-KR" dirty="0"/>
+              <a:t> </a:t>
+            </a:r>
+          </a:p>
+          <a:p>
+            <a:pPr marL="0" indent="0">
+              <a:buNone/>
+            </a:pPr>
+            <a:r>
+              <a:rPr lang="en-US" altLang="ko-KR" dirty="0"/>
+              <a:t>1. </a:t>
+            </a:r>
+            <a:r>
+              <a:rPr lang="ko-KR" altLang="en-US" dirty="0"/>
+              <a:t>프로토 타입</a:t>
+            </a:r>
+            <a:endParaRPr lang="en-US" altLang="ko-KR" dirty="0"/>
+          </a:p>
+          <a:p>
+            <a:pPr marL="0" indent="0">
+              <a:buNone/>
+            </a:pPr>
+            <a:r>
+              <a:rPr lang="en-US" altLang="ko-KR" sz="2400" dirty="0"/>
+              <a:t>	</a:t>
+            </a:r>
+            <a:r>
+              <a:rPr lang="ko-KR" altLang="en-US" sz="2400" dirty="0"/>
+              <a:t>일단은 결과물</a:t>
+            </a:r>
+            <a:r>
+              <a:rPr lang="en-US" altLang="ko-KR" sz="2400" dirty="0"/>
+              <a:t> + </a:t>
+            </a:r>
+            <a:r>
+              <a:rPr lang="ko-KR" altLang="en-US" sz="2400" dirty="0"/>
+              <a:t>흥미</a:t>
+            </a:r>
+            <a:endParaRPr lang="en-US" altLang="ko-KR" sz="2400" dirty="0"/>
+          </a:p>
+          <a:p>
+            <a:pPr marL="0" indent="0">
+              <a:buNone/>
+            </a:pPr>
+            <a:endParaRPr lang="en-US" altLang="ko-KR" dirty="0"/>
+          </a:p>
+          <a:p>
+            <a:pPr marL="0" indent="0">
+              <a:buNone/>
+            </a:pPr>
+            <a:r>
+              <a:rPr lang="en-US" altLang="ko-KR" dirty="0"/>
+              <a:t>2. </a:t>
+            </a:r>
+            <a:r>
+              <a:rPr lang="ko-KR" altLang="en-US" dirty="0"/>
+              <a:t>툴</a:t>
+            </a:r>
+            <a:endParaRPr lang="en-US" altLang="ko-KR" dirty="0"/>
+          </a:p>
+          <a:p>
+            <a:pPr marL="0" indent="0">
+              <a:buNone/>
+            </a:pPr>
+            <a:r>
+              <a:rPr lang="en-US" altLang="ko-KR" sz="2400" dirty="0"/>
+              <a:t>	</a:t>
+            </a:r>
+            <a:r>
+              <a:rPr lang="ko-KR" altLang="en-US" sz="2400" dirty="0"/>
+              <a:t>생산성 증대</a:t>
+            </a:r>
+            <a:endParaRPr lang="en-US" altLang="ko-KR" sz="2400" dirty="0"/>
+          </a:p>
+          <a:p>
+            <a:pPr marL="0" indent="0">
+              <a:buNone/>
+            </a:pPr>
+            <a:endParaRPr lang="en-US" altLang="ko-KR" dirty="0"/>
+          </a:p>
+          <a:p>
+            <a:pPr marL="0" indent="0">
+              <a:buNone/>
+            </a:pPr>
+            <a:r>
+              <a:rPr lang="en-US" altLang="ko-KR" dirty="0"/>
+              <a:t>3. </a:t>
+            </a:r>
+            <a:r>
+              <a:rPr lang="ko-KR" altLang="en-US" dirty="0"/>
+              <a:t>추가 구현</a:t>
+            </a:r>
+            <a:r>
+              <a:rPr lang="en-US" altLang="ko-KR" dirty="0"/>
+              <a:t>, </a:t>
+            </a:r>
+            <a:r>
+              <a:rPr lang="ko-KR" altLang="en-US" dirty="0"/>
+              <a:t>게임 제작</a:t>
+            </a:r>
+            <a:endParaRPr lang="en-US" altLang="ko-KR" dirty="0"/>
+          </a:p>
+          <a:p>
+            <a:pPr marL="0" indent="0">
+              <a:buNone/>
+            </a:pPr>
+            <a:r>
+              <a:rPr lang="en-US" altLang="ko-KR" sz="2400" dirty="0"/>
+              <a:t>	</a:t>
+            </a:r>
+            <a:r>
+              <a:rPr lang="ko-KR" altLang="en-US" sz="2400" dirty="0"/>
+              <a:t>보너스</a:t>
+            </a:r>
+            <a:endParaRPr lang="en-US" altLang="ko-KR" sz="2400" dirty="0"/>
+          </a:p>
+        </p:txBody>
+      </p:sp>
+      <p:sp>
+        <p:nvSpPr>
+          <p:cNvPr id="4" name="텍스트 개체 틀 3">
+            <a:extLst>
+              <a:ext uri="{FF2B5EF4-FFF2-40B4-BE49-F238E27FC236}">
+                <a16:creationId xmlns:a16="http://schemas.microsoft.com/office/drawing/2014/main" id="{889C135F-3236-4534-8E45-A792CDFE38A4}"/>
+              </a:ext>
+            </a:extLst>
+          </p:cNvPr>
+          <p:cNvSpPr>
+            <a:spLocks noGrp="1"/>
+          </p:cNvSpPr>
+          <p:nvPr>
+            <p:ph type="body" sz="half" idx="2"/>
+          </p:nvPr>
+        </p:nvSpPr>
+        <p:spPr/>
+        <p:txBody>
+          <a:bodyPr/>
+          <a:lstStyle/>
+          <a:p>
+            <a:endParaRPr lang="ko-KR" altLang="en-US"/>
+          </a:p>
+        </p:txBody>
+      </p:sp>
+    </p:spTree>
+    <p:extLst>
+      <p:ext uri="{BB962C8B-B14F-4D97-AF65-F5344CB8AC3E}">
+        <p14:creationId xmlns:p14="http://schemas.microsoft.com/office/powerpoint/2010/main" val="2999365437"/>
+      </p:ext>
+    </p:extLst>
+  </p:cSld>
+  <p:clrMapOvr>
+    <a:masterClrMapping/>
+  </p:clrMapOvr>
+</p:sld>
+</file>
+
+<file path=ppt/slides/slide13.xml><?xml version="1.0" encoding="utf-8"?>
+<p:sld xmlns:a="http://schemas.openxmlformats.org/drawingml/2006/main" xmlns:r="http://schemas.openxmlformats.org/officeDocument/2006/relationships" xmlns:p="http://schemas.openxmlformats.org/presentationml/2006/main">
+  <p:cSld>
+    <p:spTree>
+      <p:nvGrpSpPr>
+        <p:cNvPr id="1" name=""/>
+        <p:cNvGrpSpPr/>
+        <p:nvPr/>
+      </p:nvGrpSpPr>
+      <p:grpSpPr>
+        <a:xfrm>
+          <a:off x="0" y="0"/>
+          <a:ext cx="0" cy="0"/>
+          <a:chOff x="0" y="0"/>
+          <a:chExt cx="0" cy="0"/>
+        </a:xfrm>
+      </p:grpSpPr>
+      <p:graphicFrame>
+        <p:nvGraphicFramePr>
+          <p:cNvPr id="8" name="표 8">
+            <a:extLst>
+              <a:ext uri="{FF2B5EF4-FFF2-40B4-BE49-F238E27FC236}">
+                <a16:creationId xmlns:a16="http://schemas.microsoft.com/office/drawing/2014/main" id="{B126E108-71AE-4702-A0E7-59103ECB479F}"/>
+              </a:ext>
+            </a:extLst>
+          </p:cNvPr>
+          <p:cNvGraphicFramePr>
+            <a:graphicFrameLocks noGrp="1"/>
+          </p:cNvGraphicFramePr>
+          <p:nvPr>
+            <p:extLst>
+              <p:ext uri="{D42A27DB-BD31-4B8C-83A1-F6EECF244321}">
+                <p14:modId xmlns:p14="http://schemas.microsoft.com/office/powerpoint/2010/main" val="1812016966"/>
+              </p:ext>
+            </p:extLst>
+          </p:nvPr>
+        </p:nvGraphicFramePr>
+        <p:xfrm>
+          <a:off x="452063" y="553906"/>
+          <a:ext cx="11558417" cy="3108555"/>
+        </p:xfrm>
+        <a:graphic>
+          <a:graphicData uri="http://schemas.openxmlformats.org/drawingml/2006/table">
+            <a:tbl>
+              <a:tblPr firstRow="1" bandRow="1">
+                <a:tableStyleId>{5C22544A-7EE6-4342-B048-85BDC9FD1C3A}</a:tableStyleId>
+              </a:tblPr>
+              <a:tblGrid>
+                <a:gridCol w="889109">
+                  <a:extLst>
+                    <a:ext uri="{9D8B030D-6E8A-4147-A177-3AD203B41FA5}">
+                      <a16:colId xmlns:a16="http://schemas.microsoft.com/office/drawing/2014/main" val="1340227024"/>
+                    </a:ext>
+                  </a:extLst>
+                </a:gridCol>
+                <a:gridCol w="889109">
+                  <a:extLst>
+                    <a:ext uri="{9D8B030D-6E8A-4147-A177-3AD203B41FA5}">
+                      <a16:colId xmlns:a16="http://schemas.microsoft.com/office/drawing/2014/main" val="1254563980"/>
+                    </a:ext>
+                  </a:extLst>
+                </a:gridCol>
+                <a:gridCol w="889109">
+                  <a:extLst>
+                    <a:ext uri="{9D8B030D-6E8A-4147-A177-3AD203B41FA5}">
+                      <a16:colId xmlns:a16="http://schemas.microsoft.com/office/drawing/2014/main" val="593153372"/>
+                    </a:ext>
+                  </a:extLst>
+                </a:gridCol>
+                <a:gridCol w="889109">
+                  <a:extLst>
+                    <a:ext uri="{9D8B030D-6E8A-4147-A177-3AD203B41FA5}">
+                      <a16:colId xmlns:a16="http://schemas.microsoft.com/office/drawing/2014/main" val="3949549481"/>
+                    </a:ext>
+                  </a:extLst>
+                </a:gridCol>
+                <a:gridCol w="889109">
+                  <a:extLst>
+                    <a:ext uri="{9D8B030D-6E8A-4147-A177-3AD203B41FA5}">
+                      <a16:colId xmlns:a16="http://schemas.microsoft.com/office/drawing/2014/main" val="1556308871"/>
+                    </a:ext>
+                  </a:extLst>
+                </a:gridCol>
+                <a:gridCol w="889109">
+                  <a:extLst>
+                    <a:ext uri="{9D8B030D-6E8A-4147-A177-3AD203B41FA5}">
+                      <a16:colId xmlns:a16="http://schemas.microsoft.com/office/drawing/2014/main" val="1475026853"/>
+                    </a:ext>
+                  </a:extLst>
+                </a:gridCol>
+                <a:gridCol w="889109">
+                  <a:extLst>
+                    <a:ext uri="{9D8B030D-6E8A-4147-A177-3AD203B41FA5}">
+                      <a16:colId xmlns:a16="http://schemas.microsoft.com/office/drawing/2014/main" val="2246476505"/>
+                    </a:ext>
+                  </a:extLst>
+                </a:gridCol>
+                <a:gridCol w="889109">
+                  <a:extLst>
+                    <a:ext uri="{9D8B030D-6E8A-4147-A177-3AD203B41FA5}">
+                      <a16:colId xmlns:a16="http://schemas.microsoft.com/office/drawing/2014/main" val="1942524638"/>
+                    </a:ext>
+                  </a:extLst>
+                </a:gridCol>
+                <a:gridCol w="889109">
+                  <a:extLst>
+                    <a:ext uri="{9D8B030D-6E8A-4147-A177-3AD203B41FA5}">
+                      <a16:colId xmlns:a16="http://schemas.microsoft.com/office/drawing/2014/main" val="3723728023"/>
+                    </a:ext>
+                  </a:extLst>
+                </a:gridCol>
+                <a:gridCol w="889109">
+                  <a:extLst>
+                    <a:ext uri="{9D8B030D-6E8A-4147-A177-3AD203B41FA5}">
+                      <a16:colId xmlns:a16="http://schemas.microsoft.com/office/drawing/2014/main" val="4019288366"/>
+                    </a:ext>
+                  </a:extLst>
+                </a:gridCol>
+                <a:gridCol w="889109">
+                  <a:extLst>
+                    <a:ext uri="{9D8B030D-6E8A-4147-A177-3AD203B41FA5}">
+                      <a16:colId xmlns:a16="http://schemas.microsoft.com/office/drawing/2014/main" val="2136115673"/>
+                    </a:ext>
+                  </a:extLst>
+                </a:gridCol>
+                <a:gridCol w="889109">
+                  <a:extLst>
+                    <a:ext uri="{9D8B030D-6E8A-4147-A177-3AD203B41FA5}">
+                      <a16:colId xmlns:a16="http://schemas.microsoft.com/office/drawing/2014/main" val="3564685554"/>
+                    </a:ext>
+                  </a:extLst>
+                </a:gridCol>
+                <a:gridCol w="889109">
+                  <a:extLst>
+                    <a:ext uri="{9D8B030D-6E8A-4147-A177-3AD203B41FA5}">
+                      <a16:colId xmlns:a16="http://schemas.microsoft.com/office/drawing/2014/main" val="2690936700"/>
+                    </a:ext>
+                  </a:extLst>
+                </a:gridCol>
+              </a:tblGrid>
+              <a:tr h="207596">
+                <a:tc>
+                  <a:txBody>
+                    <a:bodyPr/>
+                    <a:lstStyle/>
+                    <a:p>
+                      <a:pPr algn="ctr" latinLnBrk="1"/>
+                      <a:r>
+                        <a:rPr lang="en-US" altLang="ko-KR" dirty="0"/>
+                        <a:t>1</a:t>
+                      </a:r>
+                      <a:endParaRPr lang="ko-KR" altLang="en-US" dirty="0"/>
+                    </a:p>
+                  </a:txBody>
+                  <a:tcPr anchor="ctr"/>
+                </a:tc>
+                <a:tc>
+                  <a:txBody>
+                    <a:bodyPr/>
+                    <a:lstStyle/>
+                    <a:p>
+                      <a:pPr algn="ctr" latinLnBrk="1"/>
+                      <a:r>
+                        <a:rPr lang="en-US" altLang="ko-KR" dirty="0"/>
+                        <a:t>2</a:t>
+                      </a:r>
+                      <a:endParaRPr lang="ko-KR" altLang="en-US" dirty="0"/>
+                    </a:p>
+                  </a:txBody>
+                  <a:tcPr anchor="ctr"/>
+                </a:tc>
+                <a:tc>
+                  <a:txBody>
+                    <a:bodyPr/>
+                    <a:lstStyle/>
+                    <a:p>
+                      <a:pPr algn="ctr" latinLnBrk="1"/>
+                      <a:r>
+                        <a:rPr lang="en-US" altLang="ko-KR" dirty="0"/>
+                        <a:t>3</a:t>
+                      </a:r>
+                      <a:endParaRPr lang="ko-KR" altLang="en-US" dirty="0"/>
+                    </a:p>
+                  </a:txBody>
+                  <a:tcPr anchor="ctr"/>
+                </a:tc>
+                <a:tc>
+                  <a:txBody>
+                    <a:bodyPr/>
+                    <a:lstStyle/>
+                    <a:p>
+                      <a:pPr algn="ctr" latinLnBrk="1"/>
+                      <a:r>
+                        <a:rPr lang="en-US" altLang="ko-KR" dirty="0"/>
+                        <a:t>4</a:t>
+                      </a:r>
+                      <a:endParaRPr lang="ko-KR" altLang="en-US" dirty="0"/>
+                    </a:p>
+                  </a:txBody>
+                  <a:tcPr anchor="ctr"/>
+                </a:tc>
+                <a:tc>
+                  <a:txBody>
+                    <a:bodyPr/>
+                    <a:lstStyle/>
+                    <a:p>
+                      <a:pPr algn="ctr" latinLnBrk="1"/>
+                      <a:r>
+                        <a:rPr lang="en-US" altLang="ko-KR" dirty="0"/>
+                        <a:t>5</a:t>
+                      </a:r>
+                      <a:endParaRPr lang="ko-KR" altLang="en-US" dirty="0"/>
+                    </a:p>
+                  </a:txBody>
+                  <a:tcPr anchor="ctr"/>
+                </a:tc>
+                <a:tc>
+                  <a:txBody>
+                    <a:bodyPr/>
+                    <a:lstStyle/>
+                    <a:p>
+                      <a:pPr algn="ctr" latinLnBrk="1"/>
+                      <a:r>
+                        <a:rPr lang="en-US" altLang="ko-KR" dirty="0"/>
+                        <a:t>6</a:t>
+                      </a:r>
+                      <a:endParaRPr lang="ko-KR" altLang="en-US" dirty="0"/>
+                    </a:p>
+                  </a:txBody>
+                  <a:tcPr anchor="ctr"/>
+                </a:tc>
+                <a:tc>
+                  <a:txBody>
+                    <a:bodyPr/>
+                    <a:lstStyle/>
+                    <a:p>
+                      <a:pPr algn="ctr" latinLnBrk="1"/>
+                      <a:r>
+                        <a:rPr lang="en-US" altLang="ko-KR" dirty="0"/>
+                        <a:t>7</a:t>
+                      </a:r>
+                      <a:endParaRPr lang="ko-KR" altLang="en-US" dirty="0"/>
+                    </a:p>
+                  </a:txBody>
+                  <a:tcPr anchor="ctr"/>
+                </a:tc>
+                <a:tc>
+                  <a:txBody>
+                    <a:bodyPr/>
+                    <a:lstStyle/>
+                    <a:p>
+                      <a:pPr algn="ctr" latinLnBrk="1"/>
+                      <a:r>
+                        <a:rPr lang="en-US" altLang="ko-KR" dirty="0"/>
+                        <a:t>8</a:t>
+                      </a:r>
+                      <a:endParaRPr lang="ko-KR" altLang="en-US" dirty="0"/>
+                    </a:p>
+                  </a:txBody>
+                  <a:tcPr anchor="ctr"/>
+                </a:tc>
+                <a:tc>
+                  <a:txBody>
+                    <a:bodyPr/>
+                    <a:lstStyle/>
+                    <a:p>
+                      <a:pPr algn="ctr" latinLnBrk="1"/>
+                      <a:r>
+                        <a:rPr lang="en-US" altLang="ko-KR" dirty="0"/>
+                        <a:t>9</a:t>
+                      </a:r>
+                      <a:endParaRPr lang="ko-KR" altLang="en-US" dirty="0"/>
+                    </a:p>
+                  </a:txBody>
+                  <a:tcPr anchor="ctr"/>
+                </a:tc>
+                <a:tc>
+                  <a:txBody>
+                    <a:bodyPr/>
+                    <a:lstStyle/>
+                    <a:p>
+                      <a:pPr algn="ctr" latinLnBrk="1"/>
+                      <a:r>
+                        <a:rPr lang="en-US" altLang="ko-KR" dirty="0"/>
+                        <a:t>10</a:t>
+                      </a:r>
+                      <a:endParaRPr lang="ko-KR" altLang="en-US" dirty="0"/>
+                    </a:p>
+                  </a:txBody>
+                  <a:tcPr anchor="ctr"/>
+                </a:tc>
+                <a:tc>
+                  <a:txBody>
+                    <a:bodyPr/>
+                    <a:lstStyle/>
+                    <a:p>
+                      <a:pPr algn="ctr" latinLnBrk="1"/>
+                      <a:r>
+                        <a:rPr lang="en-US" altLang="ko-KR" dirty="0"/>
+                        <a:t>11</a:t>
+                      </a:r>
+                      <a:endParaRPr lang="ko-KR" altLang="en-US" dirty="0"/>
+                    </a:p>
+                  </a:txBody>
+                  <a:tcPr anchor="ctr"/>
+                </a:tc>
+                <a:tc>
+                  <a:txBody>
+                    <a:bodyPr/>
+                    <a:lstStyle/>
+                    <a:p>
+                      <a:pPr algn="ctr" latinLnBrk="1"/>
+                      <a:r>
+                        <a:rPr lang="en-US" altLang="ko-KR" dirty="0"/>
+                        <a:t>12</a:t>
+                      </a:r>
+                      <a:endParaRPr lang="ko-KR" altLang="en-US" dirty="0"/>
+                    </a:p>
+                  </a:txBody>
+                  <a:tcPr anchor="ctr"/>
+                </a:tc>
+                <a:tc>
+                  <a:txBody>
+                    <a:bodyPr/>
+                    <a:lstStyle/>
+                    <a:p>
+                      <a:pPr algn="ctr" latinLnBrk="1"/>
+                      <a:r>
+                        <a:rPr lang="en-US" altLang="ko-KR" dirty="0"/>
+                        <a:t>13</a:t>
+                      </a:r>
+                      <a:endParaRPr lang="ko-KR" altLang="en-US" dirty="0"/>
+                    </a:p>
+                  </a:txBody>
+                  <a:tcPr anchor="ctr"/>
+                </a:tc>
+                <a:extLst>
+                  <a:ext uri="{0D108BD9-81ED-4DB2-BD59-A6C34878D82A}">
+                    <a16:rowId xmlns:a16="http://schemas.microsoft.com/office/drawing/2014/main" val="1312554390"/>
+                  </a:ext>
+                </a:extLst>
+              </a:tr>
+              <a:tr h="913995">
+                <a:tc gridSpan="6">
+                  <a:txBody>
+                    <a:bodyPr/>
+                    <a:lstStyle/>
+                    <a:p>
+                      <a:pPr algn="ctr" latinLnBrk="1"/>
+                      <a:r>
+                        <a:rPr lang="ko-KR" altLang="en-US" dirty="0"/>
+                        <a:t>메인 게임 로직 프로토타입</a:t>
+                      </a:r>
+                    </a:p>
+                  </a:txBody>
+                  <a:tcPr anchor="ctr"/>
+                </a:tc>
+                <a:tc hMerge="1">
+                  <a:txBody>
+                    <a:bodyPr/>
+                    <a:lstStyle/>
+                    <a:p>
+                      <a:pPr latinLnBrk="1"/>
+                      <a:endParaRPr lang="ko-KR" altLang="en-US" dirty="0"/>
+                    </a:p>
+                  </a:txBody>
+                  <a:tcPr/>
+                </a:tc>
+                <a:tc hMerge="1">
+                  <a:txBody>
+                    <a:bodyPr/>
+                    <a:lstStyle/>
+                    <a:p>
+                      <a:pPr latinLnBrk="1"/>
+                      <a:endParaRPr lang="ko-KR" altLang="en-US" dirty="0"/>
+                    </a:p>
+                  </a:txBody>
+                  <a:tcPr/>
+                </a:tc>
+                <a:tc hMerge="1">
+                  <a:txBody>
+                    <a:bodyPr/>
+                    <a:lstStyle/>
+                    <a:p>
+                      <a:pPr latinLnBrk="1"/>
+                      <a:endParaRPr lang="ko-KR" altLang="en-US" dirty="0"/>
+                    </a:p>
+                  </a:txBody>
+                  <a:tcPr/>
+                </a:tc>
+                <a:tc hMerge="1">
+                  <a:txBody>
+                    <a:bodyPr/>
+                    <a:lstStyle/>
+                    <a:p>
+                      <a:pPr latinLnBrk="1"/>
+                      <a:endParaRPr lang="ko-KR" altLang="en-US" dirty="0"/>
+                    </a:p>
+                  </a:txBody>
+                  <a:tcPr/>
+                </a:tc>
+                <a:tc hMerge="1">
+                  <a:txBody>
+                    <a:bodyPr/>
+                    <a:lstStyle/>
+                    <a:p>
+                      <a:pPr latinLnBrk="1"/>
+                      <a:endParaRPr lang="ko-KR" altLang="en-US" dirty="0"/>
+                    </a:p>
+                  </a:txBody>
+                  <a:tcPr/>
+                </a:tc>
+                <a:tc gridSpan="4">
+                  <a:txBody>
+                    <a:bodyPr/>
+                    <a:lstStyle/>
+                    <a:p>
+                      <a:pPr algn="ctr" latinLnBrk="1"/>
+                      <a:r>
+                        <a:rPr lang="en-US" altLang="ko-KR" sz="1800" dirty="0"/>
+                        <a:t>UI,</a:t>
+                      </a:r>
+                      <a:r>
+                        <a:rPr lang="ko-KR" altLang="en-US" sz="1800" dirty="0"/>
+                        <a:t> 사운드</a:t>
+                      </a:r>
+                      <a:r>
+                        <a:rPr lang="en-US" altLang="ko-KR" sz="1800" dirty="0"/>
+                        <a:t>, </a:t>
+                      </a:r>
+                      <a:r>
+                        <a:rPr lang="ko-KR" altLang="en-US" sz="1800" dirty="0"/>
+                        <a:t>스프라이트</a:t>
+                      </a:r>
+                      <a:r>
+                        <a:rPr lang="en-US" altLang="ko-KR" sz="1800" dirty="0"/>
+                        <a:t>, </a:t>
+                      </a:r>
+                      <a:r>
+                        <a:rPr lang="ko-KR" altLang="en-US" sz="1800" dirty="0"/>
+                        <a:t>맵 툴</a:t>
+                      </a:r>
+                    </a:p>
+                  </a:txBody>
+                  <a:tcPr anchor="ctr"/>
+                </a:tc>
+                <a:tc hMerge="1">
+                  <a:txBody>
+                    <a:bodyPr/>
+                    <a:lstStyle/>
+                    <a:p>
+                      <a:pPr latinLnBrk="1"/>
+                      <a:endParaRPr lang="ko-KR" altLang="en-US" dirty="0"/>
+                    </a:p>
+                  </a:txBody>
+                  <a:tcPr/>
+                </a:tc>
+                <a:tc hMerge="1">
+                  <a:txBody>
+                    <a:bodyPr/>
+                    <a:lstStyle/>
+                    <a:p>
+                      <a:pPr latinLnBrk="1"/>
+                      <a:endParaRPr lang="ko-KR" altLang="en-US" dirty="0"/>
+                    </a:p>
+                  </a:txBody>
+                  <a:tcPr/>
+                </a:tc>
+                <a:tc hMerge="1">
+                  <a:txBody>
+                    <a:bodyPr/>
+                    <a:lstStyle/>
+                    <a:p>
+                      <a:pPr algn="ctr" latinLnBrk="1"/>
+                      <a:endParaRPr lang="ko-KR" altLang="en-US" dirty="0"/>
+                    </a:p>
+                  </a:txBody>
+                  <a:tcPr anchor="ctr"/>
+                </a:tc>
+                <a:tc>
+                  <a:txBody>
+                    <a:bodyPr/>
+                    <a:lstStyle/>
+                    <a:p>
+                      <a:pPr algn="ctr" latinLnBrk="1"/>
+                      <a:r>
+                        <a:rPr lang="ko-KR" altLang="en-US" dirty="0"/>
+                        <a:t>적</a:t>
+                      </a:r>
+                    </a:p>
+                  </a:txBody>
+                  <a:tcPr anchor="ctr"/>
+                </a:tc>
+                <a:tc>
+                  <a:txBody>
+                    <a:bodyPr/>
+                    <a:lstStyle/>
+                    <a:p>
+                      <a:pPr algn="ctr" latinLnBrk="1"/>
+                      <a:r>
+                        <a:rPr lang="ko-KR" altLang="en-US" dirty="0"/>
+                        <a:t>메뉴</a:t>
+                      </a:r>
+                      <a:r>
+                        <a:rPr lang="en-US" altLang="ko-KR" dirty="0"/>
+                        <a:t>, </a:t>
+                      </a:r>
+                      <a:r>
+                        <a:rPr lang="ko-KR" altLang="en-US" dirty="0"/>
+                        <a:t>스토리</a:t>
+                      </a:r>
+                    </a:p>
+                  </a:txBody>
+                  <a:tcPr anchor="ctr"/>
+                </a:tc>
+                <a:tc>
+                  <a:txBody>
+                    <a:bodyPr/>
+                    <a:lstStyle/>
+                    <a:p>
+                      <a:pPr algn="ctr" latinLnBrk="1"/>
+                      <a:r>
+                        <a:rPr lang="ko-KR" altLang="en-US" dirty="0"/>
+                        <a:t>게임 제작</a:t>
+                      </a:r>
+                      <a:endParaRPr lang="en-US" altLang="ko-KR" dirty="0"/>
+                    </a:p>
+                  </a:txBody>
+                  <a:tcPr anchor="ctr"/>
+                </a:tc>
+                <a:extLst>
+                  <a:ext uri="{0D108BD9-81ED-4DB2-BD59-A6C34878D82A}">
+                    <a16:rowId xmlns:a16="http://schemas.microsoft.com/office/drawing/2014/main" val="1172736287"/>
+                  </a:ext>
+                </a:extLst>
+              </a:tr>
+              <a:tr h="913995">
+                <a:tc gridSpan="2">
+                  <a:txBody>
+                    <a:bodyPr/>
+                    <a:lstStyle/>
+                    <a:p>
+                      <a:pPr algn="ctr" latinLnBrk="1"/>
+                      <a:r>
+                        <a:rPr lang="ko-KR" altLang="en-US" dirty="0"/>
+                        <a:t>맵</a:t>
+                      </a:r>
+                    </a:p>
+                  </a:txBody>
+                  <a:tcPr anchor="ctr"/>
+                </a:tc>
+                <a:tc hMerge="1">
+                  <a:txBody>
+                    <a:bodyPr/>
+                    <a:lstStyle/>
+                    <a:p>
+                      <a:pPr algn="ctr" latinLnBrk="1"/>
+                      <a:endParaRPr lang="ko-KR" altLang="en-US" dirty="0"/>
+                    </a:p>
+                  </a:txBody>
+                  <a:tcPr anchor="ctr"/>
+                </a:tc>
+                <a:tc>
+                  <a:txBody>
+                    <a:bodyPr/>
+                    <a:lstStyle/>
+                    <a:p>
+                      <a:pPr algn="ctr" latinLnBrk="1"/>
+                      <a:r>
+                        <a:rPr lang="ko-KR" altLang="en-US" dirty="0"/>
+                        <a:t>캐릭터</a:t>
+                      </a:r>
+                      <a:endParaRPr lang="en-US" altLang="ko-KR" dirty="0"/>
+                    </a:p>
+                  </a:txBody>
+                  <a:tcPr anchor="ctr"/>
+                </a:tc>
+                <a:tc>
+                  <a:txBody>
+                    <a:bodyPr/>
+                    <a:lstStyle/>
+                    <a:p>
+                      <a:pPr algn="ctr" latinLnBrk="1"/>
+                      <a:r>
+                        <a:rPr lang="ko-KR" altLang="en-US" dirty="0"/>
+                        <a:t>오브젝트</a:t>
+                      </a:r>
+                    </a:p>
+                  </a:txBody>
+                  <a:tcPr anchor="ctr"/>
+                </a:tc>
+                <a:tc>
+                  <a:txBody>
+                    <a:bodyPr/>
+                    <a:lstStyle/>
+                    <a:p>
+                      <a:pPr algn="ctr" latinLnBrk="1"/>
+                      <a:r>
+                        <a:rPr lang="ko-KR" altLang="en-US" dirty="0"/>
+                        <a:t>충돌</a:t>
+                      </a:r>
+                      <a:endParaRPr lang="en-US" altLang="ko-KR" dirty="0"/>
+                    </a:p>
+                    <a:p>
+                      <a:pPr algn="ctr" latinLnBrk="1"/>
+                      <a:r>
+                        <a:rPr lang="ko-KR" altLang="en-US" dirty="0"/>
+                        <a:t> 구현</a:t>
+                      </a:r>
+                    </a:p>
+                  </a:txBody>
+                  <a:tcPr anchor="ctr"/>
+                </a:tc>
+                <a:tc>
+                  <a:txBody>
+                    <a:bodyPr/>
+                    <a:lstStyle/>
+                    <a:p>
+                      <a:pPr algn="ctr" latinLnBrk="1"/>
+                      <a:r>
+                        <a:rPr lang="ko-KR" altLang="en-US" dirty="0"/>
+                        <a:t>게임 룰</a:t>
+                      </a:r>
+                      <a:endParaRPr lang="en-US" altLang="ko-KR" dirty="0"/>
+                    </a:p>
+                    <a:p>
+                      <a:pPr algn="ctr" latinLnBrk="1"/>
+                      <a:r>
+                        <a:rPr lang="ko-KR" altLang="en-US" dirty="0"/>
+                        <a:t> 구현</a:t>
+                      </a:r>
+                    </a:p>
+                  </a:txBody>
+                  <a:tcPr anchor="ctr"/>
+                </a:tc>
+                <a:tc>
+                  <a:txBody>
+                    <a:bodyPr/>
+                    <a:lstStyle/>
+                    <a:p>
+                      <a:pPr algn="ctr" latinLnBrk="1"/>
+                      <a:r>
+                        <a:rPr lang="en-US" altLang="ko-KR" dirty="0"/>
+                        <a:t>UI</a:t>
+                      </a:r>
+                      <a:endParaRPr lang="ko-KR" altLang="en-US" dirty="0"/>
+                    </a:p>
+                  </a:txBody>
+                  <a:tcPr anchor="ctr"/>
+                </a:tc>
+                <a:tc>
+                  <a:txBody>
+                    <a:bodyPr/>
+                    <a:lstStyle/>
+                    <a:p>
+                      <a:pPr algn="ctr" latinLnBrk="1"/>
+                      <a:r>
+                        <a:rPr lang="ko-KR" altLang="en-US" dirty="0"/>
+                        <a:t>사운드</a:t>
+                      </a:r>
+                    </a:p>
+                  </a:txBody>
+                  <a:tcPr anchor="ctr"/>
+                </a:tc>
+                <a:tc>
+                  <a:txBody>
+                    <a:bodyPr/>
+                    <a:lstStyle/>
+                    <a:p>
+                      <a:pPr algn="ctr" latinLnBrk="1"/>
+                      <a:r>
+                        <a:rPr lang="ko-KR" altLang="en-US" dirty="0"/>
+                        <a:t>스프라이트</a:t>
+                      </a:r>
+                    </a:p>
+                  </a:txBody>
+                  <a:tcPr anchor="ctr"/>
+                </a:tc>
+                <a:tc>
+                  <a:txBody>
+                    <a:bodyPr/>
+                    <a:lstStyle/>
+                    <a:p>
+                      <a:pPr algn="ctr" latinLnBrk="1"/>
+                      <a:r>
+                        <a:rPr lang="ko-KR" altLang="en-US" dirty="0"/>
+                        <a:t>맵</a:t>
+                      </a:r>
+                    </a:p>
+                  </a:txBody>
+                  <a:tcPr anchor="ctr"/>
+                </a:tc>
+                <a:tc>
+                  <a:txBody>
+                    <a:bodyPr/>
+                    <a:lstStyle/>
+                    <a:p>
+                      <a:pPr algn="ctr" latinLnBrk="1"/>
+                      <a:endParaRPr lang="ko-KR" altLang="en-US" dirty="0"/>
+                    </a:p>
+                  </a:txBody>
+                  <a:tcPr anchor="ctr"/>
+                </a:tc>
+                <a:tc>
+                  <a:txBody>
+                    <a:bodyPr/>
+                    <a:lstStyle/>
+                    <a:p>
+                      <a:pPr algn="ctr" latinLnBrk="1"/>
+                      <a:endParaRPr lang="ko-KR" altLang="en-US" dirty="0"/>
+                    </a:p>
+                  </a:txBody>
+                  <a:tcPr anchor="ctr"/>
+                </a:tc>
+                <a:tc>
+                  <a:txBody>
+                    <a:bodyPr/>
+                    <a:lstStyle/>
+                    <a:p>
+                      <a:pPr algn="ctr" latinLnBrk="1"/>
+                      <a:endParaRPr lang="ko-KR" altLang="en-US" dirty="0"/>
+                    </a:p>
+                  </a:txBody>
+                  <a:tcPr anchor="ctr"/>
+                </a:tc>
+                <a:extLst>
+                  <a:ext uri="{0D108BD9-81ED-4DB2-BD59-A6C34878D82A}">
+                    <a16:rowId xmlns:a16="http://schemas.microsoft.com/office/drawing/2014/main" val="3489457366"/>
+                  </a:ext>
+                </a:extLst>
+              </a:tr>
+              <a:tr h="734473">
+                <a:tc>
+                  <a:txBody>
+                    <a:bodyPr/>
+                    <a:lstStyle/>
+                    <a:p>
+                      <a:pPr algn="ctr" latinLnBrk="1"/>
+                      <a:r>
+                        <a:rPr lang="ko-KR" altLang="en-US" dirty="0"/>
+                        <a:t>인터페이스</a:t>
+                      </a:r>
+                    </a:p>
+                  </a:txBody>
+                  <a:tcPr anchor="ctr"/>
+                </a:tc>
+                <a:tc>
+                  <a:txBody>
+                    <a:bodyPr/>
+                    <a:lstStyle/>
+                    <a:p>
+                      <a:pPr algn="ctr" latinLnBrk="1"/>
+                      <a:r>
+                        <a:rPr lang="ko-KR" altLang="en-US" dirty="0"/>
+                        <a:t>구현</a:t>
+                      </a:r>
+                    </a:p>
+                  </a:txBody>
+                  <a:tcPr anchor="ctr"/>
+                </a:tc>
+                <a:tc>
+                  <a:txBody>
+                    <a:bodyPr/>
+                    <a:lstStyle/>
+                    <a:p>
+                      <a:pPr algn="ctr" latinLnBrk="1"/>
+                      <a:r>
+                        <a:rPr lang="ko-KR" altLang="en-US" dirty="0"/>
+                        <a:t>구르기</a:t>
+                      </a:r>
+                      <a:r>
+                        <a:rPr lang="en-US" altLang="ko-KR" dirty="0"/>
+                        <a:t>,</a:t>
+                      </a:r>
+                    </a:p>
+                    <a:p>
+                      <a:pPr algn="ctr" latinLnBrk="1"/>
+                      <a:r>
+                        <a:rPr lang="ko-KR" altLang="en-US" dirty="0"/>
+                        <a:t>방향전환</a:t>
+                      </a:r>
+                      <a:endParaRPr lang="en-US" altLang="ko-KR" dirty="0"/>
+                    </a:p>
+                  </a:txBody>
+                  <a:tcPr anchor="ctr"/>
+                </a:tc>
+                <a:tc>
+                  <a:txBody>
+                    <a:bodyPr/>
+                    <a:lstStyle/>
+                    <a:p>
+                      <a:pPr algn="ctr" latinLnBrk="1"/>
+                      <a:endParaRPr lang="ko-KR" altLang="en-US" dirty="0"/>
+                    </a:p>
+                  </a:txBody>
+                  <a:tcPr anchor="ctr"/>
+                </a:tc>
+                <a:tc>
+                  <a:txBody>
+                    <a:bodyPr/>
+                    <a:lstStyle/>
+                    <a:p>
+                      <a:pPr algn="ctr" latinLnBrk="1"/>
+                      <a:r>
+                        <a:rPr lang="ko-KR" altLang="en-US" dirty="0"/>
+                        <a:t>병합</a:t>
+                      </a:r>
+                      <a:r>
+                        <a:rPr lang="en-US" altLang="ko-KR" dirty="0"/>
+                        <a:t>,</a:t>
+                      </a:r>
+                    </a:p>
+                    <a:p>
+                      <a:pPr algn="ctr" latinLnBrk="1"/>
+                      <a:r>
+                        <a:rPr lang="ko-KR" altLang="en-US" dirty="0"/>
+                        <a:t>파손</a:t>
+                      </a:r>
+                    </a:p>
+                  </a:txBody>
+                  <a:tcPr anchor="ctr"/>
+                </a:tc>
+                <a:tc>
+                  <a:txBody>
+                    <a:bodyPr/>
+                    <a:lstStyle/>
+                    <a:p>
+                      <a:pPr algn="ctr" latinLnBrk="1"/>
+                      <a:r>
+                        <a:rPr lang="ko-KR" altLang="en-US" dirty="0"/>
+                        <a:t>승리 조건</a:t>
+                      </a:r>
+                      <a:r>
+                        <a:rPr lang="en-US" altLang="ko-KR" dirty="0"/>
+                        <a:t>, </a:t>
+                      </a:r>
+                      <a:r>
+                        <a:rPr lang="ko-KR" altLang="en-US" dirty="0"/>
+                        <a:t>타이머</a:t>
+                      </a:r>
+                    </a:p>
+                  </a:txBody>
+                  <a:tcPr anchor="ctr"/>
+                </a:tc>
+                <a:tc gridSpan="4">
+                  <a:txBody>
+                    <a:bodyPr/>
+                    <a:lstStyle/>
+                    <a:p>
+                      <a:pPr marL="0" marR="0" lvl="0" indent="0" algn="ctr" defTabSz="914400" rtl="0" eaLnBrk="1" fontAlgn="auto" latinLnBrk="1" hangingPunct="1">
+                        <a:lnSpc>
+                          <a:spcPct val="100000"/>
+                        </a:lnSpc>
+                        <a:spcBef>
+                          <a:spcPts val="0"/>
+                        </a:spcBef>
+                        <a:spcAft>
+                          <a:spcPts val="0"/>
+                        </a:spcAft>
+                        <a:buClrTx/>
+                        <a:buSzTx/>
+                        <a:buFontTx/>
+                        <a:buNone/>
+                        <a:tabLst/>
+                        <a:defRPr/>
+                      </a:pPr>
+                      <a:r>
+                        <a:rPr lang="ko-KR" altLang="en-US" dirty="0"/>
+                        <a:t>오프셋</a:t>
+                      </a:r>
+                      <a:r>
+                        <a:rPr lang="en-US" altLang="ko-KR" dirty="0"/>
+                        <a:t>, </a:t>
+                      </a:r>
+                      <a:r>
+                        <a:rPr lang="ko-KR" altLang="en-US" dirty="0"/>
+                        <a:t>스트라이드</a:t>
+                      </a:r>
+                      <a:r>
+                        <a:rPr lang="en-US" altLang="ko-KR" dirty="0"/>
+                        <a:t>, </a:t>
+                      </a:r>
+                      <a:r>
+                        <a:rPr lang="ko-KR" altLang="en-US" dirty="0"/>
+                        <a:t>로케이션</a:t>
+                      </a:r>
+                      <a:endParaRPr lang="en-US" altLang="ko-KR" dirty="0"/>
+                    </a:p>
+                    <a:p>
+                      <a:pPr marL="0" marR="0" lvl="0" indent="0" algn="ctr" defTabSz="914400" rtl="0" eaLnBrk="1" fontAlgn="auto" latinLnBrk="1" hangingPunct="1">
+                        <a:lnSpc>
+                          <a:spcPct val="100000"/>
+                        </a:lnSpc>
+                        <a:spcBef>
+                          <a:spcPts val="0"/>
+                        </a:spcBef>
+                        <a:spcAft>
+                          <a:spcPts val="0"/>
+                        </a:spcAft>
+                        <a:buClrTx/>
+                        <a:buSzTx/>
+                        <a:buFontTx/>
+                        <a:buNone/>
+                        <a:tabLst/>
+                        <a:defRPr/>
+                      </a:pPr>
+                      <a:r>
+                        <a:rPr lang="ko-KR" altLang="en-US" dirty="0"/>
+                        <a:t> 지정 툴</a:t>
+                      </a:r>
+                    </a:p>
+                  </a:txBody>
+                  <a:tcPr anchor="ctr"/>
+                </a:tc>
+                <a:tc hMerge="1">
+                  <a:txBody>
+                    <a:bodyPr/>
+                    <a:lstStyle/>
+                    <a:p>
+                      <a:pPr algn="ctr" latinLnBrk="1"/>
+                      <a:endParaRPr lang="ko-KR" altLang="en-US" dirty="0"/>
+                    </a:p>
+                  </a:txBody>
+                  <a:tcPr anchor="ctr"/>
+                </a:tc>
+                <a:tc hMerge="1">
+                  <a:txBody>
+                    <a:bodyPr/>
+                    <a:lstStyle/>
+                    <a:p>
+                      <a:pPr marL="0" marR="0" lvl="0" indent="0" algn="ctr" defTabSz="914400" rtl="0" eaLnBrk="1" fontAlgn="auto" latinLnBrk="1" hangingPunct="1">
+                        <a:lnSpc>
+                          <a:spcPct val="100000"/>
+                        </a:lnSpc>
+                        <a:spcBef>
+                          <a:spcPts val="0"/>
+                        </a:spcBef>
+                        <a:spcAft>
+                          <a:spcPts val="0"/>
+                        </a:spcAft>
+                        <a:buClrTx/>
+                        <a:buSzTx/>
+                        <a:buFontTx/>
+                        <a:buNone/>
+                        <a:tabLst/>
+                        <a:defRPr/>
+                      </a:pPr>
+                      <a:endParaRPr lang="ko-KR" altLang="en-US" dirty="0"/>
+                    </a:p>
+                    <a:p>
+                      <a:pPr algn="ctr" latinLnBrk="1"/>
+                      <a:endParaRPr lang="ko-KR" altLang="en-US" dirty="0"/>
+                    </a:p>
+                  </a:txBody>
+                  <a:tcPr anchor="ctr"/>
+                </a:tc>
+                <a:tc hMerge="1">
+                  <a:txBody>
+                    <a:bodyPr/>
+                    <a:lstStyle/>
+                    <a:p>
+                      <a:pPr algn="ctr" latinLnBrk="1"/>
+                      <a:endParaRPr lang="ko-KR" altLang="en-US" dirty="0"/>
+                    </a:p>
+                  </a:txBody>
+                  <a:tcPr anchor="ctr"/>
+                </a:tc>
+                <a:tc>
+                  <a:txBody>
+                    <a:bodyPr/>
+                    <a:lstStyle/>
+                    <a:p>
+                      <a:pPr algn="ctr" latinLnBrk="1"/>
+                      <a:r>
+                        <a:rPr lang="ko-KR" altLang="en-US" dirty="0"/>
+                        <a:t>멀티</a:t>
+                      </a:r>
+                      <a:endParaRPr lang="en-US" altLang="ko-KR" dirty="0"/>
+                    </a:p>
+                    <a:p>
+                      <a:pPr algn="ctr" latinLnBrk="1"/>
+                      <a:r>
+                        <a:rPr lang="ko-KR" altLang="en-US" dirty="0"/>
+                        <a:t>플레이이</a:t>
+                      </a:r>
+                      <a:r>
+                        <a:rPr lang="en-US" altLang="ko-KR" dirty="0"/>
+                        <a:t>?</a:t>
+                      </a:r>
+                      <a:endParaRPr lang="ko-KR" altLang="en-US" dirty="0"/>
+                    </a:p>
+                  </a:txBody>
+                  <a:tcPr anchor="ctr"/>
+                </a:tc>
+                <a:tc>
+                  <a:txBody>
+                    <a:bodyPr/>
+                    <a:lstStyle/>
+                    <a:p>
+                      <a:pPr algn="ctr" latinLnBrk="1"/>
+                      <a:endParaRPr lang="ko-KR" altLang="en-US" dirty="0"/>
+                    </a:p>
+                  </a:txBody>
+                  <a:tcPr anchor="ctr"/>
+                </a:tc>
+                <a:tc>
+                  <a:txBody>
+                    <a:bodyPr/>
+                    <a:lstStyle/>
+                    <a:p>
+                      <a:pPr algn="ctr" latinLnBrk="1"/>
+                      <a:endParaRPr lang="ko-KR" altLang="en-US" dirty="0"/>
+                    </a:p>
+                  </a:txBody>
+                  <a:tcPr anchor="ctr"/>
+                </a:tc>
+                <a:extLst>
+                  <a:ext uri="{0D108BD9-81ED-4DB2-BD59-A6C34878D82A}">
+                    <a16:rowId xmlns:a16="http://schemas.microsoft.com/office/drawing/2014/main" val="3189117249"/>
+                  </a:ext>
+                </a:extLst>
+              </a:tr>
+            </a:tbl>
+          </a:graphicData>
+        </a:graphic>
+      </p:graphicFrame>
+      <p:sp>
+        <p:nvSpPr>
+          <p:cNvPr id="9" name="직사각형 8">
+            <a:extLst>
+              <a:ext uri="{FF2B5EF4-FFF2-40B4-BE49-F238E27FC236}">
+                <a16:creationId xmlns:a16="http://schemas.microsoft.com/office/drawing/2014/main" id="{A28B1579-159F-4CA2-AE78-3C2F9F79332B}"/>
+              </a:ext>
+            </a:extLst>
+          </p:cNvPr>
+          <p:cNvSpPr/>
+          <p:nvPr/>
+        </p:nvSpPr>
+        <p:spPr>
+          <a:xfrm>
+            <a:off x="2412715" y="4356242"/>
+            <a:ext cx="7366570" cy="1767155"/>
+          </a:xfrm>
+          <a:prstGeom prst="rect">
+            <a:avLst/>
+          </a:prstGeom>
+        </p:spPr>
+        <p:style>
+          <a:lnRef idx="2">
+            <a:schemeClr val="accent1">
+              <a:shade val="50000"/>
+            </a:schemeClr>
+          </a:lnRef>
+          <a:fillRef idx="1">
+            <a:schemeClr val="accent1"/>
+          </a:fillRef>
+          <a:effectRef idx="0">
+            <a:schemeClr val="accent1"/>
+          </a:effectRef>
+          <a:fontRef idx="minor">
+            <a:schemeClr val="lt1"/>
+          </a:fontRef>
+        </p:style>
+        <p:txBody>
+          <a:bodyPr rtlCol="0" anchor="ctr"/>
+          <a:lstStyle/>
+          <a:p>
+            <a:pPr algn="ctr"/>
+            <a:r>
+              <a:rPr lang="ko-KR" altLang="en-US" dirty="0"/>
+              <a:t>프로젝트를 해보니 </a:t>
+            </a:r>
+            <a:endParaRPr lang="en-US" altLang="ko-KR" dirty="0"/>
+          </a:p>
+          <a:p>
+            <a:pPr algn="ctr"/>
+            <a:r>
+              <a:rPr lang="ko-KR" altLang="en-US" dirty="0"/>
+              <a:t>보이는게 없으면 빨리 질리는 성격이라</a:t>
+            </a:r>
+            <a:endParaRPr lang="en-US" altLang="ko-KR" dirty="0"/>
+          </a:p>
+          <a:p>
+            <a:pPr algn="ctr"/>
+            <a:r>
+              <a:rPr lang="ko-KR" altLang="en-US" dirty="0"/>
+              <a:t>처음부터 완벽히 만드는 바텀업 보다는 </a:t>
+            </a:r>
+            <a:endParaRPr lang="en-US" altLang="ko-KR" dirty="0"/>
+          </a:p>
+          <a:p>
+            <a:pPr algn="ctr"/>
+            <a:r>
+              <a:rPr lang="ko-KR" altLang="en-US" dirty="0"/>
+              <a:t>프로토타입을 빠르게 제작하고 살을 덧대는 </a:t>
+            </a:r>
+            <a:endParaRPr lang="en-US" altLang="ko-KR" dirty="0"/>
+          </a:p>
+          <a:p>
+            <a:pPr algn="ctr"/>
+            <a:r>
+              <a:rPr lang="ko-KR" altLang="en-US" dirty="0"/>
+              <a:t>탑다운 방식이 재미있고 생산적</a:t>
+            </a:r>
+          </a:p>
+        </p:txBody>
+      </p:sp>
+    </p:spTree>
+    <p:extLst>
+      <p:ext uri="{BB962C8B-B14F-4D97-AF65-F5344CB8AC3E}">
+        <p14:creationId xmlns:p14="http://schemas.microsoft.com/office/powerpoint/2010/main" val="4036911304"/>
+      </p:ext>
+    </p:extLst>
+  </p:cSld>
+  <p:clrMapOvr>
+    <a:masterClrMapping/>
+  </p:clrMapOvr>
+</p:sld>
+</file>
+
+<file path=ppt/slides/slide14.xml><?xml version="1.0" encoding="utf-8"?>
+<p:sld xmlns:a="http://schemas.openxmlformats.org/drawingml/2006/main" xmlns:r="http://schemas.openxmlformats.org/officeDocument/2006/relationships" xmlns:p="http://schemas.openxmlformats.org/presentationml/2006/main">
+  <p:cSld>
+    <p:spTree>
+      <p:nvGrpSpPr>
+        <p:cNvPr id="1" name=""/>
+        <p:cNvGrpSpPr/>
+        <p:nvPr/>
+      </p:nvGrpSpPr>
+      <p:grpSpPr>
+        <a:xfrm>
+          <a:off x="0" y="0"/>
+          <a:ext cx="0" cy="0"/>
+          <a:chOff x="0" y="0"/>
+          <a:chExt cx="0" cy="0"/>
+        </a:xfrm>
+      </p:grpSpPr>
+      <p:sp>
+        <p:nvSpPr>
+          <p:cNvPr id="2" name="제목 1">
+            <a:extLst>
+              <a:ext uri="{FF2B5EF4-FFF2-40B4-BE49-F238E27FC236}">
+                <a16:creationId xmlns:a16="http://schemas.microsoft.com/office/drawing/2014/main" id="{E47A7FF7-A418-4A54-866E-3B5A2ECDDEDC}"/>
+              </a:ext>
+            </a:extLst>
+          </p:cNvPr>
+          <p:cNvSpPr>
+            <a:spLocks noGrp="1"/>
+          </p:cNvSpPr>
+          <p:nvPr>
+            <p:ph type="title"/>
+          </p:nvPr>
+        </p:nvSpPr>
+        <p:spPr/>
+        <p:txBody>
+          <a:bodyPr/>
+          <a:lstStyle/>
+          <a:p>
+            <a:r>
+              <a:rPr lang="en-US" altLang="ko-KR" dirty="0"/>
+              <a:t>4. </a:t>
+            </a:r>
+            <a:r>
+              <a:rPr lang="ko-KR" altLang="en-US" dirty="0"/>
+              <a:t>개발문서</a:t>
+            </a:r>
+          </a:p>
+        </p:txBody>
+      </p:sp>
+      <p:sp>
+        <p:nvSpPr>
+          <p:cNvPr id="3" name="내용 개체 틀 2">
+            <a:extLst>
+              <a:ext uri="{FF2B5EF4-FFF2-40B4-BE49-F238E27FC236}">
+                <a16:creationId xmlns:a16="http://schemas.microsoft.com/office/drawing/2014/main" id="{41D9B05F-4094-4B77-A4F7-ADDAF5B262A9}"/>
+              </a:ext>
+            </a:extLst>
+          </p:cNvPr>
+          <p:cNvSpPr>
+            <a:spLocks noGrp="1"/>
+          </p:cNvSpPr>
+          <p:nvPr>
+            <p:ph idx="1"/>
+          </p:nvPr>
+        </p:nvSpPr>
+        <p:spPr/>
+        <p:txBody>
+          <a:bodyPr/>
+          <a:lstStyle/>
+          <a:p>
+            <a:pPr>
+              <a:buFont typeface="Arial" panose="020B0604020202020204" pitchFamily="34" charset="0"/>
+              <a:buChar char="•"/>
+            </a:pPr>
+            <a:endParaRPr lang="en-US" altLang="ko-KR" dirty="0"/>
+          </a:p>
+          <a:p>
+            <a:pPr>
+              <a:buFont typeface="Arial" panose="020B0604020202020204" pitchFamily="34" charset="0"/>
+              <a:buChar char="•"/>
+            </a:pPr>
+            <a:r>
+              <a:rPr lang="ko-KR" altLang="en-US" dirty="0"/>
+              <a:t> 순서도</a:t>
+            </a:r>
+            <a:endParaRPr lang="en-US" altLang="ko-KR" dirty="0"/>
+          </a:p>
+          <a:p>
+            <a:pPr>
+              <a:buFont typeface="Arial" panose="020B0604020202020204" pitchFamily="34" charset="0"/>
+              <a:buChar char="•"/>
+            </a:pPr>
+            <a:endParaRPr lang="en-US" altLang="ko-KR" dirty="0"/>
+          </a:p>
+          <a:p>
+            <a:pPr>
+              <a:buFont typeface="Arial" panose="020B0604020202020204" pitchFamily="34" charset="0"/>
+              <a:buChar char="•"/>
+            </a:pPr>
+            <a:r>
+              <a:rPr lang="ko-KR" altLang="en-US" dirty="0"/>
+              <a:t> 클래스 다이어그램</a:t>
+            </a:r>
+            <a:endParaRPr lang="en-US" altLang="ko-KR" dirty="0"/>
+          </a:p>
+          <a:p>
+            <a:pPr>
+              <a:buFont typeface="Arial" panose="020B0604020202020204" pitchFamily="34" charset="0"/>
+              <a:buChar char="•"/>
+            </a:pPr>
+            <a:endParaRPr lang="en-US" altLang="ko-KR" dirty="0"/>
+          </a:p>
+          <a:p>
+            <a:pPr>
+              <a:buFont typeface="Arial" panose="020B0604020202020204" pitchFamily="34" charset="0"/>
+              <a:buChar char="•"/>
+            </a:pPr>
+            <a:r>
+              <a:rPr lang="ko-KR" altLang="en-US" dirty="0"/>
+              <a:t> 클래스</a:t>
+            </a:r>
+            <a:r>
+              <a:rPr lang="en-US" altLang="ko-KR" dirty="0"/>
+              <a:t>, </a:t>
+            </a:r>
+            <a:r>
+              <a:rPr lang="ko-KR" altLang="en-US" dirty="0"/>
+              <a:t>함수 세부사항</a:t>
+            </a:r>
+          </a:p>
+        </p:txBody>
+      </p:sp>
+      <p:sp>
+        <p:nvSpPr>
+          <p:cNvPr id="4" name="텍스트 개체 틀 3">
+            <a:extLst>
+              <a:ext uri="{FF2B5EF4-FFF2-40B4-BE49-F238E27FC236}">
+                <a16:creationId xmlns:a16="http://schemas.microsoft.com/office/drawing/2014/main" id="{3B055B6A-75B4-418F-8B46-AB8D8E9F441A}"/>
+              </a:ext>
+            </a:extLst>
+          </p:cNvPr>
+          <p:cNvSpPr>
+            <a:spLocks noGrp="1"/>
+          </p:cNvSpPr>
+          <p:nvPr>
+            <p:ph type="body" sz="half" idx="2"/>
+          </p:nvPr>
+        </p:nvSpPr>
+        <p:spPr/>
+        <p:txBody>
+          <a:bodyPr/>
+          <a:lstStyle/>
+          <a:p>
+            <a:endParaRPr lang="ko-KR" altLang="en-US"/>
+          </a:p>
+        </p:txBody>
+      </p:sp>
+    </p:spTree>
+    <p:extLst>
+      <p:ext uri="{BB962C8B-B14F-4D97-AF65-F5344CB8AC3E}">
+        <p14:creationId xmlns:p14="http://schemas.microsoft.com/office/powerpoint/2010/main" val="1218202039"/>
+      </p:ext>
+    </p:extLst>
+  </p:cSld>
+  <p:clrMapOvr>
+    <a:masterClrMapping/>
+  </p:clrMapOvr>
+</p:sld>
+</file>
+
+<file path=ppt/slides/slide15.xml><?xml version="1.0" encoding="utf-8"?>
+<p:sld xmlns:a="http://schemas.openxmlformats.org/drawingml/2006/main" xmlns:r="http://schemas.openxmlformats.org/officeDocument/2006/relationships" xmlns:p="http://schemas.openxmlformats.org/presentationml/2006/main">
+  <p:cSld>
+    <p:spTree>
+      <p:nvGrpSpPr>
+        <p:cNvPr id="1" name=""/>
+        <p:cNvGrpSpPr/>
+        <p:nvPr/>
+      </p:nvGrpSpPr>
+      <p:grpSpPr>
+        <a:xfrm>
+          <a:off x="0" y="0"/>
+          <a:ext cx="0" cy="0"/>
+          <a:chOff x="0" y="0"/>
+          <a:chExt cx="0" cy="0"/>
+        </a:xfrm>
+      </p:grpSpPr>
+      <p:sp>
+        <p:nvSpPr>
+          <p:cNvPr id="2" name="제목 1">
+            <a:extLst>
+              <a:ext uri="{FF2B5EF4-FFF2-40B4-BE49-F238E27FC236}">
+                <a16:creationId xmlns:a16="http://schemas.microsoft.com/office/drawing/2014/main" id="{E47A7FF7-A418-4A54-866E-3B5A2ECDDEDC}"/>
+              </a:ext>
+            </a:extLst>
+          </p:cNvPr>
+          <p:cNvSpPr>
+            <a:spLocks noGrp="1"/>
+          </p:cNvSpPr>
+          <p:nvPr>
+            <p:ph type="title"/>
+          </p:nvPr>
+        </p:nvSpPr>
+        <p:spPr/>
+        <p:txBody>
+          <a:bodyPr>
+            <a:normAutofit/>
+          </a:bodyPr>
+          <a:lstStyle/>
+          <a:p>
+            <a:r>
+              <a:rPr lang="en-US" altLang="ko-KR" dirty="0"/>
+              <a:t>4. </a:t>
+            </a:r>
+            <a:r>
+              <a:rPr lang="ko-KR" altLang="en-US" dirty="0"/>
+              <a:t>개발문서</a:t>
+            </a:r>
+            <a:br>
+              <a:rPr lang="en-US" altLang="ko-KR" dirty="0"/>
+            </a:br>
+            <a:br>
+              <a:rPr lang="en-US" altLang="ko-KR" sz="2400" dirty="0"/>
+            </a:br>
+            <a:r>
+              <a:rPr lang="en-US" altLang="ko-KR" sz="2400" dirty="0"/>
+              <a:t>	</a:t>
+            </a:r>
+            <a:r>
+              <a:rPr lang="ko-KR" altLang="en-US" sz="2400" dirty="0"/>
+              <a:t>순서도</a:t>
+            </a:r>
+            <a:endParaRPr lang="ko-KR" altLang="en-US" dirty="0"/>
+          </a:p>
+        </p:txBody>
+      </p:sp>
+      <p:sp>
+        <p:nvSpPr>
+          <p:cNvPr id="4" name="타원 3">
+            <a:extLst>
+              <a:ext uri="{FF2B5EF4-FFF2-40B4-BE49-F238E27FC236}">
+                <a16:creationId xmlns:a16="http://schemas.microsoft.com/office/drawing/2014/main" id="{2D3738F7-6EBF-40A3-B58A-DDD64083A0BB}"/>
+              </a:ext>
+            </a:extLst>
+          </p:cNvPr>
+          <p:cNvSpPr/>
+          <p:nvPr/>
+        </p:nvSpPr>
+        <p:spPr>
+          <a:xfrm>
+            <a:off x="6580597" y="387849"/>
+            <a:ext cx="1674688" cy="986319"/>
+          </a:xfrm>
+          <a:prstGeom prst="ellipse">
+            <a:avLst/>
+          </a:prstGeom>
+        </p:spPr>
+        <p:style>
+          <a:lnRef idx="2">
+            <a:schemeClr val="accent1">
+              <a:shade val="50000"/>
+            </a:schemeClr>
+          </a:lnRef>
+          <a:fillRef idx="1">
+            <a:schemeClr val="accent1"/>
+          </a:fillRef>
+          <a:effectRef idx="0">
+            <a:schemeClr val="accent1"/>
+          </a:effectRef>
+          <a:fontRef idx="minor">
+            <a:schemeClr val="lt1"/>
+          </a:fontRef>
+        </p:style>
+        <p:txBody>
+          <a:bodyPr rtlCol="0" anchor="ctr"/>
+          <a:lstStyle/>
+          <a:p>
+            <a:pPr algn="ctr"/>
+            <a:r>
+              <a:rPr lang="en-US" altLang="ko-KR" dirty="0"/>
+              <a:t>Game </a:t>
+            </a:r>
+          </a:p>
+          <a:p>
+            <a:pPr algn="ctr"/>
+            <a:r>
+              <a:rPr lang="en-US" altLang="ko-KR" dirty="0"/>
+              <a:t>. Run()</a:t>
+            </a:r>
+            <a:endParaRPr lang="ko-KR" altLang="en-US" dirty="0"/>
+          </a:p>
+        </p:txBody>
+      </p:sp>
+      <p:sp>
+        <p:nvSpPr>
+          <p:cNvPr id="16" name="사각형: 둥근 모서리 15">
+            <a:extLst>
+              <a:ext uri="{FF2B5EF4-FFF2-40B4-BE49-F238E27FC236}">
+                <a16:creationId xmlns:a16="http://schemas.microsoft.com/office/drawing/2014/main" id="{DF3F5040-7085-4954-A111-9B84A432F223}"/>
+              </a:ext>
+            </a:extLst>
+          </p:cNvPr>
+          <p:cNvSpPr/>
+          <p:nvPr/>
+        </p:nvSpPr>
+        <p:spPr>
+          <a:xfrm>
+            <a:off x="9488183" y="3137393"/>
+            <a:ext cx="1674688" cy="986319"/>
+          </a:xfrm>
+          <a:prstGeom prst="roundRect">
+            <a:avLst/>
+          </a:prstGeom>
+        </p:spPr>
+        <p:style>
+          <a:lnRef idx="2">
+            <a:schemeClr val="accent1">
+              <a:shade val="50000"/>
+            </a:schemeClr>
+          </a:lnRef>
+          <a:fillRef idx="1">
+            <a:schemeClr val="accent1"/>
+          </a:fillRef>
+          <a:effectRef idx="0">
+            <a:schemeClr val="accent1"/>
+          </a:effectRef>
+          <a:fontRef idx="minor">
+            <a:schemeClr val="lt1"/>
+          </a:fontRef>
+        </p:style>
+        <p:txBody>
+          <a:bodyPr rtlCol="0" anchor="ctr"/>
+          <a:lstStyle/>
+          <a:p>
+            <a:pPr algn="ctr"/>
+            <a:r>
+              <a:rPr lang="en-US" altLang="ko-KR" dirty="0"/>
+              <a:t>state_ </a:t>
+            </a:r>
+          </a:p>
+          <a:p>
+            <a:pPr algn="ctr"/>
+            <a:r>
+              <a:rPr lang="en-US" altLang="ko-KR" dirty="0"/>
+              <a:t>. Process()</a:t>
+            </a:r>
+            <a:endParaRPr lang="ko-KR" altLang="en-US" dirty="0"/>
+          </a:p>
+        </p:txBody>
+      </p:sp>
+      <p:cxnSp>
+        <p:nvCxnSpPr>
+          <p:cNvPr id="17" name="직선 화살표 연결선 16">
+            <a:extLst>
+              <a:ext uri="{FF2B5EF4-FFF2-40B4-BE49-F238E27FC236}">
+                <a16:creationId xmlns:a16="http://schemas.microsoft.com/office/drawing/2014/main" id="{0EC6E93F-EC68-40FF-9AD1-49EF4B4C3309}"/>
+              </a:ext>
+            </a:extLst>
+          </p:cNvPr>
+          <p:cNvCxnSpPr>
+            <a:cxnSpLocks/>
+            <a:stCxn id="16" idx="2"/>
+            <a:endCxn id="18" idx="0"/>
+          </p:cNvCxnSpPr>
+          <p:nvPr/>
+        </p:nvCxnSpPr>
+        <p:spPr>
+          <a:xfrm>
+            <a:off x="10325527" y="4123712"/>
+            <a:ext cx="0" cy="576558"/>
+          </a:xfrm>
+          <a:prstGeom prst="straightConnector1">
+            <a:avLst/>
+          </a:prstGeom>
+          <a:ln>
+            <a:tailEnd type="triangle"/>
+          </a:ln>
+        </p:spPr>
+        <p:style>
+          <a:lnRef idx="1">
+            <a:schemeClr val="accent1"/>
+          </a:lnRef>
+          <a:fillRef idx="0">
+            <a:schemeClr val="accent1"/>
+          </a:fillRef>
+          <a:effectRef idx="0">
+            <a:schemeClr val="accent1"/>
+          </a:effectRef>
+          <a:fontRef idx="minor">
+            <a:schemeClr val="tx1"/>
+          </a:fontRef>
+        </p:style>
+      </p:cxnSp>
+      <p:sp>
+        <p:nvSpPr>
+          <p:cNvPr id="18" name="사각형: 둥근 모서리 17">
+            <a:extLst>
+              <a:ext uri="{FF2B5EF4-FFF2-40B4-BE49-F238E27FC236}">
+                <a16:creationId xmlns:a16="http://schemas.microsoft.com/office/drawing/2014/main" id="{C392AAFA-D0E6-429F-A1E1-E7A0CEAE7BE8}"/>
+              </a:ext>
+            </a:extLst>
+          </p:cNvPr>
+          <p:cNvSpPr/>
+          <p:nvPr/>
+        </p:nvSpPr>
+        <p:spPr>
+          <a:xfrm>
+            <a:off x="9488183" y="4700270"/>
+            <a:ext cx="1674688" cy="986319"/>
+          </a:xfrm>
+          <a:prstGeom prst="roundRect">
+            <a:avLst/>
+          </a:prstGeom>
+        </p:spPr>
+        <p:style>
+          <a:lnRef idx="2">
+            <a:schemeClr val="accent1">
+              <a:shade val="50000"/>
+            </a:schemeClr>
+          </a:lnRef>
+          <a:fillRef idx="1">
+            <a:schemeClr val="accent1"/>
+          </a:fillRef>
+          <a:effectRef idx="0">
+            <a:schemeClr val="accent1"/>
+          </a:effectRef>
+          <a:fontRef idx="minor">
+            <a:schemeClr val="lt1"/>
+          </a:fontRef>
+        </p:style>
+        <p:txBody>
+          <a:bodyPr rtlCol="0" anchor="ctr"/>
+          <a:lstStyle/>
+          <a:p>
+            <a:pPr algn="ctr"/>
+            <a:r>
+              <a:rPr lang="en-US" altLang="ko-KR" dirty="0"/>
+              <a:t>state_ </a:t>
+            </a:r>
+          </a:p>
+          <a:p>
+            <a:pPr algn="ctr"/>
+            <a:r>
+              <a:rPr lang="en-US" altLang="ko-KR" dirty="0"/>
+              <a:t>. Output()</a:t>
+            </a:r>
+            <a:endParaRPr lang="ko-KR" altLang="en-US" dirty="0"/>
+          </a:p>
+        </p:txBody>
+      </p:sp>
+      <p:sp>
+        <p:nvSpPr>
+          <p:cNvPr id="20" name="사각형: 둥근 모서리 19">
+            <a:extLst>
+              <a:ext uri="{FF2B5EF4-FFF2-40B4-BE49-F238E27FC236}">
+                <a16:creationId xmlns:a16="http://schemas.microsoft.com/office/drawing/2014/main" id="{0D891CCB-244A-4FC3-AC69-C336F793B0E4}"/>
+              </a:ext>
+            </a:extLst>
+          </p:cNvPr>
+          <p:cNvSpPr/>
+          <p:nvPr/>
+        </p:nvSpPr>
+        <p:spPr>
+          <a:xfrm>
+            <a:off x="9488183" y="1574516"/>
+            <a:ext cx="1674688" cy="986319"/>
+          </a:xfrm>
+          <a:prstGeom prst="roundRect">
+            <a:avLst/>
+          </a:prstGeom>
+        </p:spPr>
+        <p:style>
+          <a:lnRef idx="2">
+            <a:schemeClr val="accent1">
+              <a:shade val="50000"/>
+            </a:schemeClr>
+          </a:lnRef>
+          <a:fillRef idx="1">
+            <a:schemeClr val="accent1"/>
+          </a:fillRef>
+          <a:effectRef idx="0">
+            <a:schemeClr val="accent1"/>
+          </a:effectRef>
+          <a:fontRef idx="minor">
+            <a:schemeClr val="lt1"/>
+          </a:fontRef>
+        </p:style>
+        <p:txBody>
+          <a:bodyPr rtlCol="0" anchor="ctr"/>
+          <a:lstStyle/>
+          <a:p>
+            <a:pPr algn="ctr"/>
+            <a:r>
+              <a:rPr lang="en-US" altLang="ko-KR" dirty="0"/>
+              <a:t>state_ </a:t>
+            </a:r>
+          </a:p>
+          <a:p>
+            <a:pPr algn="ctr"/>
+            <a:r>
+              <a:rPr lang="en-US" altLang="ko-KR" dirty="0"/>
+              <a:t>. Input()</a:t>
+            </a:r>
+            <a:endParaRPr lang="ko-KR" altLang="en-US" dirty="0"/>
+          </a:p>
+        </p:txBody>
+      </p:sp>
+      <p:cxnSp>
+        <p:nvCxnSpPr>
+          <p:cNvPr id="21" name="직선 화살표 연결선 20">
+            <a:extLst>
+              <a:ext uri="{FF2B5EF4-FFF2-40B4-BE49-F238E27FC236}">
+                <a16:creationId xmlns:a16="http://schemas.microsoft.com/office/drawing/2014/main" id="{483D7521-EB1B-4C4E-B5C1-49FA06A0C055}"/>
+              </a:ext>
+            </a:extLst>
+          </p:cNvPr>
+          <p:cNvCxnSpPr>
+            <a:cxnSpLocks/>
+            <a:stCxn id="20" idx="2"/>
+            <a:endCxn id="16" idx="0"/>
+          </p:cNvCxnSpPr>
+          <p:nvPr/>
+        </p:nvCxnSpPr>
+        <p:spPr>
+          <a:xfrm>
+            <a:off x="10325527" y="2560835"/>
+            <a:ext cx="0" cy="576558"/>
+          </a:xfrm>
+          <a:prstGeom prst="straightConnector1">
+            <a:avLst/>
+          </a:prstGeom>
+          <a:ln>
+            <a:tailEnd type="triangle"/>
+          </a:ln>
+        </p:spPr>
+        <p:style>
+          <a:lnRef idx="1">
+            <a:schemeClr val="accent1"/>
+          </a:lnRef>
+          <a:fillRef idx="0">
+            <a:schemeClr val="accent1"/>
+          </a:fillRef>
+          <a:effectRef idx="0">
+            <a:schemeClr val="accent1"/>
+          </a:effectRef>
+          <a:fontRef idx="minor">
+            <a:schemeClr val="tx1"/>
+          </a:fontRef>
+        </p:style>
+      </p:cxnSp>
+      <p:cxnSp>
+        <p:nvCxnSpPr>
+          <p:cNvPr id="25" name="연결선: 꺾임 24">
+            <a:extLst>
+              <a:ext uri="{FF2B5EF4-FFF2-40B4-BE49-F238E27FC236}">
+                <a16:creationId xmlns:a16="http://schemas.microsoft.com/office/drawing/2014/main" id="{BB28A931-BB61-4C00-AADB-8149C82BD273}"/>
+              </a:ext>
+            </a:extLst>
+          </p:cNvPr>
+          <p:cNvCxnSpPr>
+            <a:stCxn id="4" idx="6"/>
+            <a:endCxn id="20" idx="0"/>
+          </p:cNvCxnSpPr>
+          <p:nvPr/>
+        </p:nvCxnSpPr>
+        <p:spPr>
+          <a:xfrm>
+            <a:off x="8255285" y="881009"/>
+            <a:ext cx="2070242" cy="693507"/>
+          </a:xfrm>
+          <a:prstGeom prst="bentConnector2">
+            <a:avLst/>
+          </a:prstGeom>
+          <a:ln>
+            <a:tailEnd type="triangle"/>
+          </a:ln>
+        </p:spPr>
+        <p:style>
+          <a:lnRef idx="1">
+            <a:schemeClr val="accent1"/>
+          </a:lnRef>
+          <a:fillRef idx="0">
+            <a:schemeClr val="accent1"/>
+          </a:fillRef>
+          <a:effectRef idx="0">
+            <a:schemeClr val="accent1"/>
+          </a:effectRef>
+          <a:fontRef idx="minor">
+            <a:schemeClr val="tx1"/>
+          </a:fontRef>
+        </p:style>
+      </p:cxnSp>
+      <p:cxnSp>
+        <p:nvCxnSpPr>
+          <p:cNvPr id="35" name="연결선: 꺾임 34">
+            <a:extLst>
+              <a:ext uri="{FF2B5EF4-FFF2-40B4-BE49-F238E27FC236}">
+                <a16:creationId xmlns:a16="http://schemas.microsoft.com/office/drawing/2014/main" id="{700D5217-6953-4873-A5C7-480DBEE5A73B}"/>
+              </a:ext>
+            </a:extLst>
+          </p:cNvPr>
+          <p:cNvCxnSpPr>
+            <a:stCxn id="18" idx="3"/>
+            <a:endCxn id="20" idx="3"/>
+          </p:cNvCxnSpPr>
+          <p:nvPr/>
+        </p:nvCxnSpPr>
+        <p:spPr>
+          <a:xfrm flipV="1">
+            <a:off x="11162871" y="2067676"/>
+            <a:ext cx="12700" cy="3125754"/>
+          </a:xfrm>
+          <a:prstGeom prst="bentConnector3">
+            <a:avLst>
+              <a:gd name="adj1" fmla="val 3417976"/>
+            </a:avLst>
+          </a:prstGeom>
+          <a:ln>
+            <a:tailEnd type="triangle"/>
+          </a:ln>
+        </p:spPr>
+        <p:style>
+          <a:lnRef idx="1">
+            <a:schemeClr val="accent1"/>
+          </a:lnRef>
+          <a:fillRef idx="0">
+            <a:schemeClr val="accent1"/>
+          </a:fillRef>
+          <a:effectRef idx="0">
+            <a:schemeClr val="accent1"/>
+          </a:effectRef>
+          <a:fontRef idx="minor">
+            <a:schemeClr val="tx1"/>
+          </a:fontRef>
+        </p:style>
+      </p:cxnSp>
+      <p:sp>
+        <p:nvSpPr>
+          <p:cNvPr id="45" name="사각형: 둥근 모서리 44">
+            <a:extLst>
+              <a:ext uri="{FF2B5EF4-FFF2-40B4-BE49-F238E27FC236}">
+                <a16:creationId xmlns:a16="http://schemas.microsoft.com/office/drawing/2014/main" id="{CDEF6BA3-B5AA-4E92-8FEC-507007D4A90B}"/>
+              </a:ext>
+            </a:extLst>
+          </p:cNvPr>
+          <p:cNvSpPr/>
+          <p:nvPr/>
+        </p:nvSpPr>
+        <p:spPr>
+          <a:xfrm>
+            <a:off x="6557479" y="3182421"/>
+            <a:ext cx="1674688" cy="986319"/>
+          </a:xfrm>
+          <a:prstGeom prst="roundRect">
+            <a:avLst/>
+          </a:prstGeom>
+          <a:ln w="38100"/>
+        </p:spPr>
+        <p:style>
+          <a:lnRef idx="2">
+            <a:schemeClr val="accent6"/>
+          </a:lnRef>
+          <a:fillRef idx="1">
+            <a:schemeClr val="lt1"/>
+          </a:fillRef>
+          <a:effectRef idx="0">
+            <a:schemeClr val="accent6"/>
+          </a:effectRef>
+          <a:fontRef idx="minor">
+            <a:schemeClr val="dk1"/>
+          </a:fontRef>
+        </p:style>
+        <p:txBody>
+          <a:bodyPr rtlCol="0" anchor="ctr"/>
+          <a:lstStyle/>
+          <a:p>
+            <a:pPr algn="ctr"/>
+            <a:r>
+              <a:rPr lang="en-US" altLang="ko-KR" dirty="0"/>
+              <a:t>state_ </a:t>
+            </a:r>
+          </a:p>
+        </p:txBody>
+      </p:sp>
+      <p:cxnSp>
+        <p:nvCxnSpPr>
+          <p:cNvPr id="47" name="직선 화살표 연결선 46">
+            <a:extLst>
+              <a:ext uri="{FF2B5EF4-FFF2-40B4-BE49-F238E27FC236}">
+                <a16:creationId xmlns:a16="http://schemas.microsoft.com/office/drawing/2014/main" id="{FA01B724-F126-4642-9548-054E901A46F6}"/>
+              </a:ext>
+            </a:extLst>
+          </p:cNvPr>
+          <p:cNvCxnSpPr>
+            <a:cxnSpLocks/>
+            <a:stCxn id="20" idx="1"/>
+            <a:endCxn id="45" idx="3"/>
+          </p:cNvCxnSpPr>
+          <p:nvPr/>
+        </p:nvCxnSpPr>
+        <p:spPr>
+          <a:xfrm flipH="1">
+            <a:off x="8232167" y="2067676"/>
+            <a:ext cx="1256016" cy="1607905"/>
+          </a:xfrm>
+          <a:prstGeom prst="straightConnector1">
+            <a:avLst/>
+          </a:prstGeom>
+          <a:ln>
+            <a:tailEnd type="triangle"/>
+          </a:ln>
+        </p:spPr>
+        <p:style>
+          <a:lnRef idx="1">
+            <a:schemeClr val="accent1"/>
+          </a:lnRef>
+          <a:fillRef idx="0">
+            <a:schemeClr val="accent1"/>
+          </a:fillRef>
+          <a:effectRef idx="0">
+            <a:schemeClr val="accent1"/>
+          </a:effectRef>
+          <a:fontRef idx="minor">
+            <a:schemeClr val="tx1"/>
+          </a:fontRef>
+        </p:style>
+      </p:cxnSp>
+      <p:cxnSp>
+        <p:nvCxnSpPr>
+          <p:cNvPr id="50" name="직선 화살표 연결선 49">
+            <a:extLst>
+              <a:ext uri="{FF2B5EF4-FFF2-40B4-BE49-F238E27FC236}">
+                <a16:creationId xmlns:a16="http://schemas.microsoft.com/office/drawing/2014/main" id="{C3E5BE9D-0237-4833-80C7-455E0998A941}"/>
+              </a:ext>
+            </a:extLst>
+          </p:cNvPr>
+          <p:cNvCxnSpPr>
+            <a:cxnSpLocks/>
+            <a:stCxn id="16" idx="1"/>
+            <a:endCxn id="45" idx="3"/>
+          </p:cNvCxnSpPr>
+          <p:nvPr/>
+        </p:nvCxnSpPr>
+        <p:spPr>
+          <a:xfrm flipH="1">
+            <a:off x="8232167" y="3630553"/>
+            <a:ext cx="1256016" cy="45028"/>
+          </a:xfrm>
+          <a:prstGeom prst="straightConnector1">
+            <a:avLst/>
+          </a:prstGeom>
+          <a:ln>
+            <a:tailEnd type="triangle"/>
+          </a:ln>
+        </p:spPr>
+        <p:style>
+          <a:lnRef idx="1">
+            <a:schemeClr val="accent1"/>
+          </a:lnRef>
+          <a:fillRef idx="0">
+            <a:schemeClr val="accent1"/>
+          </a:fillRef>
+          <a:effectRef idx="0">
+            <a:schemeClr val="accent1"/>
+          </a:effectRef>
+          <a:fontRef idx="minor">
+            <a:schemeClr val="tx1"/>
+          </a:fontRef>
+        </p:style>
+      </p:cxnSp>
+      <p:cxnSp>
+        <p:nvCxnSpPr>
+          <p:cNvPr id="51" name="직선 화살표 연결선 50">
+            <a:extLst>
+              <a:ext uri="{FF2B5EF4-FFF2-40B4-BE49-F238E27FC236}">
+                <a16:creationId xmlns:a16="http://schemas.microsoft.com/office/drawing/2014/main" id="{1B6B289C-0261-4289-AD56-252D82DBBFFD}"/>
+              </a:ext>
+            </a:extLst>
+          </p:cNvPr>
+          <p:cNvCxnSpPr>
+            <a:cxnSpLocks/>
+            <a:stCxn id="18" idx="1"/>
+            <a:endCxn id="45" idx="3"/>
+          </p:cNvCxnSpPr>
+          <p:nvPr/>
+        </p:nvCxnSpPr>
+        <p:spPr>
+          <a:xfrm flipH="1" flipV="1">
+            <a:off x="8232167" y="3675581"/>
+            <a:ext cx="1256016" cy="1517849"/>
+          </a:xfrm>
+          <a:prstGeom prst="straightConnector1">
+            <a:avLst/>
+          </a:prstGeom>
+          <a:ln>
+            <a:tailEnd type="triangle"/>
+          </a:ln>
+        </p:spPr>
+        <p:style>
+          <a:lnRef idx="1">
+            <a:schemeClr val="accent1"/>
+          </a:lnRef>
+          <a:fillRef idx="0">
+            <a:schemeClr val="accent1"/>
+          </a:fillRef>
+          <a:effectRef idx="0">
+            <a:schemeClr val="accent1"/>
+          </a:effectRef>
+          <a:fontRef idx="minor">
+            <a:schemeClr val="tx1"/>
+          </a:fontRef>
+        </p:style>
+      </p:cxnSp>
+      <p:sp>
+        <p:nvSpPr>
+          <p:cNvPr id="59" name="사각형: 둥근 모서리 58">
+            <a:extLst>
+              <a:ext uri="{FF2B5EF4-FFF2-40B4-BE49-F238E27FC236}">
+                <a16:creationId xmlns:a16="http://schemas.microsoft.com/office/drawing/2014/main" id="{B730B467-B361-4311-986F-B884C8E9E90E}"/>
+              </a:ext>
+            </a:extLst>
+          </p:cNvPr>
+          <p:cNvSpPr/>
+          <p:nvPr/>
+        </p:nvSpPr>
+        <p:spPr>
+          <a:xfrm>
+            <a:off x="2979344" y="2157731"/>
+            <a:ext cx="1674688" cy="986319"/>
+          </a:xfrm>
+          <a:prstGeom prst="roundRect">
+            <a:avLst/>
+          </a:prstGeom>
+          <a:ln w="38100"/>
+        </p:spPr>
+        <p:style>
+          <a:lnRef idx="2">
+            <a:schemeClr val="accent6"/>
+          </a:lnRef>
+          <a:fillRef idx="1">
+            <a:schemeClr val="lt1"/>
+          </a:fillRef>
+          <a:effectRef idx="0">
+            <a:schemeClr val="accent6"/>
+          </a:effectRef>
+          <a:fontRef idx="minor">
+            <a:schemeClr val="dk1"/>
+          </a:fontRef>
+        </p:style>
+        <p:txBody>
+          <a:bodyPr rtlCol="0" anchor="ctr"/>
+          <a:lstStyle/>
+          <a:p>
+            <a:pPr algn="ctr"/>
+            <a:r>
+              <a:rPr lang="en-US" altLang="ko-KR" dirty="0"/>
+              <a:t>title </a:t>
+            </a:r>
+          </a:p>
+        </p:txBody>
+      </p:sp>
+      <p:sp>
+        <p:nvSpPr>
+          <p:cNvPr id="61" name="사각형: 둥근 모서리 60">
+            <a:extLst>
+              <a:ext uri="{FF2B5EF4-FFF2-40B4-BE49-F238E27FC236}">
+                <a16:creationId xmlns:a16="http://schemas.microsoft.com/office/drawing/2014/main" id="{E52D2E6F-D71B-4F8C-96CD-374A0704B493}"/>
+              </a:ext>
+            </a:extLst>
+          </p:cNvPr>
+          <p:cNvSpPr/>
+          <p:nvPr/>
+        </p:nvSpPr>
+        <p:spPr>
+          <a:xfrm>
+            <a:off x="2979344" y="3432329"/>
+            <a:ext cx="1674688" cy="986319"/>
+          </a:xfrm>
+          <a:prstGeom prst="roundRect">
+            <a:avLst/>
+          </a:prstGeom>
+          <a:ln w="38100"/>
+        </p:spPr>
+        <p:style>
+          <a:lnRef idx="2">
+            <a:schemeClr val="accent6"/>
+          </a:lnRef>
+          <a:fillRef idx="1">
+            <a:schemeClr val="lt1"/>
+          </a:fillRef>
+          <a:effectRef idx="0">
+            <a:schemeClr val="accent6"/>
+          </a:effectRef>
+          <a:fontRef idx="minor">
+            <a:schemeClr val="dk1"/>
+          </a:fontRef>
+        </p:style>
+        <p:txBody>
+          <a:bodyPr rtlCol="0" anchor="ctr"/>
+          <a:lstStyle/>
+          <a:p>
+            <a:pPr algn="ctr"/>
+            <a:r>
+              <a:rPr lang="en-US" altLang="ko-KR" dirty="0"/>
+              <a:t>game </a:t>
+            </a:r>
+          </a:p>
+        </p:txBody>
+      </p:sp>
+      <p:sp>
+        <p:nvSpPr>
+          <p:cNvPr id="62" name="사각형: 둥근 모서리 61">
+            <a:extLst>
+              <a:ext uri="{FF2B5EF4-FFF2-40B4-BE49-F238E27FC236}">
+                <a16:creationId xmlns:a16="http://schemas.microsoft.com/office/drawing/2014/main" id="{2966F3E8-BC01-4BAA-B2DA-EB1C243E4DC6}"/>
+              </a:ext>
+            </a:extLst>
+          </p:cNvPr>
+          <p:cNvSpPr/>
+          <p:nvPr/>
+        </p:nvSpPr>
+        <p:spPr>
+          <a:xfrm>
+            <a:off x="2979344" y="4706927"/>
+            <a:ext cx="1674688" cy="986319"/>
+          </a:xfrm>
+          <a:prstGeom prst="roundRect">
+            <a:avLst/>
+          </a:prstGeom>
+          <a:ln w="38100"/>
+        </p:spPr>
+        <p:style>
+          <a:lnRef idx="2">
+            <a:schemeClr val="accent6"/>
+          </a:lnRef>
+          <a:fillRef idx="1">
+            <a:schemeClr val="lt1"/>
+          </a:fillRef>
+          <a:effectRef idx="0">
+            <a:schemeClr val="accent6"/>
+          </a:effectRef>
+          <a:fontRef idx="minor">
+            <a:schemeClr val="dk1"/>
+          </a:fontRef>
+        </p:style>
+        <p:txBody>
+          <a:bodyPr rtlCol="0" anchor="ctr"/>
+          <a:lstStyle/>
+          <a:p>
+            <a:pPr algn="ctr"/>
+            <a:r>
+              <a:rPr lang="en-US" altLang="ko-KR" dirty="0"/>
+              <a:t>over</a:t>
+            </a:r>
+          </a:p>
+        </p:txBody>
+      </p:sp>
+      <p:cxnSp>
+        <p:nvCxnSpPr>
+          <p:cNvPr id="63" name="직선 화살표 연결선 62">
+            <a:extLst>
+              <a:ext uri="{FF2B5EF4-FFF2-40B4-BE49-F238E27FC236}">
+                <a16:creationId xmlns:a16="http://schemas.microsoft.com/office/drawing/2014/main" id="{6006E483-3EF4-4735-AE38-B19EB03A333A}"/>
+              </a:ext>
+            </a:extLst>
+          </p:cNvPr>
+          <p:cNvCxnSpPr>
+            <a:cxnSpLocks/>
+            <a:stCxn id="45" idx="1"/>
+            <a:endCxn id="59" idx="3"/>
+          </p:cNvCxnSpPr>
+          <p:nvPr/>
+        </p:nvCxnSpPr>
+        <p:spPr>
+          <a:xfrm flipH="1" flipV="1">
+            <a:off x="4654032" y="2650891"/>
+            <a:ext cx="1903447" cy="1024690"/>
+          </a:xfrm>
+          <a:prstGeom prst="straightConnector1">
+            <a:avLst/>
+          </a:prstGeom>
+          <a:ln>
+            <a:tailEnd type="triangle"/>
+          </a:ln>
+        </p:spPr>
+        <p:style>
+          <a:lnRef idx="1">
+            <a:schemeClr val="accent1"/>
+          </a:lnRef>
+          <a:fillRef idx="0">
+            <a:schemeClr val="accent1"/>
+          </a:fillRef>
+          <a:effectRef idx="0">
+            <a:schemeClr val="accent1"/>
+          </a:effectRef>
+          <a:fontRef idx="minor">
+            <a:schemeClr val="tx1"/>
+          </a:fontRef>
+        </p:style>
+      </p:cxnSp>
+      <p:cxnSp>
+        <p:nvCxnSpPr>
+          <p:cNvPr id="66" name="직선 화살표 연결선 65">
+            <a:extLst>
+              <a:ext uri="{FF2B5EF4-FFF2-40B4-BE49-F238E27FC236}">
+                <a16:creationId xmlns:a16="http://schemas.microsoft.com/office/drawing/2014/main" id="{FCAAD670-1E30-476D-B120-2F2B65B4A2BD}"/>
+              </a:ext>
+            </a:extLst>
+          </p:cNvPr>
+          <p:cNvCxnSpPr>
+            <a:cxnSpLocks/>
+            <a:stCxn id="45" idx="1"/>
+            <a:endCxn id="61" idx="3"/>
+          </p:cNvCxnSpPr>
+          <p:nvPr/>
+        </p:nvCxnSpPr>
+        <p:spPr>
+          <a:xfrm flipH="1">
+            <a:off x="4654032" y="3675581"/>
+            <a:ext cx="1903447" cy="249908"/>
+          </a:xfrm>
+          <a:prstGeom prst="straightConnector1">
+            <a:avLst/>
+          </a:prstGeom>
+          <a:ln>
+            <a:tailEnd type="triangle"/>
+          </a:ln>
+        </p:spPr>
+        <p:style>
+          <a:lnRef idx="1">
+            <a:schemeClr val="accent1"/>
+          </a:lnRef>
+          <a:fillRef idx="0">
+            <a:schemeClr val="accent1"/>
+          </a:fillRef>
+          <a:effectRef idx="0">
+            <a:schemeClr val="accent1"/>
+          </a:effectRef>
+          <a:fontRef idx="minor">
+            <a:schemeClr val="tx1"/>
+          </a:fontRef>
+        </p:style>
+      </p:cxnSp>
+      <p:cxnSp>
+        <p:nvCxnSpPr>
+          <p:cNvPr id="69" name="직선 화살표 연결선 68">
+            <a:extLst>
+              <a:ext uri="{FF2B5EF4-FFF2-40B4-BE49-F238E27FC236}">
+                <a16:creationId xmlns:a16="http://schemas.microsoft.com/office/drawing/2014/main" id="{E47DA115-AB1B-4683-9D22-84505B16ADA6}"/>
+              </a:ext>
+            </a:extLst>
+          </p:cNvPr>
+          <p:cNvCxnSpPr>
+            <a:cxnSpLocks/>
+            <a:stCxn id="45" idx="1"/>
+            <a:endCxn id="62" idx="3"/>
+          </p:cNvCxnSpPr>
+          <p:nvPr/>
+        </p:nvCxnSpPr>
+        <p:spPr>
+          <a:xfrm flipH="1">
+            <a:off x="4654032" y="3675581"/>
+            <a:ext cx="1903447" cy="1524506"/>
+          </a:xfrm>
+          <a:prstGeom prst="straightConnector1">
+            <a:avLst/>
+          </a:prstGeom>
+          <a:ln>
+            <a:tailEnd type="triangle"/>
+          </a:ln>
+        </p:spPr>
+        <p:style>
+          <a:lnRef idx="1">
+            <a:schemeClr val="accent1"/>
+          </a:lnRef>
+          <a:fillRef idx="0">
+            <a:schemeClr val="accent1"/>
+          </a:fillRef>
+          <a:effectRef idx="0">
+            <a:schemeClr val="accent1"/>
+          </a:effectRef>
+          <a:fontRef idx="minor">
+            <a:schemeClr val="tx1"/>
+          </a:fontRef>
+        </p:style>
+      </p:cxnSp>
+    </p:spTree>
+    <p:extLst>
+      <p:ext uri="{BB962C8B-B14F-4D97-AF65-F5344CB8AC3E}">
+        <p14:creationId xmlns:p14="http://schemas.microsoft.com/office/powerpoint/2010/main" val="573659923"/>
+      </p:ext>
+    </p:extLst>
+  </p:cSld>
+  <p:clrMapOvr>
+    <a:masterClrMapping/>
+  </p:clrMapOvr>
+</p:sld>
+</file>
+
+<file path=ppt/slides/slide16.xml><?xml version="1.0" encoding="utf-8"?>
+<p:sld xmlns:a="http://schemas.openxmlformats.org/drawingml/2006/main" xmlns:r="http://schemas.openxmlformats.org/officeDocument/2006/relationships" xmlns:p="http://schemas.openxmlformats.org/presentationml/2006/main">
+  <p:cSld>
+    <p:spTree>
+      <p:nvGrpSpPr>
+        <p:cNvPr id="1" name=""/>
+        <p:cNvGrpSpPr/>
+        <p:nvPr/>
+      </p:nvGrpSpPr>
+      <p:grpSpPr>
+        <a:xfrm>
+          <a:off x="0" y="0"/>
+          <a:ext cx="0" cy="0"/>
+          <a:chOff x="0" y="0"/>
+          <a:chExt cx="0" cy="0"/>
+        </a:xfrm>
+      </p:grpSpPr>
+      <p:sp>
+        <p:nvSpPr>
+          <p:cNvPr id="16" name="사각형: 둥근 모서리 15">
+            <a:extLst>
+              <a:ext uri="{FF2B5EF4-FFF2-40B4-BE49-F238E27FC236}">
+                <a16:creationId xmlns:a16="http://schemas.microsoft.com/office/drawing/2014/main" id="{DF3F5040-7085-4954-A111-9B84A432F223}"/>
+              </a:ext>
+            </a:extLst>
+          </p:cNvPr>
+          <p:cNvSpPr/>
+          <p:nvPr/>
+        </p:nvSpPr>
+        <p:spPr>
+          <a:xfrm>
+            <a:off x="683230" y="2750905"/>
+            <a:ext cx="1674688" cy="986319"/>
+          </a:xfrm>
+          <a:prstGeom prst="roundRect">
+            <a:avLst/>
+          </a:prstGeom>
+        </p:spPr>
+        <p:style>
+          <a:lnRef idx="2">
+            <a:schemeClr val="accent1">
+              <a:shade val="50000"/>
+            </a:schemeClr>
+          </a:lnRef>
+          <a:fillRef idx="1">
+            <a:schemeClr val="accent1"/>
+          </a:fillRef>
+          <a:effectRef idx="0">
+            <a:schemeClr val="accent1"/>
+          </a:effectRef>
+          <a:fontRef idx="minor">
+            <a:schemeClr val="lt1"/>
+          </a:fontRef>
+        </p:style>
+        <p:txBody>
+          <a:bodyPr rtlCol="0" anchor="ctr"/>
+          <a:lstStyle/>
+          <a:p>
+            <a:pPr algn="ctr"/>
+            <a:r>
+              <a:rPr lang="en-US" altLang="ko-KR" dirty="0"/>
+              <a:t>State </a:t>
+            </a:r>
+          </a:p>
+          <a:p>
+            <a:pPr algn="ctr"/>
+            <a:r>
+              <a:rPr lang="en-US" altLang="ko-KR" dirty="0"/>
+              <a:t>. Process()</a:t>
+            </a:r>
+            <a:endParaRPr lang="ko-KR" altLang="en-US" dirty="0"/>
+          </a:p>
+        </p:txBody>
+      </p:sp>
+      <p:sp>
+        <p:nvSpPr>
+          <p:cNvPr id="18" name="사각형: 둥근 모서리 17">
+            <a:extLst>
+              <a:ext uri="{FF2B5EF4-FFF2-40B4-BE49-F238E27FC236}">
+                <a16:creationId xmlns:a16="http://schemas.microsoft.com/office/drawing/2014/main" id="{C392AAFA-D0E6-429F-A1E1-E7A0CEAE7BE8}"/>
+              </a:ext>
+            </a:extLst>
+          </p:cNvPr>
+          <p:cNvSpPr/>
+          <p:nvPr/>
+        </p:nvSpPr>
+        <p:spPr>
+          <a:xfrm>
+            <a:off x="683230" y="5008495"/>
+            <a:ext cx="1674688" cy="986319"/>
+          </a:xfrm>
+          <a:prstGeom prst="roundRect">
+            <a:avLst/>
+          </a:prstGeom>
+        </p:spPr>
+        <p:style>
+          <a:lnRef idx="2">
+            <a:schemeClr val="accent1">
+              <a:shade val="50000"/>
+            </a:schemeClr>
+          </a:lnRef>
+          <a:fillRef idx="1">
+            <a:schemeClr val="accent1"/>
+          </a:fillRef>
+          <a:effectRef idx="0">
+            <a:schemeClr val="accent1"/>
+          </a:effectRef>
+          <a:fontRef idx="minor">
+            <a:schemeClr val="lt1"/>
+          </a:fontRef>
+        </p:style>
+        <p:txBody>
+          <a:bodyPr rtlCol="0" anchor="ctr"/>
+          <a:lstStyle/>
+          <a:p>
+            <a:pPr algn="ctr"/>
+            <a:r>
+              <a:rPr lang="en-US" altLang="ko-KR" dirty="0"/>
+              <a:t>State</a:t>
+            </a:r>
+          </a:p>
+          <a:p>
+            <a:pPr algn="ctr"/>
+            <a:r>
+              <a:rPr lang="en-US" altLang="ko-KR" dirty="0"/>
+              <a:t>. Output()</a:t>
+            </a:r>
+            <a:endParaRPr lang="ko-KR" altLang="en-US" dirty="0"/>
+          </a:p>
+        </p:txBody>
+      </p:sp>
+      <p:sp>
+        <p:nvSpPr>
+          <p:cNvPr id="20" name="사각형: 둥근 모서리 19">
+            <a:extLst>
+              <a:ext uri="{FF2B5EF4-FFF2-40B4-BE49-F238E27FC236}">
+                <a16:creationId xmlns:a16="http://schemas.microsoft.com/office/drawing/2014/main" id="{0D891CCB-244A-4FC3-AC69-C336F793B0E4}"/>
+              </a:ext>
+            </a:extLst>
+          </p:cNvPr>
+          <p:cNvSpPr/>
+          <p:nvPr/>
+        </p:nvSpPr>
+        <p:spPr>
+          <a:xfrm>
+            <a:off x="683230" y="493316"/>
+            <a:ext cx="1674688" cy="986319"/>
+          </a:xfrm>
+          <a:prstGeom prst="roundRect">
+            <a:avLst/>
+          </a:prstGeom>
+        </p:spPr>
+        <p:style>
+          <a:lnRef idx="2">
+            <a:schemeClr val="accent1">
+              <a:shade val="50000"/>
+            </a:schemeClr>
+          </a:lnRef>
+          <a:fillRef idx="1">
+            <a:schemeClr val="accent1"/>
+          </a:fillRef>
+          <a:effectRef idx="0">
+            <a:schemeClr val="accent1"/>
+          </a:effectRef>
+          <a:fontRef idx="minor">
+            <a:schemeClr val="lt1"/>
+          </a:fontRef>
+        </p:style>
+        <p:txBody>
+          <a:bodyPr rtlCol="0" anchor="ctr"/>
+          <a:lstStyle/>
+          <a:p>
+            <a:pPr algn="ctr"/>
+            <a:r>
+              <a:rPr lang="en-US" altLang="ko-KR" dirty="0"/>
+              <a:t>State </a:t>
+            </a:r>
+          </a:p>
+          <a:p>
+            <a:pPr algn="ctr"/>
+            <a:r>
+              <a:rPr lang="en-US" altLang="ko-KR" dirty="0"/>
+              <a:t>. Input()</a:t>
+            </a:r>
+            <a:endParaRPr lang="ko-KR" altLang="en-US" dirty="0"/>
+          </a:p>
+        </p:txBody>
+      </p:sp>
+      <p:sp>
+        <p:nvSpPr>
+          <p:cNvPr id="26" name="사각형: 둥근 모서리 25">
+            <a:extLst>
+              <a:ext uri="{FF2B5EF4-FFF2-40B4-BE49-F238E27FC236}">
+                <a16:creationId xmlns:a16="http://schemas.microsoft.com/office/drawing/2014/main" id="{DBEDBAC1-5BEF-4EDF-B70C-0367A251F0E1}"/>
+              </a:ext>
+            </a:extLst>
+          </p:cNvPr>
+          <p:cNvSpPr/>
+          <p:nvPr/>
+        </p:nvSpPr>
+        <p:spPr>
+          <a:xfrm>
+            <a:off x="3419420" y="5008495"/>
+            <a:ext cx="1674688" cy="986319"/>
+          </a:xfrm>
+          <a:prstGeom prst="roundRect">
+            <a:avLst/>
+          </a:prstGeom>
+          <a:ln w="38100"/>
+        </p:spPr>
+        <p:style>
+          <a:lnRef idx="2">
+            <a:schemeClr val="accent6"/>
+          </a:lnRef>
+          <a:fillRef idx="1">
+            <a:schemeClr val="lt1"/>
+          </a:fillRef>
+          <a:effectRef idx="0">
+            <a:schemeClr val="accent6"/>
+          </a:effectRef>
+          <a:fontRef idx="minor">
+            <a:schemeClr val="dk1"/>
+          </a:fontRef>
+        </p:style>
+        <p:txBody>
+          <a:bodyPr rtlCol="0" anchor="ctr"/>
+          <a:lstStyle/>
+          <a:p>
+            <a:pPr algn="ctr"/>
+            <a:r>
+              <a:rPr lang="en-US" altLang="ko-KR" dirty="0"/>
+              <a:t>map_ </a:t>
+            </a:r>
+          </a:p>
+          <a:p>
+            <a:pPr algn="ctr"/>
+            <a:r>
+              <a:rPr lang="en-US" altLang="ko-KR" dirty="0"/>
+              <a:t>. Draw() </a:t>
+            </a:r>
+            <a:r>
+              <a:rPr lang="ko-KR" altLang="en-US" dirty="0"/>
+              <a:t> </a:t>
+            </a:r>
+            <a:r>
+              <a:rPr lang="en-US" altLang="ko-KR" dirty="0"/>
+              <a:t> </a:t>
+            </a:r>
+          </a:p>
+        </p:txBody>
+      </p:sp>
+      <p:sp>
+        <p:nvSpPr>
+          <p:cNvPr id="27" name="사각형: 둥근 모서리 26">
+            <a:extLst>
+              <a:ext uri="{FF2B5EF4-FFF2-40B4-BE49-F238E27FC236}">
+                <a16:creationId xmlns:a16="http://schemas.microsoft.com/office/drawing/2014/main" id="{0A111E4C-A14C-48E0-8997-CA7C499DADC2}"/>
+              </a:ext>
+            </a:extLst>
+          </p:cNvPr>
+          <p:cNvSpPr/>
+          <p:nvPr/>
+        </p:nvSpPr>
+        <p:spPr>
+          <a:xfrm>
+            <a:off x="6155610" y="5008494"/>
+            <a:ext cx="1674688" cy="986319"/>
+          </a:xfrm>
+          <a:prstGeom prst="roundRect">
+            <a:avLst/>
+          </a:prstGeom>
+          <a:ln w="38100"/>
+        </p:spPr>
+        <p:style>
+          <a:lnRef idx="2">
+            <a:schemeClr val="accent6"/>
+          </a:lnRef>
+          <a:fillRef idx="1">
+            <a:schemeClr val="lt1"/>
+          </a:fillRef>
+          <a:effectRef idx="0">
+            <a:schemeClr val="accent6"/>
+          </a:effectRef>
+          <a:fontRef idx="minor">
+            <a:schemeClr val="dk1"/>
+          </a:fontRef>
+        </p:style>
+        <p:txBody>
+          <a:bodyPr rtlCol="0" anchor="ctr"/>
+          <a:lstStyle/>
+          <a:p>
+            <a:pPr algn="ctr"/>
+            <a:r>
+              <a:rPr lang="en-US" altLang="ko-KR" dirty="0"/>
+              <a:t>objects_ </a:t>
+            </a:r>
+          </a:p>
+          <a:p>
+            <a:pPr algn="ctr"/>
+            <a:r>
+              <a:rPr lang="en-US" altLang="ko-KR" dirty="0"/>
+              <a:t>. Draw() </a:t>
+            </a:r>
+            <a:r>
+              <a:rPr lang="ko-KR" altLang="en-US" dirty="0"/>
+              <a:t> </a:t>
+            </a:r>
+            <a:r>
+              <a:rPr lang="en-US" altLang="ko-KR" dirty="0"/>
+              <a:t> </a:t>
+            </a:r>
+          </a:p>
+        </p:txBody>
+      </p:sp>
+      <p:sp>
+        <p:nvSpPr>
+          <p:cNvPr id="29" name="사각형: 둥근 모서리 28">
+            <a:extLst>
+              <a:ext uri="{FF2B5EF4-FFF2-40B4-BE49-F238E27FC236}">
+                <a16:creationId xmlns:a16="http://schemas.microsoft.com/office/drawing/2014/main" id="{84D22241-AAD8-4DF5-9FFF-21CEA6BACF93}"/>
+              </a:ext>
+            </a:extLst>
+          </p:cNvPr>
+          <p:cNvSpPr/>
+          <p:nvPr/>
+        </p:nvSpPr>
+        <p:spPr>
+          <a:xfrm>
+            <a:off x="3419420" y="2750904"/>
+            <a:ext cx="1674688" cy="986319"/>
+          </a:xfrm>
+          <a:prstGeom prst="roundRect">
+            <a:avLst/>
+          </a:prstGeom>
+          <a:ln w="38100"/>
+        </p:spPr>
+        <p:style>
+          <a:lnRef idx="2">
+            <a:schemeClr val="accent6"/>
+          </a:lnRef>
+          <a:fillRef idx="1">
+            <a:schemeClr val="lt1"/>
+          </a:fillRef>
+          <a:effectRef idx="0">
+            <a:schemeClr val="accent6"/>
+          </a:effectRef>
+          <a:fontRef idx="minor">
+            <a:schemeClr val="dk1"/>
+          </a:fontRef>
+        </p:style>
+        <p:txBody>
+          <a:bodyPr rtlCol="0" anchor="ctr"/>
+          <a:lstStyle/>
+          <a:p>
+            <a:pPr algn="ctr"/>
+            <a:r>
+              <a:rPr lang="en-US" altLang="ko-KR" dirty="0"/>
+              <a:t>objects_ </a:t>
+            </a:r>
+          </a:p>
+          <a:p>
+            <a:pPr algn="ctr"/>
+            <a:r>
+              <a:rPr lang="en-US" altLang="ko-KR" dirty="0"/>
+              <a:t>. Update() </a:t>
+            </a:r>
+            <a:r>
+              <a:rPr lang="ko-KR" altLang="en-US" dirty="0"/>
+              <a:t> </a:t>
+            </a:r>
+            <a:r>
+              <a:rPr lang="en-US" altLang="ko-KR" dirty="0"/>
+              <a:t> </a:t>
+            </a:r>
+          </a:p>
+        </p:txBody>
+      </p:sp>
+      <p:sp>
+        <p:nvSpPr>
+          <p:cNvPr id="30" name="사각형: 둥근 모서리 29">
+            <a:extLst>
+              <a:ext uri="{FF2B5EF4-FFF2-40B4-BE49-F238E27FC236}">
+                <a16:creationId xmlns:a16="http://schemas.microsoft.com/office/drawing/2014/main" id="{A1791AC8-DED1-4BC8-B8A8-F0ABBA966DF4}"/>
+              </a:ext>
+            </a:extLst>
+          </p:cNvPr>
+          <p:cNvSpPr/>
+          <p:nvPr/>
+        </p:nvSpPr>
+        <p:spPr>
+          <a:xfrm>
+            <a:off x="3419420" y="493315"/>
+            <a:ext cx="1674688" cy="986319"/>
+          </a:xfrm>
+          <a:prstGeom prst="roundRect">
+            <a:avLst/>
+          </a:prstGeom>
+          <a:ln w="38100"/>
+        </p:spPr>
+        <p:style>
+          <a:lnRef idx="2">
+            <a:schemeClr val="accent6"/>
+          </a:lnRef>
+          <a:fillRef idx="1">
+            <a:schemeClr val="lt1"/>
+          </a:fillRef>
+          <a:effectRef idx="0">
+            <a:schemeClr val="accent6"/>
+          </a:effectRef>
+          <a:fontRef idx="minor">
+            <a:schemeClr val="dk1"/>
+          </a:fontRef>
+        </p:style>
+        <p:txBody>
+          <a:bodyPr rtlCol="0" anchor="ctr"/>
+          <a:lstStyle/>
+          <a:p>
+            <a:pPr algn="ctr"/>
+            <a:r>
+              <a:rPr lang="en-US" altLang="ko-KR" dirty="0"/>
+              <a:t>player_ </a:t>
+            </a:r>
+          </a:p>
+          <a:p>
+            <a:pPr algn="ctr"/>
+            <a:r>
+              <a:rPr lang="en-US" altLang="ko-KR" dirty="0"/>
+              <a:t>. Keymap() </a:t>
+            </a:r>
+            <a:r>
+              <a:rPr lang="ko-KR" altLang="en-US" dirty="0"/>
+              <a:t> </a:t>
+            </a:r>
+            <a:r>
+              <a:rPr lang="en-US" altLang="ko-KR" dirty="0"/>
+              <a:t> </a:t>
+            </a:r>
+          </a:p>
+        </p:txBody>
+      </p:sp>
+      <p:cxnSp>
+        <p:nvCxnSpPr>
+          <p:cNvPr id="9" name="직선 화살표 연결선 8">
+            <a:extLst>
+              <a:ext uri="{FF2B5EF4-FFF2-40B4-BE49-F238E27FC236}">
+                <a16:creationId xmlns:a16="http://schemas.microsoft.com/office/drawing/2014/main" id="{F30F5841-448C-4D57-A3CD-DE398A996374}"/>
+              </a:ext>
+            </a:extLst>
+          </p:cNvPr>
+          <p:cNvCxnSpPr>
+            <a:stCxn id="20" idx="3"/>
+            <a:endCxn id="30" idx="1"/>
+          </p:cNvCxnSpPr>
+          <p:nvPr/>
+        </p:nvCxnSpPr>
+        <p:spPr>
+          <a:xfrm flipV="1">
+            <a:off x="2357918" y="986475"/>
+            <a:ext cx="1061502" cy="1"/>
+          </a:xfrm>
+          <a:prstGeom prst="straightConnector1">
+            <a:avLst/>
+          </a:prstGeom>
+          <a:ln>
+            <a:tailEnd type="triangle"/>
+          </a:ln>
+        </p:spPr>
+        <p:style>
+          <a:lnRef idx="1">
+            <a:schemeClr val="accent1"/>
+          </a:lnRef>
+          <a:fillRef idx="0">
+            <a:schemeClr val="accent1"/>
+          </a:fillRef>
+          <a:effectRef idx="0">
+            <a:schemeClr val="accent1"/>
+          </a:effectRef>
+          <a:fontRef idx="minor">
+            <a:schemeClr val="tx1"/>
+          </a:fontRef>
+        </p:style>
+      </p:cxnSp>
+      <p:cxnSp>
+        <p:nvCxnSpPr>
+          <p:cNvPr id="32" name="직선 화살표 연결선 31">
+            <a:extLst>
+              <a:ext uri="{FF2B5EF4-FFF2-40B4-BE49-F238E27FC236}">
+                <a16:creationId xmlns:a16="http://schemas.microsoft.com/office/drawing/2014/main" id="{FCE595B0-8271-4CC6-B99B-4B6869255FFD}"/>
+              </a:ext>
+            </a:extLst>
+          </p:cNvPr>
+          <p:cNvCxnSpPr>
+            <a:cxnSpLocks/>
+            <a:stCxn id="16" idx="3"/>
+            <a:endCxn id="29" idx="1"/>
+          </p:cNvCxnSpPr>
+          <p:nvPr/>
+        </p:nvCxnSpPr>
+        <p:spPr>
+          <a:xfrm flipV="1">
+            <a:off x="2357918" y="3244064"/>
+            <a:ext cx="1061502" cy="1"/>
+          </a:xfrm>
+          <a:prstGeom prst="straightConnector1">
+            <a:avLst/>
+          </a:prstGeom>
+          <a:ln>
+            <a:tailEnd type="triangle"/>
+          </a:ln>
+        </p:spPr>
+        <p:style>
+          <a:lnRef idx="1">
+            <a:schemeClr val="accent1"/>
+          </a:lnRef>
+          <a:fillRef idx="0">
+            <a:schemeClr val="accent1"/>
+          </a:fillRef>
+          <a:effectRef idx="0">
+            <a:schemeClr val="accent1"/>
+          </a:effectRef>
+          <a:fontRef idx="minor">
+            <a:schemeClr val="tx1"/>
+          </a:fontRef>
+        </p:style>
+      </p:cxnSp>
+      <p:cxnSp>
+        <p:nvCxnSpPr>
+          <p:cNvPr id="36" name="직선 화살표 연결선 35">
+            <a:extLst>
+              <a:ext uri="{FF2B5EF4-FFF2-40B4-BE49-F238E27FC236}">
+                <a16:creationId xmlns:a16="http://schemas.microsoft.com/office/drawing/2014/main" id="{DE3CC9F1-4ED4-4743-8C90-33D877216270}"/>
+              </a:ext>
+            </a:extLst>
+          </p:cNvPr>
+          <p:cNvCxnSpPr>
+            <a:cxnSpLocks/>
+            <a:stCxn id="18" idx="3"/>
+            <a:endCxn id="26" idx="1"/>
+          </p:cNvCxnSpPr>
+          <p:nvPr/>
+        </p:nvCxnSpPr>
+        <p:spPr>
+          <a:xfrm>
+            <a:off x="2357918" y="5501655"/>
+            <a:ext cx="1061502" cy="0"/>
+          </a:xfrm>
+          <a:prstGeom prst="straightConnector1">
+            <a:avLst/>
+          </a:prstGeom>
+          <a:ln>
+            <a:tailEnd type="triangle"/>
+          </a:ln>
+        </p:spPr>
+        <p:style>
+          <a:lnRef idx="1">
+            <a:schemeClr val="accent1"/>
+          </a:lnRef>
+          <a:fillRef idx="0">
+            <a:schemeClr val="accent1"/>
+          </a:fillRef>
+          <a:effectRef idx="0">
+            <a:schemeClr val="accent1"/>
+          </a:effectRef>
+          <a:fontRef idx="minor">
+            <a:schemeClr val="tx1"/>
+          </a:fontRef>
+        </p:style>
+      </p:cxnSp>
+      <p:cxnSp>
+        <p:nvCxnSpPr>
+          <p:cNvPr id="39" name="직선 화살표 연결선 38">
+            <a:extLst>
+              <a:ext uri="{FF2B5EF4-FFF2-40B4-BE49-F238E27FC236}">
+                <a16:creationId xmlns:a16="http://schemas.microsoft.com/office/drawing/2014/main" id="{47D72C42-0BF7-4559-8F4D-975C9D5725D2}"/>
+              </a:ext>
+            </a:extLst>
+          </p:cNvPr>
+          <p:cNvCxnSpPr>
+            <a:cxnSpLocks/>
+            <a:stCxn id="26" idx="3"/>
+            <a:endCxn id="27" idx="1"/>
+          </p:cNvCxnSpPr>
+          <p:nvPr/>
+        </p:nvCxnSpPr>
+        <p:spPr>
+          <a:xfrm flipV="1">
+            <a:off x="5094108" y="5501654"/>
+            <a:ext cx="1061502" cy="1"/>
+          </a:xfrm>
+          <a:prstGeom prst="straightConnector1">
+            <a:avLst/>
+          </a:prstGeom>
+          <a:ln>
+            <a:tailEnd type="triangle"/>
+          </a:ln>
+        </p:spPr>
+        <p:style>
+          <a:lnRef idx="1">
+            <a:schemeClr val="accent1"/>
+          </a:lnRef>
+          <a:fillRef idx="0">
+            <a:schemeClr val="accent1"/>
+          </a:fillRef>
+          <a:effectRef idx="0">
+            <a:schemeClr val="accent1"/>
+          </a:effectRef>
+          <a:fontRef idx="minor">
+            <a:schemeClr val="tx1"/>
+          </a:fontRef>
+        </p:style>
+      </p:cxnSp>
+    </p:spTree>
+    <p:extLst>
+      <p:ext uri="{BB962C8B-B14F-4D97-AF65-F5344CB8AC3E}">
+        <p14:creationId xmlns:p14="http://schemas.microsoft.com/office/powerpoint/2010/main" val="3180853414"/>
+      </p:ext>
+    </p:extLst>
+  </p:cSld>
+  <p:clrMapOvr>
+    <a:masterClrMapping/>
+  </p:clrMapOvr>
+</p:sld>
+</file>
+
 <file path=ppt/slides/slide2.xml><?xml version="1.0" encoding="utf-8"?>
 <p:sld xmlns:a="http://schemas.openxmlformats.org/drawingml/2006/main" xmlns:r="http://schemas.openxmlformats.org/officeDocument/2006/relationships" xmlns:p="http://schemas.openxmlformats.org/presentationml/2006/main">
   <p:cSld>
@@ -3605,6 +7245,19 @@
           <a:bodyPr/>
           <a:lstStyle/>
           <a:p>
+            <a:endParaRPr lang="en-US" altLang="ko-KR" dirty="0"/>
+          </a:p>
+          <a:p>
+            <a:pPr marL="0" indent="0">
+              <a:buNone/>
+            </a:pPr>
+            <a:endParaRPr lang="en-US" altLang="ko-KR" dirty="0"/>
+          </a:p>
+          <a:p>
+            <a:pPr>
+              <a:buFont typeface="Arial" panose="020B0604020202020204" pitchFamily="34" charset="0"/>
+              <a:buChar char="•"/>
+            </a:pPr>
             <a:r>
               <a:rPr lang="ko-KR" altLang="en-US" dirty="0"/>
               <a:t>어떤 게임인가</a:t>
@@ -3612,70 +7265,53 @@
             <a:endParaRPr lang="en-US" altLang="ko-KR" dirty="0"/>
           </a:p>
           <a:p>
+            <a:pPr>
+              <a:buFont typeface="Arial" panose="020B0604020202020204" pitchFamily="34" charset="0"/>
+              <a:buChar char="•"/>
+            </a:pPr>
             <a:endParaRPr lang="en-US" altLang="ko-KR" dirty="0"/>
           </a:p>
           <a:p>
-            <a:endParaRPr lang="en-US" altLang="ko-KR" dirty="0"/>
-          </a:p>
-          <a:p>
+            <a:pPr>
+              <a:buFont typeface="Arial" panose="020B0604020202020204" pitchFamily="34" charset="0"/>
+              <a:buChar char="•"/>
+            </a:pPr>
             <a:r>
               <a:rPr lang="ko-KR" altLang="en-US" dirty="0"/>
-              <a:t>샘플</a:t>
-            </a:r>
-          </a:p>
-        </p:txBody>
-      </p:sp>
-      <p:pic>
-        <p:nvPicPr>
-          <p:cNvPr id="1026" name="Picture 2" descr="Free Java Rolling with Katamari Software Download">
+              <a:t> 샘플</a:t>
+            </a:r>
+          </a:p>
+        </p:txBody>
+      </p:sp>
+      <p:sp>
+        <p:nvSpPr>
+          <p:cNvPr id="4" name="텍스트 개체 틀 3">
             <a:extLst>
               <a:ext uri="{FF2B5EF4-FFF2-40B4-BE49-F238E27FC236}">
-                <a16:creationId xmlns:a16="http://schemas.microsoft.com/office/drawing/2014/main" id="{2B781868-2F39-4EDF-89DC-FC1BCEEB2A3E}"/>
+                <a16:creationId xmlns:a16="http://schemas.microsoft.com/office/drawing/2014/main" id="{F3BB4EC5-03B2-42CD-BEE2-091000F2E4BC}"/>
               </a:ext>
             </a:extLst>
           </p:cNvPr>
-          <p:cNvPicPr>
-            <a:picLocks noChangeAspect="1" noChangeArrowheads="1"/>
-          </p:cNvPicPr>
-          <p:nvPr/>
-        </p:nvPicPr>
-        <p:blipFill>
-          <a:blip r:embed="rId2">
-            <a:extLst>
-              <a:ext uri="{28A0092B-C50C-407E-A947-70E740481C1C}">
-                <a14:useLocalDpi xmlns:a14="http://schemas.microsoft.com/office/drawing/2010/main" val="0"/>
-              </a:ext>
-            </a:extLst>
-          </a:blip>
-          <a:srcRect/>
-          <a:stretch>
-            <a:fillRect/>
-          </a:stretch>
-        </p:blipFill>
-        <p:spPr bwMode="auto">
-          <a:xfrm>
-            <a:off x="8241631" y="953294"/>
-            <a:ext cx="2286000" cy="3048000"/>
-          </a:xfrm>
-          <a:prstGeom prst="rect">
-            <a:avLst/>
-          </a:prstGeom>
-          <a:noFill/>
-          <a:extLst>
-            <a:ext uri="{909E8E84-426E-40DD-AFC4-6F175D3DCCD1}">
-              <a14:hiddenFill xmlns:a14="http://schemas.microsoft.com/office/drawing/2010/main">
-                <a:solidFill>
-                  <a:srgbClr val="FFFFFF"/>
-                </a:solidFill>
-              </a14:hiddenFill>
-            </a:ext>
-          </a:extLst>
-        </p:spPr>
-      </p:pic>
+          <p:cNvSpPr>
+            <a:spLocks noGrp="1"/>
+          </p:cNvSpPr>
+          <p:nvPr>
+            <p:ph type="body" sz="half" idx="2"/>
+          </p:nvPr>
+        </p:nvSpPr>
+        <p:spPr/>
+        <p:txBody>
+          <a:bodyPr/>
+          <a:lstStyle/>
+          <a:p>
+            <a:endParaRPr lang="ko-KR" altLang="en-US"/>
+          </a:p>
+        </p:txBody>
+      </p:sp>
     </p:spTree>
     <p:extLst>
       <p:ext uri="{BB962C8B-B14F-4D97-AF65-F5344CB8AC3E}">
-        <p14:creationId xmlns:p14="http://schemas.microsoft.com/office/powerpoint/2010/main" val="633295278"/>
+        <p14:creationId xmlns:p14="http://schemas.microsoft.com/office/powerpoint/2010/main" val="2904290188"/>
       </p:ext>
     </p:extLst>
   </p:cSld>
@@ -3707,7 +7343,7 @@
           <p:cNvPr id="2" name="제목 1">
             <a:extLst>
               <a:ext uri="{FF2B5EF4-FFF2-40B4-BE49-F238E27FC236}">
-                <a16:creationId xmlns:a16="http://schemas.microsoft.com/office/drawing/2014/main" id="{57CFC020-BFFA-44D8-9426-C4DF089F5398}"/>
+                <a16:creationId xmlns:a16="http://schemas.microsoft.com/office/drawing/2014/main" id="{61E17D3D-7686-429D-951E-E1EC1D147AB5}"/>
               </a:ext>
             </a:extLst>
           </p:cNvPr>
@@ -3725,12 +7361,31 @@
           <a:p>
             <a:r>
               <a:rPr lang="en-US" altLang="ko-KR" dirty="0"/>
-              <a:t>2. </a:t>
+              <a:t>1. </a:t>
             </a:r>
             <a:r>
               <a:rPr lang="ko-KR" altLang="en-US" dirty="0"/>
-              <a:t>세부사항</a:t>
-            </a:r>
+              <a:t>컨셉</a:t>
+            </a:r>
+            <a:br>
+              <a:rPr lang="en-US" altLang="ko-KR" dirty="0"/>
+            </a:br>
+            <a:br>
+              <a:rPr lang="en-US" altLang="ko-KR" sz="2400" dirty="0"/>
+            </a:br>
+            <a:r>
+              <a:rPr lang="en-US" altLang="ko-KR" sz="2400" dirty="0"/>
+              <a:t>	</a:t>
+            </a:r>
+            <a:r>
+              <a:rPr lang="ko-KR" altLang="en-US" sz="2400" dirty="0"/>
+              <a:t>어떤 게임인가</a:t>
+            </a:r>
+            <a:r>
+              <a:rPr lang="en-US" altLang="ko-KR" sz="2400" dirty="0"/>
+              <a:t>?</a:t>
+            </a:r>
+            <a:endParaRPr lang="ko-KR" altLang="en-US" dirty="0"/>
           </a:p>
         </p:txBody>
       </p:sp>
@@ -3739,7 +7394,7 @@
           <p:cNvPr id="3" name="내용 개체 틀 2">
             <a:extLst>
               <a:ext uri="{FF2B5EF4-FFF2-40B4-BE49-F238E27FC236}">
-                <a16:creationId xmlns:a16="http://schemas.microsoft.com/office/drawing/2014/main" id="{6606DB7D-EC63-4CF8-9A1A-A563DC558111}"/>
+                <a16:creationId xmlns:a16="http://schemas.microsoft.com/office/drawing/2014/main" id="{4A25EE10-6604-40F1-843F-96F3149304D6}"/>
               </a:ext>
             </a:extLst>
           </p:cNvPr>
@@ -3752,72 +7407,109 @@
         </p:nvSpPr>
         <p:spPr/>
         <p:txBody>
-          <a:bodyPr>
-            <a:normAutofit fontScale="85000" lnSpcReduction="20000"/>
-          </a:bodyPr>
+          <a:bodyPr/>
           <a:lstStyle/>
           <a:p>
+            <a:pPr marL="0" indent="0">
+              <a:buNone/>
+            </a:pPr>
+            <a:endParaRPr lang="en-US" altLang="ko-KR" dirty="0"/>
+          </a:p>
+          <a:p>
+            <a:pPr marL="0" indent="0">
+              <a:buNone/>
+            </a:pPr>
+            <a:endParaRPr lang="en-US" altLang="ko-KR" dirty="0"/>
+          </a:p>
+          <a:p>
+            <a:pPr marL="0" indent="0">
+              <a:buNone/>
+            </a:pPr>
+            <a:r>
+              <a:rPr lang="ko-KR" altLang="en-US" dirty="0" err="1"/>
+              <a:t>괴혼</a:t>
+            </a:r>
+            <a:endParaRPr lang="en-US" altLang="ko-KR" dirty="0"/>
+          </a:p>
+          <a:p>
+            <a:pPr marL="0" indent="0">
+              <a:buNone/>
+            </a:pPr>
+            <a:endParaRPr lang="en-US" altLang="ko-KR" dirty="0"/>
+          </a:p>
+          <a:p>
             <a:r>
               <a:rPr lang="ko-KR" altLang="en-US" dirty="0"/>
-              <a:t>구현사항</a:t>
+              <a:t>공을 굴려서 이동</a:t>
             </a:r>
             <a:endParaRPr lang="en-US" altLang="ko-KR" dirty="0"/>
           </a:p>
           <a:p>
+            <a:r>
+              <a:rPr lang="ko-KR" altLang="en-US" dirty="0"/>
+              <a:t>공보다 작은 물체는 공에 붙임</a:t>
+            </a:r>
             <a:endParaRPr lang="en-US" altLang="ko-KR" dirty="0"/>
           </a:p>
           <a:p>
             <a:r>
               <a:rPr lang="ko-KR" altLang="en-US" dirty="0"/>
-              <a:t>기능분류</a:t>
-            </a:r>
-            <a:endParaRPr lang="en-US" altLang="ko-KR" dirty="0"/>
-          </a:p>
-          <a:p>
-            <a:endParaRPr lang="en-US" altLang="ko-KR" dirty="0"/>
-          </a:p>
-          <a:p>
-            <a:r>
-              <a:rPr lang="ko-KR" altLang="en-US" dirty="0"/>
-              <a:t>상세설명</a:t>
-            </a:r>
-            <a:endParaRPr lang="en-US" altLang="ko-KR" dirty="0"/>
-          </a:p>
-          <a:p>
-            <a:endParaRPr lang="en-US" altLang="ko-KR" dirty="0"/>
-          </a:p>
-          <a:p>
-            <a:r>
-              <a:rPr lang="ko-KR" altLang="en-US" dirty="0"/>
-              <a:t>게임목적</a:t>
-            </a:r>
-            <a:endParaRPr lang="en-US" altLang="ko-KR" dirty="0"/>
-          </a:p>
-          <a:p>
-            <a:endParaRPr lang="en-US" altLang="ko-KR" dirty="0"/>
-          </a:p>
-          <a:p>
-            <a:r>
-              <a:rPr lang="ko-KR" altLang="en-US" dirty="0"/>
-              <a:t>구성요소</a:t>
-            </a:r>
-            <a:endParaRPr lang="en-US" altLang="ko-KR" dirty="0"/>
-          </a:p>
-          <a:p>
-            <a:endParaRPr lang="en-US" altLang="ko-KR" dirty="0"/>
-          </a:p>
-          <a:p>
-            <a:r>
-              <a:rPr lang="ko-KR" altLang="en-US" dirty="0"/>
-              <a:t>흐름</a:t>
-            </a:r>
-          </a:p>
-        </p:txBody>
-      </p:sp>
+              <a:t>초반에는 지형이었던 물체들을 흡수 가능</a:t>
+            </a:r>
+          </a:p>
+        </p:txBody>
+      </p:sp>
+      <p:pic>
+        <p:nvPicPr>
+          <p:cNvPr id="5" name="Picture 2" descr="Katamari Damacy REROLL | Xbox One | Bandai Namco Store">
+            <a:extLst>
+              <a:ext uri="{FF2B5EF4-FFF2-40B4-BE49-F238E27FC236}">
+                <a16:creationId xmlns:a16="http://schemas.microsoft.com/office/drawing/2014/main" id="{88C7A401-A79E-49A3-B71C-F9F9CC0D10E6}"/>
+              </a:ext>
+            </a:extLst>
+          </p:cNvPr>
+          <p:cNvPicPr>
+            <a:picLocks noChangeAspect="1" noChangeArrowheads="1"/>
+          </p:cNvPicPr>
+          <p:nvPr/>
+        </p:nvPicPr>
+        <p:blipFill>
+          <a:blip r:embed="rId2">
+            <a:extLst>
+              <a:ext uri="{28A0092B-C50C-407E-A947-70E740481C1C}">
+                <a14:useLocalDpi xmlns:a14="http://schemas.microsoft.com/office/drawing/2010/main" val="0"/>
+              </a:ext>
+            </a:extLst>
+          </a:blip>
+          <a:srcRect/>
+          <a:stretch>
+            <a:fillRect/>
+          </a:stretch>
+        </p:blipFill>
+        <p:spPr bwMode="auto">
+          <a:xfrm>
+            <a:off x="6412443" y="1517736"/>
+            <a:ext cx="5122333" cy="2885581"/>
+          </a:xfrm>
+          <a:prstGeom prst="rect">
+            <a:avLst/>
+          </a:prstGeom>
+          <a:noFill/>
+          <a:extLst>
+            <a:ext uri="{909E8E84-426E-40DD-AFC4-6F175D3DCCD1}">
+              <a14:hiddenFill xmlns:a14="http://schemas.microsoft.com/office/drawing/2010/main">
+                <a:solidFill>
+                  <a:srgbClr val="FFFFFF"/>
+                </a:solidFill>
+              </a14:hiddenFill>
+            </a:ext>
+          </a:extLst>
+        </p:spPr>
+      </p:pic>
     </p:spTree>
     <p:extLst>
       <p:ext uri="{BB962C8B-B14F-4D97-AF65-F5344CB8AC3E}">
-        <p14:creationId xmlns:p14="http://schemas.microsoft.com/office/powerpoint/2010/main" val="2258381974"/>
+        <p14:creationId xmlns:p14="http://schemas.microsoft.com/office/powerpoint/2010/main" val="2711690557"/>
       </p:ext>
     </p:extLst>
   </p:cSld>
@@ -3849,7 +7541,7 @@
           <p:cNvPr id="2" name="제목 1">
             <a:extLst>
               <a:ext uri="{FF2B5EF4-FFF2-40B4-BE49-F238E27FC236}">
-                <a16:creationId xmlns:a16="http://schemas.microsoft.com/office/drawing/2014/main" id="{C7D002C6-46B4-4DAC-9B2F-A5F9352A2914}"/>
+                <a16:creationId xmlns:a16="http://schemas.microsoft.com/office/drawing/2014/main" id="{61E17D3D-7686-429D-951E-E1EC1D147AB5}"/>
               </a:ext>
             </a:extLst>
           </p:cNvPr>
@@ -3867,12 +7559,27 @@
           <a:p>
             <a:r>
               <a:rPr lang="en-US" altLang="ko-KR" dirty="0"/>
-              <a:t>3. </a:t>
+              <a:t>1. </a:t>
             </a:r>
             <a:r>
               <a:rPr lang="ko-KR" altLang="en-US" dirty="0"/>
-              <a:t>일정</a:t>
-            </a:r>
+              <a:t>컨셉</a:t>
+            </a:r>
+            <a:br>
+              <a:rPr lang="en-US" altLang="ko-KR" dirty="0"/>
+            </a:br>
+            <a:br>
+              <a:rPr lang="en-US" altLang="ko-KR" sz="2400" dirty="0"/>
+            </a:br>
+            <a:r>
+              <a:rPr lang="en-US" altLang="ko-KR" sz="2400" dirty="0"/>
+              <a:t>	</a:t>
+            </a:r>
+            <a:r>
+              <a:rPr lang="ko-KR" altLang="en-US" sz="2400" dirty="0"/>
+              <a:t>샘플</a:t>
+            </a:r>
+            <a:endParaRPr lang="ko-KR" altLang="en-US" dirty="0"/>
           </a:p>
         </p:txBody>
       </p:sp>
@@ -3881,7 +7588,7 @@
           <p:cNvPr id="3" name="내용 개체 틀 2">
             <a:extLst>
               <a:ext uri="{FF2B5EF4-FFF2-40B4-BE49-F238E27FC236}">
-                <a16:creationId xmlns:a16="http://schemas.microsoft.com/office/drawing/2014/main" id="{DB721EF4-3F44-417D-9DE1-3F729F831EC8}"/>
+                <a16:creationId xmlns:a16="http://schemas.microsoft.com/office/drawing/2014/main" id="{4A25EE10-6604-40F1-843F-96F3149304D6}"/>
               </a:ext>
             </a:extLst>
           </p:cNvPr>
@@ -3892,122 +7599,287 @@
             <p:ph idx="1"/>
           </p:nvPr>
         </p:nvSpPr>
-        <p:spPr/>
+        <p:spPr>
+          <a:xfrm>
+            <a:off x="676657" y="2011680"/>
+            <a:ext cx="6854518" cy="3766185"/>
+          </a:xfrm>
+        </p:spPr>
         <p:txBody>
           <a:bodyPr/>
           <a:lstStyle/>
           <a:p>
-            <a:r>
-              <a:rPr lang="ko-KR" altLang="en-US" dirty="0"/>
-              <a:t>항목 </a:t>
-            </a:r>
-            <a:r>
-              <a:rPr lang="en-US" altLang="ko-KR" dirty="0"/>
-              <a:t>1  -</a:t>
-            </a:r>
-            <a:r>
-              <a:rPr lang="ko-KR" altLang="en-US" dirty="0"/>
-              <a:t> </a:t>
-            </a:r>
-            <a:r>
-              <a:rPr lang="en-US" altLang="ko-KR" dirty="0"/>
-              <a:t>X</a:t>
-            </a:r>
-            <a:r>
-              <a:rPr lang="ko-KR" altLang="en-US" dirty="0"/>
-              <a:t>일 예정</a:t>
-            </a:r>
             <a:endParaRPr lang="en-US" altLang="ko-KR" dirty="0"/>
           </a:p>
           <a:p>
+            <a:pPr marL="0" indent="0">
+              <a:buNone/>
+            </a:pPr>
             <a:endParaRPr lang="en-US" altLang="ko-KR" dirty="0"/>
           </a:p>
           <a:p>
-            <a:r>
-              <a:rPr lang="ko-KR" altLang="en-US" dirty="0"/>
-              <a:t>항목 </a:t>
-            </a:r>
-            <a:r>
-              <a:rPr lang="en-US" altLang="ko-KR" dirty="0"/>
-              <a:t>2 -</a:t>
-            </a:r>
-            <a:r>
-              <a:rPr lang="ko-KR" altLang="en-US" dirty="0"/>
-              <a:t> </a:t>
-            </a:r>
-            <a:r>
-              <a:rPr lang="en-US" altLang="ko-KR" dirty="0"/>
-              <a:t>X</a:t>
-            </a:r>
-            <a:r>
-              <a:rPr lang="ko-KR" altLang="en-US" dirty="0"/>
-              <a:t>일 예정</a:t>
-            </a:r>
+            <a:pPr marL="0" indent="0">
+              <a:buNone/>
+            </a:pPr>
             <a:endParaRPr lang="en-US" altLang="ko-KR" dirty="0"/>
           </a:p>
           <a:p>
+            <a:pPr marL="0" indent="0">
+              <a:buNone/>
+            </a:pPr>
             <a:endParaRPr lang="en-US" altLang="ko-KR" dirty="0"/>
           </a:p>
           <a:p>
-            <a:r>
-              <a:rPr lang="ko-KR" altLang="en-US" dirty="0"/>
-              <a:t>항목 </a:t>
-            </a:r>
-            <a:r>
-              <a:rPr lang="en-US" altLang="ko-KR" dirty="0"/>
-              <a:t>3 -</a:t>
-            </a:r>
-            <a:r>
-              <a:rPr lang="ko-KR" altLang="en-US" dirty="0"/>
-              <a:t> </a:t>
-            </a:r>
-            <a:r>
-              <a:rPr lang="en-US" altLang="ko-KR" dirty="0"/>
-              <a:t>X</a:t>
-            </a:r>
-            <a:r>
-              <a:rPr lang="ko-KR" altLang="en-US" dirty="0"/>
-              <a:t>일 예정</a:t>
-            </a:r>
+            <a:pPr marL="0" indent="0">
+              <a:buNone/>
+            </a:pPr>
             <a:endParaRPr lang="en-US" altLang="ko-KR" dirty="0"/>
           </a:p>
           <a:p>
+            <a:pPr marL="0" indent="0">
+              <a:buNone/>
+            </a:pPr>
             <a:endParaRPr lang="en-US" altLang="ko-KR" dirty="0"/>
           </a:p>
           <a:p>
-            <a:r>
-              <a:rPr lang="ko-KR" altLang="en-US" dirty="0"/>
-              <a:t>항목 </a:t>
-            </a:r>
-            <a:r>
-              <a:rPr lang="en-US" altLang="ko-KR" dirty="0"/>
-              <a:t>4 -</a:t>
-            </a:r>
-            <a:r>
-              <a:rPr lang="ko-KR" altLang="en-US" dirty="0"/>
-              <a:t> </a:t>
-            </a:r>
-            <a:r>
-              <a:rPr lang="en-US" altLang="ko-KR" dirty="0"/>
-              <a:t>X</a:t>
-            </a:r>
-            <a:r>
-              <a:rPr lang="ko-KR" altLang="en-US" dirty="0"/>
-              <a:t>일 예정</a:t>
-            </a:r>
-          </a:p>
-        </p:txBody>
-      </p:sp>
+            <a:pPr marL="0" indent="0">
+              <a:buNone/>
+            </a:pPr>
+            <a:endParaRPr lang="en-US" altLang="ko-KR" dirty="0"/>
+          </a:p>
+          <a:p>
+            <a:endParaRPr lang="en-US" altLang="ko-KR" dirty="0"/>
+          </a:p>
+          <a:p>
+            <a:endParaRPr lang="ko-KR" altLang="en-US" dirty="0"/>
+          </a:p>
+        </p:txBody>
+      </p:sp>
+      <p:pic>
+        <p:nvPicPr>
+          <p:cNvPr id="4" name="Picture 2" descr="Free Java Rolling with Katamari Software Download">
+            <a:extLst>
+              <a:ext uri="{FF2B5EF4-FFF2-40B4-BE49-F238E27FC236}">
+                <a16:creationId xmlns:a16="http://schemas.microsoft.com/office/drawing/2014/main" id="{B88CC6FA-3191-4870-8380-B525D851F344}"/>
+              </a:ext>
+            </a:extLst>
+          </p:cNvPr>
+          <p:cNvPicPr>
+            <a:picLocks noChangeAspect="1" noChangeArrowheads="1"/>
+          </p:cNvPicPr>
+          <p:nvPr/>
+        </p:nvPicPr>
+        <p:blipFill>
+          <a:blip r:embed="rId3">
+            <a:extLst>
+              <a:ext uri="{28A0092B-C50C-407E-A947-70E740481C1C}">
+                <a14:useLocalDpi xmlns:a14="http://schemas.microsoft.com/office/drawing/2010/main" val="0"/>
+              </a:ext>
+            </a:extLst>
+          </a:blip>
+          <a:srcRect/>
+          <a:stretch>
+            <a:fillRect/>
+          </a:stretch>
+        </p:blipFill>
+        <p:spPr bwMode="auto">
+          <a:xfrm>
+            <a:off x="7531174" y="846772"/>
+            <a:ext cx="3984170" cy="5164455"/>
+          </a:xfrm>
+          <a:prstGeom prst="rect">
+            <a:avLst/>
+          </a:prstGeom>
+          <a:noFill/>
+          <a:extLst>
+            <a:ext uri="{909E8E84-426E-40DD-AFC4-6F175D3DCCD1}">
+              <a14:hiddenFill xmlns:a14="http://schemas.microsoft.com/office/drawing/2010/main">
+                <a:solidFill>
+                  <a:srgbClr val="FFFFFF"/>
+                </a:solidFill>
+              </a14:hiddenFill>
+            </a:ext>
+          </a:extLst>
+        </p:spPr>
+      </p:pic>
+      <p:pic>
+        <p:nvPicPr>
+          <p:cNvPr id="5" name="온라인 미디어 4" title="Katamari Damacy | Full Game Playthrough | No Commentary [PS2]">
+            <a:hlinkClick r:id="" action="ppaction://media"/>
+            <a:extLst>
+              <a:ext uri="{FF2B5EF4-FFF2-40B4-BE49-F238E27FC236}">
+                <a16:creationId xmlns:a16="http://schemas.microsoft.com/office/drawing/2014/main" id="{0355228B-06D6-452A-B8E1-9DA15DD84782}"/>
+              </a:ext>
+            </a:extLst>
+          </p:cNvPr>
+          <p:cNvPicPr>
+            <a:picLocks noRot="1" noChangeAspect="1"/>
+          </p:cNvPicPr>
+          <p:nvPr>
+            <a:videoFile r:link="rId1"/>
+          </p:nvPr>
+        </p:nvPicPr>
+        <p:blipFill>
+          <a:blip r:embed="rId4"/>
+          <a:stretch>
+            <a:fillRect/>
+          </a:stretch>
+        </p:blipFill>
+        <p:spPr>
+          <a:xfrm>
+            <a:off x="849774" y="2582295"/>
+            <a:ext cx="6068907" cy="3428932"/>
+          </a:xfrm>
+          <a:prstGeom prst="rect">
+            <a:avLst/>
+          </a:prstGeom>
+        </p:spPr>
+      </p:pic>
     </p:spTree>
     <p:extLst>
       <p:ext uri="{BB962C8B-B14F-4D97-AF65-F5344CB8AC3E}">
-        <p14:creationId xmlns:p14="http://schemas.microsoft.com/office/powerpoint/2010/main" val="2999365437"/>
+        <p14:creationId xmlns:p14="http://schemas.microsoft.com/office/powerpoint/2010/main" val="144859786"/>
       </p:ext>
     </p:extLst>
   </p:cSld>
   <p:clrMapOvr>
     <a:masterClrMapping/>
   </p:clrMapOvr>
+  <p:timing>
+    <p:tnLst>
+      <p:par>
+        <p:cTn id="1" dur="indefinite" restart="never" nodeType="tmRoot">
+          <p:childTnLst>
+            <p:seq concurrent="1" nextAc="seek">
+              <p:cTn id="2" dur="indefinite" nodeType="mainSeq">
+                <p:childTnLst>
+                  <p:par>
+                    <p:cTn id="3" fill="hold">
+                      <p:stCondLst>
+                        <p:cond delay="indefinite"/>
+                      </p:stCondLst>
+                      <p:childTnLst>
+                        <p:par>
+                          <p:cTn id="4" fill="hold">
+                            <p:stCondLst>
+                              <p:cond delay="0"/>
+                            </p:stCondLst>
+                            <p:childTnLst>
+                              <p:par>
+                                <p:cTn id="5" presetID="1" presetClass="mediacall" presetSubtype="0" fill="hold" nodeType="clickEffect">
+                                  <p:stCondLst>
+                                    <p:cond delay="0"/>
+                                  </p:stCondLst>
+                                  <p:childTnLst>
+                                    <p:cmd type="call" cmd="playFrom(0.0)">
+                                      <p:cBhvr>
+                                        <p:cTn id="6" dur="1" fill="hold"/>
+                                        <p:tgtEl>
+                                          <p:spTgt spid="5"/>
+                                        </p:tgtEl>
+                                      </p:cBhvr>
+                                    </p:cmd>
+                                  </p:childTnLst>
+                                </p:cTn>
+                              </p:par>
+                            </p:childTnLst>
+                          </p:cTn>
+                        </p:par>
+                      </p:childTnLst>
+                    </p:cTn>
+                  </p:par>
+                </p:childTnLst>
+              </p:cTn>
+              <p:prevCondLst>
+                <p:cond evt="onPrev" delay="0">
+                  <p:tgtEl>
+                    <p:sldTgt/>
+                  </p:tgtEl>
+                </p:cond>
+              </p:prevCondLst>
+              <p:nextCondLst>
+                <p:cond evt="onNext" delay="0">
+                  <p:tgtEl>
+                    <p:sldTgt/>
+                  </p:tgtEl>
+                </p:cond>
+              </p:nextCondLst>
+            </p:seq>
+            <p:video>
+              <p:cMediaNode vol="80000">
+                <p:cTn id="7" fill="hold" display="0">
+                  <p:stCondLst>
+                    <p:cond delay="indefinite"/>
+                  </p:stCondLst>
+                </p:cTn>
+                <p:tgtEl>
+                  <p:spTgt spid="5"/>
+                </p:tgtEl>
+              </p:cMediaNode>
+            </p:video>
+            <p:seq concurrent="1" nextAc="seek">
+              <p:cTn id="8" restart="whenNotActive" fill="hold" evtFilter="cancelBubble" nodeType="interactiveSeq">
+                <p:stCondLst>
+                  <p:cond evt="onClick" delay="0">
+                    <p:tgtEl>
+                      <p:spTgt spid="5"/>
+                    </p:tgtEl>
+                  </p:cond>
+                </p:stCondLst>
+                <p:endSync evt="end" delay="0">
+                  <p:rtn val="all"/>
+                </p:endSync>
+                <p:childTnLst>
+                  <p:par>
+                    <p:cTn id="9" fill="hold">
+                      <p:stCondLst>
+                        <p:cond delay="0"/>
+                      </p:stCondLst>
+                      <p:childTnLst>
+                        <p:par>
+                          <p:cTn id="10" fill="hold">
+                            <p:stCondLst>
+                              <p:cond delay="0"/>
+                            </p:stCondLst>
+                            <p:childTnLst>
+                              <p:par>
+                                <p:cTn id="11" presetID="2" presetClass="mediacall" presetSubtype="0" fill="hold" nodeType="clickEffect">
+                                  <p:stCondLst>
+                                    <p:cond delay="0"/>
+                                  </p:stCondLst>
+                                  <p:childTnLst>
+                                    <p:cmd type="call" cmd="togglePause">
+                                      <p:cBhvr>
+                                        <p:cTn id="12" dur="1" fill="hold"/>
+                                        <p:tgtEl>
+                                          <p:spTgt spid="5"/>
+                                        </p:tgtEl>
+                                      </p:cBhvr>
+                                    </p:cmd>
+                                  </p:childTnLst>
+                                </p:cTn>
+                              </p:par>
+                            </p:childTnLst>
+                          </p:cTn>
+                        </p:par>
+                      </p:childTnLst>
+                    </p:cTn>
+                  </p:par>
+                </p:childTnLst>
+              </p:cTn>
+              <p:nextCondLst>
+                <p:cond evt="onClick" delay="0">
+                  <p:tgtEl>
+                    <p:spTgt spid="5"/>
+                  </p:tgtEl>
+                </p:cond>
+              </p:nextCondLst>
+            </p:seq>
+          </p:childTnLst>
+        </p:cTn>
+      </p:par>
+    </p:tnLst>
+  </p:timing>
 </p:sld>
 </file>
 
@@ -4033,7 +7905,7 @@
           <p:cNvPr id="2" name="제목 1">
             <a:extLst>
               <a:ext uri="{FF2B5EF4-FFF2-40B4-BE49-F238E27FC236}">
-                <a16:creationId xmlns:a16="http://schemas.microsoft.com/office/drawing/2014/main" id="{E47A7FF7-A418-4A54-866E-3B5A2ECDDEDC}"/>
+                <a16:creationId xmlns:a16="http://schemas.microsoft.com/office/drawing/2014/main" id="{57CFC020-BFFA-44D8-9426-C4DF089F5398}"/>
               </a:ext>
             </a:extLst>
           </p:cNvPr>
@@ -4050,8 +7922,12 @@
           <a:lstStyle/>
           <a:p>
             <a:r>
+              <a:rPr lang="en-US" altLang="ko-KR" dirty="0"/>
+              <a:t>2. </a:t>
+            </a:r>
+            <a:r>
               <a:rPr lang="ko-KR" altLang="en-US" dirty="0"/>
-              <a:t>개발문서</a:t>
+              <a:t>세부사항</a:t>
             </a:r>
           </a:p>
         </p:txBody>
@@ -4061,7 +7937,7 @@
           <p:cNvPr id="3" name="내용 개체 틀 2">
             <a:extLst>
               <a:ext uri="{FF2B5EF4-FFF2-40B4-BE49-F238E27FC236}">
-                <a16:creationId xmlns:a16="http://schemas.microsoft.com/office/drawing/2014/main" id="{41D9B05F-4094-4B77-A4F7-ADDAF5B262A9}"/>
+                <a16:creationId xmlns:a16="http://schemas.microsoft.com/office/drawing/2014/main" id="{6606DB7D-EC63-4CF8-9A1A-A563DC558111}"/>
               </a:ext>
             </a:extLst>
           </p:cNvPr>
@@ -4074,48 +7950,112 @@
         </p:nvSpPr>
         <p:spPr/>
         <p:txBody>
+          <a:bodyPr>
+            <a:normAutofit/>
+          </a:bodyPr>
+          <a:lstStyle/>
+          <a:p>
+            <a:pPr>
+              <a:buFont typeface="Arial" panose="020B0604020202020204" pitchFamily="34" charset="0"/>
+              <a:buChar char="•"/>
+            </a:pPr>
+            <a:endParaRPr lang="en-US" altLang="ko-KR" dirty="0"/>
+          </a:p>
+          <a:p>
+            <a:pPr marL="0" indent="0">
+              <a:buNone/>
+            </a:pPr>
+            <a:r>
+              <a:rPr lang="en-US" altLang="ko-KR" dirty="0"/>
+              <a:t> </a:t>
+            </a:r>
+          </a:p>
+          <a:p>
+            <a:pPr>
+              <a:buFont typeface="Arial" panose="020B0604020202020204" pitchFamily="34" charset="0"/>
+              <a:buChar char="•"/>
+            </a:pPr>
+            <a:r>
+              <a:rPr lang="ko-KR" altLang="en-US" dirty="0"/>
+              <a:t>게임목적</a:t>
+            </a:r>
+            <a:endParaRPr lang="en-US" altLang="ko-KR" dirty="0"/>
+          </a:p>
+          <a:p>
+            <a:pPr>
+              <a:buFont typeface="Arial" panose="020B0604020202020204" pitchFamily="34" charset="0"/>
+              <a:buChar char="•"/>
+            </a:pPr>
+            <a:r>
+              <a:rPr lang="ko-KR" altLang="en-US" dirty="0"/>
+              <a:t> 구성요소</a:t>
+            </a:r>
+            <a:endParaRPr lang="en-US" altLang="ko-KR" dirty="0"/>
+          </a:p>
+          <a:p>
+            <a:pPr>
+              <a:buFont typeface="Arial" panose="020B0604020202020204" pitchFamily="34" charset="0"/>
+              <a:buChar char="•"/>
+            </a:pPr>
+            <a:r>
+              <a:rPr lang="ko-KR" altLang="en-US" dirty="0"/>
+              <a:t> 흐름</a:t>
+            </a:r>
+            <a:endParaRPr lang="en-US" altLang="ko-KR" dirty="0"/>
+          </a:p>
+          <a:p>
+            <a:pPr>
+              <a:buFont typeface="Arial" panose="020B0604020202020204" pitchFamily="34" charset="0"/>
+              <a:buChar char="•"/>
+            </a:pPr>
+            <a:r>
+              <a:rPr lang="ko-KR" altLang="en-US" dirty="0"/>
+              <a:t> 구현</a:t>
+            </a:r>
+            <a:endParaRPr lang="en-US" altLang="ko-KR" dirty="0"/>
+          </a:p>
+          <a:p>
+            <a:pPr>
+              <a:buFont typeface="Arial" panose="020B0604020202020204" pitchFamily="34" charset="0"/>
+              <a:buChar char="•"/>
+            </a:pPr>
+            <a:r>
+              <a:rPr lang="ko-KR" altLang="en-US" dirty="0"/>
+              <a:t> 기능</a:t>
+            </a:r>
+            <a:endParaRPr lang="en-US" altLang="ko-KR" dirty="0"/>
+          </a:p>
+        </p:txBody>
+      </p:sp>
+      <p:sp>
+        <p:nvSpPr>
+          <p:cNvPr id="5" name="텍스트 개체 틀 4">
+            <a:extLst>
+              <a:ext uri="{FF2B5EF4-FFF2-40B4-BE49-F238E27FC236}">
+                <a16:creationId xmlns:a16="http://schemas.microsoft.com/office/drawing/2014/main" id="{A90F983D-9451-49DB-BB05-40495B7F0361}"/>
+              </a:ext>
+            </a:extLst>
+          </p:cNvPr>
+          <p:cNvSpPr>
+            <a:spLocks noGrp="1"/>
+          </p:cNvSpPr>
+          <p:nvPr>
+            <p:ph type="body" sz="half" idx="2"/>
+          </p:nvPr>
+        </p:nvSpPr>
+        <p:spPr/>
+        <p:txBody>
           <a:bodyPr/>
           <a:lstStyle/>
           <a:p>
-            <a:r>
-              <a:rPr lang="ko-KR" altLang="en-US" dirty="0"/>
-              <a:t>순서도</a:t>
-            </a:r>
-            <a:endParaRPr lang="en-US" altLang="ko-KR" dirty="0"/>
-          </a:p>
-          <a:p>
-            <a:endParaRPr lang="en-US" altLang="ko-KR" dirty="0"/>
-          </a:p>
-          <a:p>
-            <a:r>
-              <a:rPr lang="ko-KR" altLang="en-US" dirty="0"/>
-              <a:t>클래스 다이어그램</a:t>
-            </a:r>
-            <a:endParaRPr lang="en-US" altLang="ko-KR" dirty="0"/>
-          </a:p>
-          <a:p>
-            <a:endParaRPr lang="en-US" altLang="ko-KR" dirty="0"/>
-          </a:p>
-          <a:p>
-            <a:r>
-              <a:rPr lang="ko-KR" altLang="en-US" dirty="0"/>
-              <a:t>클래스</a:t>
-            </a:r>
-            <a:r>
-              <a:rPr lang="en-US" altLang="ko-KR" dirty="0"/>
-              <a:t>, </a:t>
-            </a:r>
-            <a:r>
-              <a:rPr lang="ko-KR" altLang="en-US" dirty="0"/>
-              <a:t>함수 세부사항</a:t>
-            </a:r>
+            <a:endParaRPr lang="ko-KR" altLang="en-US"/>
           </a:p>
         </p:txBody>
       </p:sp>
     </p:spTree>
     <p:extLst>
       <p:ext uri="{BB962C8B-B14F-4D97-AF65-F5344CB8AC3E}">
-        <p14:creationId xmlns:p14="http://schemas.microsoft.com/office/powerpoint/2010/main" val="1218202039"/>
+        <p14:creationId xmlns:p14="http://schemas.microsoft.com/office/powerpoint/2010/main" val="2430774976"/>
       </p:ext>
     </p:extLst>
   </p:cSld>
@@ -4147,7 +8087,7 @@
           <p:cNvPr id="2" name="제목 1">
             <a:extLst>
               <a:ext uri="{FF2B5EF4-FFF2-40B4-BE49-F238E27FC236}">
-                <a16:creationId xmlns:a16="http://schemas.microsoft.com/office/drawing/2014/main" id="{D74745A1-CDB7-41E6-A5CD-2AE9DE8C2186}"/>
+                <a16:creationId xmlns:a16="http://schemas.microsoft.com/office/drawing/2014/main" id="{57CFC020-BFFA-44D8-9426-C4DF089F5398}"/>
               </a:ext>
             </a:extLst>
           </p:cNvPr>
@@ -4160,9 +8100,33 @@
         </p:nvSpPr>
         <p:spPr/>
         <p:txBody>
-          <a:bodyPr/>
+          <a:bodyPr>
+            <a:normAutofit/>
+          </a:bodyPr>
           <a:lstStyle/>
           <a:p>
+            <a:r>
+              <a:rPr lang="en-US" altLang="ko-KR" dirty="0"/>
+              <a:t>2. </a:t>
+            </a:r>
+            <a:r>
+              <a:rPr lang="ko-KR" altLang="en-US" dirty="0"/>
+              <a:t>세부사항</a:t>
+            </a:r>
+            <a:br>
+              <a:rPr lang="en-US" altLang="ko-KR" dirty="0"/>
+            </a:br>
+            <a:br>
+              <a:rPr lang="en-US" altLang="ko-KR" sz="2400" dirty="0"/>
+            </a:br>
+            <a:r>
+              <a:rPr lang="en-US" altLang="ko-KR" sz="2400" dirty="0"/>
+              <a:t>	</a:t>
+            </a:r>
+            <a:r>
+              <a:rPr lang="ko-KR" altLang="en-US" sz="2400" dirty="0"/>
+              <a:t>게임 목적</a:t>
+            </a:r>
             <a:endParaRPr lang="ko-KR" altLang="en-US" dirty="0"/>
           </a:p>
         </p:txBody>
@@ -4172,7 +8136,7 @@
           <p:cNvPr id="3" name="내용 개체 틀 2">
             <a:extLst>
               <a:ext uri="{FF2B5EF4-FFF2-40B4-BE49-F238E27FC236}">
-                <a16:creationId xmlns:a16="http://schemas.microsoft.com/office/drawing/2014/main" id="{A66AAD4D-CD8D-4652-9B24-E67482F91D6E}"/>
+                <a16:creationId xmlns:a16="http://schemas.microsoft.com/office/drawing/2014/main" id="{6606DB7D-EC63-4CF8-9A1A-A563DC558111}"/>
               </a:ext>
             </a:extLst>
           </p:cNvPr>
@@ -4183,31 +8147,94 @@
             <p:ph idx="1"/>
           </p:nvPr>
         </p:nvSpPr>
-        <p:spPr/>
-        <p:txBody>
-          <a:bodyPr/>
+        <p:spPr>
+          <a:xfrm>
+            <a:off x="676274" y="2011680"/>
+            <a:ext cx="10753725" cy="3766185"/>
+          </a:xfrm>
+        </p:spPr>
+        <p:txBody>
+          <a:bodyPr>
+            <a:normAutofit lnSpcReduction="10000"/>
+          </a:bodyPr>
           <a:lstStyle/>
           <a:p>
+            <a:endParaRPr lang="en-US" altLang="ko-KR" dirty="0"/>
+          </a:p>
+          <a:p>
+            <a:r>
+              <a:rPr lang="ko-KR" altLang="en-US" b="1" dirty="0"/>
+              <a:t>메인 스토리</a:t>
+            </a:r>
+            <a:endParaRPr lang="en-US" altLang="ko-KR" b="1" dirty="0"/>
+          </a:p>
+          <a:p>
+            <a:pPr marL="4572" lvl="1" indent="0">
+              <a:buNone/>
+            </a:pPr>
+            <a:r>
+              <a:rPr lang="en-US" altLang="ko-KR" dirty="0"/>
+              <a:t>	</a:t>
+            </a:r>
             <a:r>
               <a:rPr lang="ko-KR" altLang="en-US" dirty="0"/>
-              <a:t>기초 월드 시스템 설계</a:t>
-            </a:r>
+              <a:t>우주왕이 왕자에게 별을 만들어서 왕자임을 증명하길 요구한다</a:t>
+            </a:r>
+            <a:r>
+              <a:rPr lang="en-US" altLang="ko-KR" dirty="0"/>
+              <a:t>.</a:t>
+            </a:r>
+          </a:p>
+          <a:p>
+            <a:pPr marL="457200" indent="-457200">
+              <a:buFont typeface="+mj-lt"/>
+              <a:buAutoNum type="arabicPeriod"/>
+            </a:pPr>
             <a:endParaRPr lang="en-US" altLang="ko-KR" dirty="0"/>
           </a:p>
           <a:p>
+            <a:pPr marL="457200" indent="-457200">
+              <a:buFont typeface="+mj-lt"/>
+              <a:buAutoNum type="arabicPeriod"/>
+            </a:pPr>
+            <a:r>
+              <a:rPr lang="ko-KR" altLang="en-US" b="1" dirty="0"/>
+              <a:t>목표치 달성</a:t>
+            </a:r>
+            <a:endParaRPr lang="en-US" altLang="ko-KR" b="1" dirty="0"/>
+          </a:p>
+          <a:p>
+            <a:pPr marL="713232" lvl="1" indent="-457200"/>
+            <a:r>
+              <a:rPr lang="ko-KR" altLang="en-US" dirty="0"/>
+              <a:t>제한시간 내에 공을 목표 크기보다 크게 만들기</a:t>
+            </a:r>
             <a:endParaRPr lang="en-US" altLang="ko-KR" dirty="0"/>
           </a:p>
           <a:p>
+            <a:pPr marL="457200" indent="-457200">
+              <a:buFont typeface="+mj-lt"/>
+              <a:buAutoNum type="arabicPeriod"/>
+            </a:pPr>
+            <a:endParaRPr lang="en-US" altLang="ko-KR" dirty="0"/>
+          </a:p>
+          <a:p>
+            <a:pPr marL="457200" indent="-457200">
+              <a:buFont typeface="+mj-lt"/>
+              <a:buAutoNum type="arabicPeriod"/>
+            </a:pPr>
+            <a:r>
+              <a:rPr lang="ko-KR" altLang="en-US" b="1" dirty="0"/>
+              <a:t>물건 찾기</a:t>
+            </a:r>
+            <a:endParaRPr lang="en-US" altLang="ko-KR" b="1" dirty="0"/>
+          </a:p>
+          <a:p>
+            <a:pPr marL="713232" lvl="1" indent="-457200"/>
             <a:r>
               <a:rPr lang="ko-KR" altLang="en-US" dirty="0"/>
-              <a:t>플레이어 동작 구현</a:t>
-            </a:r>
-            <a:endParaRPr lang="en-US" altLang="ko-KR" dirty="0"/>
-          </a:p>
-          <a:p>
-            <a:endParaRPr lang="en-US" altLang="ko-KR" dirty="0"/>
-          </a:p>
-          <a:p>
+              <a:t>제한시간 내에 특정 물건을 흡수하기</a:t>
+            </a:r>
             <a:endParaRPr lang="en-US" altLang="ko-KR" dirty="0"/>
           </a:p>
         </p:txBody>
@@ -4215,7 +8242,652 @@
     </p:spTree>
     <p:extLst>
       <p:ext uri="{BB962C8B-B14F-4D97-AF65-F5344CB8AC3E}">
-        <p14:creationId xmlns:p14="http://schemas.microsoft.com/office/powerpoint/2010/main" val="2180230508"/>
+        <p14:creationId xmlns:p14="http://schemas.microsoft.com/office/powerpoint/2010/main" val="578387659"/>
+      </p:ext>
+    </p:extLst>
+  </p:cSld>
+  <p:clrMapOvr>
+    <a:masterClrMapping/>
+  </p:clrMapOvr>
+</p:sld>
+</file>
+
+<file path=ppt/slides/slide8.xml><?xml version="1.0" encoding="utf-8"?>
+<p:sld xmlns:a="http://schemas.openxmlformats.org/drawingml/2006/main" xmlns:r="http://schemas.openxmlformats.org/officeDocument/2006/relationships" xmlns:p="http://schemas.openxmlformats.org/presentationml/2006/main">
+  <p:cSld>
+    <p:spTree>
+      <p:nvGrpSpPr>
+        <p:cNvPr id="1" name=""/>
+        <p:cNvGrpSpPr/>
+        <p:nvPr/>
+      </p:nvGrpSpPr>
+      <p:grpSpPr>
+        <a:xfrm>
+          <a:off x="0" y="0"/>
+          <a:ext cx="0" cy="0"/>
+          <a:chOff x="0" y="0"/>
+          <a:chExt cx="0" cy="0"/>
+        </a:xfrm>
+      </p:grpSpPr>
+      <p:sp>
+        <p:nvSpPr>
+          <p:cNvPr id="2" name="제목 1">
+            <a:extLst>
+              <a:ext uri="{FF2B5EF4-FFF2-40B4-BE49-F238E27FC236}">
+                <a16:creationId xmlns:a16="http://schemas.microsoft.com/office/drawing/2014/main" id="{57CFC020-BFFA-44D8-9426-C4DF089F5398}"/>
+              </a:ext>
+            </a:extLst>
+          </p:cNvPr>
+          <p:cNvSpPr>
+            <a:spLocks noGrp="1"/>
+          </p:cNvSpPr>
+          <p:nvPr>
+            <p:ph type="title"/>
+          </p:nvPr>
+        </p:nvSpPr>
+        <p:spPr/>
+        <p:txBody>
+          <a:bodyPr>
+            <a:normAutofit/>
+          </a:bodyPr>
+          <a:lstStyle/>
+          <a:p>
+            <a:r>
+              <a:rPr lang="en-US" altLang="ko-KR" dirty="0"/>
+              <a:t>2. </a:t>
+            </a:r>
+            <a:r>
+              <a:rPr lang="ko-KR" altLang="en-US" dirty="0"/>
+              <a:t>세부사항</a:t>
+            </a:r>
+            <a:br>
+              <a:rPr lang="en-US" altLang="ko-KR" dirty="0"/>
+            </a:br>
+            <a:br>
+              <a:rPr lang="en-US" altLang="ko-KR" sz="2400" dirty="0"/>
+            </a:br>
+            <a:r>
+              <a:rPr lang="en-US" altLang="ko-KR" sz="2400" dirty="0"/>
+              <a:t>	</a:t>
+            </a:r>
+            <a:r>
+              <a:rPr lang="ko-KR" altLang="en-US" sz="2400" dirty="0"/>
+              <a:t>구성 요소</a:t>
+            </a:r>
+            <a:endParaRPr lang="ko-KR" altLang="en-US" dirty="0"/>
+          </a:p>
+        </p:txBody>
+      </p:sp>
+      <p:sp>
+        <p:nvSpPr>
+          <p:cNvPr id="3" name="내용 개체 틀 2">
+            <a:extLst>
+              <a:ext uri="{FF2B5EF4-FFF2-40B4-BE49-F238E27FC236}">
+                <a16:creationId xmlns:a16="http://schemas.microsoft.com/office/drawing/2014/main" id="{6606DB7D-EC63-4CF8-9A1A-A563DC558111}"/>
+              </a:ext>
+            </a:extLst>
+          </p:cNvPr>
+          <p:cNvSpPr>
+            <a:spLocks noGrp="1"/>
+          </p:cNvSpPr>
+          <p:nvPr>
+            <p:ph idx="1"/>
+          </p:nvPr>
+        </p:nvSpPr>
+        <p:spPr>
+          <a:xfrm>
+            <a:off x="676274" y="2011680"/>
+            <a:ext cx="10753725" cy="3766185"/>
+          </a:xfrm>
+        </p:spPr>
+        <p:txBody>
+          <a:bodyPr>
+            <a:normAutofit lnSpcReduction="10000"/>
+          </a:bodyPr>
+          <a:lstStyle/>
+          <a:p>
+            <a:pPr>
+              <a:buFont typeface="Arial" panose="020B0604020202020204" pitchFamily="34" charset="0"/>
+              <a:buChar char="•"/>
+            </a:pPr>
+            <a:endParaRPr lang="en-US" altLang="ko-KR" dirty="0"/>
+          </a:p>
+          <a:p>
+            <a:pPr>
+              <a:buFont typeface="Arial" panose="020B0604020202020204" pitchFamily="34" charset="0"/>
+              <a:buChar char="•"/>
+            </a:pPr>
+            <a:r>
+              <a:rPr lang="en-US" altLang="ko-KR" dirty="0"/>
+              <a:t> </a:t>
+            </a:r>
+            <a:r>
+              <a:rPr lang="ko-KR" altLang="en-US" dirty="0"/>
+              <a:t>왕자 </a:t>
+            </a:r>
+            <a:r>
+              <a:rPr lang="en-US" altLang="ko-KR" dirty="0"/>
+              <a:t>&amp; </a:t>
+            </a:r>
+            <a:r>
+              <a:rPr lang="ko-KR" altLang="en-US" dirty="0"/>
+              <a:t>공</a:t>
+            </a:r>
+            <a:endParaRPr lang="en-US" altLang="ko-KR" dirty="0"/>
+          </a:p>
+          <a:p>
+            <a:pPr marL="0" lvl="2" indent="0">
+              <a:buNone/>
+            </a:pPr>
+            <a:r>
+              <a:rPr lang="en-US" altLang="ko-KR" dirty="0"/>
+              <a:t>	</a:t>
+            </a:r>
+            <a:r>
+              <a:rPr lang="ko-KR" altLang="en-US" dirty="0"/>
+              <a:t>왕자는 공을 굴려 공을 키워야 한다</a:t>
+            </a:r>
+            <a:r>
+              <a:rPr lang="en-US" altLang="ko-KR" dirty="0"/>
+              <a:t>.</a:t>
+            </a:r>
+          </a:p>
+          <a:p>
+            <a:pPr marL="0" lvl="2" indent="0">
+              <a:buNone/>
+            </a:pPr>
+            <a:endParaRPr lang="en-US" altLang="ko-KR" dirty="0"/>
+          </a:p>
+          <a:p>
+            <a:pPr>
+              <a:buFont typeface="Arial" panose="020B0604020202020204" pitchFamily="34" charset="0"/>
+              <a:buChar char="•"/>
+            </a:pPr>
+            <a:r>
+              <a:rPr lang="en-US" altLang="ko-KR" dirty="0"/>
+              <a:t> </a:t>
+            </a:r>
+            <a:r>
+              <a:rPr lang="ko-KR" altLang="en-US" dirty="0"/>
+              <a:t>물건들</a:t>
+            </a:r>
+            <a:endParaRPr lang="en-US" altLang="ko-KR" dirty="0"/>
+          </a:p>
+          <a:p>
+            <a:pPr marL="0" lvl="2" indent="0">
+              <a:buNone/>
+            </a:pPr>
+            <a:r>
+              <a:rPr lang="en-US" altLang="ko-KR" dirty="0"/>
+              <a:t>	</a:t>
+            </a:r>
+            <a:r>
+              <a:rPr lang="ko-KR" altLang="en-US" dirty="0"/>
+              <a:t>지름이  공의 지름의  </a:t>
+            </a:r>
+            <a:r>
+              <a:rPr lang="en-US" altLang="ko-KR" dirty="0"/>
+              <a:t>½</a:t>
+            </a:r>
+            <a:r>
+              <a:rPr lang="ko-KR" altLang="en-US" dirty="0"/>
+              <a:t>이하인 물건은 공에 흡수된다</a:t>
+            </a:r>
+            <a:r>
+              <a:rPr lang="en-US" altLang="ko-KR" dirty="0"/>
+              <a:t>.</a:t>
+            </a:r>
+          </a:p>
+          <a:p>
+            <a:pPr marL="0" lvl="2" indent="0">
+              <a:buNone/>
+            </a:pPr>
+            <a:r>
+              <a:rPr lang="en-US" altLang="ko-KR" dirty="0"/>
+              <a:t>	</a:t>
+            </a:r>
+            <a:r>
+              <a:rPr lang="ko-KR" altLang="en-US" dirty="0"/>
+              <a:t>지름이 공의 지름의 </a:t>
+            </a:r>
+            <a:r>
+              <a:rPr lang="en-US" altLang="ko-KR" dirty="0"/>
+              <a:t>2</a:t>
+            </a:r>
+            <a:r>
+              <a:rPr lang="ko-KR" altLang="en-US" dirty="0"/>
+              <a:t>배 이상인 물건은 공의 크기를 줄어들게 한다</a:t>
+            </a:r>
+            <a:r>
+              <a:rPr lang="en-US" altLang="ko-KR" dirty="0"/>
+              <a:t>.</a:t>
+            </a:r>
+          </a:p>
+          <a:p>
+            <a:pPr>
+              <a:buFont typeface="Arial" panose="020B0604020202020204" pitchFamily="34" charset="0"/>
+              <a:buChar char="•"/>
+            </a:pPr>
+            <a:endParaRPr lang="en-US" altLang="ko-KR" dirty="0"/>
+          </a:p>
+          <a:p>
+            <a:pPr>
+              <a:buFont typeface="Arial" panose="020B0604020202020204" pitchFamily="34" charset="0"/>
+              <a:buChar char="•"/>
+            </a:pPr>
+            <a:r>
+              <a:rPr lang="ko-KR" altLang="en-US" dirty="0"/>
+              <a:t>지형</a:t>
+            </a:r>
+            <a:endParaRPr lang="en-US" altLang="ko-KR" dirty="0"/>
+          </a:p>
+          <a:p>
+            <a:pPr marL="0" lvl="2" indent="0">
+              <a:buNone/>
+            </a:pPr>
+            <a:r>
+              <a:rPr lang="en-US" altLang="ko-KR" dirty="0"/>
+              <a:t>	</a:t>
+            </a:r>
+            <a:r>
+              <a:rPr lang="ko-KR" altLang="en-US" dirty="0"/>
+              <a:t>지형은 공에 흡수되지 않는다</a:t>
+            </a:r>
+            <a:r>
+              <a:rPr lang="en-US" altLang="ko-KR" dirty="0"/>
+              <a:t>.</a:t>
+            </a:r>
+          </a:p>
+          <a:p>
+            <a:pPr>
+              <a:buFont typeface="Arial" panose="020B0604020202020204" pitchFamily="34" charset="0"/>
+              <a:buChar char="•"/>
+            </a:pPr>
+            <a:endParaRPr lang="en-US" altLang="ko-KR" dirty="0"/>
+          </a:p>
+        </p:txBody>
+      </p:sp>
+      <p:pic>
+        <p:nvPicPr>
+          <p:cNvPr id="5" name="그림 4">
+            <a:extLst>
+              <a:ext uri="{FF2B5EF4-FFF2-40B4-BE49-F238E27FC236}">
+                <a16:creationId xmlns:a16="http://schemas.microsoft.com/office/drawing/2014/main" id="{9BBA81D7-5AC4-4F73-B6D4-CCB2F00BC88C}"/>
+              </a:ext>
+            </a:extLst>
+          </p:cNvPr>
+          <p:cNvPicPr>
+            <a:picLocks noChangeAspect="1"/>
+          </p:cNvPicPr>
+          <p:nvPr/>
+        </p:nvPicPr>
+        <p:blipFill>
+          <a:blip r:embed="rId2"/>
+          <a:stretch>
+            <a:fillRect/>
+          </a:stretch>
+        </p:blipFill>
+        <p:spPr>
+          <a:xfrm>
+            <a:off x="7784601" y="1328632"/>
+            <a:ext cx="3445053" cy="1938844"/>
+          </a:xfrm>
+          <a:prstGeom prst="rect">
+            <a:avLst/>
+          </a:prstGeom>
+        </p:spPr>
+      </p:pic>
+    </p:spTree>
+    <p:extLst>
+      <p:ext uri="{BB962C8B-B14F-4D97-AF65-F5344CB8AC3E}">
+        <p14:creationId xmlns:p14="http://schemas.microsoft.com/office/powerpoint/2010/main" val="2424289628"/>
+      </p:ext>
+    </p:extLst>
+  </p:cSld>
+  <p:clrMapOvr>
+    <a:masterClrMapping/>
+  </p:clrMapOvr>
+</p:sld>
+</file>
+
+<file path=ppt/slides/slide9.xml><?xml version="1.0" encoding="utf-8"?>
+<p:sld xmlns:a="http://schemas.openxmlformats.org/drawingml/2006/main" xmlns:r="http://schemas.openxmlformats.org/officeDocument/2006/relationships" xmlns:p="http://schemas.openxmlformats.org/presentationml/2006/main">
+  <p:cSld>
+    <p:spTree>
+      <p:nvGrpSpPr>
+        <p:cNvPr id="1" name=""/>
+        <p:cNvGrpSpPr/>
+        <p:nvPr/>
+      </p:nvGrpSpPr>
+      <p:grpSpPr>
+        <a:xfrm>
+          <a:off x="0" y="0"/>
+          <a:ext cx="0" cy="0"/>
+          <a:chOff x="0" y="0"/>
+          <a:chExt cx="0" cy="0"/>
+        </a:xfrm>
+      </p:grpSpPr>
+      <p:sp>
+        <p:nvSpPr>
+          <p:cNvPr id="2" name="제목 1">
+            <a:extLst>
+              <a:ext uri="{FF2B5EF4-FFF2-40B4-BE49-F238E27FC236}">
+                <a16:creationId xmlns:a16="http://schemas.microsoft.com/office/drawing/2014/main" id="{57CFC020-BFFA-44D8-9426-C4DF089F5398}"/>
+              </a:ext>
+            </a:extLst>
+          </p:cNvPr>
+          <p:cNvSpPr>
+            <a:spLocks noGrp="1"/>
+          </p:cNvSpPr>
+          <p:nvPr>
+            <p:ph type="title"/>
+          </p:nvPr>
+        </p:nvSpPr>
+        <p:spPr>
+          <a:xfrm>
+            <a:off x="657224" y="404037"/>
+            <a:ext cx="10772775" cy="1222744"/>
+          </a:xfrm>
+        </p:spPr>
+        <p:txBody>
+          <a:bodyPr>
+            <a:normAutofit fontScale="90000"/>
+          </a:bodyPr>
+          <a:lstStyle/>
+          <a:p>
+            <a:r>
+              <a:rPr lang="en-US" altLang="ko-KR" dirty="0"/>
+              <a:t>2. </a:t>
+            </a:r>
+            <a:r>
+              <a:rPr lang="ko-KR" altLang="en-US" dirty="0"/>
+              <a:t>세부사항</a:t>
+            </a:r>
+            <a:br>
+              <a:rPr lang="en-US" altLang="ko-KR" dirty="0"/>
+            </a:br>
+            <a:br>
+              <a:rPr lang="en-US" altLang="ko-KR" sz="2400" dirty="0"/>
+            </a:br>
+            <a:r>
+              <a:rPr lang="en-US" altLang="ko-KR" sz="2400" dirty="0"/>
+              <a:t>	</a:t>
+            </a:r>
+            <a:r>
+              <a:rPr lang="ko-KR" altLang="en-US" sz="2400" dirty="0"/>
+              <a:t>흐름</a:t>
+            </a:r>
+            <a:endParaRPr lang="ko-KR" altLang="en-US" dirty="0"/>
+          </a:p>
+        </p:txBody>
+      </p:sp>
+      <p:sp>
+        <p:nvSpPr>
+          <p:cNvPr id="3" name="내용 개체 틀 2">
+            <a:extLst>
+              <a:ext uri="{FF2B5EF4-FFF2-40B4-BE49-F238E27FC236}">
+                <a16:creationId xmlns:a16="http://schemas.microsoft.com/office/drawing/2014/main" id="{6606DB7D-EC63-4CF8-9A1A-A563DC558111}"/>
+              </a:ext>
+            </a:extLst>
+          </p:cNvPr>
+          <p:cNvSpPr>
+            <a:spLocks noGrp="1"/>
+          </p:cNvSpPr>
+          <p:nvPr>
+            <p:ph idx="1"/>
+          </p:nvPr>
+        </p:nvSpPr>
+        <p:spPr>
+          <a:xfrm>
+            <a:off x="676274" y="2011680"/>
+            <a:ext cx="11062070" cy="4846320"/>
+          </a:xfrm>
+        </p:spPr>
+        <p:txBody>
+          <a:bodyPr>
+            <a:normAutofit/>
+          </a:bodyPr>
+          <a:lstStyle/>
+          <a:p>
+            <a:pPr marL="0" indent="0">
+              <a:buNone/>
+            </a:pPr>
+            <a:endParaRPr lang="en-US" altLang="ko-KR" dirty="0"/>
+          </a:p>
+          <a:p>
+            <a:pPr marL="0" indent="0">
+              <a:buNone/>
+            </a:pPr>
+            <a:endParaRPr lang="en-US" altLang="ko-KR" dirty="0"/>
+          </a:p>
+          <a:p>
+            <a:pPr marL="0" indent="0">
+              <a:buNone/>
+            </a:pPr>
+            <a:endParaRPr lang="en-US" altLang="ko-KR" dirty="0"/>
+          </a:p>
+          <a:p>
+            <a:pPr marL="0" indent="0">
+              <a:buNone/>
+            </a:pPr>
+            <a:endParaRPr lang="en-US" altLang="ko-KR" dirty="0"/>
+          </a:p>
+          <a:p>
+            <a:pPr marL="0" indent="0">
+              <a:buNone/>
+            </a:pPr>
+            <a:r>
+              <a:rPr lang="en-US" altLang="ko-KR" dirty="0"/>
+              <a:t>	</a:t>
+            </a:r>
+            <a:r>
+              <a:rPr lang="ko-KR" altLang="en-US" dirty="0"/>
+              <a:t>타이틀</a:t>
+            </a:r>
+            <a:r>
+              <a:rPr lang="en-US" altLang="ko-KR" dirty="0"/>
+              <a:t>		</a:t>
+            </a:r>
+            <a:r>
+              <a:rPr lang="ko-KR" altLang="en-US" dirty="0"/>
+              <a:t> </a:t>
+            </a:r>
+            <a:r>
+              <a:rPr lang="en-US" altLang="ko-KR" dirty="0"/>
+              <a:t>-&gt; 			</a:t>
+            </a:r>
+            <a:r>
+              <a:rPr lang="ko-KR" altLang="en-US" dirty="0" err="1"/>
+              <a:t>내러티브</a:t>
+            </a:r>
+            <a:r>
+              <a:rPr lang="en-US" altLang="ko-KR" dirty="0"/>
+              <a:t> 		-&gt; 	</a:t>
+            </a:r>
+          </a:p>
+          <a:p>
+            <a:pPr marL="0" indent="0">
+              <a:buNone/>
+            </a:pPr>
+            <a:endParaRPr lang="en-US" altLang="ko-KR" dirty="0"/>
+          </a:p>
+          <a:p>
+            <a:pPr marL="0" indent="0">
+              <a:buNone/>
+            </a:pPr>
+            <a:endParaRPr lang="en-US" altLang="ko-KR" dirty="0"/>
+          </a:p>
+          <a:p>
+            <a:pPr marL="0" indent="0">
+              <a:buNone/>
+            </a:pPr>
+            <a:endParaRPr lang="en-US" altLang="ko-KR" dirty="0"/>
+          </a:p>
+          <a:p>
+            <a:pPr marL="0" indent="0">
+              <a:buNone/>
+            </a:pPr>
+            <a:r>
+              <a:rPr lang="en-US" altLang="ko-KR" dirty="0"/>
+              <a:t>	</a:t>
+            </a:r>
+          </a:p>
+          <a:p>
+            <a:pPr marL="0" indent="0">
+              <a:buNone/>
+            </a:pPr>
+            <a:r>
+              <a:rPr lang="en-US" altLang="ko-KR" dirty="0"/>
+              <a:t>	</a:t>
+            </a:r>
+            <a:r>
+              <a:rPr lang="ko-KR" altLang="en-US" dirty="0"/>
+              <a:t>메인 게임</a:t>
+            </a:r>
+            <a:r>
+              <a:rPr lang="en-US" altLang="ko-KR" dirty="0"/>
+              <a:t> 		-&gt; 			</a:t>
+            </a:r>
+            <a:r>
+              <a:rPr lang="ko-KR" altLang="en-US" dirty="0"/>
+              <a:t>평가 </a:t>
+            </a:r>
+            <a:r>
+              <a:rPr lang="en-US" altLang="ko-KR" dirty="0"/>
+              <a:t>			-&gt; 	</a:t>
+            </a:r>
+            <a:r>
+              <a:rPr lang="ko-KR" altLang="en-US" dirty="0"/>
+              <a:t>종료</a:t>
+            </a:r>
+            <a:endParaRPr lang="en-US" altLang="ko-KR" dirty="0"/>
+          </a:p>
+        </p:txBody>
+      </p:sp>
+      <p:pic>
+        <p:nvPicPr>
+          <p:cNvPr id="5" name="그림 4">
+            <a:extLst>
+              <a:ext uri="{FF2B5EF4-FFF2-40B4-BE49-F238E27FC236}">
+                <a16:creationId xmlns:a16="http://schemas.microsoft.com/office/drawing/2014/main" id="{A2F5C9DD-3330-4334-A8BF-6E5406F6FA84}"/>
+              </a:ext>
+            </a:extLst>
+          </p:cNvPr>
+          <p:cNvPicPr>
+            <a:picLocks noChangeAspect="1"/>
+          </p:cNvPicPr>
+          <p:nvPr/>
+        </p:nvPicPr>
+        <p:blipFill>
+          <a:blip r:embed="rId2"/>
+          <a:stretch>
+            <a:fillRect/>
+          </a:stretch>
+        </p:blipFill>
+        <p:spPr>
+          <a:xfrm>
+            <a:off x="1120366" y="2138618"/>
+            <a:ext cx="2393396" cy="1465851"/>
+          </a:xfrm>
+          <a:prstGeom prst="rect">
+            <a:avLst/>
+          </a:prstGeom>
+        </p:spPr>
+      </p:pic>
+      <p:pic>
+        <p:nvPicPr>
+          <p:cNvPr id="7" name="그림 6">
+            <a:extLst>
+              <a:ext uri="{FF2B5EF4-FFF2-40B4-BE49-F238E27FC236}">
+                <a16:creationId xmlns:a16="http://schemas.microsoft.com/office/drawing/2014/main" id="{AD4ED362-B972-49D7-BBE9-5BD43B588226}"/>
+              </a:ext>
+            </a:extLst>
+          </p:cNvPr>
+          <p:cNvPicPr>
+            <a:picLocks noChangeAspect="1"/>
+          </p:cNvPicPr>
+          <p:nvPr/>
+        </p:nvPicPr>
+        <p:blipFill>
+          <a:blip r:embed="rId3"/>
+          <a:stretch>
+            <a:fillRect/>
+          </a:stretch>
+        </p:blipFill>
+        <p:spPr>
+          <a:xfrm>
+            <a:off x="6336962" y="1724298"/>
+            <a:ext cx="2871615" cy="1880171"/>
+          </a:xfrm>
+          <a:prstGeom prst="rect">
+            <a:avLst/>
+          </a:prstGeom>
+        </p:spPr>
+      </p:pic>
+      <p:pic>
+        <p:nvPicPr>
+          <p:cNvPr id="9" name="그림 8">
+            <a:extLst>
+              <a:ext uri="{FF2B5EF4-FFF2-40B4-BE49-F238E27FC236}">
+                <a16:creationId xmlns:a16="http://schemas.microsoft.com/office/drawing/2014/main" id="{5B55436A-614C-4C68-ACB6-B3F7D9BA8423}"/>
+              </a:ext>
+            </a:extLst>
+          </p:cNvPr>
+          <p:cNvPicPr>
+            <a:picLocks noChangeAspect="1"/>
+          </p:cNvPicPr>
+          <p:nvPr/>
+        </p:nvPicPr>
+        <p:blipFill>
+          <a:blip r:embed="rId4"/>
+          <a:stretch>
+            <a:fillRect/>
+          </a:stretch>
+        </p:blipFill>
+        <p:spPr>
+          <a:xfrm>
+            <a:off x="1120366" y="4466818"/>
+            <a:ext cx="2516686" cy="1704626"/>
+          </a:xfrm>
+          <a:prstGeom prst="rect">
+            <a:avLst/>
+          </a:prstGeom>
+        </p:spPr>
+      </p:pic>
+      <p:pic>
+        <p:nvPicPr>
+          <p:cNvPr id="11" name="그림 10">
+            <a:extLst>
+              <a:ext uri="{FF2B5EF4-FFF2-40B4-BE49-F238E27FC236}">
+                <a16:creationId xmlns:a16="http://schemas.microsoft.com/office/drawing/2014/main" id="{6759675D-148B-4BDA-9583-8EA87F77615A}"/>
+              </a:ext>
+            </a:extLst>
+          </p:cNvPr>
+          <p:cNvPicPr>
+            <a:picLocks noChangeAspect="1"/>
+          </p:cNvPicPr>
+          <p:nvPr/>
+        </p:nvPicPr>
+        <p:blipFill>
+          <a:blip r:embed="rId5"/>
+          <a:stretch>
+            <a:fillRect/>
+          </a:stretch>
+        </p:blipFill>
+        <p:spPr>
+          <a:xfrm>
+            <a:off x="6246440" y="4501870"/>
+            <a:ext cx="2962137" cy="1704626"/>
+          </a:xfrm>
+          <a:prstGeom prst="rect">
+            <a:avLst/>
+          </a:prstGeom>
+        </p:spPr>
+      </p:pic>
+    </p:spTree>
+    <p:extLst>
+      <p:ext uri="{BB962C8B-B14F-4D97-AF65-F5344CB8AC3E}">
+        <p14:creationId xmlns:p14="http://schemas.microsoft.com/office/powerpoint/2010/main" val="1166102712"/>
       </p:ext>
     </p:extLst>
   </p:cSld>
@@ -4226,9 +8898,9 @@
 </file>
 
 <file path=ppt/theme/theme1.xml><?xml version="1.0" encoding="utf-8"?>
-<a:theme xmlns:a="http://schemas.openxmlformats.org/drawingml/2006/main" name="Office 테마">
+<a:theme xmlns:a="http://schemas.openxmlformats.org/drawingml/2006/main" name="메트로폴리탄">
   <a:themeElements>
-    <a:clrScheme name="Office">
+    <a:clrScheme name="메트로폴리탄">
       <a:dk1>
         <a:sysClr val="windowText" lastClr="000000"/>
       </a:dk1>
@@ -4236,44 +8908,44 @@
         <a:sysClr val="window" lastClr="FFFFFF"/>
       </a:lt1>
       <a:dk2>
-        <a:srgbClr val="44546A"/>
+        <a:srgbClr val="162F33"/>
       </a:dk2>
       <a:lt2>
-        <a:srgbClr val="E7E6E6"/>
+        <a:srgbClr val="EAF0E0"/>
       </a:lt2>
       <a:accent1>
-        <a:srgbClr val="4472C4"/>
+        <a:srgbClr val="50B4C8"/>
       </a:accent1>
       <a:accent2>
-        <a:srgbClr val="ED7D31"/>
+        <a:srgbClr val="A8B97F"/>
       </a:accent2>
       <a:accent3>
-        <a:srgbClr val="A5A5A5"/>
+        <a:srgbClr val="9B9256"/>
       </a:accent3>
       <a:accent4>
-        <a:srgbClr val="FFC000"/>
+        <a:srgbClr val="657689"/>
       </a:accent4>
       <a:accent5>
-        <a:srgbClr val="5B9BD5"/>
+        <a:srgbClr val="7A855D"/>
       </a:accent5>
       <a:accent6>
-        <a:srgbClr val="70AD47"/>
+        <a:srgbClr val="84AC9D"/>
       </a:accent6>
       <a:hlink>
-        <a:srgbClr val="0563C1"/>
+        <a:srgbClr val="2370CD"/>
       </a:hlink>
       <a:folHlink>
-        <a:srgbClr val="954F72"/>
+        <a:srgbClr val="877589"/>
       </a:folHlink>
     </a:clrScheme>
-    <a:fontScheme name="Office">
+    <a:fontScheme name="메트로폴리탄">
       <a:majorFont>
-        <a:latin typeface="맑은 고딕" panose="020F0302020204030204"/>
+        <a:latin typeface="Calibri Light" panose="020F0302020204030204"/>
         <a:ea typeface=""/>
         <a:cs typeface=""/>
-        <a:font script="Jpan" typeface="游ゴシック Light"/>
+        <a:font script="Jpan" typeface="ＭＳ Ｐゴシック"/>
         <a:font script="Hang" typeface="맑은 고딕"/>
-        <a:font script="Hans" typeface="等线 Light"/>
+        <a:font script="Hans" typeface="宋体"/>
         <a:font script="Hant" typeface="新細明體"/>
         <a:font script="Arab" typeface="Times New Roman"/>
         <a:font script="Hebr" typeface="Times New Roman"/>
@@ -4301,39 +8973,22 @@
         <a:font script="Viet" typeface="Times New Roman"/>
         <a:font script="Uigh" typeface="Microsoft Uighur"/>
         <a:font script="Geor" typeface="Sylfaen"/>
-        <a:font script="Armn" typeface="Arial"/>
-        <a:font script="Bugi" typeface="Leelawadee UI"/>
-        <a:font script="Bopo" typeface="Microsoft JhengHei"/>
-        <a:font script="Java" typeface="Javanese Text"/>
-        <a:font script="Lisu" typeface="Segoe UI"/>
-        <a:font script="Mymr" typeface="Myanmar Text"/>
-        <a:font script="Nkoo" typeface="Ebrima"/>
-        <a:font script="Olck" typeface="Nirmala UI"/>
-        <a:font script="Osma" typeface="Ebrima"/>
-        <a:font script="Phag" typeface="Phagspa"/>
-        <a:font script="Syrn" typeface="Estrangelo Edessa"/>
-        <a:font script="Syrj" typeface="Estrangelo Edessa"/>
-        <a:font script="Syre" typeface="Estrangelo Edessa"/>
-        <a:font script="Sora" typeface="Nirmala UI"/>
-        <a:font script="Tale" typeface="Microsoft Tai Le"/>
-        <a:font script="Talu" typeface="Microsoft New Tai Lue"/>
-        <a:font script="Tfng" typeface="Ebrima"/>
       </a:majorFont>
       <a:minorFont>
-        <a:latin typeface="맑은 고딕" panose="020F0502020204030204"/>
+        <a:latin typeface="Calibri Light" panose="020F0302020204030204"/>
         <a:ea typeface=""/>
         <a:cs typeface=""/>
-        <a:font script="Jpan" typeface="游ゴシック"/>
+        <a:font script="Jpan" typeface="ＭＳ Ｐゴシック"/>
         <a:font script="Hang" typeface="맑은 고딕"/>
-        <a:font script="Hans" typeface="等线"/>
+        <a:font script="Hans" typeface="宋体"/>
         <a:font script="Hant" typeface="新細明體"/>
-        <a:font script="Arab" typeface="Arial"/>
-        <a:font script="Hebr" typeface="Arial"/>
-        <a:font script="Thai" typeface="Cordia New"/>
+        <a:font script="Arab" typeface="Times New Roman"/>
+        <a:font script="Hebr" typeface="Times New Roman"/>
+        <a:font script="Thai" typeface="Angsana New"/>
         <a:font script="Ethi" typeface="Nyala"/>
         <a:font script="Beng" typeface="Vrinda"/>
         <a:font script="Gujr" typeface="Shruti"/>
-        <a:font script="Khmr" typeface="DaunPenh"/>
+        <a:font script="Khmr" typeface="MoolBoran"/>
         <a:font script="Knda" typeface="Tunga"/>
         <a:font script="Guru" typeface="Raavi"/>
         <a:font script="Cans" typeface="Euphemia"/>
@@ -4350,29 +9005,12 @@
         <a:font script="Laoo" typeface="DokChampa"/>
         <a:font script="Sinh" typeface="Iskoola Pota"/>
         <a:font script="Mong" typeface="Mongolian Baiti"/>
-        <a:font script="Viet" typeface="Arial"/>
+        <a:font script="Viet" typeface="Times New Roman"/>
         <a:font script="Uigh" typeface="Microsoft Uighur"/>
         <a:font script="Geor" typeface="Sylfaen"/>
-        <a:font script="Armn" typeface="Arial"/>
-        <a:font script="Bugi" typeface="Leelawadee UI"/>
-        <a:font script="Bopo" typeface="Microsoft JhengHei"/>
-        <a:font script="Java" typeface="Javanese Text"/>
-        <a:font script="Lisu" typeface="Segoe UI"/>
-        <a:font script="Mymr" typeface="Myanmar Text"/>
-        <a:font script="Nkoo" typeface="Ebrima"/>
-        <a:font script="Olck" typeface="Nirmala UI"/>
-        <a:font script="Osma" typeface="Ebrima"/>
-        <a:font script="Phag" typeface="Phagspa"/>
-        <a:font script="Syrn" typeface="Estrangelo Edessa"/>
-        <a:font script="Syrj" typeface="Estrangelo Edessa"/>
-        <a:font script="Syre" typeface="Estrangelo Edessa"/>
-        <a:font script="Sora" typeface="Nirmala UI"/>
-        <a:font script="Tale" typeface="Microsoft Tai Le"/>
-        <a:font script="Talu" typeface="Microsoft New Tai Lue"/>
-        <a:font script="Tfng" typeface="Ebrima"/>
       </a:minorFont>
     </a:fontScheme>
-    <a:fmtScheme name="Office">
+    <a:fmtScheme name="메트로폴리탄">
       <a:fillStyleLst>
         <a:solidFill>
           <a:schemeClr val="phClr"/>
@@ -4381,76 +9019,73 @@
           <a:gsLst>
             <a:gs pos="0">
               <a:schemeClr val="phClr">
+                <a:tint val="70000"/>
+                <a:satMod val="100000"/>
                 <a:lumMod val="110000"/>
-                <a:satMod val="105000"/>
-                <a:tint val="67000"/>
               </a:schemeClr>
             </a:gs>
             <a:gs pos="50000">
               <a:schemeClr val="phClr">
+                <a:tint val="75000"/>
+                <a:satMod val="101000"/>
                 <a:lumMod val="105000"/>
-                <a:satMod val="103000"/>
-                <a:tint val="73000"/>
               </a:schemeClr>
             </a:gs>
             <a:gs pos="100000">
               <a:schemeClr val="phClr">
+                <a:tint val="82000"/>
+                <a:satMod val="104000"/>
                 <a:lumMod val="105000"/>
-                <a:satMod val="109000"/>
-                <a:tint val="81000"/>
               </a:schemeClr>
             </a:gs>
           </a:gsLst>
-          <a:lin ang="5400000" scaled="0"/>
+          <a:lin ang="2700000" scaled="0"/>
         </a:gradFill>
         <a:gradFill rotWithShape="1">
           <a:gsLst>
             <a:gs pos="0">
               <a:schemeClr val="phClr">
-                <a:satMod val="103000"/>
+                <a:tint val="97000"/>
+                <a:satMod val="100000"/>
                 <a:lumMod val="102000"/>
-                <a:tint val="94000"/>
               </a:schemeClr>
             </a:gs>
             <a:gs pos="50000">
               <a:schemeClr val="phClr">
-                <a:satMod val="110000"/>
+                <a:shade val="100000"/>
+                <a:satMod val="100000"/>
                 <a:lumMod val="100000"/>
-                <a:shade val="100000"/>
               </a:schemeClr>
             </a:gs>
             <a:gs pos="100000">
               <a:schemeClr val="phClr">
+                <a:shade val="80000"/>
+                <a:satMod val="100000"/>
                 <a:lumMod val="99000"/>
-                <a:satMod val="120000"/>
-                <a:shade val="78000"/>
               </a:schemeClr>
             </a:gs>
           </a:gsLst>
-          <a:lin ang="5400000" scaled="0"/>
+          <a:lin ang="2700000" scaled="0"/>
         </a:gradFill>
       </a:fillStyleLst>
       <a:lnStyleLst>
-        <a:ln w="6350" cap="flat" cmpd="sng" algn="ctr">
+        <a:ln w="9525" cap="flat" cmpd="sng" algn="ctr">
           <a:solidFill>
             <a:schemeClr val="phClr"/>
           </a:solidFill>
           <a:prstDash val="solid"/>
-          <a:miter lim="800000"/>
         </a:ln>
         <a:ln w="12700" cap="flat" cmpd="sng" algn="ctr">
           <a:solidFill>
             <a:schemeClr val="phClr"/>
           </a:solidFill>
           <a:prstDash val="solid"/>
-          <a:miter lim="800000"/>
         </a:ln>
         <a:ln w="19050" cap="flat" cmpd="sng" algn="ctr">
           <a:solidFill>
             <a:schemeClr val="phClr"/>
           </a:solidFill>
           <a:prstDash val="solid"/>
-          <a:miter lim="800000"/>
         </a:ln>
       </a:lnStyleLst>
       <a:effectStyleLst>
@@ -4480,33 +9115,12 @@
             <a:satMod val="170000"/>
           </a:schemeClr>
         </a:solidFill>
-        <a:gradFill rotWithShape="1">
-          <a:gsLst>
-            <a:gs pos="0">
-              <a:schemeClr val="phClr">
-                <a:tint val="93000"/>
-                <a:satMod val="150000"/>
-                <a:shade val="98000"/>
-                <a:lumMod val="102000"/>
-              </a:schemeClr>
-            </a:gs>
-            <a:gs pos="50000">
-              <a:schemeClr val="phClr">
-                <a:tint val="98000"/>
-                <a:satMod val="130000"/>
-                <a:shade val="90000"/>
-                <a:lumMod val="103000"/>
-              </a:schemeClr>
-            </a:gs>
-            <a:gs pos="100000">
-              <a:schemeClr val="phClr">
-                <a:shade val="63000"/>
-                <a:satMod val="120000"/>
-              </a:schemeClr>
-            </a:gs>
-          </a:gsLst>
-          <a:lin ang="5400000" scaled="0"/>
-        </a:gradFill>
+        <a:solidFill>
+          <a:schemeClr val="phClr">
+            <a:shade val="95000"/>
+            <a:satMod val="170000"/>
+          </a:schemeClr>
+        </a:solidFill>
       </a:bgFillStyleLst>
     </a:fmtScheme>
   </a:themeElements>
@@ -4514,7 +9128,7 @@
   <a:extraClrSchemeLst/>
   <a:extLst>
     <a:ext uri="{05A4C25C-085E-4340-85A3-A5531E510DB2}">
-      <thm15:themeFamily xmlns:thm15="http://schemas.microsoft.com/office/thememl/2012/main" name="Office Theme" id="{62F939B6-93AF-4DB8-9C6B-D6C7DFDC589F}" vid="{4A3C46E8-61CC-4603-A589-7422A47A8E4A}"/>
+      <thm15:themeFamily xmlns:thm15="http://schemas.microsoft.com/office/thememl/2012/main" name="Metropolitan" id="{4C5440D6-04D2-4954-96CF-F251137069B2}" vid="{79CFCA13-9412-4290-BB4B-85112F88857B}"/>
     </a:ext>
   </a:extLst>
 </a:theme>

--- a/RollBall/roll_ball.pptx
+++ b/RollBall/roll_ball.pptx
@@ -327,7 +327,7 @@
           <a:p>
             <a:fld id="{55484BE3-27E7-49EA-9085-01EC175E6EED}" type="datetimeFigureOut">
               <a:rPr lang="ko-KR" altLang="en-US" smtClean="0"/>
-              <a:t>2021-07-26</a:t>
+              <a:t>2021-07-27</a:t>
             </a:fld>
             <a:endParaRPr lang="ko-KR" altLang="en-US"/>
           </a:p>
@@ -517,7 +517,7 @@
           <a:p>
             <a:fld id="{55484BE3-27E7-49EA-9085-01EC175E6EED}" type="datetimeFigureOut">
               <a:rPr lang="ko-KR" altLang="en-US" smtClean="0"/>
-              <a:t>2021-07-26</a:t>
+              <a:t>2021-07-27</a:t>
             </a:fld>
             <a:endParaRPr lang="ko-KR" altLang="en-US"/>
           </a:p>
@@ -697,7 +697,7 @@
           <a:p>
             <a:fld id="{55484BE3-27E7-49EA-9085-01EC175E6EED}" type="datetimeFigureOut">
               <a:rPr lang="ko-KR" altLang="en-US" smtClean="0"/>
-              <a:t>2021-07-26</a:t>
+              <a:t>2021-07-27</a:t>
             </a:fld>
             <a:endParaRPr lang="ko-KR" altLang="en-US"/>
           </a:p>
@@ -867,7 +867,7 @@
           <a:p>
             <a:fld id="{55484BE3-27E7-49EA-9085-01EC175E6EED}" type="datetimeFigureOut">
               <a:rPr lang="ko-KR" altLang="en-US" smtClean="0"/>
-              <a:t>2021-07-26</a:t>
+              <a:t>2021-07-27</a:t>
             </a:fld>
             <a:endParaRPr lang="ko-KR" altLang="en-US"/>
           </a:p>
@@ -1123,7 +1123,7 @@
           <a:p>
             <a:fld id="{55484BE3-27E7-49EA-9085-01EC175E6EED}" type="datetimeFigureOut">
               <a:rPr lang="ko-KR" altLang="en-US" smtClean="0"/>
-              <a:t>2021-07-26</a:t>
+              <a:t>2021-07-27</a:t>
             </a:fld>
             <a:endParaRPr lang="ko-KR" altLang="en-US"/>
           </a:p>
@@ -1411,7 +1411,7 @@
           <a:p>
             <a:fld id="{55484BE3-27E7-49EA-9085-01EC175E6EED}" type="datetimeFigureOut">
               <a:rPr lang="ko-KR" altLang="en-US" smtClean="0"/>
-              <a:t>2021-07-26</a:t>
+              <a:t>2021-07-27</a:t>
             </a:fld>
             <a:endParaRPr lang="ko-KR" altLang="en-US"/>
           </a:p>
@@ -1849,7 +1849,7 @@
           <a:p>
             <a:fld id="{55484BE3-27E7-49EA-9085-01EC175E6EED}" type="datetimeFigureOut">
               <a:rPr lang="ko-KR" altLang="en-US" smtClean="0"/>
-              <a:t>2021-07-26</a:t>
+              <a:t>2021-07-27</a:t>
             </a:fld>
             <a:endParaRPr lang="ko-KR" altLang="en-US"/>
           </a:p>
@@ -1967,7 +1967,7 @@
           <a:p>
             <a:fld id="{55484BE3-27E7-49EA-9085-01EC175E6EED}" type="datetimeFigureOut">
               <a:rPr lang="ko-KR" altLang="en-US" smtClean="0"/>
-              <a:t>2021-07-26</a:t>
+              <a:t>2021-07-27</a:t>
             </a:fld>
             <a:endParaRPr lang="ko-KR" altLang="en-US"/>
           </a:p>
@@ -2062,7 +2062,7 @@
           <a:p>
             <a:fld id="{55484BE3-27E7-49EA-9085-01EC175E6EED}" type="datetimeFigureOut">
               <a:rPr lang="ko-KR" altLang="en-US" smtClean="0"/>
-              <a:t>2021-07-26</a:t>
+              <a:t>2021-07-27</a:t>
             </a:fld>
             <a:endParaRPr lang="ko-KR" altLang="en-US"/>
           </a:p>
@@ -2418,7 +2418,7 @@
           <a:p>
             <a:fld id="{55484BE3-27E7-49EA-9085-01EC175E6EED}" type="datetimeFigureOut">
               <a:rPr lang="ko-KR" altLang="en-US" smtClean="0"/>
-              <a:t>2021-07-26</a:t>
+              <a:t>2021-07-27</a:t>
             </a:fld>
             <a:endParaRPr lang="ko-KR" altLang="en-US"/>
           </a:p>
@@ -2734,7 +2734,7 @@
           <a:p>
             <a:fld id="{55484BE3-27E7-49EA-9085-01EC175E6EED}" type="datetimeFigureOut">
               <a:rPr lang="ko-KR" altLang="en-US" smtClean="0"/>
-              <a:t>2021-07-26</a:t>
+              <a:t>2021-07-27</a:t>
             </a:fld>
             <a:endParaRPr lang="ko-KR" altLang="en-US"/>
           </a:p>
@@ -2967,7 +2967,7 @@
           <a:p>
             <a:fld id="{55484BE3-27E7-49EA-9085-01EC175E6EED}" type="datetimeFigureOut">
               <a:rPr lang="ko-KR" altLang="en-US" smtClean="0"/>
-              <a:t>2021-07-26</a:t>
+              <a:t>2021-07-27</a:t>
             </a:fld>
             <a:endParaRPr lang="ko-KR" altLang="en-US"/>
           </a:p>
@@ -3502,10 +3502,15 @@
             <p:ph type="title"/>
           </p:nvPr>
         </p:nvSpPr>
-        <p:spPr/>
+        <p:spPr>
+          <a:xfrm>
+            <a:off x="709612" y="518844"/>
+            <a:ext cx="10772775" cy="1139353"/>
+          </a:xfrm>
+        </p:spPr>
         <p:txBody>
           <a:bodyPr>
-            <a:normAutofit/>
+            <a:normAutofit fontScale="90000"/>
           </a:bodyPr>
           <a:lstStyle/>
           <a:p>
@@ -3553,13 +3558,13 @@
         </p:nvSpPr>
         <p:spPr>
           <a:xfrm>
-            <a:off x="676274" y="2011680"/>
-            <a:ext cx="10753725" cy="3766185"/>
+            <a:off x="676274" y="1658198"/>
+            <a:ext cx="10753725" cy="4680957"/>
           </a:xfrm>
         </p:spPr>
         <p:txBody>
           <a:bodyPr>
-            <a:normAutofit lnSpcReduction="10000"/>
+            <a:normAutofit fontScale="92500" lnSpcReduction="10000"/>
           </a:bodyPr>
           <a:lstStyle/>
           <a:p>
@@ -3585,57 +3590,6 @@
               <a:buFont typeface="Arial" panose="020B0604020202020204" pitchFamily="34" charset="0"/>
               <a:buChar char="•"/>
             </a:pPr>
-            <a:r>
-              <a:rPr lang="ko-KR" altLang="en-US" dirty="0"/>
-              <a:t>플레이어 동작 구현</a:t>
-            </a:r>
-            <a:endParaRPr lang="en-US" altLang="ko-KR" dirty="0"/>
-          </a:p>
-          <a:p>
-            <a:pPr marL="4572" lvl="1" indent="0">
-              <a:buNone/>
-            </a:pPr>
-            <a:r>
-              <a:rPr lang="en-US" altLang="ko-KR" dirty="0"/>
-              <a:t>	</a:t>
-            </a:r>
-            <a:r>
-              <a:rPr lang="ko-KR" altLang="en-US" dirty="0"/>
-              <a:t>굴리기 </a:t>
-            </a:r>
-            <a:r>
-              <a:rPr lang="en-US" altLang="ko-KR" dirty="0"/>
-              <a:t>(</a:t>
-            </a:r>
-            <a:r>
-              <a:rPr lang="ko-KR" altLang="en-US" dirty="0"/>
-              <a:t>흡수 </a:t>
-            </a:r>
-            <a:r>
-              <a:rPr lang="en-US" altLang="ko-KR" dirty="0"/>
-              <a:t>or </a:t>
-            </a:r>
-            <a:r>
-              <a:rPr lang="ko-KR" altLang="en-US" dirty="0"/>
-              <a:t>충돌</a:t>
-            </a:r>
-            <a:r>
-              <a:rPr lang="en-US" altLang="ko-KR" dirty="0"/>
-              <a:t>)</a:t>
-            </a:r>
-          </a:p>
-          <a:p>
-            <a:pPr marL="4572" lvl="1" indent="0">
-              <a:buNone/>
-            </a:pPr>
-            <a:r>
-              <a:rPr lang="en-US" altLang="ko-KR" dirty="0"/>
-              <a:t>	</a:t>
-            </a:r>
-            <a:r>
-              <a:rPr lang="ko-KR" altLang="en-US" dirty="0"/>
-              <a:t>흡수</a:t>
-            </a:r>
             <a:endParaRPr lang="en-US" altLang="ko-KR" dirty="0"/>
           </a:p>
           <a:p>
@@ -3645,19 +3599,54 @@
             </a:pPr>
             <a:r>
               <a:rPr lang="ko-KR" altLang="en-US" dirty="0"/>
-              <a:t>스크롤</a:t>
-            </a:r>
-            <a:r>
-              <a:rPr lang="en-US" altLang="ko-KR" dirty="0"/>
-              <a:t>, </a:t>
-            </a:r>
-            <a:r>
-              <a:rPr lang="ko-KR" altLang="en-US" dirty="0" err="1"/>
-              <a:t>뷰포트</a:t>
+              <a:t>플레이어 동작 구현</a:t>
+            </a:r>
+            <a:endParaRPr lang="en-US" altLang="ko-KR" dirty="0"/>
+          </a:p>
+          <a:p>
+            <a:pPr marL="4572" lvl="1" indent="0">
+              <a:buNone/>
+            </a:pPr>
+            <a:r>
+              <a:rPr lang="en-US" altLang="ko-KR" dirty="0"/>
+              <a:t>	</a:t>
             </a:r>
             <a:r>
               <a:rPr lang="ko-KR" altLang="en-US" dirty="0"/>
-              <a:t> 구현</a:t>
+              <a:t>굴리기 </a:t>
+            </a:r>
+            <a:r>
+              <a:rPr lang="en-US" altLang="ko-KR" dirty="0"/>
+              <a:t>(</a:t>
+            </a:r>
+            <a:r>
+              <a:rPr lang="ko-KR" altLang="en-US" dirty="0"/>
+              <a:t>흡수 </a:t>
+            </a:r>
+            <a:r>
+              <a:rPr lang="en-US" altLang="ko-KR" dirty="0"/>
+              <a:t>or </a:t>
+            </a:r>
+            <a:r>
+              <a:rPr lang="ko-KR" altLang="en-US" dirty="0"/>
+              <a:t>충돌</a:t>
+            </a:r>
+            <a:r>
+              <a:rPr lang="en-US" altLang="ko-KR" dirty="0"/>
+              <a:t>)</a:t>
+            </a:r>
+          </a:p>
+          <a:p>
+            <a:pPr marL="4572" lvl="1" indent="0">
+              <a:buNone/>
+            </a:pPr>
+            <a:r>
+              <a:rPr lang="en-US" altLang="ko-KR" dirty="0"/>
+              <a:t>	</a:t>
+            </a:r>
+            <a:r>
+              <a:rPr lang="ko-KR" altLang="en-US" dirty="0"/>
+              <a:t>흡수</a:t>
             </a:r>
             <a:endParaRPr lang="en-US" altLang="ko-KR" dirty="0"/>
           </a:p>
@@ -3665,38 +3654,7 @@
             <a:pPr marL="4572" lvl="1" indent="0">
               <a:buNone/>
             </a:pPr>
-            <a:r>
-              <a:rPr lang="en-US" altLang="ko-KR" dirty="0"/>
-              <a:t>	</a:t>
-            </a:r>
-            <a:r>
-              <a:rPr lang="ko-KR" altLang="en-US" dirty="0"/>
-              <a:t>공의 크기 변화에 따른 시점 축소</a:t>
-            </a:r>
-            <a:r>
-              <a:rPr lang="en-US" altLang="ko-KR" dirty="0"/>
-              <a:t>, ( </a:t>
-            </a:r>
-            <a:r>
-              <a:rPr lang="ko-KR" altLang="en-US" dirty="0" err="1"/>
-              <a:t>텍스쳐의</a:t>
-            </a:r>
-            <a:r>
-              <a:rPr lang="ko-KR" altLang="en-US" dirty="0"/>
-              <a:t> </a:t>
-            </a:r>
-            <a:r>
-              <a:rPr lang="en-US" altLang="ko-KR" dirty="0"/>
-              <a:t>LOD</a:t>
-            </a:r>
-            <a:r>
-              <a:rPr lang="ko-KR" altLang="en-US" dirty="0"/>
-              <a:t> 적용</a:t>
-            </a:r>
-            <a:r>
-              <a:rPr lang="en-US" altLang="ko-KR" dirty="0"/>
-              <a:t>?)</a:t>
-            </a:r>
+            <a:endParaRPr lang="en-US" altLang="ko-KR" dirty="0"/>
           </a:p>
           <a:p>
             <a:pPr>
@@ -3704,14 +3662,84 @@
               <a:buChar char="•"/>
             </a:pPr>
             <a:r>
-              <a:rPr lang="en-US" altLang="ko-KR" dirty="0"/>
-              <a:t>?. </a:t>
+              <a:rPr lang="ko-KR" altLang="en-US" dirty="0"/>
+              <a:t>스크롤</a:t>
+            </a:r>
+            <a:r>
+              <a:rPr lang="en-US" altLang="ko-KR" dirty="0"/>
+              <a:t>, </a:t>
+            </a:r>
+            <a:r>
+              <a:rPr lang="ko-KR" altLang="en-US" dirty="0" err="1"/>
+              <a:t>뷰포트</a:t>
+            </a:r>
+            <a:r>
+              <a:rPr lang="ko-KR" altLang="en-US" dirty="0"/>
+              <a:t> 구현</a:t>
+            </a:r>
+            <a:endParaRPr lang="en-US" altLang="ko-KR" dirty="0"/>
+          </a:p>
+          <a:p>
+            <a:pPr marL="4572" lvl="1" indent="0">
+              <a:buNone/>
+            </a:pPr>
+            <a:r>
+              <a:rPr lang="en-US" altLang="ko-KR" dirty="0"/>
+              <a:t>	</a:t>
+            </a:r>
+            <a:r>
+              <a:rPr lang="ko-KR" altLang="en-US" dirty="0"/>
+              <a:t>공의 크기 변화에 따른 시점 축소</a:t>
+            </a:r>
+            <a:r>
+              <a:rPr lang="en-US" altLang="ko-KR" dirty="0"/>
+              <a:t>, ( </a:t>
+            </a:r>
+            <a:r>
+              <a:rPr lang="ko-KR" altLang="en-US" dirty="0" err="1"/>
+              <a:t>텍스쳐의</a:t>
+            </a:r>
+            <a:r>
+              <a:rPr lang="ko-KR" altLang="en-US" dirty="0"/>
+              <a:t> </a:t>
+            </a:r>
+            <a:r>
+              <a:rPr lang="en-US" altLang="ko-KR" dirty="0"/>
+              <a:t>LOD</a:t>
+            </a:r>
+            <a:r>
+              <a:rPr lang="ko-KR" altLang="en-US" dirty="0"/>
+              <a:t> 적용</a:t>
+            </a:r>
+            <a:r>
+              <a:rPr lang="en-US" altLang="ko-KR" dirty="0"/>
+              <a:t>?)</a:t>
+            </a:r>
+          </a:p>
+          <a:p>
+            <a:pPr>
+              <a:buFont typeface="Arial" panose="020B0604020202020204" pitchFamily="34" charset="0"/>
+              <a:buChar char="•"/>
+            </a:pPr>
+            <a:endParaRPr lang="en-US" altLang="ko-KR" dirty="0"/>
+          </a:p>
+          <a:p>
+            <a:pPr>
+              <a:buFont typeface="Wingdings" panose="05000000000000000000" pitchFamily="2" charset="2"/>
+              <a:buChar char="v"/>
+            </a:pPr>
+            <a:r>
+              <a:rPr lang="en-US" altLang="ko-KR" dirty="0"/>
+              <a:t> </a:t>
             </a:r>
             <a:r>
               <a:rPr lang="ko-KR" altLang="en-US" dirty="0"/>
               <a:t>적 구현</a:t>
             </a:r>
-            <a:endParaRPr lang="en-US" altLang="ko-KR" dirty="0"/>
+            <a:r>
+              <a:rPr lang="en-US" altLang="ko-KR" dirty="0"/>
+              <a:t>?</a:t>
+            </a:r>
           </a:p>
           <a:p>
             <a:pPr marL="4572" lvl="1" indent="0">
@@ -3857,12 +3885,13 @@
             <a:endParaRPr lang="en-US" altLang="ko-KR" dirty="0"/>
           </a:p>
           <a:p>
-            <a:pPr marL="0" indent="0">
-              <a:buNone/>
+            <a:pPr>
+              <a:buFont typeface="Arial" panose="020B0604020202020204" pitchFamily="34" charset="0"/>
+              <a:buChar char="•"/>
             </a:pPr>
             <a:r>
               <a:rPr lang="ko-KR" altLang="en-US" dirty="0"/>
-              <a:t>동적 월드 로딩</a:t>
+              <a:t> 동적 월드 로딩</a:t>
             </a:r>
             <a:r>
               <a:rPr lang="en-US" altLang="ko-KR" dirty="0"/>
@@ -3895,12 +3924,13 @@
             <a:endParaRPr lang="en-US" altLang="ko-KR" dirty="0"/>
           </a:p>
           <a:p>
-            <a:pPr marL="0" indent="0">
-              <a:buNone/>
+            <a:pPr>
+              <a:buFont typeface="Arial" panose="020B0604020202020204" pitchFamily="34" charset="0"/>
+              <a:buChar char="•"/>
             </a:pPr>
             <a:r>
               <a:rPr lang="ko-KR" altLang="en-US" dirty="0"/>
-              <a:t>프레임 개선을 통한 자원 확보</a:t>
+              <a:t> 프레임 개선을 통한 자원 확보</a:t>
             </a:r>
             <a:endParaRPr lang="en-US" altLang="ko-KR" dirty="0"/>
           </a:p>
@@ -3911,12 +3941,13 @@
             <a:endParaRPr lang="en-US" altLang="ko-KR" dirty="0"/>
           </a:p>
           <a:p>
-            <a:pPr marL="0" indent="0">
-              <a:buNone/>
+            <a:pPr>
+              <a:buFont typeface="Arial" panose="020B0604020202020204" pitchFamily="34" charset="0"/>
+              <a:buChar char="•"/>
             </a:pPr>
             <a:r>
               <a:rPr lang="ko-KR" altLang="en-US" dirty="0"/>
-              <a:t>음악</a:t>
+              <a:t> 음악</a:t>
             </a:r>
             <a:r>
               <a:rPr lang="en-US" altLang="ko-KR" dirty="0"/>
@@ -3924,7 +3955,15 @@
             </a:r>
             <a:r>
               <a:rPr lang="ko-KR" altLang="en-US" dirty="0"/>
-              <a:t>스프라이트의 생산성 확보</a:t>
+              <a:t>스프라이트</a:t>
+            </a:r>
+            <a:r>
+              <a:rPr lang="en-US" altLang="ko-KR" dirty="0"/>
+              <a:t>, </a:t>
+            </a:r>
+            <a:r>
+              <a:rPr lang="ko-KR" altLang="en-US" dirty="0"/>
+              <a:t>맵 제작의 생산성 확보</a:t>
             </a:r>
             <a:endParaRPr lang="en-US" altLang="ko-KR" dirty="0"/>
           </a:p>
@@ -3935,18 +3974,18 @@
             <a:endParaRPr lang="en-US" altLang="ko-KR" dirty="0"/>
           </a:p>
           <a:p>
-            <a:pPr marL="0" indent="0">
-              <a:buNone/>
+            <a:pPr>
+              <a:buFont typeface="Wingdings" panose="05000000000000000000" pitchFamily="2" charset="2"/>
+              <a:buChar char="v"/>
             </a:pPr>
             <a:r>
-              <a:rPr lang="en-US" altLang="ko-KR" dirty="0"/>
-              <a:t>?. </a:t>
-            </a:r>
-            <a:r>
               <a:rPr lang="ko-KR" altLang="en-US" dirty="0"/>
-              <a:t>멀티 플레이어</a:t>
-            </a:r>
-            <a:endParaRPr lang="en-US" altLang="ko-KR" dirty="0"/>
+              <a:t> 멀티 플레이</a:t>
+            </a:r>
+            <a:r>
+              <a:rPr lang="en-US" altLang="ko-KR" dirty="0"/>
+              <a:t>?</a:t>
+            </a:r>
           </a:p>
         </p:txBody>
       </p:sp>
@@ -4227,14 +4266,14 @@
           <p:nvPr>
             <p:extLst>
               <p:ext uri="{D42A27DB-BD31-4B8C-83A1-F6EECF244321}">
-                <p14:modId xmlns:p14="http://schemas.microsoft.com/office/powerpoint/2010/main" val="1812016966"/>
+                <p14:modId xmlns:p14="http://schemas.microsoft.com/office/powerpoint/2010/main" val="1131672226"/>
               </p:ext>
             </p:extLst>
           </p:nvPr>
         </p:nvGraphicFramePr>
         <p:xfrm>
           <a:off x="452063" y="553906"/>
-          <a:ext cx="11558417" cy="3108555"/>
+          <a:ext cx="11558417" cy="2928223"/>
         </p:xfrm>
         <a:graphic>
           <a:graphicData uri="http://schemas.openxmlformats.org/drawingml/2006/table">
@@ -4674,7 +4713,7 @@
                   </a:txBody>
                   <a:tcPr anchor="ctr"/>
                 </a:tc>
-                <a:tc>
+                <a:tc gridSpan="3">
                   <a:txBody>
                     <a:bodyPr/>
                     <a:lstStyle/>
@@ -4682,13 +4721,22 @@
                       <a:pPr algn="ctr" latinLnBrk="1"/>
                       <a:r>
                         <a:rPr lang="ko-KR" altLang="en-US" dirty="0"/>
-                        <a:t>적</a:t>
+                        <a:t>컨텐츠 추가</a:t>
                       </a:r>
+                      <a:r>
+                        <a:rPr lang="en-US" altLang="ko-KR" dirty="0"/>
+                        <a:t>, </a:t>
+                      </a:r>
+                      <a:r>
+                        <a:rPr lang="ko-KR" altLang="en-US" dirty="0"/>
+                        <a:t>기획</a:t>
+                      </a:r>
+                      <a:endParaRPr lang="en-US" altLang="ko-KR" dirty="0"/>
                     </a:p>
                   </a:txBody>
                   <a:tcPr anchor="ctr"/>
                 </a:tc>
-                <a:tc>
+                <a:tc hMerge="1">
                   <a:txBody>
                     <a:bodyPr/>
                     <a:lstStyle/>
@@ -4710,7 +4758,7 @@
                   </a:txBody>
                   <a:tcPr anchor="ctr"/>
                 </a:tc>
-                <a:tc>
+                <a:tc hMerge="1">
                   <a:txBody>
                     <a:bodyPr/>
                     <a:lstStyle/>
@@ -4739,7 +4787,7 @@
                     <a:p>
                       <a:pPr algn="ctr" latinLnBrk="1"/>
                       <a:r>
-                        <a:rPr lang="ko-KR" altLang="en-US" dirty="0"/>
+                        <a:rPr lang="ko-KR" altLang="en-US" sz="1200" dirty="0"/>
                         <a:t>맵</a:t>
                       </a:r>
                     </a:p>
@@ -4764,10 +4812,10 @@
                     <a:p>
                       <a:pPr algn="ctr" latinLnBrk="1"/>
                       <a:r>
-                        <a:rPr lang="ko-KR" altLang="en-US" dirty="0"/>
+                        <a:rPr lang="ko-KR" altLang="en-US" sz="1200" dirty="0"/>
                         <a:t>캐릭터</a:t>
                       </a:r>
-                      <a:endParaRPr lang="en-US" altLang="ko-KR" dirty="0"/>
+                      <a:endParaRPr lang="en-US" altLang="ko-KR" sz="1200" dirty="0"/>
                     </a:p>
                   </a:txBody>
                   <a:tcPr anchor="ctr"/>
@@ -4779,7 +4827,7 @@
                     <a:p>
                       <a:pPr algn="ctr" latinLnBrk="1"/>
                       <a:r>
-                        <a:rPr lang="ko-KR" altLang="en-US" dirty="0"/>
+                        <a:rPr lang="ko-KR" altLang="en-US" sz="1200" dirty="0"/>
                         <a:t>오브젝트</a:t>
                       </a:r>
                     </a:p>
@@ -4793,15 +4841,15 @@
                     <a:p>
                       <a:pPr algn="ctr" latinLnBrk="1"/>
                       <a:r>
-                        <a:rPr lang="ko-KR" altLang="en-US" dirty="0"/>
+                        <a:rPr lang="ko-KR" altLang="en-US" sz="1200" dirty="0"/>
                         <a:t>충돌</a:t>
                       </a:r>
-                      <a:endParaRPr lang="en-US" altLang="ko-KR" dirty="0"/>
+                      <a:endParaRPr lang="en-US" altLang="ko-KR" sz="1200" dirty="0"/>
                     </a:p>
                     <a:p>
                       <a:pPr algn="ctr" latinLnBrk="1"/>
                       <a:r>
-                        <a:rPr lang="ko-KR" altLang="en-US" dirty="0"/>
+                        <a:rPr lang="ko-KR" altLang="en-US" sz="1200" dirty="0"/>
                         <a:t> 구현</a:t>
                       </a:r>
                     </a:p>
@@ -4815,15 +4863,15 @@
                     <a:p>
                       <a:pPr algn="ctr" latinLnBrk="1"/>
                       <a:r>
-                        <a:rPr lang="ko-KR" altLang="en-US" dirty="0"/>
+                        <a:rPr lang="ko-KR" altLang="en-US" sz="1200" dirty="0"/>
                         <a:t>게임 룰</a:t>
                       </a:r>
-                      <a:endParaRPr lang="en-US" altLang="ko-KR" dirty="0"/>
+                      <a:endParaRPr lang="en-US" altLang="ko-KR" sz="1200" dirty="0"/>
                     </a:p>
                     <a:p>
                       <a:pPr algn="ctr" latinLnBrk="1"/>
                       <a:r>
-                        <a:rPr lang="ko-KR" altLang="en-US" dirty="0"/>
+                        <a:rPr lang="ko-KR" altLang="en-US" sz="1200" dirty="0"/>
                         <a:t> 구현</a:t>
                       </a:r>
                     </a:p>
@@ -4837,10 +4885,10 @@
                     <a:p>
                       <a:pPr algn="ctr" latinLnBrk="1"/>
                       <a:r>
-                        <a:rPr lang="en-US" altLang="ko-KR" dirty="0"/>
+                        <a:rPr lang="en-US" altLang="ko-KR" sz="1200" dirty="0"/>
                         <a:t>UI</a:t>
                       </a:r>
-                      <a:endParaRPr lang="ko-KR" altLang="en-US" dirty="0"/>
+                      <a:endParaRPr lang="ko-KR" altLang="en-US" sz="1200" dirty="0"/>
                     </a:p>
                   </a:txBody>
                   <a:tcPr anchor="ctr"/>
@@ -4852,7 +4900,7 @@
                     <a:p>
                       <a:pPr algn="ctr" latinLnBrk="1"/>
                       <a:r>
-                        <a:rPr lang="ko-KR" altLang="en-US" dirty="0"/>
+                        <a:rPr lang="ko-KR" altLang="en-US" sz="1200" dirty="0"/>
                         <a:t>사운드</a:t>
                       </a:r>
                     </a:p>
@@ -4866,7 +4914,7 @@
                     <a:p>
                       <a:pPr algn="ctr" latinLnBrk="1"/>
                       <a:r>
-                        <a:rPr lang="ko-KR" altLang="en-US" dirty="0"/>
+                        <a:rPr lang="ko-KR" altLang="en-US" sz="1200" dirty="0"/>
                         <a:t>스프라이트</a:t>
                       </a:r>
                     </a:p>
@@ -4880,7 +4928,7 @@
                     <a:p>
                       <a:pPr algn="ctr" latinLnBrk="1"/>
                       <a:r>
-                        <a:rPr lang="ko-KR" altLang="en-US" dirty="0"/>
+                        <a:rPr lang="ko-KR" altLang="en-US" sz="1200" dirty="0"/>
                         <a:t>맵</a:t>
                       </a:r>
                     </a:p>
@@ -4893,7 +4941,10 @@
                     <a:lstStyle/>
                     <a:p>
                       <a:pPr algn="ctr" latinLnBrk="1"/>
-                      <a:endParaRPr lang="ko-KR" altLang="en-US" dirty="0"/>
+                      <a:r>
+                        <a:rPr lang="ko-KR" altLang="en-US" sz="1200" dirty="0"/>
+                        <a:t>적</a:t>
+                      </a:r>
                     </a:p>
                   </a:txBody>
                   <a:tcPr anchor="ctr"/>
@@ -4904,7 +4955,21 @@
                     <a:lstStyle/>
                     <a:p>
                       <a:pPr algn="ctr" latinLnBrk="1"/>
-                      <a:endParaRPr lang="ko-KR" altLang="en-US" dirty="0"/>
+                      <a:r>
+                        <a:rPr lang="ko-KR" altLang="en-US" sz="1200" dirty="0"/>
+                        <a:t>메뉴</a:t>
+                      </a:r>
+                      <a:r>
+                        <a:rPr lang="en-US" altLang="ko-KR" sz="1200" dirty="0"/>
+                        <a:t>, </a:t>
+                      </a:r>
+                    </a:p>
+                    <a:p>
+                      <a:pPr algn="ctr" latinLnBrk="1"/>
+                      <a:r>
+                        <a:rPr lang="ko-KR" altLang="en-US" sz="1200" dirty="0"/>
+                        <a:t>스토리</a:t>
+                      </a:r>
                     </a:p>
                   </a:txBody>
                   <a:tcPr anchor="ctr"/>
@@ -4915,7 +4980,10 @@
                     <a:lstStyle/>
                     <a:p>
                       <a:pPr algn="ctr" latinLnBrk="1"/>
-                      <a:endParaRPr lang="ko-KR" altLang="en-US" dirty="0"/>
+                      <a:r>
+                        <a:rPr lang="ko-KR" altLang="en-US" sz="1200" dirty="0"/>
+                        <a:t>게임 제작</a:t>
+                      </a:r>
                     </a:p>
                   </a:txBody>
                   <a:tcPr anchor="ctr"/>
@@ -4934,7 +5002,7 @@
                     <a:p>
                       <a:pPr algn="ctr" latinLnBrk="1"/>
                       <a:r>
-                        <a:rPr lang="ko-KR" altLang="en-US" dirty="0"/>
+                        <a:rPr lang="ko-KR" altLang="en-US" sz="1200" dirty="0"/>
                         <a:t>인터페이스</a:t>
                       </a:r>
                     </a:p>
@@ -4948,7 +5016,7 @@
                     <a:p>
                       <a:pPr algn="ctr" latinLnBrk="1"/>
                       <a:r>
-                        <a:rPr lang="ko-KR" altLang="en-US" dirty="0"/>
+                        <a:rPr lang="ko-KR" altLang="en-US" sz="1200" dirty="0"/>
                         <a:t>구현</a:t>
                       </a:r>
                     </a:p>
@@ -4962,32 +5030,21 @@
                     <a:p>
                       <a:pPr algn="ctr" latinLnBrk="1"/>
                       <a:r>
-                        <a:rPr lang="ko-KR" altLang="en-US" dirty="0"/>
+                        <a:rPr lang="ko-KR" altLang="en-US" sz="1200" dirty="0"/>
                         <a:t>구르기</a:t>
                       </a:r>
                       <a:r>
-                        <a:rPr lang="en-US" altLang="ko-KR" dirty="0"/>
+                        <a:rPr lang="en-US" altLang="ko-KR" sz="1200" dirty="0"/>
                         <a:t>,</a:t>
                       </a:r>
                     </a:p>
                     <a:p>
                       <a:pPr algn="ctr" latinLnBrk="1"/>
                       <a:r>
-                        <a:rPr lang="ko-KR" altLang="en-US" dirty="0"/>
+                        <a:rPr lang="ko-KR" altLang="en-US" sz="1200" dirty="0"/>
                         <a:t>방향전환</a:t>
                       </a:r>
-                      <a:endParaRPr lang="en-US" altLang="ko-KR" dirty="0"/>
-                    </a:p>
-                  </a:txBody>
-                  <a:tcPr anchor="ctr"/>
-                </a:tc>
-                <a:tc>
-                  <a:txBody>
-                    <a:bodyPr/>
-                    <a:lstStyle/>
-                    <a:p>
-                      <a:pPr algn="ctr" latinLnBrk="1"/>
-                      <a:endParaRPr lang="ko-KR" altLang="en-US" dirty="0"/>
+                      <a:endParaRPr lang="en-US" altLang="ko-KR" sz="1200" dirty="0"/>
                     </a:p>
                   </a:txBody>
                   <a:tcPr anchor="ctr"/>
@@ -4999,18 +5056,44 @@
                     <a:p>
                       <a:pPr algn="ctr" latinLnBrk="1"/>
                       <a:r>
-                        <a:rPr lang="ko-KR" altLang="en-US" dirty="0"/>
+                        <a:rPr lang="ko-KR" altLang="en-US" sz="1200" dirty="0"/>
+                        <a:t>종류는 </a:t>
+                      </a:r>
+                      <a:endParaRPr lang="en-US" altLang="ko-KR" sz="1200" dirty="0"/>
+                    </a:p>
+                    <a:p>
+                      <a:pPr algn="ctr" latinLnBrk="1"/>
+                      <a:r>
+                        <a:rPr lang="en-US" altLang="ko-KR" sz="1200" dirty="0"/>
+                        <a:t>12, 13</a:t>
+                      </a:r>
+                      <a:r>
+                        <a:rPr lang="ko-KR" altLang="en-US" sz="1200" dirty="0"/>
+                        <a:t>일</a:t>
+                      </a:r>
+                    </a:p>
+                  </a:txBody>
+                  <a:tcPr anchor="ctr"/>
+                </a:tc>
+                <a:tc>
+                  <a:txBody>
+                    <a:bodyPr/>
+                    <a:lstStyle/>
+                    <a:p>
+                      <a:pPr algn="ctr" latinLnBrk="1"/>
+                      <a:r>
+                        <a:rPr lang="ko-KR" altLang="en-US" sz="1200" dirty="0"/>
                         <a:t>병합</a:t>
                       </a:r>
                       <a:r>
-                        <a:rPr lang="en-US" altLang="ko-KR" dirty="0"/>
+                        <a:rPr lang="en-US" altLang="ko-KR" sz="1200" dirty="0"/>
                         <a:t>,</a:t>
                       </a:r>
                     </a:p>
                     <a:p>
                       <a:pPr algn="ctr" latinLnBrk="1"/>
                       <a:r>
-                        <a:rPr lang="ko-KR" altLang="en-US" dirty="0"/>
+                        <a:rPr lang="ko-KR" altLang="en-US" sz="1200" dirty="0"/>
                         <a:t>파손</a:t>
                       </a:r>
                     </a:p>
@@ -5024,15 +5107,15 @@
                     <a:p>
                       <a:pPr algn="ctr" latinLnBrk="1"/>
                       <a:r>
-                        <a:rPr lang="ko-KR" altLang="en-US" dirty="0"/>
+                        <a:rPr lang="ko-KR" altLang="en-US" sz="1200" dirty="0"/>
                         <a:t>승리 조건</a:t>
                       </a:r>
                       <a:r>
-                        <a:rPr lang="en-US" altLang="ko-KR" dirty="0"/>
+                        <a:rPr lang="en-US" altLang="ko-KR" sz="1200" dirty="0"/>
                         <a:t>, </a:t>
                       </a:r>
                       <a:r>
-                        <a:rPr lang="ko-KR" altLang="en-US" dirty="0"/>
+                        <a:rPr lang="ko-KR" altLang="en-US" sz="1200" dirty="0"/>
                         <a:t>타이머</a:t>
                       </a:r>
                     </a:p>
@@ -5062,26 +5145,26 @@
                         <a:defRPr/>
                       </a:pPr>
                       <a:r>
-                        <a:rPr lang="ko-KR" altLang="en-US" dirty="0"/>
+                        <a:rPr lang="ko-KR" altLang="en-US" sz="1200" dirty="0"/>
                         <a:t>오프셋</a:t>
                       </a:r>
                       <a:r>
-                        <a:rPr lang="en-US" altLang="ko-KR" dirty="0"/>
+                        <a:rPr lang="en-US" altLang="ko-KR" sz="1200" dirty="0"/>
                         <a:t>, </a:t>
                       </a:r>
                       <a:r>
-                        <a:rPr lang="ko-KR" altLang="en-US" dirty="0"/>
+                        <a:rPr lang="ko-KR" altLang="en-US" sz="1200" dirty="0"/>
                         <a:t>스트라이드</a:t>
                       </a:r>
                       <a:r>
-                        <a:rPr lang="en-US" altLang="ko-KR" dirty="0"/>
+                        <a:rPr lang="en-US" altLang="ko-KR" sz="1200" dirty="0"/>
                         <a:t>, </a:t>
                       </a:r>
                       <a:r>
-                        <a:rPr lang="ko-KR" altLang="en-US" dirty="0"/>
+                        <a:rPr lang="ko-KR" altLang="en-US" sz="1200" dirty="0"/>
                         <a:t>로케이션</a:t>
                       </a:r>
-                      <a:endParaRPr lang="en-US" altLang="ko-KR" dirty="0"/>
+                      <a:endParaRPr lang="en-US" altLang="ko-KR" sz="1200" dirty="0"/>
                     </a:p>
                     <a:p>
                       <a:pPr marL="0" marR="0" lvl="0" indent="0" algn="ctr" defTabSz="914400" rtl="0" eaLnBrk="1" fontAlgn="auto" latinLnBrk="1" hangingPunct="1">
@@ -5102,7 +5185,7 @@
                         <a:defRPr/>
                       </a:pPr>
                       <a:r>
-                        <a:rPr lang="ko-KR" altLang="en-US" dirty="0"/>
+                        <a:rPr lang="ko-KR" altLang="en-US" sz="1200" dirty="0"/>
                         <a:t> 지정 툴</a:t>
                       </a:r>
                     </a:p>
@@ -5169,22 +5252,22 @@
                     <a:p>
                       <a:pPr algn="ctr" latinLnBrk="1"/>
                       <a:r>
-                        <a:rPr lang="ko-KR" altLang="en-US" dirty="0"/>
+                        <a:rPr lang="ko-KR" altLang="en-US" sz="1200" dirty="0"/>
                         <a:t>멀티</a:t>
                       </a:r>
-                      <a:endParaRPr lang="en-US" altLang="ko-KR" dirty="0"/>
+                      <a:endParaRPr lang="en-US" altLang="ko-KR" sz="1200" dirty="0"/>
                     </a:p>
                     <a:p>
                       <a:pPr algn="ctr" latinLnBrk="1"/>
                       <a:r>
-                        <a:rPr lang="ko-KR" altLang="en-US" dirty="0"/>
-                        <a:t>플레이이</a:t>
+                        <a:rPr lang="ko-KR" altLang="en-US" sz="1200" dirty="0"/>
+                        <a:t>플레이</a:t>
                       </a:r>
                       <a:r>
-                        <a:rPr lang="en-US" altLang="ko-KR" dirty="0"/>
+                        <a:rPr lang="en-US" altLang="ko-KR" sz="1200" dirty="0"/>
                         <a:t>?</a:t>
                       </a:r>
-                      <a:endParaRPr lang="ko-KR" altLang="en-US" dirty="0"/>
+                      <a:endParaRPr lang="ko-KR" altLang="en-US" sz="1200" dirty="0"/>
                     </a:p>
                   </a:txBody>
                   <a:tcPr anchor="ctr"/>
@@ -5195,7 +5278,7 @@
                     <a:lstStyle/>
                     <a:p>
                       <a:pPr algn="ctr" latinLnBrk="1"/>
-                      <a:endParaRPr lang="ko-KR" altLang="en-US" dirty="0"/>
+                      <a:endParaRPr lang="ko-KR" altLang="en-US" sz="1200" dirty="0"/>
                     </a:p>
                   </a:txBody>
                   <a:tcPr anchor="ctr"/>
@@ -5206,7 +5289,23 @@
                     <a:lstStyle/>
                     <a:p>
                       <a:pPr algn="ctr" latinLnBrk="1"/>
-                      <a:endParaRPr lang="ko-KR" altLang="en-US" dirty="0"/>
+                      <a:r>
+                        <a:rPr lang="ko-KR" altLang="en-US" sz="1200" dirty="0"/>
+                        <a:t>특수</a:t>
+                      </a:r>
+                      <a:endParaRPr lang="en-US" altLang="ko-KR" sz="1200" dirty="0"/>
+                    </a:p>
+                    <a:p>
+                      <a:pPr algn="ctr" latinLnBrk="1"/>
+                      <a:r>
+                        <a:rPr lang="ko-KR" altLang="en-US" sz="1200" dirty="0"/>
+                        <a:t> 오브젝트</a:t>
+                      </a:r>
+                      <a:r>
+                        <a:rPr lang="en-US" altLang="ko-KR" sz="1200" dirty="0"/>
+                        <a:t>?</a:t>
+                      </a:r>
+                      <a:endParaRPr lang="ko-KR" altLang="en-US" sz="1200" dirty="0"/>
                     </a:p>
                   </a:txBody>
                   <a:tcPr anchor="ctr"/>
@@ -5281,7 +5380,7 @@
             <a:pPr algn="ctr"/>
             <a:r>
               <a:rPr lang="ko-KR" altLang="en-US" dirty="0"/>
-              <a:t>처음부터 완벽히 만드는 바텀업 보다는 </a:t>
+              <a:t>처음부터 완벽하게 만드는 바텀업 보다는 </a:t>
             </a:r>
             <a:endParaRPr lang="en-US" altLang="ko-KR" dirty="0"/>
           </a:p>
@@ -5297,7 +5396,7 @@
             <a:pPr algn="ctr"/>
             <a:r>
               <a:rPr lang="ko-KR" altLang="en-US" dirty="0"/>
-              <a:t>탑다운 방식이 재미있고 생산적</a:t>
+              <a:t>탑다운 방식이 생산적</a:t>
             </a:r>
           </a:p>
         </p:txBody>
@@ -7407,7 +7506,9 @@
         </p:nvSpPr>
         <p:spPr/>
         <p:txBody>
-          <a:bodyPr/>
+          <a:bodyPr>
+            <a:normAutofit fontScale="92500" lnSpcReduction="10000"/>
+          </a:bodyPr>
           <a:lstStyle/>
           <a:p>
             <a:pPr marL="0" indent="0">
@@ -7426,7 +7527,7 @@
               <a:buNone/>
             </a:pPr>
             <a:r>
-              <a:rPr lang="ko-KR" altLang="en-US" dirty="0" err="1"/>
+              <a:rPr lang="ko-KR" altLang="en-US" dirty="0"/>
               <a:t>괴혼</a:t>
             </a:r>
             <a:endParaRPr lang="en-US" altLang="ko-KR" dirty="0"/>
@@ -7456,6 +7557,17 @@
               <a:rPr lang="ko-KR" altLang="en-US" dirty="0"/>
               <a:t>초반에는 지형이었던 물체들을 흡수 가능</a:t>
             </a:r>
+            <a:endParaRPr lang="en-US" altLang="ko-KR" dirty="0"/>
+          </a:p>
+          <a:p>
+            <a:endParaRPr lang="en-US" altLang="ko-KR" dirty="0"/>
+          </a:p>
+          <a:p>
+            <a:r>
+              <a:rPr lang="ko-KR" altLang="en-US" dirty="0"/>
+              <a:t>모바일에 이식된 쿼터 뷰 버전을 구현</a:t>
+            </a:r>
+            <a:endParaRPr lang="en-US" altLang="ko-KR" dirty="0"/>
           </a:p>
         </p:txBody>
       </p:sp>
@@ -8178,7 +8290,7 @@
             </a:r>
             <a:r>
               <a:rPr lang="ko-KR" altLang="en-US" dirty="0"/>
-              <a:t>우주왕이 왕자에게 별을 만들어서 왕자임을 증명하길 요구한다</a:t>
+              <a:t>우주왕이 왕자에게 별을 만들어서 스스로를 증명하길 요구한다</a:t>
             </a:r>
             <a:r>
               <a:rPr lang="en-US" altLang="ko-KR" dirty="0"/>
@@ -8529,8 +8641,8 @@
         </p:blipFill>
         <p:spPr>
           <a:xfrm>
-            <a:off x="7784601" y="1328632"/>
-            <a:ext cx="3445053" cy="1938844"/>
+            <a:off x="6459234" y="927308"/>
+            <a:ext cx="4873161" cy="2742570"/>
           </a:xfrm>
           <a:prstGeom prst="rect">
             <a:avLst/>

--- a/RollBall/roll_ball.pptx
+++ b/RollBall/roll_ball.pptx
@@ -21,6 +21,7 @@
     <p:sldId id="261" r:id="rId15"/>
     <p:sldId id="270" r:id="rId16"/>
     <p:sldId id="275" r:id="rId17"/>
+    <p:sldId id="276" r:id="rId18"/>
   </p:sldIdLst>
   <p:sldSz cx="12192000" cy="6858000"/>
   <p:notesSz cx="6858000" cy="9144000"/>
@@ -327,7 +328,7 @@
           <a:p>
             <a:fld id="{55484BE3-27E7-49EA-9085-01EC175E6EED}" type="datetimeFigureOut">
               <a:rPr lang="ko-KR" altLang="en-US" smtClean="0"/>
-              <a:t>2021-07-27</a:t>
+              <a:t>2021-08-04</a:t>
             </a:fld>
             <a:endParaRPr lang="ko-KR" altLang="en-US"/>
           </a:p>
@@ -517,7 +518,7 @@
           <a:p>
             <a:fld id="{55484BE3-27E7-49EA-9085-01EC175E6EED}" type="datetimeFigureOut">
               <a:rPr lang="ko-KR" altLang="en-US" smtClean="0"/>
-              <a:t>2021-07-27</a:t>
+              <a:t>2021-08-04</a:t>
             </a:fld>
             <a:endParaRPr lang="ko-KR" altLang="en-US"/>
           </a:p>
@@ -697,7 +698,7 @@
           <a:p>
             <a:fld id="{55484BE3-27E7-49EA-9085-01EC175E6EED}" type="datetimeFigureOut">
               <a:rPr lang="ko-KR" altLang="en-US" smtClean="0"/>
-              <a:t>2021-07-27</a:t>
+              <a:t>2021-08-04</a:t>
             </a:fld>
             <a:endParaRPr lang="ko-KR" altLang="en-US"/>
           </a:p>
@@ -867,7 +868,7 @@
           <a:p>
             <a:fld id="{55484BE3-27E7-49EA-9085-01EC175E6EED}" type="datetimeFigureOut">
               <a:rPr lang="ko-KR" altLang="en-US" smtClean="0"/>
-              <a:t>2021-07-27</a:t>
+              <a:t>2021-08-04</a:t>
             </a:fld>
             <a:endParaRPr lang="ko-KR" altLang="en-US"/>
           </a:p>
@@ -1123,7 +1124,7 @@
           <a:p>
             <a:fld id="{55484BE3-27E7-49EA-9085-01EC175E6EED}" type="datetimeFigureOut">
               <a:rPr lang="ko-KR" altLang="en-US" smtClean="0"/>
-              <a:t>2021-07-27</a:t>
+              <a:t>2021-08-04</a:t>
             </a:fld>
             <a:endParaRPr lang="ko-KR" altLang="en-US"/>
           </a:p>
@@ -1411,7 +1412,7 @@
           <a:p>
             <a:fld id="{55484BE3-27E7-49EA-9085-01EC175E6EED}" type="datetimeFigureOut">
               <a:rPr lang="ko-KR" altLang="en-US" smtClean="0"/>
-              <a:t>2021-07-27</a:t>
+              <a:t>2021-08-04</a:t>
             </a:fld>
             <a:endParaRPr lang="ko-KR" altLang="en-US"/>
           </a:p>
@@ -1849,7 +1850,7 @@
           <a:p>
             <a:fld id="{55484BE3-27E7-49EA-9085-01EC175E6EED}" type="datetimeFigureOut">
               <a:rPr lang="ko-KR" altLang="en-US" smtClean="0"/>
-              <a:t>2021-07-27</a:t>
+              <a:t>2021-08-04</a:t>
             </a:fld>
             <a:endParaRPr lang="ko-KR" altLang="en-US"/>
           </a:p>
@@ -1967,7 +1968,7 @@
           <a:p>
             <a:fld id="{55484BE3-27E7-49EA-9085-01EC175E6EED}" type="datetimeFigureOut">
               <a:rPr lang="ko-KR" altLang="en-US" smtClean="0"/>
-              <a:t>2021-07-27</a:t>
+              <a:t>2021-08-04</a:t>
             </a:fld>
             <a:endParaRPr lang="ko-KR" altLang="en-US"/>
           </a:p>
@@ -2062,7 +2063,7 @@
           <a:p>
             <a:fld id="{55484BE3-27E7-49EA-9085-01EC175E6EED}" type="datetimeFigureOut">
               <a:rPr lang="ko-KR" altLang="en-US" smtClean="0"/>
-              <a:t>2021-07-27</a:t>
+              <a:t>2021-08-04</a:t>
             </a:fld>
             <a:endParaRPr lang="ko-KR" altLang="en-US"/>
           </a:p>
@@ -2418,7 +2419,7 @@
           <a:p>
             <a:fld id="{55484BE3-27E7-49EA-9085-01EC175E6EED}" type="datetimeFigureOut">
               <a:rPr lang="ko-KR" altLang="en-US" smtClean="0"/>
-              <a:t>2021-07-27</a:t>
+              <a:t>2021-08-04</a:t>
             </a:fld>
             <a:endParaRPr lang="ko-KR" altLang="en-US"/>
           </a:p>
@@ -2734,7 +2735,7 @@
           <a:p>
             <a:fld id="{55484BE3-27E7-49EA-9085-01EC175E6EED}" type="datetimeFigureOut">
               <a:rPr lang="ko-KR" altLang="en-US" smtClean="0"/>
-              <a:t>2021-07-27</a:t>
+              <a:t>2021-08-04</a:t>
             </a:fld>
             <a:endParaRPr lang="ko-KR" altLang="en-US"/>
           </a:p>
@@ -2967,7 +2968,7 @@
           <a:p>
             <a:fld id="{55484BE3-27E7-49EA-9085-01EC175E6EED}" type="datetimeFigureOut">
               <a:rPr lang="ko-KR" altLang="en-US" smtClean="0"/>
-              <a:t>2021-07-27</a:t>
+              <a:t>2021-08-04</a:t>
             </a:fld>
             <a:endParaRPr lang="ko-KR" altLang="en-US"/>
           </a:p>
@@ -7137,6 +7138,340 @@
 </p:sld>
 </file>
 
+<file path=ppt/slides/slide17.xml><?xml version="1.0" encoding="utf-8"?>
+<p:sld xmlns:a="http://schemas.openxmlformats.org/drawingml/2006/main" xmlns:r="http://schemas.openxmlformats.org/officeDocument/2006/relationships" xmlns:p="http://schemas.openxmlformats.org/presentationml/2006/main">
+  <p:cSld>
+    <p:spTree>
+      <p:nvGrpSpPr>
+        <p:cNvPr id="1" name=""/>
+        <p:cNvGrpSpPr/>
+        <p:nvPr/>
+      </p:nvGrpSpPr>
+      <p:grpSpPr>
+        <a:xfrm>
+          <a:off x="0" y="0"/>
+          <a:ext cx="0" cy="0"/>
+          <a:chOff x="0" y="0"/>
+          <a:chExt cx="0" cy="0"/>
+        </a:xfrm>
+      </p:grpSpPr>
+      <p:sp>
+        <p:nvSpPr>
+          <p:cNvPr id="4" name="직사각형 3">
+            <a:extLst>
+              <a:ext uri="{FF2B5EF4-FFF2-40B4-BE49-F238E27FC236}">
+                <a16:creationId xmlns:a16="http://schemas.microsoft.com/office/drawing/2014/main" id="{FD0CC5A6-D7F5-4308-A1AD-4994B8F1AB59}"/>
+              </a:ext>
+            </a:extLst>
+          </p:cNvPr>
+          <p:cNvSpPr/>
+          <p:nvPr/>
+        </p:nvSpPr>
+        <p:spPr>
+          <a:xfrm>
+            <a:off x="3829050" y="2011680"/>
+            <a:ext cx="1977390" cy="822960"/>
+          </a:xfrm>
+          <a:prstGeom prst="rect">
+            <a:avLst/>
+          </a:prstGeom>
+        </p:spPr>
+        <p:style>
+          <a:lnRef idx="2">
+            <a:schemeClr val="dk1">
+              <a:shade val="50000"/>
+            </a:schemeClr>
+          </a:lnRef>
+          <a:fillRef idx="1">
+            <a:schemeClr val="dk1"/>
+          </a:fillRef>
+          <a:effectRef idx="0">
+            <a:schemeClr val="dk1"/>
+          </a:effectRef>
+          <a:fontRef idx="minor">
+            <a:schemeClr val="lt1"/>
+          </a:fontRef>
+        </p:style>
+        <p:txBody>
+          <a:bodyPr rtlCol="0" anchor="ctr"/>
+          <a:lstStyle/>
+          <a:p>
+            <a:pPr algn="ctr"/>
+            <a:r>
+              <a:rPr lang="ko-KR" altLang="en-US" dirty="0"/>
+              <a:t>슈퍼</a:t>
+            </a:r>
+          </a:p>
+        </p:txBody>
+      </p:sp>
+      <p:sp>
+        <p:nvSpPr>
+          <p:cNvPr id="5" name="직사각형 4">
+            <a:extLst>
+              <a:ext uri="{FF2B5EF4-FFF2-40B4-BE49-F238E27FC236}">
+                <a16:creationId xmlns:a16="http://schemas.microsoft.com/office/drawing/2014/main" id="{45CA377C-5F6D-4F23-9B95-F6AF925CCC90}"/>
+              </a:ext>
+            </a:extLst>
+          </p:cNvPr>
+          <p:cNvSpPr/>
+          <p:nvPr/>
+        </p:nvSpPr>
+        <p:spPr>
+          <a:xfrm>
+            <a:off x="6244590" y="2011680"/>
+            <a:ext cx="1977390" cy="822960"/>
+          </a:xfrm>
+          <a:prstGeom prst="rect">
+            <a:avLst/>
+          </a:prstGeom>
+        </p:spPr>
+        <p:style>
+          <a:lnRef idx="2">
+            <a:schemeClr val="dk1">
+              <a:shade val="50000"/>
+            </a:schemeClr>
+          </a:lnRef>
+          <a:fillRef idx="1">
+            <a:schemeClr val="dk1"/>
+          </a:fillRef>
+          <a:effectRef idx="0">
+            <a:schemeClr val="dk1"/>
+          </a:effectRef>
+          <a:fontRef idx="minor">
+            <a:schemeClr val="lt1"/>
+          </a:fontRef>
+        </p:style>
+        <p:txBody>
+          <a:bodyPr rtlCol="0" anchor="ctr"/>
+          <a:lstStyle/>
+          <a:p>
+            <a:pPr algn="ctr"/>
+            <a:r>
+              <a:rPr lang="ko-KR" altLang="en-US" dirty="0"/>
+              <a:t>서브 </a:t>
+            </a:r>
+            <a:r>
+              <a:rPr lang="en-US" altLang="ko-KR" dirty="0"/>
+              <a:t>8</a:t>
+            </a:r>
+            <a:endParaRPr lang="ko-KR" altLang="en-US" dirty="0"/>
+          </a:p>
+        </p:txBody>
+      </p:sp>
+      <p:sp>
+        <p:nvSpPr>
+          <p:cNvPr id="6" name="직사각형 5">
+            <a:extLst>
+              <a:ext uri="{FF2B5EF4-FFF2-40B4-BE49-F238E27FC236}">
+                <a16:creationId xmlns:a16="http://schemas.microsoft.com/office/drawing/2014/main" id="{5B41EC4B-4E77-4A0C-B910-D903EBCE7CA7}"/>
+              </a:ext>
+            </a:extLst>
+          </p:cNvPr>
+          <p:cNvSpPr/>
+          <p:nvPr/>
+        </p:nvSpPr>
+        <p:spPr>
+          <a:xfrm>
+            <a:off x="8660130" y="2011680"/>
+            <a:ext cx="1977390" cy="822960"/>
+          </a:xfrm>
+          <a:prstGeom prst="rect">
+            <a:avLst/>
+          </a:prstGeom>
+        </p:spPr>
+        <p:style>
+          <a:lnRef idx="2">
+            <a:schemeClr val="dk1">
+              <a:shade val="50000"/>
+            </a:schemeClr>
+          </a:lnRef>
+          <a:fillRef idx="1">
+            <a:schemeClr val="dk1"/>
+          </a:fillRef>
+          <a:effectRef idx="0">
+            <a:schemeClr val="dk1"/>
+          </a:effectRef>
+          <a:fontRef idx="minor">
+            <a:schemeClr val="lt1"/>
+          </a:fontRef>
+        </p:style>
+        <p:txBody>
+          <a:bodyPr rtlCol="0" anchor="ctr"/>
+          <a:lstStyle/>
+          <a:p>
+            <a:pPr algn="ctr"/>
+            <a:r>
+              <a:rPr lang="ko-KR" altLang="en-US" dirty="0"/>
+              <a:t>이웃 </a:t>
+            </a:r>
+            <a:r>
+              <a:rPr lang="en-US" altLang="ko-KR" dirty="0"/>
+              <a:t>6</a:t>
+            </a:r>
+            <a:endParaRPr lang="ko-KR" altLang="en-US" dirty="0"/>
+          </a:p>
+        </p:txBody>
+      </p:sp>
+      <p:sp>
+        <p:nvSpPr>
+          <p:cNvPr id="7" name="직사각형 6">
+            <a:extLst>
+              <a:ext uri="{FF2B5EF4-FFF2-40B4-BE49-F238E27FC236}">
+                <a16:creationId xmlns:a16="http://schemas.microsoft.com/office/drawing/2014/main" id="{DEC296E9-1788-458A-8D8C-53D58B52473B}"/>
+              </a:ext>
+            </a:extLst>
+          </p:cNvPr>
+          <p:cNvSpPr/>
+          <p:nvPr/>
+        </p:nvSpPr>
+        <p:spPr>
+          <a:xfrm>
+            <a:off x="1413510" y="2011680"/>
+            <a:ext cx="1977390" cy="822960"/>
+          </a:xfrm>
+          <a:prstGeom prst="rect">
+            <a:avLst/>
+          </a:prstGeom>
+        </p:spPr>
+        <p:style>
+          <a:lnRef idx="2">
+            <a:schemeClr val="dk1">
+              <a:shade val="50000"/>
+            </a:schemeClr>
+          </a:lnRef>
+          <a:fillRef idx="1">
+            <a:schemeClr val="dk1"/>
+          </a:fillRef>
+          <a:effectRef idx="0">
+            <a:schemeClr val="dk1"/>
+          </a:effectRef>
+          <a:fontRef idx="minor">
+            <a:schemeClr val="lt1"/>
+          </a:fontRef>
+        </p:style>
+        <p:txBody>
+          <a:bodyPr rtlCol="0" anchor="ctr"/>
+          <a:lstStyle/>
+          <a:p>
+            <a:pPr algn="ctr"/>
+            <a:r>
+              <a:rPr lang="ko-KR" altLang="en-US" dirty="0"/>
+              <a:t>스케일</a:t>
+            </a:r>
+          </a:p>
+        </p:txBody>
+      </p:sp>
+      <p:sp>
+        <p:nvSpPr>
+          <p:cNvPr id="8" name="직사각형 7">
+            <a:extLst>
+              <a:ext uri="{FF2B5EF4-FFF2-40B4-BE49-F238E27FC236}">
+                <a16:creationId xmlns:a16="http://schemas.microsoft.com/office/drawing/2014/main" id="{206FFD4F-4574-4E15-95CC-29CB5650447C}"/>
+              </a:ext>
+            </a:extLst>
+          </p:cNvPr>
+          <p:cNvSpPr/>
+          <p:nvPr/>
+        </p:nvSpPr>
+        <p:spPr>
+          <a:xfrm>
+            <a:off x="1413510" y="3261360"/>
+            <a:ext cx="1977390" cy="822960"/>
+          </a:xfrm>
+          <a:prstGeom prst="rect">
+            <a:avLst/>
+          </a:prstGeom>
+        </p:spPr>
+        <p:style>
+          <a:lnRef idx="2">
+            <a:schemeClr val="dk1">
+              <a:shade val="50000"/>
+            </a:schemeClr>
+          </a:lnRef>
+          <a:fillRef idx="1">
+            <a:schemeClr val="dk1"/>
+          </a:fillRef>
+          <a:effectRef idx="0">
+            <a:schemeClr val="dk1"/>
+          </a:effectRef>
+          <a:fontRef idx="minor">
+            <a:schemeClr val="lt1"/>
+          </a:fontRef>
+        </p:style>
+        <p:txBody>
+          <a:bodyPr rtlCol="0" anchor="ctr"/>
+          <a:lstStyle/>
+          <a:p>
+            <a:pPr algn="ctr"/>
+            <a:r>
+              <a:rPr lang="ko-KR" altLang="en-US" dirty="0"/>
+              <a:t>테라인</a:t>
+            </a:r>
+          </a:p>
+        </p:txBody>
+      </p:sp>
+      <p:sp>
+        <p:nvSpPr>
+          <p:cNvPr id="9" name="직사각형 8">
+            <a:extLst>
+              <a:ext uri="{FF2B5EF4-FFF2-40B4-BE49-F238E27FC236}">
+                <a16:creationId xmlns:a16="http://schemas.microsoft.com/office/drawing/2014/main" id="{5B6F90AD-2E8A-4C8C-86FB-22E3BA199527}"/>
+              </a:ext>
+            </a:extLst>
+          </p:cNvPr>
+          <p:cNvSpPr/>
+          <p:nvPr/>
+        </p:nvSpPr>
+        <p:spPr>
+          <a:xfrm>
+            <a:off x="3829050" y="3261360"/>
+            <a:ext cx="1977390" cy="822960"/>
+          </a:xfrm>
+          <a:prstGeom prst="rect">
+            <a:avLst/>
+          </a:prstGeom>
+        </p:spPr>
+        <p:style>
+          <a:lnRef idx="2">
+            <a:schemeClr val="dk1">
+              <a:shade val="50000"/>
+            </a:schemeClr>
+          </a:lnRef>
+          <a:fillRef idx="1">
+            <a:schemeClr val="dk1"/>
+          </a:fillRef>
+          <a:effectRef idx="0">
+            <a:schemeClr val="dk1"/>
+          </a:effectRef>
+          <a:fontRef idx="minor">
+            <a:schemeClr val="lt1"/>
+          </a:fontRef>
+        </p:style>
+        <p:txBody>
+          <a:bodyPr rtlCol="0" anchor="ctr"/>
+          <a:lstStyle/>
+          <a:p>
+            <a:pPr algn="ctr"/>
+            <a:r>
+              <a:rPr lang="ko-KR" altLang="en-US" dirty="0"/>
+              <a:t>오브젝트 리스트</a:t>
+            </a:r>
+          </a:p>
+        </p:txBody>
+      </p:sp>
+    </p:spTree>
+    <p:extLst>
+      <p:ext uri="{BB962C8B-B14F-4D97-AF65-F5344CB8AC3E}">
+        <p14:creationId xmlns:p14="http://schemas.microsoft.com/office/powerpoint/2010/main" val="1871893652"/>
+      </p:ext>
+    </p:extLst>
+  </p:cSld>
+  <p:clrMapOvr>
+    <a:masterClrMapping/>
+  </p:clrMapOvr>
+</p:sld>
+</file>
+
 <file path=ppt/slides/slide2.xml><?xml version="1.0" encoding="utf-8"?>
 <p:sld xmlns:a="http://schemas.openxmlformats.org/drawingml/2006/main" xmlns:r="http://schemas.openxmlformats.org/officeDocument/2006/relationships" xmlns:p="http://schemas.openxmlformats.org/presentationml/2006/main">
   <p:cSld>

--- a/RollBall/roll_ball.pptx
+++ b/RollBall/roll_ball.pptx
@@ -328,7 +328,7 @@
           <a:p>
             <a:fld id="{55484BE3-27E7-49EA-9085-01EC175E6EED}" type="datetimeFigureOut">
               <a:rPr lang="ko-KR" altLang="en-US" smtClean="0"/>
-              <a:t>2021-08-04</a:t>
+              <a:t>2021-08-05</a:t>
             </a:fld>
             <a:endParaRPr lang="ko-KR" altLang="en-US"/>
           </a:p>
@@ -518,7 +518,7 @@
           <a:p>
             <a:fld id="{55484BE3-27E7-49EA-9085-01EC175E6EED}" type="datetimeFigureOut">
               <a:rPr lang="ko-KR" altLang="en-US" smtClean="0"/>
-              <a:t>2021-08-04</a:t>
+              <a:t>2021-08-05</a:t>
             </a:fld>
             <a:endParaRPr lang="ko-KR" altLang="en-US"/>
           </a:p>
@@ -698,7 +698,7 @@
           <a:p>
             <a:fld id="{55484BE3-27E7-49EA-9085-01EC175E6EED}" type="datetimeFigureOut">
               <a:rPr lang="ko-KR" altLang="en-US" smtClean="0"/>
-              <a:t>2021-08-04</a:t>
+              <a:t>2021-08-05</a:t>
             </a:fld>
             <a:endParaRPr lang="ko-KR" altLang="en-US"/>
           </a:p>
@@ -868,7 +868,7 @@
           <a:p>
             <a:fld id="{55484BE3-27E7-49EA-9085-01EC175E6EED}" type="datetimeFigureOut">
               <a:rPr lang="ko-KR" altLang="en-US" smtClean="0"/>
-              <a:t>2021-08-04</a:t>
+              <a:t>2021-08-05</a:t>
             </a:fld>
             <a:endParaRPr lang="ko-KR" altLang="en-US"/>
           </a:p>
@@ -1124,7 +1124,7 @@
           <a:p>
             <a:fld id="{55484BE3-27E7-49EA-9085-01EC175E6EED}" type="datetimeFigureOut">
               <a:rPr lang="ko-KR" altLang="en-US" smtClean="0"/>
-              <a:t>2021-08-04</a:t>
+              <a:t>2021-08-05</a:t>
             </a:fld>
             <a:endParaRPr lang="ko-KR" altLang="en-US"/>
           </a:p>
@@ -1412,7 +1412,7 @@
           <a:p>
             <a:fld id="{55484BE3-27E7-49EA-9085-01EC175E6EED}" type="datetimeFigureOut">
               <a:rPr lang="ko-KR" altLang="en-US" smtClean="0"/>
-              <a:t>2021-08-04</a:t>
+              <a:t>2021-08-05</a:t>
             </a:fld>
             <a:endParaRPr lang="ko-KR" altLang="en-US"/>
           </a:p>
@@ -1850,7 +1850,7 @@
           <a:p>
             <a:fld id="{55484BE3-27E7-49EA-9085-01EC175E6EED}" type="datetimeFigureOut">
               <a:rPr lang="ko-KR" altLang="en-US" smtClean="0"/>
-              <a:t>2021-08-04</a:t>
+              <a:t>2021-08-05</a:t>
             </a:fld>
             <a:endParaRPr lang="ko-KR" altLang="en-US"/>
           </a:p>
@@ -1968,7 +1968,7 @@
           <a:p>
             <a:fld id="{55484BE3-27E7-49EA-9085-01EC175E6EED}" type="datetimeFigureOut">
               <a:rPr lang="ko-KR" altLang="en-US" smtClean="0"/>
-              <a:t>2021-08-04</a:t>
+              <a:t>2021-08-05</a:t>
             </a:fld>
             <a:endParaRPr lang="ko-KR" altLang="en-US"/>
           </a:p>
@@ -2063,7 +2063,7 @@
           <a:p>
             <a:fld id="{55484BE3-27E7-49EA-9085-01EC175E6EED}" type="datetimeFigureOut">
               <a:rPr lang="ko-KR" altLang="en-US" smtClean="0"/>
-              <a:t>2021-08-04</a:t>
+              <a:t>2021-08-05</a:t>
             </a:fld>
             <a:endParaRPr lang="ko-KR" altLang="en-US"/>
           </a:p>
@@ -2419,7 +2419,7 @@
           <a:p>
             <a:fld id="{55484BE3-27E7-49EA-9085-01EC175E6EED}" type="datetimeFigureOut">
               <a:rPr lang="ko-KR" altLang="en-US" smtClean="0"/>
-              <a:t>2021-08-04</a:t>
+              <a:t>2021-08-05</a:t>
             </a:fld>
             <a:endParaRPr lang="ko-KR" altLang="en-US"/>
           </a:p>
@@ -2735,7 +2735,7 @@
           <a:p>
             <a:fld id="{55484BE3-27E7-49EA-9085-01EC175E6EED}" type="datetimeFigureOut">
               <a:rPr lang="ko-KR" altLang="en-US" smtClean="0"/>
-              <a:t>2021-08-04</a:t>
+              <a:t>2021-08-05</a:t>
             </a:fld>
             <a:endParaRPr lang="ko-KR" altLang="en-US"/>
           </a:p>
@@ -2968,7 +2968,7 @@
           <a:p>
             <a:fld id="{55484BE3-27E7-49EA-9085-01EC175E6EED}" type="datetimeFigureOut">
               <a:rPr lang="ko-KR" altLang="en-US" smtClean="0"/>
-              <a:t>2021-08-04</a:t>
+              <a:t>2021-08-05</a:t>
             </a:fld>
             <a:endParaRPr lang="ko-KR" altLang="en-US"/>
           </a:p>
@@ -7169,6 +7169,55 @@
         </p:nvSpPr>
         <p:spPr>
           <a:xfrm>
+            <a:off x="6244590" y="2011680"/>
+            <a:ext cx="1977390" cy="822960"/>
+          </a:xfrm>
+          <a:prstGeom prst="rect">
+            <a:avLst/>
+          </a:prstGeom>
+        </p:spPr>
+        <p:style>
+          <a:lnRef idx="2">
+            <a:schemeClr val="dk1">
+              <a:shade val="50000"/>
+            </a:schemeClr>
+          </a:lnRef>
+          <a:fillRef idx="1">
+            <a:schemeClr val="dk1"/>
+          </a:fillRef>
+          <a:effectRef idx="0">
+            <a:schemeClr val="dk1"/>
+          </a:effectRef>
+          <a:fontRef idx="minor">
+            <a:schemeClr val="lt1"/>
+          </a:fontRef>
+        </p:style>
+        <p:txBody>
+          <a:bodyPr rtlCol="0" anchor="ctr"/>
+          <a:lstStyle/>
+          <a:p>
+            <a:pPr algn="ctr"/>
+            <a:r>
+              <a:rPr lang="ko-KR" altLang="en-US" dirty="0"/>
+              <a:t>슈퍼</a:t>
+            </a:r>
+          </a:p>
+        </p:txBody>
+      </p:sp>
+      <p:sp>
+        <p:nvSpPr>
+          <p:cNvPr id="5" name="직사각형 4">
+            <a:extLst>
+              <a:ext uri="{FF2B5EF4-FFF2-40B4-BE49-F238E27FC236}">
+                <a16:creationId xmlns:a16="http://schemas.microsoft.com/office/drawing/2014/main" id="{45CA377C-5F6D-4F23-9B95-F6AF925CCC90}"/>
+              </a:ext>
+            </a:extLst>
+          </p:cNvPr>
+          <p:cNvSpPr/>
+          <p:nvPr/>
+        </p:nvSpPr>
+        <p:spPr>
+          <a:xfrm>
             <a:off x="3829050" y="2011680"/>
             <a:ext cx="1977390" cy="822960"/>
           </a:xfrm>
@@ -7199,55 +7248,6 @@
             <a:pPr algn="ctr"/>
             <a:r>
               <a:rPr lang="ko-KR" altLang="en-US" dirty="0"/>
-              <a:t>슈퍼</a:t>
-            </a:r>
-          </a:p>
-        </p:txBody>
-      </p:sp>
-      <p:sp>
-        <p:nvSpPr>
-          <p:cNvPr id="5" name="직사각형 4">
-            <a:extLst>
-              <a:ext uri="{FF2B5EF4-FFF2-40B4-BE49-F238E27FC236}">
-                <a16:creationId xmlns:a16="http://schemas.microsoft.com/office/drawing/2014/main" id="{45CA377C-5F6D-4F23-9B95-F6AF925CCC90}"/>
-              </a:ext>
-            </a:extLst>
-          </p:cNvPr>
-          <p:cNvSpPr/>
-          <p:nvPr/>
-        </p:nvSpPr>
-        <p:spPr>
-          <a:xfrm>
-            <a:off x="6244590" y="2011680"/>
-            <a:ext cx="1977390" cy="822960"/>
-          </a:xfrm>
-          <a:prstGeom prst="rect">
-            <a:avLst/>
-          </a:prstGeom>
-        </p:spPr>
-        <p:style>
-          <a:lnRef idx="2">
-            <a:schemeClr val="dk1">
-              <a:shade val="50000"/>
-            </a:schemeClr>
-          </a:lnRef>
-          <a:fillRef idx="1">
-            <a:schemeClr val="dk1"/>
-          </a:fillRef>
-          <a:effectRef idx="0">
-            <a:schemeClr val="dk1"/>
-          </a:effectRef>
-          <a:fontRef idx="minor">
-            <a:schemeClr val="lt1"/>
-          </a:fontRef>
-        </p:style>
-        <p:txBody>
-          <a:bodyPr rtlCol="0" anchor="ctr"/>
-          <a:lstStyle/>
-          <a:p>
-            <a:pPr algn="ctr"/>
-            <a:r>
-              <a:rPr lang="ko-KR" altLang="en-US" dirty="0"/>
               <a:t>서브 </a:t>
             </a:r>
             <a:r>
@@ -7264,60 +7264,6 @@
             <a:extLst>
               <a:ext uri="{FF2B5EF4-FFF2-40B4-BE49-F238E27FC236}">
                 <a16:creationId xmlns:a16="http://schemas.microsoft.com/office/drawing/2014/main" id="{5B41EC4B-4E77-4A0C-B910-D903EBCE7CA7}"/>
-              </a:ext>
-            </a:extLst>
-          </p:cNvPr>
-          <p:cNvSpPr/>
-          <p:nvPr/>
-        </p:nvSpPr>
-        <p:spPr>
-          <a:xfrm>
-            <a:off x="8660130" y="2011680"/>
-            <a:ext cx="1977390" cy="822960"/>
-          </a:xfrm>
-          <a:prstGeom prst="rect">
-            <a:avLst/>
-          </a:prstGeom>
-        </p:spPr>
-        <p:style>
-          <a:lnRef idx="2">
-            <a:schemeClr val="dk1">
-              <a:shade val="50000"/>
-            </a:schemeClr>
-          </a:lnRef>
-          <a:fillRef idx="1">
-            <a:schemeClr val="dk1"/>
-          </a:fillRef>
-          <a:effectRef idx="0">
-            <a:schemeClr val="dk1"/>
-          </a:effectRef>
-          <a:fontRef idx="minor">
-            <a:schemeClr val="lt1"/>
-          </a:fontRef>
-        </p:style>
-        <p:txBody>
-          <a:bodyPr rtlCol="0" anchor="ctr"/>
-          <a:lstStyle/>
-          <a:p>
-            <a:pPr algn="ctr"/>
-            <a:r>
-              <a:rPr lang="ko-KR" altLang="en-US" dirty="0"/>
-              <a:t>이웃 </a:t>
-            </a:r>
-            <a:r>
-              <a:rPr lang="en-US" altLang="ko-KR" dirty="0"/>
-              <a:t>6</a:t>
-            </a:r>
-            <a:endParaRPr lang="ko-KR" altLang="en-US" dirty="0"/>
-          </a:p>
-        </p:txBody>
-      </p:sp>
-      <p:sp>
-        <p:nvSpPr>
-          <p:cNvPr id="7" name="직사각형 6">
-            <a:extLst>
-              <a:ext uri="{FF2B5EF4-FFF2-40B4-BE49-F238E27FC236}">
-                <a16:creationId xmlns:a16="http://schemas.microsoft.com/office/drawing/2014/main" id="{DEC296E9-1788-458A-8D8C-53D58B52473B}"/>
               </a:ext>
             </a:extLst>
           </p:cNvPr>
@@ -7356,17 +7302,22 @@
             <a:pPr algn="ctr"/>
             <a:r>
               <a:rPr lang="ko-KR" altLang="en-US" dirty="0"/>
-              <a:t>스케일</a:t>
-            </a:r>
-          </a:p>
-        </p:txBody>
-      </p:sp>
-      <p:sp>
-        <p:nvSpPr>
-          <p:cNvPr id="8" name="직사각형 7">
+              <a:t>이웃 </a:t>
+            </a:r>
+            <a:r>
+              <a:rPr lang="en-US" altLang="ko-KR" dirty="0"/>
+              <a:t>8</a:t>
+            </a:r>
+            <a:endParaRPr lang="ko-KR" altLang="en-US" dirty="0"/>
+          </a:p>
+        </p:txBody>
+      </p:sp>
+      <p:sp>
+        <p:nvSpPr>
+          <p:cNvPr id="7" name="직사각형 6">
             <a:extLst>
               <a:ext uri="{FF2B5EF4-FFF2-40B4-BE49-F238E27FC236}">
-                <a16:creationId xmlns:a16="http://schemas.microsoft.com/office/drawing/2014/main" id="{206FFD4F-4574-4E15-95CC-29CB5650447C}"/>
+                <a16:creationId xmlns:a16="http://schemas.microsoft.com/office/drawing/2014/main" id="{DEC296E9-1788-458A-8D8C-53D58B52473B}"/>
               </a:ext>
             </a:extLst>
           </p:cNvPr>
@@ -7375,7 +7326,7 @@
         </p:nvSpPr>
         <p:spPr>
           <a:xfrm>
-            <a:off x="1413510" y="3261360"/>
+            <a:off x="1413510" y="3200401"/>
             <a:ext cx="1977390" cy="822960"/>
           </a:xfrm>
           <a:prstGeom prst="rect">
@@ -7405,6 +7356,55 @@
             <a:pPr algn="ctr"/>
             <a:r>
               <a:rPr lang="ko-KR" altLang="en-US" dirty="0"/>
+              <a:t>스케일</a:t>
+            </a:r>
+          </a:p>
+        </p:txBody>
+      </p:sp>
+      <p:sp>
+        <p:nvSpPr>
+          <p:cNvPr id="8" name="직사각형 7">
+            <a:extLst>
+              <a:ext uri="{FF2B5EF4-FFF2-40B4-BE49-F238E27FC236}">
+                <a16:creationId xmlns:a16="http://schemas.microsoft.com/office/drawing/2014/main" id="{206FFD4F-4574-4E15-95CC-29CB5650447C}"/>
+              </a:ext>
+            </a:extLst>
+          </p:cNvPr>
+          <p:cNvSpPr/>
+          <p:nvPr/>
+        </p:nvSpPr>
+        <p:spPr>
+          <a:xfrm>
+            <a:off x="3829050" y="3200401"/>
+            <a:ext cx="1977390" cy="822960"/>
+          </a:xfrm>
+          <a:prstGeom prst="rect">
+            <a:avLst/>
+          </a:prstGeom>
+        </p:spPr>
+        <p:style>
+          <a:lnRef idx="2">
+            <a:schemeClr val="dk1">
+              <a:shade val="50000"/>
+            </a:schemeClr>
+          </a:lnRef>
+          <a:fillRef idx="1">
+            <a:schemeClr val="dk1"/>
+          </a:fillRef>
+          <a:effectRef idx="0">
+            <a:schemeClr val="dk1"/>
+          </a:effectRef>
+          <a:fontRef idx="minor">
+            <a:schemeClr val="lt1"/>
+          </a:fontRef>
+        </p:style>
+        <p:txBody>
+          <a:bodyPr rtlCol="0" anchor="ctr"/>
+          <a:lstStyle/>
+          <a:p>
+            <a:pPr algn="ctr"/>
+            <a:r>
+              <a:rPr lang="ko-KR" altLang="en-US" dirty="0"/>
               <a:t>테라인</a:t>
             </a:r>
           </a:p>
@@ -7424,7 +7424,7 @@
         </p:nvSpPr>
         <p:spPr>
           <a:xfrm>
-            <a:off x="3829050" y="3261360"/>
+            <a:off x="6244590" y="3200401"/>
             <a:ext cx="1977390" cy="822960"/>
           </a:xfrm>
           <a:prstGeom prst="rect">

--- a/RollBall/roll_ball.pptx
+++ b/RollBall/roll_ball.pptx
@@ -7306,7 +7306,7 @@
             </a:r>
             <a:r>
               <a:rPr lang="en-US" altLang="ko-KR" dirty="0"/>
-              <a:t>8</a:t>
+              <a:t>6</a:t>
             </a:r>
             <a:endParaRPr lang="ko-KR" altLang="en-US" dirty="0"/>
           </a:p>

--- a/RollBall/roll_ball.pptx
+++ b/RollBall/roll_ball.pptx
@@ -328,7 +328,7 @@
           <a:p>
             <a:fld id="{55484BE3-27E7-49EA-9085-01EC175E6EED}" type="datetimeFigureOut">
               <a:rPr lang="ko-KR" altLang="en-US" smtClean="0"/>
-              <a:t>2021-08-05</a:t>
+              <a:t>2021-08-08</a:t>
             </a:fld>
             <a:endParaRPr lang="ko-KR" altLang="en-US"/>
           </a:p>
@@ -518,7 +518,7 @@
           <a:p>
             <a:fld id="{55484BE3-27E7-49EA-9085-01EC175E6EED}" type="datetimeFigureOut">
               <a:rPr lang="ko-KR" altLang="en-US" smtClean="0"/>
-              <a:t>2021-08-05</a:t>
+              <a:t>2021-08-08</a:t>
             </a:fld>
             <a:endParaRPr lang="ko-KR" altLang="en-US"/>
           </a:p>
@@ -698,7 +698,7 @@
           <a:p>
             <a:fld id="{55484BE3-27E7-49EA-9085-01EC175E6EED}" type="datetimeFigureOut">
               <a:rPr lang="ko-KR" altLang="en-US" smtClean="0"/>
-              <a:t>2021-08-05</a:t>
+              <a:t>2021-08-08</a:t>
             </a:fld>
             <a:endParaRPr lang="ko-KR" altLang="en-US"/>
           </a:p>
@@ -868,7 +868,7 @@
           <a:p>
             <a:fld id="{55484BE3-27E7-49EA-9085-01EC175E6EED}" type="datetimeFigureOut">
               <a:rPr lang="ko-KR" altLang="en-US" smtClean="0"/>
-              <a:t>2021-08-05</a:t>
+              <a:t>2021-08-08</a:t>
             </a:fld>
             <a:endParaRPr lang="ko-KR" altLang="en-US"/>
           </a:p>
@@ -1124,7 +1124,7 @@
           <a:p>
             <a:fld id="{55484BE3-27E7-49EA-9085-01EC175E6EED}" type="datetimeFigureOut">
               <a:rPr lang="ko-KR" altLang="en-US" smtClean="0"/>
-              <a:t>2021-08-05</a:t>
+              <a:t>2021-08-08</a:t>
             </a:fld>
             <a:endParaRPr lang="ko-KR" altLang="en-US"/>
           </a:p>
@@ -1412,7 +1412,7 @@
           <a:p>
             <a:fld id="{55484BE3-27E7-49EA-9085-01EC175E6EED}" type="datetimeFigureOut">
               <a:rPr lang="ko-KR" altLang="en-US" smtClean="0"/>
-              <a:t>2021-08-05</a:t>
+              <a:t>2021-08-08</a:t>
             </a:fld>
             <a:endParaRPr lang="ko-KR" altLang="en-US"/>
           </a:p>
@@ -1850,7 +1850,7 @@
           <a:p>
             <a:fld id="{55484BE3-27E7-49EA-9085-01EC175E6EED}" type="datetimeFigureOut">
               <a:rPr lang="ko-KR" altLang="en-US" smtClean="0"/>
-              <a:t>2021-08-05</a:t>
+              <a:t>2021-08-08</a:t>
             </a:fld>
             <a:endParaRPr lang="ko-KR" altLang="en-US"/>
           </a:p>
@@ -1968,7 +1968,7 @@
           <a:p>
             <a:fld id="{55484BE3-27E7-49EA-9085-01EC175E6EED}" type="datetimeFigureOut">
               <a:rPr lang="ko-KR" altLang="en-US" smtClean="0"/>
-              <a:t>2021-08-05</a:t>
+              <a:t>2021-08-08</a:t>
             </a:fld>
             <a:endParaRPr lang="ko-KR" altLang="en-US"/>
           </a:p>
@@ -2063,7 +2063,7 @@
           <a:p>
             <a:fld id="{55484BE3-27E7-49EA-9085-01EC175E6EED}" type="datetimeFigureOut">
               <a:rPr lang="ko-KR" altLang="en-US" smtClean="0"/>
-              <a:t>2021-08-05</a:t>
+              <a:t>2021-08-08</a:t>
             </a:fld>
             <a:endParaRPr lang="ko-KR" altLang="en-US"/>
           </a:p>
@@ -2419,7 +2419,7 @@
           <a:p>
             <a:fld id="{55484BE3-27E7-49EA-9085-01EC175E6EED}" type="datetimeFigureOut">
               <a:rPr lang="ko-KR" altLang="en-US" smtClean="0"/>
-              <a:t>2021-08-05</a:t>
+              <a:t>2021-08-08</a:t>
             </a:fld>
             <a:endParaRPr lang="ko-KR" altLang="en-US"/>
           </a:p>
@@ -2735,7 +2735,7 @@
           <a:p>
             <a:fld id="{55484BE3-27E7-49EA-9085-01EC175E6EED}" type="datetimeFigureOut">
               <a:rPr lang="ko-KR" altLang="en-US" smtClean="0"/>
-              <a:t>2021-08-05</a:t>
+              <a:t>2021-08-08</a:t>
             </a:fld>
             <a:endParaRPr lang="ko-KR" altLang="en-US"/>
           </a:p>
@@ -2968,7 +2968,7 @@
           <a:p>
             <a:fld id="{55484BE3-27E7-49EA-9085-01EC175E6EED}" type="datetimeFigureOut">
               <a:rPr lang="ko-KR" altLang="en-US" smtClean="0"/>
-              <a:t>2021-08-05</a:t>
+              <a:t>2021-08-08</a:t>
             </a:fld>
             <a:endParaRPr lang="ko-KR" altLang="en-US"/>
           </a:p>
@@ -7157,109 +7157,6 @@
       </p:grpSpPr>
       <p:sp>
         <p:nvSpPr>
-          <p:cNvPr id="4" name="직사각형 3">
-            <a:extLst>
-              <a:ext uri="{FF2B5EF4-FFF2-40B4-BE49-F238E27FC236}">
-                <a16:creationId xmlns:a16="http://schemas.microsoft.com/office/drawing/2014/main" id="{FD0CC5A6-D7F5-4308-A1AD-4994B8F1AB59}"/>
-              </a:ext>
-            </a:extLst>
-          </p:cNvPr>
-          <p:cNvSpPr/>
-          <p:nvPr/>
-        </p:nvSpPr>
-        <p:spPr>
-          <a:xfrm>
-            <a:off x="6244590" y="2011680"/>
-            <a:ext cx="1977390" cy="822960"/>
-          </a:xfrm>
-          <a:prstGeom prst="rect">
-            <a:avLst/>
-          </a:prstGeom>
-        </p:spPr>
-        <p:style>
-          <a:lnRef idx="2">
-            <a:schemeClr val="dk1">
-              <a:shade val="50000"/>
-            </a:schemeClr>
-          </a:lnRef>
-          <a:fillRef idx="1">
-            <a:schemeClr val="dk1"/>
-          </a:fillRef>
-          <a:effectRef idx="0">
-            <a:schemeClr val="dk1"/>
-          </a:effectRef>
-          <a:fontRef idx="minor">
-            <a:schemeClr val="lt1"/>
-          </a:fontRef>
-        </p:style>
-        <p:txBody>
-          <a:bodyPr rtlCol="0" anchor="ctr"/>
-          <a:lstStyle/>
-          <a:p>
-            <a:pPr algn="ctr"/>
-            <a:r>
-              <a:rPr lang="ko-KR" altLang="en-US" dirty="0"/>
-              <a:t>슈퍼</a:t>
-            </a:r>
-          </a:p>
-        </p:txBody>
-      </p:sp>
-      <p:sp>
-        <p:nvSpPr>
-          <p:cNvPr id="5" name="직사각형 4">
-            <a:extLst>
-              <a:ext uri="{FF2B5EF4-FFF2-40B4-BE49-F238E27FC236}">
-                <a16:creationId xmlns:a16="http://schemas.microsoft.com/office/drawing/2014/main" id="{45CA377C-5F6D-4F23-9B95-F6AF925CCC90}"/>
-              </a:ext>
-            </a:extLst>
-          </p:cNvPr>
-          <p:cNvSpPr/>
-          <p:nvPr/>
-        </p:nvSpPr>
-        <p:spPr>
-          <a:xfrm>
-            <a:off x="3829050" y="2011680"/>
-            <a:ext cx="1977390" cy="822960"/>
-          </a:xfrm>
-          <a:prstGeom prst="rect">
-            <a:avLst/>
-          </a:prstGeom>
-        </p:spPr>
-        <p:style>
-          <a:lnRef idx="2">
-            <a:schemeClr val="dk1">
-              <a:shade val="50000"/>
-            </a:schemeClr>
-          </a:lnRef>
-          <a:fillRef idx="1">
-            <a:schemeClr val="dk1"/>
-          </a:fillRef>
-          <a:effectRef idx="0">
-            <a:schemeClr val="dk1"/>
-          </a:effectRef>
-          <a:fontRef idx="minor">
-            <a:schemeClr val="lt1"/>
-          </a:fontRef>
-        </p:style>
-        <p:txBody>
-          <a:bodyPr rtlCol="0" anchor="ctr"/>
-          <a:lstStyle/>
-          <a:p>
-            <a:pPr algn="ctr"/>
-            <a:r>
-              <a:rPr lang="ko-KR" altLang="en-US" dirty="0"/>
-              <a:t>서브 </a:t>
-            </a:r>
-            <a:r>
-              <a:rPr lang="en-US" altLang="ko-KR" dirty="0"/>
-              <a:t>8</a:t>
-            </a:r>
-            <a:endParaRPr lang="ko-KR" altLang="en-US" dirty="0"/>
-          </a:p>
-        </p:txBody>
-      </p:sp>
-      <p:sp>
-        <p:nvSpPr>
           <p:cNvPr id="6" name="직사각형 5">
             <a:extLst>
               <a:ext uri="{FF2B5EF4-FFF2-40B4-BE49-F238E27FC236}">
@@ -7314,104 +7211,6 @@
       </p:sp>
       <p:sp>
         <p:nvSpPr>
-          <p:cNvPr id="7" name="직사각형 6">
-            <a:extLst>
-              <a:ext uri="{FF2B5EF4-FFF2-40B4-BE49-F238E27FC236}">
-                <a16:creationId xmlns:a16="http://schemas.microsoft.com/office/drawing/2014/main" id="{DEC296E9-1788-458A-8D8C-53D58B52473B}"/>
-              </a:ext>
-            </a:extLst>
-          </p:cNvPr>
-          <p:cNvSpPr/>
-          <p:nvPr/>
-        </p:nvSpPr>
-        <p:spPr>
-          <a:xfrm>
-            <a:off x="1413510" y="3200401"/>
-            <a:ext cx="1977390" cy="822960"/>
-          </a:xfrm>
-          <a:prstGeom prst="rect">
-            <a:avLst/>
-          </a:prstGeom>
-        </p:spPr>
-        <p:style>
-          <a:lnRef idx="2">
-            <a:schemeClr val="dk1">
-              <a:shade val="50000"/>
-            </a:schemeClr>
-          </a:lnRef>
-          <a:fillRef idx="1">
-            <a:schemeClr val="dk1"/>
-          </a:fillRef>
-          <a:effectRef idx="0">
-            <a:schemeClr val="dk1"/>
-          </a:effectRef>
-          <a:fontRef idx="minor">
-            <a:schemeClr val="lt1"/>
-          </a:fontRef>
-        </p:style>
-        <p:txBody>
-          <a:bodyPr rtlCol="0" anchor="ctr"/>
-          <a:lstStyle/>
-          <a:p>
-            <a:pPr algn="ctr"/>
-            <a:r>
-              <a:rPr lang="ko-KR" altLang="en-US" dirty="0"/>
-              <a:t>스케일</a:t>
-            </a:r>
-          </a:p>
-        </p:txBody>
-      </p:sp>
-      <p:sp>
-        <p:nvSpPr>
-          <p:cNvPr id="8" name="직사각형 7">
-            <a:extLst>
-              <a:ext uri="{FF2B5EF4-FFF2-40B4-BE49-F238E27FC236}">
-                <a16:creationId xmlns:a16="http://schemas.microsoft.com/office/drawing/2014/main" id="{206FFD4F-4574-4E15-95CC-29CB5650447C}"/>
-              </a:ext>
-            </a:extLst>
-          </p:cNvPr>
-          <p:cNvSpPr/>
-          <p:nvPr/>
-        </p:nvSpPr>
-        <p:spPr>
-          <a:xfrm>
-            <a:off x="3829050" y="3200401"/>
-            <a:ext cx="1977390" cy="822960"/>
-          </a:xfrm>
-          <a:prstGeom prst="rect">
-            <a:avLst/>
-          </a:prstGeom>
-        </p:spPr>
-        <p:style>
-          <a:lnRef idx="2">
-            <a:schemeClr val="dk1">
-              <a:shade val="50000"/>
-            </a:schemeClr>
-          </a:lnRef>
-          <a:fillRef idx="1">
-            <a:schemeClr val="dk1"/>
-          </a:fillRef>
-          <a:effectRef idx="0">
-            <a:schemeClr val="dk1"/>
-          </a:effectRef>
-          <a:fontRef idx="minor">
-            <a:schemeClr val="lt1"/>
-          </a:fontRef>
-        </p:style>
-        <p:txBody>
-          <a:bodyPr rtlCol="0" anchor="ctr"/>
-          <a:lstStyle/>
-          <a:p>
-            <a:pPr algn="ctr"/>
-            <a:r>
-              <a:rPr lang="ko-KR" altLang="en-US" dirty="0"/>
-              <a:t>테라인</a:t>
-            </a:r>
-          </a:p>
-        </p:txBody>
-      </p:sp>
-      <p:sp>
-        <p:nvSpPr>
           <p:cNvPr id="9" name="직사각형 8">
             <a:extLst>
               <a:ext uri="{FF2B5EF4-FFF2-40B4-BE49-F238E27FC236}">
@@ -7424,7 +7223,7 @@
         </p:nvSpPr>
         <p:spPr>
           <a:xfrm>
-            <a:off x="6244590" y="3200401"/>
+            <a:off x="4018225" y="2011680"/>
             <a:ext cx="1977390" cy="822960"/>
           </a:xfrm>
           <a:prstGeom prst="rect">
